--- a/my_notes.pptx
+++ b/my_notes.pptx
@@ -5,7 +5,7 @@
     <p:sldMasterId id="2147483648" r:id="rId1"/>
   </p:sldMasterIdLst>
   <p:notesMasterIdLst>
-    <p:notesMasterId r:id="rId27"/>
+    <p:notesMasterId r:id="rId34"/>
   </p:notesMasterIdLst>
   <p:sldIdLst>
     <p:sldId id="256" r:id="rId2"/>
@@ -24,15 +24,22 @@
     <p:sldId id="267" r:id="rId15"/>
     <p:sldId id="270" r:id="rId16"/>
     <p:sldId id="271" r:id="rId17"/>
-    <p:sldId id="281" r:id="rId18"/>
-    <p:sldId id="282" r:id="rId19"/>
+    <p:sldId id="286" r:id="rId18"/>
+    <p:sldId id="281" r:id="rId19"/>
     <p:sldId id="272" r:id="rId20"/>
     <p:sldId id="278" r:id="rId21"/>
     <p:sldId id="273" r:id="rId22"/>
     <p:sldId id="274" r:id="rId23"/>
     <p:sldId id="280" r:id="rId24"/>
     <p:sldId id="275" r:id="rId25"/>
-    <p:sldId id="279" r:id="rId26"/>
+    <p:sldId id="291" r:id="rId26"/>
+    <p:sldId id="288" r:id="rId27"/>
+    <p:sldId id="279" r:id="rId28"/>
+    <p:sldId id="283" r:id="rId29"/>
+    <p:sldId id="284" r:id="rId30"/>
+    <p:sldId id="285" r:id="rId31"/>
+    <p:sldId id="289" r:id="rId32"/>
+    <p:sldId id="290" r:id="rId33"/>
   </p:sldIdLst>
   <p:sldSz cx="12192000" cy="6858000"/>
   <p:notesSz cx="6858000" cy="9144000"/>
@@ -2740,7 +2747,7 @@
           <a:p>
             <a:fld id="{388B1555-F4E9-5F41-9F32-9C0D89BD75B5}" type="datetimeFigureOut">
               <a:rPr lang="en-IL" smtClean="0"/>
-              <a:t>14/04/2023</a:t>
+              <a:t>21/04/2023</a:t>
             </a:fld>
             <a:endParaRPr lang="en-IL"/>
           </a:p>
@@ -3341,19 +3348,11 @@
           <a:p>
             <a:r>
               <a:rPr lang="en-IL" dirty="0"/>
-              <a:t>iRegulon  (= </a:t>
-            </a:r>
-            <a:r>
-              <a:rPr lang="en-US" dirty="0" err="1"/>
-              <a:t>cisTarget</a:t>
-            </a:r>
-            <a:r>
-              <a:rPr lang="en-US" dirty="0"/>
-              <a:t>) </a:t>
-            </a:r>
-          </a:p>
-          <a:p>
-            <a:endParaRPr lang="en-US" dirty="0"/>
+              <a:t>Genome rankings are pre-computed for all motifs in our collection that are linked to a known TF.</a:t>
+            </a:r>
+          </a:p>
+          <a:p>
+            <a:endParaRPr lang="en-IL" dirty="0"/>
           </a:p>
           <a:p>
             <a:r>
@@ -3362,7 +3361,7 @@
             </a:r>
             <a:r>
               <a:rPr lang="en-US" dirty="0" err="1"/>
-              <a:t>journals.plos.org</a:t>
+              <a:t>www.ncbi.nlm.nih.gov</a:t>
             </a:r>
             <a:r>
               <a:rPr lang="en-US" dirty="0"/>
@@ -3370,23 +3369,19 @@
             </a:r>
             <a:r>
               <a:rPr lang="en-US" dirty="0" err="1"/>
-              <a:t>ploscompbiol</a:t>
+              <a:t>pmc</a:t>
             </a:r>
             <a:r>
               <a:rPr lang="en-US" dirty="0"/>
-              <a:t>/</a:t>
-            </a:r>
-            <a:r>
-              <a:rPr lang="en-US" dirty="0" err="1"/>
-              <a:t>article?id</a:t>
-            </a:r>
-            <a:r>
-              <a:rPr lang="en-US" dirty="0"/>
-              <a:t>=10.1371/journal.pcbi.1003731</a:t>
-            </a:r>
-          </a:p>
-          <a:p>
+              <a:t>/articles/PMC2910651/</a:t>
+            </a:r>
             <a:endParaRPr lang="en-IL" dirty="0"/>
+          </a:p>
+          <a:p>
+            <a:r>
+              <a:rPr lang="en-IL" dirty="0"/>
+              <a:t> </a:t>
+            </a:r>
           </a:p>
         </p:txBody>
       </p:sp>
@@ -3407,7 +3402,7 @@
           <a:p>
             <a:fld id="{86AFD4FA-721D-0140-967B-1B04101EA7BE}" type="slidenum">
               <a:rPr lang="en-IL" smtClean="0"/>
-              <a:t>19</a:t>
+              <a:t>17</a:t>
             </a:fld>
             <a:endParaRPr lang="en-IL"/>
           </a:p>
@@ -3416,7 +3411,7 @@
     </p:spTree>
     <p:extLst>
       <p:ext uri="{BB962C8B-B14F-4D97-AF65-F5344CB8AC3E}">
-        <p14:creationId xmlns:p14="http://schemas.microsoft.com/office/powerpoint/2010/main" val="3588214473"/>
+        <p14:creationId xmlns:p14="http://schemas.microsoft.com/office/powerpoint/2010/main" val="802723121"/>
       </p:ext>
     </p:extLst>
   </p:cSld>
@@ -3470,6 +3465,315 @@
           <a:bodyPr/>
           <a:lstStyle/>
           <a:p>
+            <a:r>
+              <a:rPr lang="en-IL" dirty="0"/>
+              <a:t>Leading edge: </a:t>
+            </a:r>
+          </a:p>
+        </p:txBody>
+      </p:sp>
+      <p:sp>
+        <p:nvSpPr>
+          <p:cNvPr id="4" name="Slide Number Placeholder 3"/>
+          <p:cNvSpPr>
+            <a:spLocks noGrp="1"/>
+          </p:cNvSpPr>
+          <p:nvPr>
+            <p:ph type="sldNum" sz="quarter" idx="5"/>
+          </p:nvPr>
+        </p:nvSpPr>
+        <p:spPr/>
+        <p:txBody>
+          <a:bodyPr/>
+          <a:lstStyle/>
+          <a:p>
+            <a:fld id="{86AFD4FA-721D-0140-967B-1B04101EA7BE}" type="slidenum">
+              <a:rPr lang="en-IL" smtClean="0"/>
+              <a:t>18</a:t>
+            </a:fld>
+            <a:endParaRPr lang="en-IL"/>
+          </a:p>
+        </p:txBody>
+      </p:sp>
+    </p:spTree>
+    <p:extLst>
+      <p:ext uri="{BB962C8B-B14F-4D97-AF65-F5344CB8AC3E}">
+        <p14:creationId xmlns:p14="http://schemas.microsoft.com/office/powerpoint/2010/main" val="2811168132"/>
+      </p:ext>
+    </p:extLst>
+  </p:cSld>
+  <p:clrMapOvr>
+    <a:masterClrMapping/>
+  </p:clrMapOvr>
+</p:notes>
+</file>
+
+<file path=ppt/notesSlides/notesSlide14.xml><?xml version="1.0" encoding="utf-8"?>
+<p:notes xmlns:a="http://schemas.openxmlformats.org/drawingml/2006/main" xmlns:r="http://schemas.openxmlformats.org/officeDocument/2006/relationships" xmlns:p="http://schemas.openxmlformats.org/presentationml/2006/main">
+  <p:cSld>
+    <p:spTree>
+      <p:nvGrpSpPr>
+        <p:cNvPr id="1" name=""/>
+        <p:cNvGrpSpPr/>
+        <p:nvPr/>
+      </p:nvGrpSpPr>
+      <p:grpSpPr>
+        <a:xfrm>
+          <a:off x="0" y="0"/>
+          <a:ext cx="0" cy="0"/>
+          <a:chOff x="0" y="0"/>
+          <a:chExt cx="0" cy="0"/>
+        </a:xfrm>
+      </p:grpSpPr>
+      <p:sp>
+        <p:nvSpPr>
+          <p:cNvPr id="2" name="Slide Image Placeholder 1"/>
+          <p:cNvSpPr>
+            <a:spLocks noGrp="1" noRot="1" noChangeAspect="1"/>
+          </p:cNvSpPr>
+          <p:nvPr>
+            <p:ph type="sldImg"/>
+          </p:nvPr>
+        </p:nvSpPr>
+        <p:spPr/>
+      </p:sp>
+      <p:sp>
+        <p:nvSpPr>
+          <p:cNvPr id="3" name="Notes Placeholder 2"/>
+          <p:cNvSpPr>
+            <a:spLocks noGrp="1"/>
+          </p:cNvSpPr>
+          <p:nvPr>
+            <p:ph type="body" idx="1"/>
+          </p:nvPr>
+        </p:nvSpPr>
+        <p:spPr/>
+        <p:txBody>
+          <a:bodyPr/>
+          <a:lstStyle/>
+          <a:p>
+            <a:r>
+              <a:rPr lang="en-IL" dirty="0"/>
+              <a:t>iRegulon  (= </a:t>
+            </a:r>
+            <a:r>
+              <a:rPr lang="en-US" dirty="0" err="1"/>
+              <a:t>cisTarget</a:t>
+            </a:r>
+            <a:r>
+              <a:rPr lang="en-US" dirty="0"/>
+              <a:t>) </a:t>
+            </a:r>
+          </a:p>
+          <a:p>
+            <a:endParaRPr lang="en-US" dirty="0"/>
+          </a:p>
+          <a:p>
+            <a:r>
+              <a:rPr lang="en-US" dirty="0"/>
+              <a:t>https://</a:t>
+            </a:r>
+            <a:r>
+              <a:rPr lang="en-US" dirty="0" err="1"/>
+              <a:t>journals.plos.org</a:t>
+            </a:r>
+            <a:r>
+              <a:rPr lang="en-US" dirty="0"/>
+              <a:t>/</a:t>
+            </a:r>
+            <a:r>
+              <a:rPr lang="en-US" dirty="0" err="1"/>
+              <a:t>ploscompbiol</a:t>
+            </a:r>
+            <a:r>
+              <a:rPr lang="en-US" dirty="0"/>
+              <a:t>/</a:t>
+            </a:r>
+            <a:r>
+              <a:rPr lang="en-US" dirty="0" err="1"/>
+              <a:t>article?id</a:t>
+            </a:r>
+            <a:r>
+              <a:rPr lang="en-US" dirty="0"/>
+              <a:t>=10.1371/journal.pcbi.1003731</a:t>
+            </a:r>
+          </a:p>
+          <a:p>
+            <a:endParaRPr lang="en-US" dirty="0"/>
+          </a:p>
+          <a:p>
+            <a:pPr algn="l">
+              <a:lnSpc>
+                <a:spcPts val="2250"/>
+              </a:lnSpc>
+              <a:spcBef>
+                <a:spcPts val="2000"/>
+              </a:spcBef>
+              <a:spcAft>
+                <a:spcPts val="1000"/>
+              </a:spcAft>
+            </a:pPr>
+            <a:r>
+              <a:rPr lang="en-US" sz="1800" b="0" i="0" u="none" strike="noStrike" dirty="0">
+                <a:solidFill>
+                  <a:srgbClr val="734126"/>
+                </a:solidFill>
+                <a:effectLst/>
+                <a:latin typeface="Cambria" panose="02040503050406030204" pitchFamily="18" charset="0"/>
+              </a:rPr>
+              <a:t>Detection of the target genes</a:t>
+            </a:r>
+          </a:p>
+          <a:p>
+            <a:pPr algn="l">
+              <a:spcBef>
+                <a:spcPts val="2000"/>
+              </a:spcBef>
+              <a:spcAft>
+                <a:spcPts val="2000"/>
+              </a:spcAft>
+            </a:pPr>
+            <a:r>
+              <a:rPr lang="en-US" b="0" i="0" u="none" strike="noStrike" dirty="0">
+                <a:solidFill>
+                  <a:srgbClr val="212121"/>
+                </a:solidFill>
+                <a:effectLst/>
+                <a:latin typeface="Cambria" panose="02040503050406030204" pitchFamily="18" charset="0"/>
+              </a:rPr>
+              <a:t>For each enriched motif, the candidate targets are selected as the optimal subset of highly ranked genes compared to the genomic background and to the entire motif collection as background. This step is illustrated in </a:t>
+            </a:r>
+            <a:r>
+              <a:rPr lang="en-US" b="0" i="0" u="sng" strike="noStrike" dirty="0">
+                <a:solidFill>
+                  <a:srgbClr val="4C2C92"/>
+                </a:solidFill>
+                <a:effectLst/>
+                <a:latin typeface="Cambria" panose="02040503050406030204" pitchFamily="18" charset="0"/>
+                <a:hlinkClick r:id="rId3"/>
+              </a:rPr>
+              <a:t>Fig. 1B</a:t>
+            </a:r>
+            <a:r>
+              <a:rPr lang="en-US" b="0" i="0" u="none" strike="noStrike" dirty="0">
+                <a:solidFill>
+                  <a:srgbClr val="212121"/>
+                </a:solidFill>
+                <a:effectLst/>
+                <a:latin typeface="Cambria" panose="02040503050406030204" pitchFamily="18" charset="0"/>
+              </a:rPr>
+              <a:t>. The target gene recovery is plotted along the whole-genome ranking for a given motif (blue curve) and compared to the average recovery + (2× standard deviation) (red curve) for all motifs in the collection. Similarly to the GSEA approach </a:t>
+            </a:r>
+            <a:r>
+              <a:rPr lang="en-US" b="0" i="0" u="sng" strike="noStrike" dirty="0">
+                <a:solidFill>
+                  <a:srgbClr val="4C2C92"/>
+                </a:solidFill>
+                <a:effectLst/>
+                <a:latin typeface="Cambria" panose="02040503050406030204" pitchFamily="18" charset="0"/>
+                <a:hlinkClick r:id="rId4"/>
+              </a:rPr>
+              <a:t>[71]</a:t>
+            </a:r>
+            <a:r>
+              <a:rPr lang="en-US" b="0" i="0" u="none" strike="noStrike" dirty="0">
+                <a:solidFill>
+                  <a:srgbClr val="212121"/>
+                </a:solidFill>
+                <a:effectLst/>
+                <a:latin typeface="Cambria" panose="02040503050406030204" pitchFamily="18" charset="0"/>
+              </a:rPr>
+              <a:t>, the leading edge corresponds to the rank where the difference between the signal (blue curve) and the background (red curve) is maximal within the top ranked genes (the latter is defined by the Rank Threshold parameter). The input genes that have a better ranking than the rank at the leading edge are predicted as target genes for the given motif or track.</a:t>
+            </a:r>
+          </a:p>
+          <a:p>
+            <a:endParaRPr lang="en-US" dirty="0"/>
+          </a:p>
+          <a:p>
+            <a:endParaRPr lang="en-IL" dirty="0"/>
+          </a:p>
+        </p:txBody>
+      </p:sp>
+      <p:sp>
+        <p:nvSpPr>
+          <p:cNvPr id="4" name="Slide Number Placeholder 3"/>
+          <p:cNvSpPr>
+            <a:spLocks noGrp="1"/>
+          </p:cNvSpPr>
+          <p:nvPr>
+            <p:ph type="sldNum" sz="quarter" idx="5"/>
+          </p:nvPr>
+        </p:nvSpPr>
+        <p:spPr/>
+        <p:txBody>
+          <a:bodyPr/>
+          <a:lstStyle/>
+          <a:p>
+            <a:fld id="{86AFD4FA-721D-0140-967B-1B04101EA7BE}" type="slidenum">
+              <a:rPr lang="en-IL" smtClean="0"/>
+              <a:t>19</a:t>
+            </a:fld>
+            <a:endParaRPr lang="en-IL"/>
+          </a:p>
+        </p:txBody>
+      </p:sp>
+    </p:spTree>
+    <p:extLst>
+      <p:ext uri="{BB962C8B-B14F-4D97-AF65-F5344CB8AC3E}">
+        <p14:creationId xmlns:p14="http://schemas.microsoft.com/office/powerpoint/2010/main" val="3588214473"/>
+      </p:ext>
+    </p:extLst>
+  </p:cSld>
+  <p:clrMapOvr>
+    <a:masterClrMapping/>
+  </p:clrMapOvr>
+</p:notes>
+</file>
+
+<file path=ppt/notesSlides/notesSlide15.xml><?xml version="1.0" encoding="utf-8"?>
+<p:notes xmlns:a="http://schemas.openxmlformats.org/drawingml/2006/main" xmlns:r="http://schemas.openxmlformats.org/officeDocument/2006/relationships" xmlns:p="http://schemas.openxmlformats.org/presentationml/2006/main">
+  <p:cSld>
+    <p:spTree>
+      <p:nvGrpSpPr>
+        <p:cNvPr id="1" name=""/>
+        <p:cNvGrpSpPr/>
+        <p:nvPr/>
+      </p:nvGrpSpPr>
+      <p:grpSpPr>
+        <a:xfrm>
+          <a:off x="0" y="0"/>
+          <a:ext cx="0" cy="0"/>
+          <a:chOff x="0" y="0"/>
+          <a:chExt cx="0" cy="0"/>
+        </a:xfrm>
+      </p:grpSpPr>
+      <p:sp>
+        <p:nvSpPr>
+          <p:cNvPr id="2" name="Slide Image Placeholder 1"/>
+          <p:cNvSpPr>
+            <a:spLocks noGrp="1" noRot="1" noChangeAspect="1"/>
+          </p:cNvSpPr>
+          <p:nvPr>
+            <p:ph type="sldImg"/>
+          </p:nvPr>
+        </p:nvSpPr>
+        <p:spPr/>
+      </p:sp>
+      <p:sp>
+        <p:nvSpPr>
+          <p:cNvPr id="3" name="Notes Placeholder 2"/>
+          <p:cNvSpPr>
+            <a:spLocks noGrp="1"/>
+          </p:cNvSpPr>
+          <p:nvPr>
+            <p:ph type="body" idx="1"/>
+          </p:nvPr>
+        </p:nvSpPr>
+        <p:spPr/>
+        <p:txBody>
+          <a:bodyPr/>
+          <a:lstStyle/>
+          <a:p>
             <a:pPr marL="0" algn="l" defTabSz="914400" rtl="0" eaLnBrk="1" latinLnBrk="0" hangingPunct="1"/>
             <a:r>
               <a:rPr lang="en-IL" dirty="0"/>
@@ -3516,6 +3820,470 @@
     <p:extLst>
       <p:ext uri="{BB962C8B-B14F-4D97-AF65-F5344CB8AC3E}">
         <p14:creationId xmlns:p14="http://schemas.microsoft.com/office/powerpoint/2010/main" val="3669540211"/>
+      </p:ext>
+    </p:extLst>
+  </p:cSld>
+  <p:clrMapOvr>
+    <a:masterClrMapping/>
+  </p:clrMapOvr>
+</p:notes>
+</file>
+
+<file path=ppt/notesSlides/notesSlide16.xml><?xml version="1.0" encoding="utf-8"?>
+<p:notes xmlns:a="http://schemas.openxmlformats.org/drawingml/2006/main" xmlns:r="http://schemas.openxmlformats.org/officeDocument/2006/relationships" xmlns:p="http://schemas.openxmlformats.org/presentationml/2006/main">
+  <p:cSld>
+    <p:spTree>
+      <p:nvGrpSpPr>
+        <p:cNvPr id="1" name=""/>
+        <p:cNvGrpSpPr/>
+        <p:nvPr/>
+      </p:nvGrpSpPr>
+      <p:grpSpPr>
+        <a:xfrm>
+          <a:off x="0" y="0"/>
+          <a:ext cx="0" cy="0"/>
+          <a:chOff x="0" y="0"/>
+          <a:chExt cx="0" cy="0"/>
+        </a:xfrm>
+      </p:grpSpPr>
+      <p:sp>
+        <p:nvSpPr>
+          <p:cNvPr id="2" name="Slide Image Placeholder 1"/>
+          <p:cNvSpPr>
+            <a:spLocks noGrp="1" noRot="1" noChangeAspect="1"/>
+          </p:cNvSpPr>
+          <p:nvPr>
+            <p:ph type="sldImg"/>
+          </p:nvPr>
+        </p:nvSpPr>
+        <p:spPr/>
+      </p:sp>
+      <p:sp>
+        <p:nvSpPr>
+          <p:cNvPr id="3" name="Notes Placeholder 2"/>
+          <p:cNvSpPr>
+            <a:spLocks noGrp="1"/>
+          </p:cNvSpPr>
+          <p:nvPr>
+            <p:ph type="body" idx="1"/>
+          </p:nvPr>
+        </p:nvSpPr>
+        <p:spPr/>
+        <p:txBody>
+          <a:bodyPr/>
+          <a:lstStyle/>
+          <a:p>
+            <a:r>
+              <a:rPr lang="en-US" dirty="0"/>
+              <a:t>https://</a:t>
+            </a:r>
+            <a:r>
+              <a:rPr lang="en-US" dirty="0" err="1"/>
+              <a:t>www.nature.com</a:t>
+            </a:r>
+            <a:r>
+              <a:rPr lang="en-US" dirty="0"/>
+              <a:t>/articles/s41596-020-0336-2</a:t>
+            </a:r>
+            <a:endParaRPr lang="en-IL" dirty="0"/>
+          </a:p>
+        </p:txBody>
+      </p:sp>
+      <p:sp>
+        <p:nvSpPr>
+          <p:cNvPr id="4" name="Slide Number Placeholder 3"/>
+          <p:cNvSpPr>
+            <a:spLocks noGrp="1"/>
+          </p:cNvSpPr>
+          <p:nvPr>
+            <p:ph type="sldNum" sz="quarter" idx="5"/>
+          </p:nvPr>
+        </p:nvSpPr>
+        <p:spPr/>
+        <p:txBody>
+          <a:bodyPr/>
+          <a:lstStyle/>
+          <a:p>
+            <a:fld id="{86AFD4FA-721D-0140-967B-1B04101EA7BE}" type="slidenum">
+              <a:rPr lang="en-IL" smtClean="0"/>
+              <a:t>25</a:t>
+            </a:fld>
+            <a:endParaRPr lang="en-IL"/>
+          </a:p>
+        </p:txBody>
+      </p:sp>
+    </p:spTree>
+    <p:extLst>
+      <p:ext uri="{BB962C8B-B14F-4D97-AF65-F5344CB8AC3E}">
+        <p14:creationId xmlns:p14="http://schemas.microsoft.com/office/powerpoint/2010/main" val="2273289122"/>
+      </p:ext>
+    </p:extLst>
+  </p:cSld>
+  <p:clrMapOvr>
+    <a:masterClrMapping/>
+  </p:clrMapOvr>
+</p:notes>
+</file>
+
+<file path=ppt/notesSlides/notesSlide17.xml><?xml version="1.0" encoding="utf-8"?>
+<p:notes xmlns:a="http://schemas.openxmlformats.org/drawingml/2006/main" xmlns:r="http://schemas.openxmlformats.org/officeDocument/2006/relationships" xmlns:p="http://schemas.openxmlformats.org/presentationml/2006/main">
+  <p:cSld>
+    <p:spTree>
+      <p:nvGrpSpPr>
+        <p:cNvPr id="1" name=""/>
+        <p:cNvGrpSpPr/>
+        <p:nvPr/>
+      </p:nvGrpSpPr>
+      <p:grpSpPr>
+        <a:xfrm>
+          <a:off x="0" y="0"/>
+          <a:ext cx="0" cy="0"/>
+          <a:chOff x="0" y="0"/>
+          <a:chExt cx="0" cy="0"/>
+        </a:xfrm>
+      </p:grpSpPr>
+      <p:sp>
+        <p:nvSpPr>
+          <p:cNvPr id="2" name="Slide Image Placeholder 1"/>
+          <p:cNvSpPr>
+            <a:spLocks noGrp="1" noRot="1" noChangeAspect="1"/>
+          </p:cNvSpPr>
+          <p:nvPr>
+            <p:ph type="sldImg"/>
+          </p:nvPr>
+        </p:nvSpPr>
+        <p:spPr/>
+      </p:sp>
+      <p:sp>
+        <p:nvSpPr>
+          <p:cNvPr id="3" name="Notes Placeholder 2"/>
+          <p:cNvSpPr>
+            <a:spLocks noGrp="1"/>
+          </p:cNvSpPr>
+          <p:nvPr>
+            <p:ph type="body" idx="1"/>
+          </p:nvPr>
+        </p:nvSpPr>
+        <p:spPr/>
+        <p:txBody>
+          <a:bodyPr/>
+          <a:lstStyle/>
+          <a:p>
+            <a:pPr marL="0" algn="l" defTabSz="914400" rtl="0" eaLnBrk="1" latinLnBrk="0" hangingPunct="1"/>
+            <a:r>
+              <a:rPr lang="en-IL" dirty="0"/>
+              <a:t>(+) / (-) : activator / suppressor </a:t>
+            </a:r>
+          </a:p>
+          <a:p>
+            <a:pPr marL="0" algn="l" defTabSz="914400" rtl="0" eaLnBrk="1" latinLnBrk="0" hangingPunct="1"/>
+            <a:r>
+              <a:rPr lang="en-US" dirty="0"/>
+              <a:t>V</a:t>
+            </a:r>
+            <a:r>
+              <a:rPr lang="en-IL" dirty="0"/>
+              <a:t>alue: </a:t>
+            </a:r>
+          </a:p>
+        </p:txBody>
+      </p:sp>
+      <p:sp>
+        <p:nvSpPr>
+          <p:cNvPr id="4" name="Slide Number Placeholder 3"/>
+          <p:cNvSpPr>
+            <a:spLocks noGrp="1"/>
+          </p:cNvSpPr>
+          <p:nvPr>
+            <p:ph type="sldNum" sz="quarter" idx="5"/>
+          </p:nvPr>
+        </p:nvSpPr>
+        <p:spPr/>
+        <p:txBody>
+          <a:bodyPr/>
+          <a:lstStyle/>
+          <a:p>
+            <a:fld id="{86AFD4FA-721D-0140-967B-1B04101EA7BE}" type="slidenum">
+              <a:rPr lang="en-IL" smtClean="0"/>
+              <a:t>28</a:t>
+            </a:fld>
+            <a:endParaRPr lang="en-IL"/>
+          </a:p>
+        </p:txBody>
+      </p:sp>
+    </p:spTree>
+    <p:extLst>
+      <p:ext uri="{BB962C8B-B14F-4D97-AF65-F5344CB8AC3E}">
+        <p14:creationId xmlns:p14="http://schemas.microsoft.com/office/powerpoint/2010/main" val="915191090"/>
+      </p:ext>
+    </p:extLst>
+  </p:cSld>
+  <p:clrMapOvr>
+    <a:masterClrMapping/>
+  </p:clrMapOvr>
+</p:notes>
+</file>
+
+<file path=ppt/notesSlides/notesSlide18.xml><?xml version="1.0" encoding="utf-8"?>
+<p:notes xmlns:a="http://schemas.openxmlformats.org/drawingml/2006/main" xmlns:r="http://schemas.openxmlformats.org/officeDocument/2006/relationships" xmlns:p="http://schemas.openxmlformats.org/presentationml/2006/main">
+  <p:cSld>
+    <p:spTree>
+      <p:nvGrpSpPr>
+        <p:cNvPr id="1" name=""/>
+        <p:cNvGrpSpPr/>
+        <p:nvPr/>
+      </p:nvGrpSpPr>
+      <p:grpSpPr>
+        <a:xfrm>
+          <a:off x="0" y="0"/>
+          <a:ext cx="0" cy="0"/>
+          <a:chOff x="0" y="0"/>
+          <a:chExt cx="0" cy="0"/>
+        </a:xfrm>
+      </p:grpSpPr>
+      <p:sp>
+        <p:nvSpPr>
+          <p:cNvPr id="2" name="Slide Image Placeholder 1"/>
+          <p:cNvSpPr>
+            <a:spLocks noGrp="1" noRot="1" noChangeAspect="1"/>
+          </p:cNvSpPr>
+          <p:nvPr>
+            <p:ph type="sldImg"/>
+          </p:nvPr>
+        </p:nvSpPr>
+        <p:spPr/>
+      </p:sp>
+      <p:sp>
+        <p:nvSpPr>
+          <p:cNvPr id="3" name="Notes Placeholder 2"/>
+          <p:cNvSpPr>
+            <a:spLocks noGrp="1"/>
+          </p:cNvSpPr>
+          <p:nvPr>
+            <p:ph type="body" idx="1"/>
+          </p:nvPr>
+        </p:nvSpPr>
+        <p:spPr/>
+        <p:txBody>
+          <a:bodyPr/>
+          <a:lstStyle/>
+          <a:p>
+            <a:r>
+              <a:rPr lang="en-US" dirty="0"/>
+              <a:t>https://</a:t>
+            </a:r>
+            <a:r>
+              <a:rPr lang="en-US" dirty="0" err="1"/>
+              <a:t>pyscenic.readthedocs.io</a:t>
+            </a:r>
+            <a:r>
+              <a:rPr lang="en-US" dirty="0"/>
+              <a:t>/</a:t>
+            </a:r>
+            <a:r>
+              <a:rPr lang="en-US" dirty="0" err="1"/>
+              <a:t>en</a:t>
+            </a:r>
+            <a:r>
+              <a:rPr lang="en-US" dirty="0"/>
+              <a:t>/stable/</a:t>
+            </a:r>
+            <a:r>
+              <a:rPr lang="en-US" dirty="0" err="1"/>
+              <a:t>faq.html</a:t>
+            </a:r>
+            <a:endParaRPr lang="en-US" dirty="0"/>
+          </a:p>
+          <a:p>
+            <a:endParaRPr lang="en-US" dirty="0"/>
+          </a:p>
+          <a:p>
+            <a:endParaRPr lang="en-IL" dirty="0"/>
+          </a:p>
+        </p:txBody>
+      </p:sp>
+      <p:sp>
+        <p:nvSpPr>
+          <p:cNvPr id="4" name="Slide Number Placeholder 3"/>
+          <p:cNvSpPr>
+            <a:spLocks noGrp="1"/>
+          </p:cNvSpPr>
+          <p:nvPr>
+            <p:ph type="sldNum" sz="quarter" idx="5"/>
+          </p:nvPr>
+        </p:nvSpPr>
+        <p:spPr/>
+        <p:txBody>
+          <a:bodyPr/>
+          <a:lstStyle/>
+          <a:p>
+            <a:fld id="{86AFD4FA-721D-0140-967B-1B04101EA7BE}" type="slidenum">
+              <a:rPr lang="en-IL" smtClean="0"/>
+              <a:t>29</a:t>
+            </a:fld>
+            <a:endParaRPr lang="en-IL"/>
+          </a:p>
+        </p:txBody>
+      </p:sp>
+    </p:spTree>
+    <p:extLst>
+      <p:ext uri="{BB962C8B-B14F-4D97-AF65-F5344CB8AC3E}">
+        <p14:creationId xmlns:p14="http://schemas.microsoft.com/office/powerpoint/2010/main" val="156342503"/>
+      </p:ext>
+    </p:extLst>
+  </p:cSld>
+  <p:clrMapOvr>
+    <a:masterClrMapping/>
+  </p:clrMapOvr>
+</p:notes>
+</file>
+
+<file path=ppt/notesSlides/notesSlide19.xml><?xml version="1.0" encoding="utf-8"?>
+<p:notes xmlns:a="http://schemas.openxmlformats.org/drawingml/2006/main" xmlns:r="http://schemas.openxmlformats.org/officeDocument/2006/relationships" xmlns:p="http://schemas.openxmlformats.org/presentationml/2006/main">
+  <p:cSld>
+    <p:spTree>
+      <p:nvGrpSpPr>
+        <p:cNvPr id="1" name=""/>
+        <p:cNvGrpSpPr/>
+        <p:nvPr/>
+      </p:nvGrpSpPr>
+      <p:grpSpPr>
+        <a:xfrm>
+          <a:off x="0" y="0"/>
+          <a:ext cx="0" cy="0"/>
+          <a:chOff x="0" y="0"/>
+          <a:chExt cx="0" cy="0"/>
+        </a:xfrm>
+      </p:grpSpPr>
+      <p:sp>
+        <p:nvSpPr>
+          <p:cNvPr id="2" name="Slide Image Placeholder 1"/>
+          <p:cNvSpPr>
+            <a:spLocks noGrp="1" noRot="1" noChangeAspect="1"/>
+          </p:cNvSpPr>
+          <p:nvPr>
+            <p:ph type="sldImg"/>
+          </p:nvPr>
+        </p:nvSpPr>
+        <p:spPr/>
+      </p:sp>
+      <p:sp>
+        <p:nvSpPr>
+          <p:cNvPr id="3" name="Notes Placeholder 2"/>
+          <p:cNvSpPr>
+            <a:spLocks noGrp="1"/>
+          </p:cNvSpPr>
+          <p:nvPr>
+            <p:ph type="body" idx="1"/>
+          </p:nvPr>
+        </p:nvSpPr>
+        <p:spPr/>
+        <p:txBody>
+          <a:bodyPr/>
+          <a:lstStyle/>
+          <a:p>
+            <a:pPr marL="0" algn="l" defTabSz="914400" rtl="1" eaLnBrk="1" latinLnBrk="0" hangingPunct="1"/>
+            <a:r>
+              <a:rPr lang="en-US" dirty="0"/>
+              <a:t>Jensen-Shannon divergence: </a:t>
+            </a:r>
+            <a:r>
+              <a:rPr lang="en-US" b="0" i="0" u="none" strike="noStrike" dirty="0">
+                <a:solidFill>
+                  <a:srgbClr val="202122"/>
+                </a:solidFill>
+                <a:effectLst/>
+                <a:latin typeface="Arial" panose="020B0604020202020204" pitchFamily="34" charset="0"/>
+              </a:rPr>
+              <a:t>method of measuring the similarity between two probability distributions.</a:t>
+            </a:r>
+          </a:p>
+          <a:p>
+            <a:pPr marL="0" algn="l" defTabSz="914400" rtl="1" eaLnBrk="1" latinLnBrk="0" hangingPunct="1"/>
+            <a:endParaRPr lang="en-US" b="0" i="0" u="none" strike="noStrike" dirty="0">
+              <a:solidFill>
+                <a:srgbClr val="202122"/>
+              </a:solidFill>
+              <a:effectLst/>
+              <a:latin typeface="Arial" panose="020B0604020202020204" pitchFamily="34" charset="0"/>
+            </a:endParaRPr>
+          </a:p>
+          <a:p>
+            <a:pPr marL="0" algn="l" defTabSz="914400" rtl="1" eaLnBrk="1" latinLnBrk="0" hangingPunct="1"/>
+            <a:r>
+              <a:rPr lang="en-US" b="0" i="0" u="none" strike="noStrike" dirty="0">
+                <a:solidFill>
+                  <a:srgbClr val="202122"/>
+                </a:solidFill>
+                <a:effectLst/>
+                <a:latin typeface="Arial" panose="020B0604020202020204" pitchFamily="34" charset="0"/>
+              </a:rPr>
+              <a:t>https://</a:t>
+            </a:r>
+            <a:r>
+              <a:rPr lang="en-US" b="0" i="0" u="none" strike="noStrike" dirty="0" err="1">
+                <a:solidFill>
+                  <a:srgbClr val="202122"/>
+                </a:solidFill>
+                <a:effectLst/>
+                <a:latin typeface="Arial" panose="020B0604020202020204" pitchFamily="34" charset="0"/>
+              </a:rPr>
+              <a:t>www.nature.com</a:t>
+            </a:r>
+            <a:r>
+              <a:rPr lang="en-US" b="0" i="0" u="none" strike="noStrike" dirty="0">
+                <a:solidFill>
+                  <a:srgbClr val="202122"/>
+                </a:solidFill>
+                <a:effectLst/>
+                <a:latin typeface="Arial" panose="020B0604020202020204" pitchFamily="34" charset="0"/>
+              </a:rPr>
+              <a:t>/articles/s41596-020-0336-2</a:t>
+            </a:r>
+          </a:p>
+          <a:p>
+            <a:pPr marL="0" algn="l" defTabSz="914400" rtl="1" eaLnBrk="1" latinLnBrk="0" hangingPunct="1"/>
+            <a:r>
+              <a:rPr lang="en-US" b="0" i="0" u="none" strike="noStrike" dirty="0">
+                <a:solidFill>
+                  <a:srgbClr val="202122"/>
+                </a:solidFill>
+                <a:effectLst/>
+                <a:latin typeface="Arial" panose="020B0604020202020204" pitchFamily="34" charset="0"/>
+              </a:rPr>
+              <a:t> </a:t>
+            </a:r>
+            <a:endParaRPr lang="en-IL" dirty="0"/>
+          </a:p>
+        </p:txBody>
+      </p:sp>
+      <p:sp>
+        <p:nvSpPr>
+          <p:cNvPr id="4" name="Slide Number Placeholder 3"/>
+          <p:cNvSpPr>
+            <a:spLocks noGrp="1"/>
+          </p:cNvSpPr>
+          <p:nvPr>
+            <p:ph type="sldNum" sz="quarter" idx="5"/>
+          </p:nvPr>
+        </p:nvSpPr>
+        <p:spPr/>
+        <p:txBody>
+          <a:bodyPr/>
+          <a:lstStyle/>
+          <a:p>
+            <a:fld id="{86AFD4FA-721D-0140-967B-1B04101EA7BE}" type="slidenum">
+              <a:rPr lang="en-IL" smtClean="0"/>
+              <a:t>32</a:t>
+            </a:fld>
+            <a:endParaRPr lang="en-IL"/>
+          </a:p>
+        </p:txBody>
+      </p:sp>
+    </p:spTree>
+    <p:extLst>
+      <p:ext uri="{BB962C8B-B14F-4D97-AF65-F5344CB8AC3E}">
+        <p14:creationId xmlns:p14="http://schemas.microsoft.com/office/powerpoint/2010/main" val="3234677798"/>
       </p:ext>
     </p:extLst>
   </p:cSld>
@@ -4120,6 +4888,18 @@
           <a:p>
             <a:endParaRPr lang="en-IL" dirty="0"/>
           </a:p>
+          <a:p>
+            <a:r>
+              <a:rPr lang="en-IL" dirty="0"/>
+              <a:t>GENIE3 -&gt; Bagging</a:t>
+            </a:r>
+          </a:p>
+          <a:p>
+            <a:r>
+              <a:rPr lang="en-IL" dirty="0"/>
+              <a:t>GRNBoost2 -&gt; Boosting</a:t>
+            </a:r>
+          </a:p>
         </p:txBody>
       </p:sp>
       <p:sp>
@@ -4411,6 +5191,7 @@
           <a:bodyPr/>
           <a:lstStyle/>
           <a:p>
+            <a:pPr marL="0" algn="r" defTabSz="914400" rtl="1" eaLnBrk="1" latinLnBrk="0" hangingPunct="1"/>
             <a:endParaRPr lang="en-IL" dirty="0"/>
           </a:p>
         </p:txBody>
@@ -4519,10 +5300,90 @@
             <a:endParaRPr lang="en-IL" dirty="0"/>
           </a:p>
           <a:p>
-            <a:r>
-              <a:rPr lang="en-IL" dirty="0"/>
-              <a:t>*How many target genes per one TF in Drosophila? </a:t>
-            </a:r>
+            <a:pPr marL="171450" indent="-171450">
+              <a:buFont typeface="Arial" panose="020B0604020202020204" pitchFamily="34" charset="0"/>
+              <a:buChar char="•"/>
+            </a:pPr>
+            <a:r>
+              <a:rPr lang="en-US" b="0" i="0" u="none" strike="noStrike" dirty="0">
+                <a:solidFill>
+                  <a:srgbClr val="222222"/>
+                </a:solidFill>
+                <a:effectLst/>
+                <a:latin typeface="Harding"/>
+              </a:rPr>
+              <a:t>By default, only positively correlated modules are used in the subsequent steps because these negatively correlated modules are less numerous, their regulatory interaction weights are lower and the resulting regulons show overall less motif enrichment. (https://</a:t>
+            </a:r>
+            <a:r>
+              <a:rPr lang="en-US" b="0" i="0" u="none" strike="noStrike" dirty="0" err="1">
+                <a:solidFill>
+                  <a:srgbClr val="222222"/>
+                </a:solidFill>
+                <a:effectLst/>
+                <a:latin typeface="Harding"/>
+              </a:rPr>
+              <a:t>www.nature.com</a:t>
+            </a:r>
+            <a:r>
+              <a:rPr lang="en-US" b="0" i="0" u="none" strike="noStrike" dirty="0">
+                <a:solidFill>
+                  <a:srgbClr val="222222"/>
+                </a:solidFill>
+                <a:effectLst/>
+                <a:latin typeface="Harding"/>
+              </a:rPr>
+              <a:t>/articles/s41596-020-0336-2, module generation, step 6)</a:t>
+            </a:r>
+          </a:p>
+          <a:p>
+            <a:pPr marL="171450" indent="-171450">
+              <a:buFont typeface="Arial" panose="020B0604020202020204" pitchFamily="34" charset="0"/>
+              <a:buChar char="•"/>
+            </a:pPr>
+            <a:endParaRPr lang="en-US" b="0" i="0" u="none" strike="noStrike" dirty="0">
+              <a:solidFill>
+                <a:srgbClr val="222222"/>
+              </a:solidFill>
+              <a:effectLst/>
+              <a:latin typeface="Harding"/>
+            </a:endParaRPr>
+          </a:p>
+          <a:p>
+            <a:pPr marL="171450" indent="-171450">
+              <a:buFont typeface="Arial" panose="020B0604020202020204" pitchFamily="34" charset="0"/>
+              <a:buChar char="•"/>
+            </a:pPr>
+            <a:r>
+              <a:rPr lang="en-US" b="0" i="0" u="none" strike="noStrike" dirty="0">
+                <a:solidFill>
+                  <a:srgbClr val="222222"/>
+                </a:solidFill>
+                <a:effectLst/>
+                <a:latin typeface="Harding"/>
+              </a:rPr>
+              <a:t>correlation coefficient is calculated using the entire expression matrix</a:t>
+            </a:r>
+            <a:r>
+              <a:rPr lang="en-US" b="1" i="0" u="none" strike="noStrike" dirty="0">
+                <a:solidFill>
+                  <a:srgbClr val="222222"/>
+                </a:solidFill>
+                <a:effectLst/>
+                <a:latin typeface="Harding"/>
+              </a:rPr>
+              <a:t>, including dropouts</a:t>
+            </a:r>
+            <a:r>
+              <a:rPr lang="en-US" b="0" i="0" u="none" strike="noStrike" dirty="0">
+                <a:solidFill>
+                  <a:srgbClr val="222222"/>
+                </a:solidFill>
+                <a:effectLst/>
+                <a:latin typeface="Harding"/>
+              </a:rPr>
+              <a:t>. This avoids situations in which the correlation coefficient is determined by a small subset of cells with positive expression in the two genes being assessed. However, it is also possible to mask the cells that are involved in a dropout event for any of the two genes.</a:t>
+            </a:r>
+            <a:endParaRPr lang="en-IL" dirty="0"/>
           </a:p>
           <a:p>
             <a:endParaRPr lang="en-IL" dirty="0"/>
@@ -4717,7 +5578,7 @@
           <a:p>
             <a:fld id="{EA38F353-CEFF-2A41-859E-747C5F5B5087}" type="datetimeFigureOut">
               <a:rPr lang="en-IL" smtClean="0"/>
-              <a:t>14/04/2023</a:t>
+              <a:t>21/04/2023</a:t>
             </a:fld>
             <a:endParaRPr lang="en-IL"/>
           </a:p>
@@ -4917,7 +5778,7 @@
           <a:p>
             <a:fld id="{EA38F353-CEFF-2A41-859E-747C5F5B5087}" type="datetimeFigureOut">
               <a:rPr lang="en-IL" smtClean="0"/>
-              <a:t>14/04/2023</a:t>
+              <a:t>21/04/2023</a:t>
             </a:fld>
             <a:endParaRPr lang="en-IL"/>
           </a:p>
@@ -5127,7 +5988,7 @@
           <a:p>
             <a:fld id="{EA38F353-CEFF-2A41-859E-747C5F5B5087}" type="datetimeFigureOut">
               <a:rPr lang="en-IL" smtClean="0"/>
-              <a:t>14/04/2023</a:t>
+              <a:t>21/04/2023</a:t>
             </a:fld>
             <a:endParaRPr lang="en-IL"/>
           </a:p>
@@ -5327,7 +6188,7 @@
           <a:p>
             <a:fld id="{EA38F353-CEFF-2A41-859E-747C5F5B5087}" type="datetimeFigureOut">
               <a:rPr lang="en-IL" smtClean="0"/>
-              <a:t>14/04/2023</a:t>
+              <a:t>21/04/2023</a:t>
             </a:fld>
             <a:endParaRPr lang="en-IL"/>
           </a:p>
@@ -5603,7 +6464,7 @@
           <a:p>
             <a:fld id="{EA38F353-CEFF-2A41-859E-747C5F5B5087}" type="datetimeFigureOut">
               <a:rPr lang="en-IL" smtClean="0"/>
-              <a:t>14/04/2023</a:t>
+              <a:t>21/04/2023</a:t>
             </a:fld>
             <a:endParaRPr lang="en-IL"/>
           </a:p>
@@ -5871,7 +6732,7 @@
           <a:p>
             <a:fld id="{EA38F353-CEFF-2A41-859E-747C5F5B5087}" type="datetimeFigureOut">
               <a:rPr lang="en-IL" smtClean="0"/>
-              <a:t>14/04/2023</a:t>
+              <a:t>21/04/2023</a:t>
             </a:fld>
             <a:endParaRPr lang="en-IL"/>
           </a:p>
@@ -6286,7 +7147,7 @@
           <a:p>
             <a:fld id="{EA38F353-CEFF-2A41-859E-747C5F5B5087}" type="datetimeFigureOut">
               <a:rPr lang="en-IL" smtClean="0"/>
-              <a:t>14/04/2023</a:t>
+              <a:t>21/04/2023</a:t>
             </a:fld>
             <a:endParaRPr lang="en-IL"/>
           </a:p>
@@ -6428,7 +7289,7 @@
           <a:p>
             <a:fld id="{EA38F353-CEFF-2A41-859E-747C5F5B5087}" type="datetimeFigureOut">
               <a:rPr lang="en-IL" smtClean="0"/>
-              <a:t>14/04/2023</a:t>
+              <a:t>21/04/2023</a:t>
             </a:fld>
             <a:endParaRPr lang="en-IL"/>
           </a:p>
@@ -6541,7 +7402,7 @@
           <a:p>
             <a:fld id="{EA38F353-CEFF-2A41-859E-747C5F5B5087}" type="datetimeFigureOut">
               <a:rPr lang="en-IL" smtClean="0"/>
-              <a:t>14/04/2023</a:t>
+              <a:t>21/04/2023</a:t>
             </a:fld>
             <a:endParaRPr lang="en-IL"/>
           </a:p>
@@ -6854,7 +7715,7 @@
           <a:p>
             <a:fld id="{EA38F353-CEFF-2A41-859E-747C5F5B5087}" type="datetimeFigureOut">
               <a:rPr lang="en-IL" smtClean="0"/>
-              <a:t>14/04/2023</a:t>
+              <a:t>21/04/2023</a:t>
             </a:fld>
             <a:endParaRPr lang="en-IL"/>
           </a:p>
@@ -7143,7 +8004,7 @@
           <a:p>
             <a:fld id="{EA38F353-CEFF-2A41-859E-747C5F5B5087}" type="datetimeFigureOut">
               <a:rPr lang="en-IL" smtClean="0"/>
-              <a:t>14/04/2023</a:t>
+              <a:t>21/04/2023</a:t>
             </a:fld>
             <a:endParaRPr lang="en-IL"/>
           </a:p>
@@ -7386,7 +8247,7 @@
           <a:p>
             <a:fld id="{EA38F353-CEFF-2A41-859E-747C5F5B5087}" type="datetimeFigureOut">
               <a:rPr lang="en-IL" smtClean="0"/>
-              <a:t>14/04/2023</a:t>
+              <a:t>21/04/2023</a:t>
             </a:fld>
             <a:endParaRPr lang="en-IL"/>
           </a:p>
@@ -7976,7 +8837,7 @@
                 </a:solidFill>
                 <a:latin typeface="Söhne"/>
               </a:rPr>
-              <a:t>When the average of the last n improvement values drops below 0, the early-stopping criterion is met and no more trees are added to the ensemble</a:t>
+              <a:t>When the average of the last n(=25) improvement values drops below 0, the early-stopping criterion is met and no more trees are added to the ensemble</a:t>
             </a:r>
             <a:endParaRPr lang="en-IL" dirty="0">
               <a:solidFill>
@@ -8489,7 +9350,7 @@
             </a:r>
             <a:r>
               <a:rPr lang="en-IL" dirty="0"/>
-              <a:t> (positive/negative correlation)</a:t>
+              <a:t> (positive/negative correlation) – considering only activators*</a:t>
             </a:r>
             <a:endParaRPr lang="en-IL" sz="2000" dirty="0"/>
           </a:p>
@@ -8510,7 +9371,7 @@
             </a:r>
             <a:r>
               <a:rPr lang="en-IL" i="1" dirty="0"/>
-              <a:t>over 20 genes*</a:t>
+              <a:t>over 20 genes</a:t>
             </a:r>
             <a:endParaRPr lang="en-IL" dirty="0"/>
           </a:p>
@@ -9042,7 +9903,7 @@
           <p:cNvPr id="2" name="Title 1">
             <a:extLst>
               <a:ext uri="{FF2B5EF4-FFF2-40B4-BE49-F238E27FC236}">
-                <a16:creationId xmlns:a16="http://schemas.microsoft.com/office/drawing/2014/main" id="{EA8796E3-5897-6BCF-3BD5-9EDB0FC79002}"/>
+                <a16:creationId xmlns:a16="http://schemas.microsoft.com/office/drawing/2014/main" id="{912B36CD-F51F-F194-10DA-409BAB1BEBC9}"/>
               </a:ext>
             </a:extLst>
           </p:cNvPr>
@@ -9060,7 +9921,7 @@
           <a:p>
             <a:r>
               <a:rPr lang="en-IL" dirty="0"/>
-              <a:t>RcisTarget</a:t>
+              <a:t>RcisTarget (i-cisTarget)</a:t>
             </a:r>
           </a:p>
         </p:txBody>
@@ -9070,7 +9931,7 @@
           <p:cNvPr id="3" name="Content Placeholder 2">
             <a:extLst>
               <a:ext uri="{FF2B5EF4-FFF2-40B4-BE49-F238E27FC236}">
-                <a16:creationId xmlns:a16="http://schemas.microsoft.com/office/drawing/2014/main" id="{81A9A288-F27E-AC34-9132-4BEDF27D7671}"/>
+                <a16:creationId xmlns:a16="http://schemas.microsoft.com/office/drawing/2014/main" id="{3D134900-47B4-01F1-AC4C-2E81118AE39B}"/>
               </a:ext>
             </a:extLst>
           </p:cNvPr>
@@ -9086,60 +9947,50 @@
           <a:bodyPr/>
           <a:lstStyle/>
           <a:p>
-            <a:r>
-              <a:rPr lang="en-US" b="0" i="0" u="none" strike="noStrike" dirty="0">
-                <a:solidFill>
-                  <a:srgbClr val="212121"/>
-                </a:solidFill>
-                <a:effectLst/>
-                <a:latin typeface="Cambria" panose="02040503050406030204" pitchFamily="18" charset="0"/>
-              </a:rPr>
-              <a:t>Selects DNA motifs that are significantly over-represented in the surroundings of the transcription start site (TSS) of the genes in the gene-set </a:t>
-            </a:r>
-          </a:p>
-          <a:p>
-            <a:r>
-              <a:rPr lang="en-US" b="0" i="0" u="none" strike="noStrike" dirty="0">
-                <a:solidFill>
-                  <a:srgbClr val="212121"/>
-                </a:solidFill>
-                <a:effectLst/>
-                <a:latin typeface="Cambria" panose="02040503050406030204" pitchFamily="18" charset="0"/>
-              </a:rPr>
-              <a:t>This is achieved by applying a recovery-based method on a database that contains genome-wide </a:t>
-            </a:r>
-            <a:r>
-              <a:rPr lang="en-US" b="0" i="1" u="none" strike="noStrike" dirty="0">
-                <a:solidFill>
-                  <a:srgbClr val="212121"/>
-                </a:solidFill>
-                <a:effectLst/>
-                <a:latin typeface="Cambria" panose="02040503050406030204" pitchFamily="18" charset="0"/>
-              </a:rPr>
-              <a:t>cross-species</a:t>
-            </a:r>
-            <a:r>
-              <a:rPr lang="en-US" b="0" i="0" u="none" strike="noStrike" dirty="0">
-                <a:solidFill>
-                  <a:srgbClr val="212121"/>
-                </a:solidFill>
-                <a:effectLst/>
-                <a:latin typeface="Cambria" panose="02040503050406030204" pitchFamily="18" charset="0"/>
-              </a:rPr>
-              <a:t> rankings for each motif</a:t>
-            </a:r>
-          </a:p>
-          <a:p>
-            <a:r>
-              <a:rPr lang="en-US" b="0" i="0" u="none" strike="noStrike" dirty="0">
-                <a:solidFill>
-                  <a:srgbClr val="212121"/>
-                </a:solidFill>
-                <a:effectLst/>
-                <a:latin typeface="Cambria" panose="02040503050406030204" pitchFamily="18" charset="0"/>
-              </a:rPr>
-              <a:t> The motifs that are annotated to the corresponding TF and obtain a Normalized Enrichment Score (NES) &gt; 3.0 are retained</a:t>
-            </a:r>
+            <a:pPr marL="514350" indent="-514350">
+              <a:buFont typeface="+mj-lt"/>
+              <a:buAutoNum type="arabicPeriod"/>
+            </a:pPr>
+            <a:r>
+              <a:rPr lang="en-US" dirty="0"/>
+              <a:t>R</a:t>
+            </a:r>
+            <a:r>
+              <a:rPr lang="en-IL" dirty="0"/>
+              <a:t>ank all genes in the genome for their likelyhood of being a target gene of a certain input motif</a:t>
+            </a:r>
+          </a:p>
+          <a:p>
+            <a:pPr marL="514350" indent="-514350">
+              <a:buFont typeface="+mj-lt"/>
+              <a:buAutoNum type="arabicPeriod"/>
+            </a:pPr>
+            <a:r>
+              <a:rPr lang="en-IL" dirty="0"/>
+              <a:t>Genomic ranks of a set of coexpressed genes are plotted in a cumulative recovery curve -&gt; X: motifs by ranks, Y: recovered from data</a:t>
+            </a:r>
+          </a:p>
+          <a:p>
+            <a:pPr marL="514350" indent="-514350">
+              <a:buFont typeface="+mj-lt"/>
+              <a:buAutoNum type="arabicPeriod"/>
+            </a:pPr>
+            <a:r>
+              <a:rPr lang="en-IL" dirty="0"/>
+              <a:t>Calclate AUC, threshold is the first 3% of the ranked genes</a:t>
+            </a:r>
+          </a:p>
+          <a:p>
+            <a:pPr marL="514350" indent="-514350">
+              <a:buFont typeface="+mj-lt"/>
+              <a:buAutoNum type="arabicPeriod"/>
+            </a:pPr>
+            <a:endParaRPr lang="en-IL" dirty="0"/>
+          </a:p>
+          <a:p>
+            <a:pPr marL="0" indent="0">
+              <a:buNone/>
+            </a:pPr>
             <a:endParaRPr lang="en-IL" dirty="0"/>
           </a:p>
         </p:txBody>
@@ -9147,7 +9998,7 @@
     </p:spTree>
     <p:extLst>
       <p:ext uri="{BB962C8B-B14F-4D97-AF65-F5344CB8AC3E}">
-        <p14:creationId xmlns:p14="http://schemas.microsoft.com/office/powerpoint/2010/main" val="577999599"/>
+        <p14:creationId xmlns:p14="http://schemas.microsoft.com/office/powerpoint/2010/main" val="1811413860"/>
       </p:ext>
     </p:extLst>
   </p:cSld>
@@ -9179,7 +10030,7 @@
           <p:cNvPr id="2" name="Title 1">
             <a:extLst>
               <a:ext uri="{FF2B5EF4-FFF2-40B4-BE49-F238E27FC236}">
-                <a16:creationId xmlns:a16="http://schemas.microsoft.com/office/drawing/2014/main" id="{AD2C2D10-FAB9-1CAD-88B9-068EBC1C9F8C}"/>
+                <a16:creationId xmlns:a16="http://schemas.microsoft.com/office/drawing/2014/main" id="{EA8796E3-5897-6BCF-3BD5-9EDB0FC79002}"/>
               </a:ext>
             </a:extLst>
           </p:cNvPr>
@@ -9197,7 +10048,7 @@
           <a:p>
             <a:r>
               <a:rPr lang="en-IL" dirty="0"/>
-              <a:t>RcisTarget </a:t>
+              <a:t>RcisTarget</a:t>
             </a:r>
           </a:p>
         </p:txBody>
@@ -9207,7 +10058,7 @@
           <p:cNvPr id="3" name="Content Placeholder 2">
             <a:extLst>
               <a:ext uri="{FF2B5EF4-FFF2-40B4-BE49-F238E27FC236}">
-                <a16:creationId xmlns:a16="http://schemas.microsoft.com/office/drawing/2014/main" id="{7B6BD8DB-FFA2-8571-76E6-98306B82A7E9}"/>
+                <a16:creationId xmlns:a16="http://schemas.microsoft.com/office/drawing/2014/main" id="{81A9A288-F27E-AC34-9132-4BEDF27D7671}"/>
               </a:ext>
             </a:extLst>
           </p:cNvPr>
@@ -9224,35 +10075,100 @@
           <a:lstStyle/>
           <a:p>
             <a:r>
-              <a:rPr lang="en-IL" dirty="0"/>
-              <a:t>For each motif and gene-set, predict candidate target genes (genes with high ranking)</a:t>
-            </a:r>
-          </a:p>
-          <a:p>
-            <a:r>
-              <a:rPr lang="en-US" dirty="0"/>
-              <a:t>Process described in depth here: </a:t>
-            </a:r>
+              <a:rPr lang="en-US" b="0" i="0" u="none" strike="noStrike" dirty="0">
+                <a:solidFill>
+                  <a:srgbClr val="212121"/>
+                </a:solidFill>
+                <a:effectLst/>
+                <a:latin typeface="Cambria" panose="02040503050406030204" pitchFamily="18" charset="0"/>
+              </a:rPr>
+              <a:t>Selects DNA motifs that are significantly over-represented in the surroundings of the transcription start site (TSS) of the genes in the gene-set </a:t>
+            </a:r>
+          </a:p>
+          <a:p>
+            <a:r>
+              <a:rPr lang="en-US" b="0" i="0" u="none" strike="noStrike" dirty="0">
+                <a:solidFill>
+                  <a:srgbClr val="212121"/>
+                </a:solidFill>
+                <a:effectLst/>
+                <a:latin typeface="Cambria" panose="02040503050406030204" pitchFamily="18" charset="0"/>
+              </a:rPr>
+              <a:t>This is achieved by applying a recovery-based method on a database that contains genome-wide </a:t>
+            </a:r>
+            <a:r>
+              <a:rPr lang="en-US" b="0" i="1" u="none" strike="noStrike" dirty="0">
+                <a:solidFill>
+                  <a:srgbClr val="212121"/>
+                </a:solidFill>
+                <a:effectLst/>
+                <a:latin typeface="Cambria" panose="02040503050406030204" pitchFamily="18" charset="0"/>
+              </a:rPr>
+              <a:t>cross-species</a:t>
+            </a:r>
+            <a:r>
+              <a:rPr lang="en-US" b="0" i="0" u="none" strike="noStrike" dirty="0">
+                <a:solidFill>
+                  <a:srgbClr val="212121"/>
+                </a:solidFill>
+                <a:effectLst/>
+                <a:latin typeface="Cambria" panose="02040503050406030204" pitchFamily="18" charset="0"/>
+              </a:rPr>
+              <a:t> rankings for each motif</a:t>
+            </a:r>
+          </a:p>
+          <a:p>
+            <a:r>
+              <a:rPr lang="en-US" b="0" i="0" u="none" strike="noStrike" dirty="0">
+                <a:solidFill>
+                  <a:srgbClr val="212121"/>
+                </a:solidFill>
+                <a:effectLst/>
+                <a:latin typeface="Cambria" panose="02040503050406030204" pitchFamily="18" charset="0"/>
+              </a:rPr>
+              <a:t> The motifs that are annotated to the corresponding TF and obtain a Normalized Enrichment Score (NES) &gt; 3.0 are retained</a:t>
+            </a:r>
+          </a:p>
+          <a:p>
             <a:r>
               <a:rPr lang="en-US" dirty="0">
-                <a:hlinkClick r:id="rId2"/>
-              </a:rPr>
-              <a:t>https://www.ncbi.nlm.nih.gov/pmc/articles/PMC2910651/</a:t>
-            </a:r>
-            <a:r>
-              <a:rPr lang="en-US" dirty="0"/>
-              <a:t> (</a:t>
-            </a:r>
-            <a:r>
-              <a:rPr lang="en-US" dirty="0" err="1"/>
-              <a:t>cisTargetX</a:t>
-            </a:r>
-            <a:r>
-              <a:rPr lang="en-US" dirty="0"/>
+                <a:solidFill>
+                  <a:srgbClr val="212121"/>
+                </a:solidFill>
+                <a:latin typeface="Cambria" panose="02040503050406030204" pitchFamily="18" charset="0"/>
+              </a:rPr>
+              <a:t>For each motif and gene set- predict candidate target genes (</a:t>
+            </a:r>
+            <a:r>
+              <a:rPr lang="en-US" b="0" i="0" u="none" strike="noStrike" dirty="0">
+                <a:solidFill>
+                  <a:srgbClr val="222222"/>
+                </a:solidFill>
+                <a:effectLst/>
+                <a:latin typeface="Harding"/>
+              </a:rPr>
+              <a:t>genes that are ranked above the </a:t>
+            </a:r>
+            <a:r>
+              <a:rPr lang="en-US" b="0" i="1" u="none" strike="noStrike" dirty="0">
+                <a:solidFill>
+                  <a:srgbClr val="222222"/>
+                </a:solidFill>
+                <a:effectLst/>
+                <a:latin typeface="Harding"/>
+              </a:rPr>
+              <a:t>leading edge</a:t>
+            </a:r>
+            <a:r>
+              <a:rPr lang="en-US" b="0" i="0" u="none" strike="noStrike" dirty="0">
+                <a:solidFill>
+                  <a:srgbClr val="222222"/>
+                </a:solidFill>
+                <a:effectLst/>
+                <a:latin typeface="Harding"/>
+              </a:rPr>
               <a:t>)</a:t>
             </a:r>
-          </a:p>
-          <a:p>
             <a:endParaRPr lang="en-IL" dirty="0"/>
           </a:p>
         </p:txBody>
@@ -9260,7 +10176,7 @@
     </p:spTree>
     <p:extLst>
       <p:ext uri="{BB962C8B-B14F-4D97-AF65-F5344CB8AC3E}">
-        <p14:creationId xmlns:p14="http://schemas.microsoft.com/office/powerpoint/2010/main" val="2771368644"/>
+        <p14:creationId xmlns:p14="http://schemas.microsoft.com/office/powerpoint/2010/main" val="577999599"/>
       </p:ext>
     </p:extLst>
   </p:cSld>
@@ -10730,6 +11646,308 @@
           <p:cNvPr id="2" name="Title 1">
             <a:extLst>
               <a:ext uri="{FF2B5EF4-FFF2-40B4-BE49-F238E27FC236}">
+                <a16:creationId xmlns:a16="http://schemas.microsoft.com/office/drawing/2014/main" id="{2CAF7AE6-3891-7FA1-6E6B-5B420A50492A}"/>
+              </a:ext>
+            </a:extLst>
+          </p:cNvPr>
+          <p:cNvSpPr>
+            <a:spLocks noGrp="1"/>
+          </p:cNvSpPr>
+          <p:nvPr>
+            <p:ph type="title"/>
+          </p:nvPr>
+        </p:nvSpPr>
+        <p:spPr/>
+        <p:txBody>
+          <a:bodyPr/>
+          <a:lstStyle/>
+          <a:p>
+            <a:r>
+              <a:rPr lang="en-IL" dirty="0"/>
+              <a:t>AUCell– possible limitations</a:t>
+            </a:r>
+          </a:p>
+        </p:txBody>
+      </p:sp>
+      <p:sp>
+        <p:nvSpPr>
+          <p:cNvPr id="6" name="Content Placeholder 5">
+            <a:extLst>
+              <a:ext uri="{FF2B5EF4-FFF2-40B4-BE49-F238E27FC236}">
+                <a16:creationId xmlns:a16="http://schemas.microsoft.com/office/drawing/2014/main" id="{87E464A8-2069-5423-0092-A47B2AB8D2D6}"/>
+              </a:ext>
+            </a:extLst>
+          </p:cNvPr>
+          <p:cNvSpPr>
+            <a:spLocks noGrp="1"/>
+          </p:cNvSpPr>
+          <p:nvPr>
+            <p:ph idx="1"/>
+          </p:nvPr>
+        </p:nvSpPr>
+        <p:spPr/>
+        <p:txBody>
+          <a:bodyPr/>
+          <a:lstStyle/>
+          <a:p>
+            <a:pPr marL="0" indent="0" algn="l">
+              <a:buNone/>
+            </a:pPr>
+            <a:r>
+              <a:rPr lang="en-US" b="1" i="0" u="none" strike="noStrike" dirty="0" err="1">
+                <a:solidFill>
+                  <a:srgbClr val="222222"/>
+                </a:solidFill>
+                <a:effectLst/>
+                <a:latin typeface="-apple-system"/>
+              </a:rPr>
+              <a:t>AUCell</a:t>
+            </a:r>
+            <a:r>
+              <a:rPr lang="en-US" b="1" i="0" u="none" strike="noStrike" dirty="0">
+                <a:solidFill>
+                  <a:srgbClr val="222222"/>
+                </a:solidFill>
+                <a:effectLst/>
+                <a:latin typeface="-apple-system"/>
+              </a:rPr>
+              <a:t> (Step 7) provides minimal comparability</a:t>
+            </a:r>
+          </a:p>
+          <a:p>
+            <a:pPr marL="0" indent="0" algn="l">
+              <a:buNone/>
+            </a:pPr>
+            <a:r>
+              <a:rPr lang="en-US" b="0" i="0" u="none" strike="noStrike" dirty="0">
+                <a:solidFill>
+                  <a:srgbClr val="222222"/>
+                </a:solidFill>
+                <a:effectLst/>
+                <a:latin typeface="Harding"/>
+              </a:rPr>
+              <a:t>The metric used by </a:t>
+            </a:r>
+            <a:r>
+              <a:rPr lang="en-US" b="0" i="0" u="none" strike="noStrike" dirty="0" err="1">
+                <a:solidFill>
+                  <a:srgbClr val="222222"/>
+                </a:solidFill>
+                <a:effectLst/>
+                <a:latin typeface="Harding"/>
+              </a:rPr>
+              <a:t>AUCell</a:t>
+            </a:r>
+            <a:r>
+              <a:rPr lang="en-US" b="0" i="0" u="none" strike="noStrike" dirty="0">
+                <a:solidFill>
+                  <a:srgbClr val="222222"/>
+                </a:solidFill>
+                <a:effectLst/>
+                <a:latin typeface="Harding"/>
+              </a:rPr>
+              <a:t> to quantify the activity of a predicted regulon in individual cells of an experiment is an </a:t>
+            </a:r>
+            <a:r>
+              <a:rPr lang="en-US" b="0" i="0" u="sng" strike="noStrike" dirty="0">
+                <a:solidFill>
+                  <a:srgbClr val="222222"/>
+                </a:solidFill>
+                <a:effectLst/>
+                <a:latin typeface="Harding"/>
+              </a:rPr>
+              <a:t>unnormalized enrichment score</a:t>
+            </a:r>
+            <a:r>
+              <a:rPr lang="en-US" b="0" i="0" u="none" strike="noStrike" dirty="0">
+                <a:solidFill>
+                  <a:srgbClr val="222222"/>
+                </a:solidFill>
+                <a:effectLst/>
+                <a:latin typeface="Harding"/>
+              </a:rPr>
+              <a:t>. Therefore, </a:t>
+            </a:r>
+            <a:r>
+              <a:rPr lang="en-US" b="0" i="0" u="none" strike="noStrike" dirty="0">
+                <a:solidFill>
+                  <a:srgbClr val="222222"/>
+                </a:solidFill>
+                <a:effectLst/>
+                <a:highlight>
+                  <a:srgbClr val="FFFF00"/>
+                </a:highlight>
+                <a:latin typeface="Harding"/>
+              </a:rPr>
+              <a:t>it can only be used to compare the activity of a regulon across cells of the same experiment</a:t>
+            </a:r>
+            <a:r>
+              <a:rPr lang="en-US" b="0" i="0" u="none" strike="noStrike" dirty="0">
+                <a:solidFill>
+                  <a:srgbClr val="222222"/>
+                </a:solidFill>
+                <a:effectLst/>
+                <a:latin typeface="Harding"/>
+              </a:rPr>
+              <a:t>. Because the enrichment score is not normalized for the size of the predicted </a:t>
+            </a:r>
+            <a:r>
+              <a:rPr lang="en-US" b="0" i="0" u="none" strike="noStrike" dirty="0" err="1">
+                <a:solidFill>
+                  <a:srgbClr val="222222"/>
+                </a:solidFill>
+                <a:effectLst/>
+                <a:latin typeface="Harding"/>
+              </a:rPr>
+              <a:t>targetome</a:t>
+            </a:r>
+            <a:r>
+              <a:rPr lang="en-US" b="0" i="0" u="none" strike="noStrike" dirty="0">
+                <a:solidFill>
+                  <a:srgbClr val="222222"/>
+                </a:solidFill>
+                <a:effectLst/>
+                <a:latin typeface="Harding"/>
+              </a:rPr>
+              <a:t>, the scores of different regulons cannot be compared.</a:t>
+            </a:r>
+          </a:p>
+          <a:p>
+            <a:pPr marL="0" indent="0">
+              <a:buNone/>
+            </a:pPr>
+            <a:br>
+              <a:rPr lang="en-US" dirty="0"/>
+            </a:br>
+            <a:r>
+              <a:rPr lang="en-US" dirty="0"/>
+              <a:t>* Different time points - batch effect is taken care of, should be ok? </a:t>
+            </a:r>
+            <a:endParaRPr lang="en-IL" dirty="0"/>
+          </a:p>
+        </p:txBody>
+      </p:sp>
+    </p:spTree>
+    <p:extLst>
+      <p:ext uri="{BB962C8B-B14F-4D97-AF65-F5344CB8AC3E}">
+        <p14:creationId xmlns:p14="http://schemas.microsoft.com/office/powerpoint/2010/main" val="3655704882"/>
+      </p:ext>
+    </p:extLst>
+  </p:cSld>
+  <p:clrMapOvr>
+    <a:masterClrMapping/>
+  </p:clrMapOvr>
+</p:sld>
+</file>
+
+<file path=ppt/slides/slide26.xml><?xml version="1.0" encoding="utf-8"?>
+<p:sld xmlns:a="http://schemas.openxmlformats.org/drawingml/2006/main" xmlns:r="http://schemas.openxmlformats.org/officeDocument/2006/relationships" xmlns:p="http://schemas.openxmlformats.org/presentationml/2006/main">
+  <p:cSld>
+    <p:spTree>
+      <p:nvGrpSpPr>
+        <p:cNvPr id="1" name=""/>
+        <p:cNvGrpSpPr/>
+        <p:nvPr/>
+      </p:nvGrpSpPr>
+      <p:grpSpPr>
+        <a:xfrm>
+          <a:off x="0" y="0"/>
+          <a:ext cx="0" cy="0"/>
+          <a:chOff x="0" y="0"/>
+          <a:chExt cx="0" cy="0"/>
+        </a:xfrm>
+      </p:grpSpPr>
+      <p:sp>
+        <p:nvSpPr>
+          <p:cNvPr id="2" name="Title 1">
+            <a:extLst>
+              <a:ext uri="{FF2B5EF4-FFF2-40B4-BE49-F238E27FC236}">
+                <a16:creationId xmlns:a16="http://schemas.microsoft.com/office/drawing/2014/main" id="{BB1296EA-E2E5-3006-EBB0-87DD92C1CA09}"/>
+              </a:ext>
+            </a:extLst>
+          </p:cNvPr>
+          <p:cNvSpPr>
+            <a:spLocks noGrp="1"/>
+          </p:cNvSpPr>
+          <p:nvPr>
+            <p:ph type="title"/>
+          </p:nvPr>
+        </p:nvSpPr>
+        <p:spPr/>
+        <p:txBody>
+          <a:bodyPr/>
+          <a:lstStyle/>
+          <a:p>
+            <a:pPr marL="0" indent="0">
+              <a:buNone/>
+            </a:pPr>
+            <a:r>
+              <a:rPr lang="en-IL" dirty="0"/>
+              <a:t>Further Analysis</a:t>
+            </a:r>
+          </a:p>
+        </p:txBody>
+      </p:sp>
+      <p:sp>
+        <p:nvSpPr>
+          <p:cNvPr id="3" name="Text Placeholder 2">
+            <a:extLst>
+              <a:ext uri="{FF2B5EF4-FFF2-40B4-BE49-F238E27FC236}">
+                <a16:creationId xmlns:a16="http://schemas.microsoft.com/office/drawing/2014/main" id="{8EA09FDE-D469-321F-81B9-9F7513986866}"/>
+              </a:ext>
+            </a:extLst>
+          </p:cNvPr>
+          <p:cNvSpPr>
+            <a:spLocks noGrp="1"/>
+          </p:cNvSpPr>
+          <p:nvPr>
+            <p:ph type="body" idx="1"/>
+          </p:nvPr>
+        </p:nvSpPr>
+        <p:spPr/>
+        <p:txBody>
+          <a:bodyPr/>
+          <a:lstStyle/>
+          <a:p>
+            <a:endParaRPr lang="en-IL" dirty="0"/>
+          </a:p>
+        </p:txBody>
+      </p:sp>
+    </p:spTree>
+    <p:extLst>
+      <p:ext uri="{BB962C8B-B14F-4D97-AF65-F5344CB8AC3E}">
+        <p14:creationId xmlns:p14="http://schemas.microsoft.com/office/powerpoint/2010/main" val="3424868785"/>
+      </p:ext>
+    </p:extLst>
+  </p:cSld>
+  <p:clrMapOvr>
+    <a:masterClrMapping/>
+  </p:clrMapOvr>
+</p:sld>
+</file>
+
+<file path=ppt/slides/slide27.xml><?xml version="1.0" encoding="utf-8"?>
+<p:sld xmlns:a="http://schemas.openxmlformats.org/drawingml/2006/main" xmlns:r="http://schemas.openxmlformats.org/officeDocument/2006/relationships" xmlns:p="http://schemas.openxmlformats.org/presentationml/2006/main">
+  <p:cSld>
+    <p:spTree>
+      <p:nvGrpSpPr>
+        <p:cNvPr id="1" name=""/>
+        <p:cNvGrpSpPr/>
+        <p:nvPr/>
+      </p:nvGrpSpPr>
+      <p:grpSpPr>
+        <a:xfrm>
+          <a:off x="0" y="0"/>
+          <a:ext cx="0" cy="0"/>
+          <a:chOff x="0" y="0"/>
+          <a:chExt cx="0" cy="0"/>
+        </a:xfrm>
+      </p:grpSpPr>
+      <p:sp>
+        <p:nvSpPr>
+          <p:cNvPr id="2" name="Title 1">
+            <a:extLst>
+              <a:ext uri="{FF2B5EF4-FFF2-40B4-BE49-F238E27FC236}">
                 <a16:creationId xmlns:a16="http://schemas.microsoft.com/office/drawing/2014/main" id="{67F302C5-4331-0437-B00F-71664D09714B}"/>
               </a:ext>
             </a:extLst>
@@ -10748,7 +11966,7 @@
           <a:p>
             <a:r>
               <a:rPr lang="en-IL" dirty="0"/>
-              <a:t>AUCell - questions</a:t>
+              <a:t>AUCell – further analysis</a:t>
             </a:r>
           </a:p>
         </p:txBody>
@@ -10776,7 +11994,7 @@
           <a:p>
             <a:r>
               <a:rPr lang="en-IL" dirty="0"/>
-              <a:t>Two uses to output:</a:t>
+              <a:t>Two uses of AUCell values</a:t>
             </a:r>
           </a:p>
           <a:p>
@@ -10801,47 +12019,6 @@
           </a:p>
           <a:p>
             <a:endParaRPr lang="en-US" dirty="0"/>
-          </a:p>
-          <a:p>
-            <a:r>
-              <a:rPr lang="en-US" dirty="0">
-                <a:highlight>
-                  <a:srgbClr val="FFFF00"/>
-                </a:highlight>
-              </a:rPr>
-              <a:t>I thought: to decide on a cutoff and create binary matrix, and choose % of similar regulons that appear </a:t>
-            </a:r>
-            <a:r>
-              <a:rPr lang="en-US" u="sng" dirty="0">
-                <a:highlight>
-                  <a:srgbClr val="FFFF00"/>
-                </a:highlight>
-              </a:rPr>
-              <a:t>per cell</a:t>
-            </a:r>
-            <a:r>
-              <a:rPr lang="en-US" dirty="0">
-                <a:highlight>
-                  <a:srgbClr val="FFFF00"/>
-                </a:highlight>
-              </a:rPr>
-              <a:t> -&gt; how do I choose cutoff? Paper said it can be chosen automatically but idk how yet. </a:t>
-            </a:r>
-          </a:p>
-          <a:p>
-            <a:r>
-              <a:rPr lang="en-US" dirty="0"/>
-              <a:t>What happens to </a:t>
-            </a:r>
-            <a:r>
-              <a:rPr lang="en-US" u="sng" dirty="0"/>
-              <a:t>suppressors? Genes should be ranked low, isn’t that a problem?</a:t>
-            </a:r>
-            <a:r>
-              <a:rPr lang="en-US" dirty="0"/>
-              <a:t> =&gt; we consider only activators. </a:t>
-            </a:r>
-            <a:endParaRPr lang="en-US" u="sng" dirty="0"/>
           </a:p>
           <a:p>
             <a:pPr marL="457200" lvl="1" indent="0">
@@ -10868,6 +12045,370 @@
     <p:extLst>
       <p:ext uri="{BB962C8B-B14F-4D97-AF65-F5344CB8AC3E}">
         <p14:creationId xmlns:p14="http://schemas.microsoft.com/office/powerpoint/2010/main" val="779796953"/>
+      </p:ext>
+    </p:extLst>
+  </p:cSld>
+  <p:clrMapOvr>
+    <a:masterClrMapping/>
+  </p:clrMapOvr>
+</p:sld>
+</file>
+
+<file path=ppt/slides/slide28.xml><?xml version="1.0" encoding="utf-8"?>
+<p:sld xmlns:a="http://schemas.openxmlformats.org/drawingml/2006/main" xmlns:r="http://schemas.openxmlformats.org/officeDocument/2006/relationships" xmlns:p="http://schemas.openxmlformats.org/presentationml/2006/main">
+  <p:cSld>
+    <p:spTree>
+      <p:nvGrpSpPr>
+        <p:cNvPr id="1" name=""/>
+        <p:cNvGrpSpPr/>
+        <p:nvPr/>
+      </p:nvGrpSpPr>
+      <p:grpSpPr>
+        <a:xfrm>
+          <a:off x="0" y="0"/>
+          <a:ext cx="0" cy="0"/>
+          <a:chOff x="0" y="0"/>
+          <a:chExt cx="0" cy="0"/>
+        </a:xfrm>
+      </p:grpSpPr>
+      <p:sp>
+        <p:nvSpPr>
+          <p:cNvPr id="2" name="Title 1">
+            <a:extLst>
+              <a:ext uri="{FF2B5EF4-FFF2-40B4-BE49-F238E27FC236}">
+                <a16:creationId xmlns:a16="http://schemas.microsoft.com/office/drawing/2014/main" id="{EEB8AD68-4109-046D-313B-B957551BF5DE}"/>
+              </a:ext>
+            </a:extLst>
+          </p:cNvPr>
+          <p:cNvSpPr>
+            <a:spLocks noGrp="1"/>
+          </p:cNvSpPr>
+          <p:nvPr>
+            <p:ph type="title"/>
+          </p:nvPr>
+        </p:nvSpPr>
+        <p:spPr/>
+        <p:txBody>
+          <a:bodyPr/>
+          <a:lstStyle/>
+          <a:p>
+            <a:r>
+              <a:rPr lang="en-IL" dirty="0"/>
+              <a:t>Regulon activity  - </a:t>
+            </a:r>
+            <a:br>
+              <a:rPr lang="en-IL" dirty="0"/>
+            </a:br>
+            <a:r>
+              <a:rPr lang="en-IL" dirty="0"/>
+              <a:t>heatmap</a:t>
+            </a:r>
+          </a:p>
+        </p:txBody>
+      </p:sp>
+      <p:sp>
+        <p:nvSpPr>
+          <p:cNvPr id="5" name="TextBox 4">
+            <a:extLst>
+              <a:ext uri="{FF2B5EF4-FFF2-40B4-BE49-F238E27FC236}">
+                <a16:creationId xmlns:a16="http://schemas.microsoft.com/office/drawing/2014/main" id="{A75145A3-D2DE-274E-776D-5B408653E1BF}"/>
+              </a:ext>
+            </a:extLst>
+          </p:cNvPr>
+          <p:cNvSpPr txBox="1"/>
+          <p:nvPr/>
+        </p:nvSpPr>
+        <p:spPr>
+          <a:xfrm>
+            <a:off x="369427" y="1690688"/>
+            <a:ext cx="5817243" cy="369332"/>
+          </a:xfrm>
+          <a:prstGeom prst="rect">
+            <a:avLst/>
+          </a:prstGeom>
+          <a:noFill/>
+        </p:spPr>
+        <p:txBody>
+          <a:bodyPr wrap="square">
+            <a:spAutoFit/>
+          </a:bodyPr>
+          <a:lstStyle/>
+          <a:p>
+            <a:r>
+              <a:rPr lang="en-US" b="0" dirty="0" err="1">
+                <a:solidFill>
+                  <a:srgbClr val="4EC9B0"/>
+                </a:solidFill>
+                <a:effectLst/>
+                <a:latin typeface="Menlo" panose="020B0609030804020204" pitchFamily="49" charset="0"/>
+              </a:rPr>
+              <a:t>sns</a:t>
+            </a:r>
+            <a:r>
+              <a:rPr lang="en-US" b="0" dirty="0" err="1">
+                <a:solidFill>
+                  <a:srgbClr val="D4D4D4"/>
+                </a:solidFill>
+                <a:effectLst/>
+                <a:latin typeface="Menlo" panose="020B0609030804020204" pitchFamily="49" charset="0"/>
+              </a:rPr>
+              <a:t>.clustermap</a:t>
+            </a:r>
+            <a:r>
+              <a:rPr lang="en-US" b="0" dirty="0">
+                <a:solidFill>
+                  <a:srgbClr val="D4D4D4"/>
+                </a:solidFill>
+                <a:effectLst/>
+                <a:latin typeface="Menlo" panose="020B0609030804020204" pitchFamily="49" charset="0"/>
+              </a:rPr>
+              <a:t>(</a:t>
+            </a:r>
+            <a:r>
+              <a:rPr lang="en-US" b="0" dirty="0" err="1">
+                <a:solidFill>
+                  <a:srgbClr val="9CDCFE"/>
+                </a:solidFill>
+                <a:effectLst/>
+                <a:latin typeface="Menlo" panose="020B0609030804020204" pitchFamily="49" charset="0"/>
+              </a:rPr>
+              <a:t>auc_ntx</a:t>
+            </a:r>
+            <a:r>
+              <a:rPr lang="en-US" b="0" dirty="0">
+                <a:solidFill>
+                  <a:srgbClr val="D4D4D4"/>
+                </a:solidFill>
+                <a:effectLst/>
+                <a:latin typeface="Menlo" panose="020B0609030804020204" pitchFamily="49" charset="0"/>
+              </a:rPr>
+              <a:t>, </a:t>
+            </a:r>
+            <a:r>
+              <a:rPr lang="en-US" b="0" dirty="0" err="1">
+                <a:solidFill>
+                  <a:srgbClr val="9CDCFE"/>
+                </a:solidFill>
+                <a:effectLst/>
+                <a:latin typeface="Menlo" panose="020B0609030804020204" pitchFamily="49" charset="0"/>
+              </a:rPr>
+              <a:t>figsize</a:t>
+            </a:r>
+            <a:r>
+              <a:rPr lang="en-US" b="0" dirty="0">
+                <a:solidFill>
+                  <a:srgbClr val="D4D4D4"/>
+                </a:solidFill>
+                <a:effectLst/>
+                <a:latin typeface="Menlo" panose="020B0609030804020204" pitchFamily="49" charset="0"/>
+              </a:rPr>
+              <a:t>=(</a:t>
+            </a:r>
+            <a:r>
+              <a:rPr lang="en-US" b="0" dirty="0">
+                <a:solidFill>
+                  <a:srgbClr val="B5CEA8"/>
+                </a:solidFill>
+                <a:effectLst/>
+                <a:latin typeface="Menlo" panose="020B0609030804020204" pitchFamily="49" charset="0"/>
+              </a:rPr>
+              <a:t>12</a:t>
+            </a:r>
+            <a:r>
+              <a:rPr lang="en-US" b="0" dirty="0">
+                <a:solidFill>
+                  <a:srgbClr val="D4D4D4"/>
+                </a:solidFill>
+                <a:effectLst/>
+                <a:latin typeface="Menlo" panose="020B0609030804020204" pitchFamily="49" charset="0"/>
+              </a:rPr>
+              <a:t>,</a:t>
+            </a:r>
+            <a:r>
+              <a:rPr lang="en-US" b="0" dirty="0">
+                <a:solidFill>
+                  <a:srgbClr val="B5CEA8"/>
+                </a:solidFill>
+                <a:effectLst/>
+                <a:latin typeface="Menlo" panose="020B0609030804020204" pitchFamily="49" charset="0"/>
+              </a:rPr>
+              <a:t>12</a:t>
+            </a:r>
+            <a:r>
+              <a:rPr lang="en-US" b="0" dirty="0">
+                <a:solidFill>
+                  <a:srgbClr val="D4D4D4"/>
+                </a:solidFill>
+                <a:effectLst/>
+                <a:latin typeface="Menlo" panose="020B0609030804020204" pitchFamily="49" charset="0"/>
+              </a:rPr>
+              <a:t>))</a:t>
+            </a:r>
+          </a:p>
+        </p:txBody>
+      </p:sp>
+      <p:pic>
+        <p:nvPicPr>
+          <p:cNvPr id="3" name="Picture 2">
+            <a:extLst>
+              <a:ext uri="{FF2B5EF4-FFF2-40B4-BE49-F238E27FC236}">
+                <a16:creationId xmlns:a16="http://schemas.microsoft.com/office/drawing/2014/main" id="{D66212CC-E08A-F19E-9666-79B1FFF63468}"/>
+              </a:ext>
+            </a:extLst>
+          </p:cNvPr>
+          <p:cNvPicPr>
+            <a:picLocks noChangeAspect="1"/>
+          </p:cNvPicPr>
+          <p:nvPr/>
+        </p:nvPicPr>
+        <p:blipFill>
+          <a:blip r:embed="rId3"/>
+          <a:stretch>
+            <a:fillRect/>
+          </a:stretch>
+        </p:blipFill>
+        <p:spPr>
+          <a:xfrm>
+            <a:off x="6186670" y="458844"/>
+            <a:ext cx="5982343" cy="5940312"/>
+          </a:xfrm>
+          <a:prstGeom prst="rect">
+            <a:avLst/>
+          </a:prstGeom>
+        </p:spPr>
+      </p:pic>
+      <p:sp>
+        <p:nvSpPr>
+          <p:cNvPr id="4" name="TextBox 3">
+            <a:extLst>
+              <a:ext uri="{FF2B5EF4-FFF2-40B4-BE49-F238E27FC236}">
+                <a16:creationId xmlns:a16="http://schemas.microsoft.com/office/drawing/2014/main" id="{C0CF67EB-464E-72A9-D150-2E6495562F0F}"/>
+              </a:ext>
+            </a:extLst>
+          </p:cNvPr>
+          <p:cNvSpPr txBox="1"/>
+          <p:nvPr/>
+        </p:nvSpPr>
+        <p:spPr>
+          <a:xfrm>
+            <a:off x="369427" y="2257327"/>
+            <a:ext cx="5635904" cy="646331"/>
+          </a:xfrm>
+          <a:prstGeom prst="rect">
+            <a:avLst/>
+          </a:prstGeom>
+          <a:noFill/>
+        </p:spPr>
+        <p:txBody>
+          <a:bodyPr wrap="square" rtlCol="0">
+            <a:spAutoFit/>
+          </a:bodyPr>
+          <a:lstStyle/>
+          <a:p>
+            <a:r>
+              <a:rPr lang="en-IL" dirty="0"/>
+              <a:t>Visualizatio of the AUCell table as heatmap</a:t>
+            </a:r>
+          </a:p>
+          <a:p>
+            <a:endParaRPr lang="en-IL" dirty="0"/>
+          </a:p>
+        </p:txBody>
+      </p:sp>
+    </p:spTree>
+    <p:extLst>
+      <p:ext uri="{BB962C8B-B14F-4D97-AF65-F5344CB8AC3E}">
+        <p14:creationId xmlns:p14="http://schemas.microsoft.com/office/powerpoint/2010/main" val="532821761"/>
+      </p:ext>
+    </p:extLst>
+  </p:cSld>
+  <p:clrMapOvr>
+    <a:masterClrMapping/>
+  </p:clrMapOvr>
+</p:sld>
+</file>
+
+<file path=ppt/slides/slide29.xml><?xml version="1.0" encoding="utf-8"?>
+<p:sld xmlns:a="http://schemas.openxmlformats.org/drawingml/2006/main" xmlns:r="http://schemas.openxmlformats.org/officeDocument/2006/relationships" xmlns:p="http://schemas.openxmlformats.org/presentationml/2006/main">
+  <p:cSld>
+    <p:spTree>
+      <p:nvGrpSpPr>
+        <p:cNvPr id="1" name=""/>
+        <p:cNvGrpSpPr/>
+        <p:nvPr/>
+      </p:nvGrpSpPr>
+      <p:grpSpPr>
+        <a:xfrm>
+          <a:off x="0" y="0"/>
+          <a:ext cx="0" cy="0"/>
+          <a:chOff x="0" y="0"/>
+          <a:chExt cx="0" cy="0"/>
+        </a:xfrm>
+      </p:grpSpPr>
+      <p:sp>
+        <p:nvSpPr>
+          <p:cNvPr id="2" name="Title 1">
+            <a:extLst>
+              <a:ext uri="{FF2B5EF4-FFF2-40B4-BE49-F238E27FC236}">
+                <a16:creationId xmlns:a16="http://schemas.microsoft.com/office/drawing/2014/main" id="{923F0517-E610-59FC-E457-5A9A5845FEFF}"/>
+              </a:ext>
+            </a:extLst>
+          </p:cNvPr>
+          <p:cNvSpPr>
+            <a:spLocks noGrp="1"/>
+          </p:cNvSpPr>
+          <p:nvPr>
+            <p:ph type="title"/>
+          </p:nvPr>
+        </p:nvSpPr>
+        <p:spPr/>
+        <p:txBody>
+          <a:bodyPr/>
+          <a:lstStyle/>
+          <a:p>
+            <a:r>
+              <a:rPr lang="en-IL" dirty="0"/>
+              <a:t>AUCell – from pySCENIC FAQ</a:t>
+            </a:r>
+          </a:p>
+        </p:txBody>
+      </p:sp>
+      <p:pic>
+        <p:nvPicPr>
+          <p:cNvPr id="4" name="Content Placeholder 3">
+            <a:extLst>
+              <a:ext uri="{FF2B5EF4-FFF2-40B4-BE49-F238E27FC236}">
+                <a16:creationId xmlns:a16="http://schemas.microsoft.com/office/drawing/2014/main" id="{00BBECD4-FB36-DFB4-BF76-6FE6971D6B9A}"/>
+              </a:ext>
+            </a:extLst>
+          </p:cNvPr>
+          <p:cNvPicPr>
+            <a:picLocks noGrp="1" noChangeAspect="1"/>
+          </p:cNvPicPr>
+          <p:nvPr>
+            <p:ph idx="1"/>
+          </p:nvPr>
+        </p:nvPicPr>
+        <p:blipFill>
+          <a:blip r:embed="rId3"/>
+          <a:stretch>
+            <a:fillRect/>
+          </a:stretch>
+        </p:blipFill>
+        <p:spPr>
+          <a:xfrm>
+            <a:off x="2879794" y="1825625"/>
+            <a:ext cx="6432412" cy="4351338"/>
+          </a:xfrm>
+          <a:prstGeom prst="rect">
+            <a:avLst/>
+          </a:prstGeom>
+        </p:spPr>
+      </p:pic>
+    </p:spTree>
+    <p:extLst>
+      <p:ext uri="{BB962C8B-B14F-4D97-AF65-F5344CB8AC3E}">
+        <p14:creationId xmlns:p14="http://schemas.microsoft.com/office/powerpoint/2010/main" val="545550036"/>
       </p:ext>
     </p:extLst>
   </p:cSld>
@@ -10963,6 +12504,328 @@
 </p:sld>
 </file>
 
+<file path=ppt/slides/slide30.xml><?xml version="1.0" encoding="utf-8"?>
+<p:sld xmlns:a="http://schemas.openxmlformats.org/drawingml/2006/main" xmlns:r="http://schemas.openxmlformats.org/officeDocument/2006/relationships" xmlns:p="http://schemas.openxmlformats.org/presentationml/2006/main">
+  <p:cSld>
+    <p:spTree>
+      <p:nvGrpSpPr>
+        <p:cNvPr id="1" name=""/>
+        <p:cNvGrpSpPr/>
+        <p:nvPr/>
+      </p:nvGrpSpPr>
+      <p:grpSpPr>
+        <a:xfrm>
+          <a:off x="0" y="0"/>
+          <a:ext cx="0" cy="0"/>
+          <a:chOff x="0" y="0"/>
+          <a:chExt cx="0" cy="0"/>
+        </a:xfrm>
+      </p:grpSpPr>
+      <p:sp>
+        <p:nvSpPr>
+          <p:cNvPr id="2" name="Title 1">
+            <a:extLst>
+              <a:ext uri="{FF2B5EF4-FFF2-40B4-BE49-F238E27FC236}">
+                <a16:creationId xmlns:a16="http://schemas.microsoft.com/office/drawing/2014/main" id="{9A04B085-1AF7-7CDF-6C5B-78B07CC33A69}"/>
+              </a:ext>
+            </a:extLst>
+          </p:cNvPr>
+          <p:cNvSpPr>
+            <a:spLocks noGrp="1"/>
+          </p:cNvSpPr>
+          <p:nvPr>
+            <p:ph type="title"/>
+          </p:nvPr>
+        </p:nvSpPr>
+        <p:spPr/>
+        <p:txBody>
+          <a:bodyPr/>
+          <a:lstStyle/>
+          <a:p>
+            <a:r>
+              <a:rPr lang="en-IL" dirty="0"/>
+              <a:t>Threshold per regulon</a:t>
+            </a:r>
+          </a:p>
+        </p:txBody>
+      </p:sp>
+      <p:pic>
+        <p:nvPicPr>
+          <p:cNvPr id="4" name="Picture 3">
+            <a:extLst>
+              <a:ext uri="{FF2B5EF4-FFF2-40B4-BE49-F238E27FC236}">
+                <a16:creationId xmlns:a16="http://schemas.microsoft.com/office/drawing/2014/main" id="{71FAA013-D4D9-13C2-01C6-B746FDC9FBE0}"/>
+              </a:ext>
+            </a:extLst>
+          </p:cNvPr>
+          <p:cNvPicPr>
+            <a:picLocks noChangeAspect="1"/>
+          </p:cNvPicPr>
+          <p:nvPr/>
+        </p:nvPicPr>
+        <p:blipFill>
+          <a:blip r:embed="rId2"/>
+          <a:stretch>
+            <a:fillRect/>
+          </a:stretch>
+        </p:blipFill>
+        <p:spPr>
+          <a:xfrm>
+            <a:off x="1290230" y="1611559"/>
+            <a:ext cx="9611540" cy="4093050"/>
+          </a:xfrm>
+          <a:prstGeom prst="rect">
+            <a:avLst/>
+          </a:prstGeom>
+        </p:spPr>
+      </p:pic>
+    </p:spTree>
+    <p:extLst>
+      <p:ext uri="{BB962C8B-B14F-4D97-AF65-F5344CB8AC3E}">
+        <p14:creationId xmlns:p14="http://schemas.microsoft.com/office/powerpoint/2010/main" val="3234654765"/>
+      </p:ext>
+    </p:extLst>
+  </p:cSld>
+  <p:clrMapOvr>
+    <a:masterClrMapping/>
+  </p:clrMapOvr>
+</p:sld>
+</file>
+
+<file path=ppt/slides/slide31.xml><?xml version="1.0" encoding="utf-8"?>
+<p:sld xmlns:a="http://schemas.openxmlformats.org/drawingml/2006/main" xmlns:r="http://schemas.openxmlformats.org/officeDocument/2006/relationships" xmlns:p="http://schemas.openxmlformats.org/presentationml/2006/main">
+  <p:cSld>
+    <p:spTree>
+      <p:nvGrpSpPr>
+        <p:cNvPr id="1" name=""/>
+        <p:cNvGrpSpPr/>
+        <p:nvPr/>
+      </p:nvGrpSpPr>
+      <p:grpSpPr>
+        <a:xfrm>
+          <a:off x="0" y="0"/>
+          <a:ext cx="0" cy="0"/>
+          <a:chOff x="0" y="0"/>
+          <a:chExt cx="0" cy="0"/>
+        </a:xfrm>
+      </p:grpSpPr>
+      <p:sp>
+        <p:nvSpPr>
+          <p:cNvPr id="2" name="Title 1">
+            <a:extLst>
+              <a:ext uri="{FF2B5EF4-FFF2-40B4-BE49-F238E27FC236}">
+                <a16:creationId xmlns:a16="http://schemas.microsoft.com/office/drawing/2014/main" id="{6A753A86-3DA3-5A9C-6240-5F9680EDEE79}"/>
+              </a:ext>
+            </a:extLst>
+          </p:cNvPr>
+          <p:cNvSpPr>
+            <a:spLocks noGrp="1"/>
+          </p:cNvSpPr>
+          <p:nvPr>
+            <p:ph type="title"/>
+          </p:nvPr>
+        </p:nvSpPr>
+        <p:spPr>
+          <a:xfrm>
+            <a:off x="838200" y="365125"/>
+            <a:ext cx="4940300" cy="1325563"/>
+          </a:xfrm>
+        </p:spPr>
+        <p:txBody>
+          <a:bodyPr>
+            <a:normAutofit fontScale="90000"/>
+          </a:bodyPr>
+          <a:lstStyle/>
+          <a:p>
+            <a:r>
+              <a:rPr lang="en-IL" dirty="0"/>
+              <a:t>Regulon activity – binarization + heatmap</a:t>
+            </a:r>
+          </a:p>
+        </p:txBody>
+      </p:sp>
+      <p:sp>
+        <p:nvSpPr>
+          <p:cNvPr id="3" name="Content Placeholder 2">
+            <a:extLst>
+              <a:ext uri="{FF2B5EF4-FFF2-40B4-BE49-F238E27FC236}">
+                <a16:creationId xmlns:a16="http://schemas.microsoft.com/office/drawing/2014/main" id="{8EF76F9C-3251-35E0-772E-CDFBD79096CA}"/>
+              </a:ext>
+            </a:extLst>
+          </p:cNvPr>
+          <p:cNvSpPr>
+            <a:spLocks noGrp="1"/>
+          </p:cNvSpPr>
+          <p:nvPr>
+            <p:ph idx="1"/>
+          </p:nvPr>
+        </p:nvSpPr>
+        <p:spPr>
+          <a:xfrm>
+            <a:off x="838200" y="1825625"/>
+            <a:ext cx="4398818" cy="4337669"/>
+          </a:xfrm>
+        </p:spPr>
+        <p:txBody>
+          <a:bodyPr>
+            <a:normAutofit/>
+          </a:bodyPr>
+          <a:lstStyle/>
+          <a:p>
+            <a:pPr marL="0" indent="0">
+              <a:buNone/>
+            </a:pPr>
+            <a:r>
+              <a:rPr lang="en-IL" sz="2000" dirty="0"/>
+              <a:t>Binarization of AUCell values with a specific threshold for every regulon</a:t>
+            </a:r>
+          </a:p>
+        </p:txBody>
+      </p:sp>
+      <p:pic>
+        <p:nvPicPr>
+          <p:cNvPr id="4" name="Picture 3">
+            <a:extLst>
+              <a:ext uri="{FF2B5EF4-FFF2-40B4-BE49-F238E27FC236}">
+                <a16:creationId xmlns:a16="http://schemas.microsoft.com/office/drawing/2014/main" id="{939B047F-6612-C652-29A3-2C6D17DE2948}"/>
+              </a:ext>
+            </a:extLst>
+          </p:cNvPr>
+          <p:cNvPicPr>
+            <a:picLocks noChangeAspect="1"/>
+          </p:cNvPicPr>
+          <p:nvPr/>
+        </p:nvPicPr>
+        <p:blipFill>
+          <a:blip r:embed="rId2"/>
+          <a:stretch>
+            <a:fillRect/>
+          </a:stretch>
+        </p:blipFill>
+        <p:spPr>
+          <a:xfrm>
+            <a:off x="5778500" y="514350"/>
+            <a:ext cx="5575300" cy="5829300"/>
+          </a:xfrm>
+          <a:prstGeom prst="rect">
+            <a:avLst/>
+          </a:prstGeom>
+        </p:spPr>
+      </p:pic>
+    </p:spTree>
+    <p:extLst>
+      <p:ext uri="{BB962C8B-B14F-4D97-AF65-F5344CB8AC3E}">
+        <p14:creationId xmlns:p14="http://schemas.microsoft.com/office/powerpoint/2010/main" val="1651139557"/>
+      </p:ext>
+    </p:extLst>
+  </p:cSld>
+  <p:clrMapOvr>
+    <a:masterClrMapping/>
+  </p:clrMapOvr>
+</p:sld>
+</file>
+
+<file path=ppt/slides/slide32.xml><?xml version="1.0" encoding="utf-8"?>
+<p:sld xmlns:a="http://schemas.openxmlformats.org/drawingml/2006/main" xmlns:r="http://schemas.openxmlformats.org/officeDocument/2006/relationships" xmlns:p="http://schemas.openxmlformats.org/presentationml/2006/main">
+  <p:cSld>
+    <p:spTree>
+      <p:nvGrpSpPr>
+        <p:cNvPr id="1" name=""/>
+        <p:cNvGrpSpPr/>
+        <p:nvPr/>
+      </p:nvGrpSpPr>
+      <p:grpSpPr>
+        <a:xfrm>
+          <a:off x="0" y="0"/>
+          <a:ext cx="0" cy="0"/>
+          <a:chOff x="0" y="0"/>
+          <a:chExt cx="0" cy="0"/>
+        </a:xfrm>
+      </p:grpSpPr>
+      <p:sp>
+        <p:nvSpPr>
+          <p:cNvPr id="2" name="Title 1">
+            <a:extLst>
+              <a:ext uri="{FF2B5EF4-FFF2-40B4-BE49-F238E27FC236}">
+                <a16:creationId xmlns:a16="http://schemas.microsoft.com/office/drawing/2014/main" id="{4A972ECA-C849-93F9-A3D3-BF2890D59703}"/>
+              </a:ext>
+            </a:extLst>
+          </p:cNvPr>
+          <p:cNvSpPr>
+            <a:spLocks noGrp="1"/>
+          </p:cNvSpPr>
+          <p:nvPr>
+            <p:ph type="title"/>
+          </p:nvPr>
+        </p:nvSpPr>
+        <p:spPr/>
+        <p:txBody>
+          <a:bodyPr/>
+          <a:lstStyle/>
+          <a:p>
+            <a:r>
+              <a:rPr lang="en-IL" dirty="0"/>
+              <a:t>Cell-type specific regulators</a:t>
+            </a:r>
+          </a:p>
+        </p:txBody>
+      </p:sp>
+      <p:sp>
+        <p:nvSpPr>
+          <p:cNvPr id="3" name="Content Placeholder 2">
+            <a:extLst>
+              <a:ext uri="{FF2B5EF4-FFF2-40B4-BE49-F238E27FC236}">
+                <a16:creationId xmlns:a16="http://schemas.microsoft.com/office/drawing/2014/main" id="{37AAC4EC-8583-8BB2-874B-407C88641CFC}"/>
+              </a:ext>
+            </a:extLst>
+          </p:cNvPr>
+          <p:cNvSpPr>
+            <a:spLocks noGrp="1"/>
+          </p:cNvSpPr>
+          <p:nvPr>
+            <p:ph idx="1"/>
+          </p:nvPr>
+        </p:nvSpPr>
+        <p:spPr/>
+        <p:txBody>
+          <a:bodyPr/>
+          <a:lstStyle/>
+          <a:p>
+            <a:r>
+              <a:rPr lang="en-IL" dirty="0"/>
+              <a:t>Regulon Specificity Score (RSS):  measures the distance between the regulon’s enrichment distribution and cell type annotations distribution using Jensen-Shannon Divergence*.</a:t>
+            </a:r>
+          </a:p>
+          <a:p>
+            <a:r>
+              <a:rPr lang="en-IL" dirty="0"/>
+              <a:t>For a cell type, RSS for all regulons is ranked from high to low (too high – outliers).</a:t>
+            </a:r>
+          </a:p>
+          <a:p>
+            <a:endParaRPr lang="en-IL" dirty="0"/>
+          </a:p>
+          <a:p>
+            <a:pPr marL="0" indent="0">
+              <a:buNone/>
+            </a:pPr>
+            <a:endParaRPr lang="en-IL" dirty="0"/>
+          </a:p>
+        </p:txBody>
+      </p:sp>
+    </p:spTree>
+    <p:extLst>
+      <p:ext uri="{BB962C8B-B14F-4D97-AF65-F5344CB8AC3E}">
+        <p14:creationId xmlns:p14="http://schemas.microsoft.com/office/powerpoint/2010/main" val="1972883681"/>
+      </p:ext>
+    </p:extLst>
+  </p:cSld>
+  <p:clrMapOvr>
+    <a:masterClrMapping/>
+  </p:clrMapOvr>
+</p:sld>
+</file>
+
 <file path=ppt/slides/slide4.xml><?xml version="1.0" encoding="utf-8"?>
 <p:sld xmlns:a="http://schemas.openxmlformats.org/drawingml/2006/main" xmlns:r="http://schemas.openxmlformats.org/officeDocument/2006/relationships" xmlns:p="http://schemas.openxmlformats.org/presentationml/2006/main">
   <p:cSld>
@@ -11521,7 +13384,7 @@
           <a:p>
             <a:r>
               <a:rPr lang="en-IL" dirty="0"/>
-              <a:t>Regression Trees for GRN inference</a:t>
+              <a:t>Advantages of Regression Trees</a:t>
             </a:r>
           </a:p>
         </p:txBody>

--- a/my_notes.pptx
+++ b/my_notes.pptx
@@ -5,7 +5,7 @@
     <p:sldMasterId id="2147483648" r:id="rId1"/>
   </p:sldMasterIdLst>
   <p:notesMasterIdLst>
-    <p:notesMasterId r:id="rId34"/>
+    <p:notesMasterId r:id="rId38"/>
   </p:notesMasterIdLst>
   <p:sldIdLst>
     <p:sldId id="256" r:id="rId2"/>
@@ -23,23 +23,27 @@
     <p:sldId id="266" r:id="rId14"/>
     <p:sldId id="267" r:id="rId15"/>
     <p:sldId id="270" r:id="rId16"/>
-    <p:sldId id="271" r:id="rId17"/>
+    <p:sldId id="293" r:id="rId17"/>
     <p:sldId id="286" r:id="rId18"/>
-    <p:sldId id="281" r:id="rId19"/>
-    <p:sldId id="272" r:id="rId20"/>
-    <p:sldId id="278" r:id="rId21"/>
-    <p:sldId id="273" r:id="rId22"/>
-    <p:sldId id="274" r:id="rId23"/>
-    <p:sldId id="280" r:id="rId24"/>
-    <p:sldId id="275" r:id="rId25"/>
-    <p:sldId id="291" r:id="rId26"/>
-    <p:sldId id="288" r:id="rId27"/>
-    <p:sldId id="279" r:id="rId28"/>
-    <p:sldId id="283" r:id="rId29"/>
-    <p:sldId id="284" r:id="rId30"/>
-    <p:sldId id="285" r:id="rId31"/>
-    <p:sldId id="289" r:id="rId32"/>
-    <p:sldId id="290" r:id="rId33"/>
+    <p:sldId id="292" r:id="rId19"/>
+    <p:sldId id="294" r:id="rId20"/>
+    <p:sldId id="281" r:id="rId21"/>
+    <p:sldId id="295" r:id="rId22"/>
+    <p:sldId id="272" r:id="rId23"/>
+    <p:sldId id="278" r:id="rId24"/>
+    <p:sldId id="273" r:id="rId25"/>
+    <p:sldId id="274" r:id="rId26"/>
+    <p:sldId id="280" r:id="rId27"/>
+    <p:sldId id="275" r:id="rId28"/>
+    <p:sldId id="291" r:id="rId29"/>
+    <p:sldId id="288" r:id="rId30"/>
+    <p:sldId id="279" r:id="rId31"/>
+    <p:sldId id="283" r:id="rId32"/>
+    <p:sldId id="284" r:id="rId33"/>
+    <p:sldId id="285" r:id="rId34"/>
+    <p:sldId id="289" r:id="rId35"/>
+    <p:sldId id="290" r:id="rId36"/>
+    <p:sldId id="296" r:id="rId37"/>
   </p:sldIdLst>
   <p:sldSz cx="12192000" cy="6858000"/>
   <p:notesSz cx="6858000" cy="9144000"/>
@@ -3292,7 +3296,7 @@
     </p:spTree>
     <p:extLst>
       <p:ext uri="{BB962C8B-B14F-4D97-AF65-F5344CB8AC3E}">
-        <p14:creationId xmlns:p14="http://schemas.microsoft.com/office/powerpoint/2010/main" val="2119435695"/>
+        <p14:creationId xmlns:p14="http://schemas.microsoft.com/office/powerpoint/2010/main" val="2057926619"/>
       </p:ext>
     </p:extLst>
   </p:cSld>
@@ -3466,9 +3470,82 @@
           <a:lstStyle/>
           <a:p>
             <a:r>
+              <a:rPr lang="en-US" dirty="0"/>
+              <a:t>C</a:t>
+            </a:r>
+            <a:r>
               <a:rPr lang="en-IL" dirty="0"/>
-              <a:t>Leading edge: </a:t>
-            </a:r>
+              <a:t>luster-Buster </a:t>
+            </a:r>
+            <a:r>
+              <a:rPr lang="en-US" dirty="0"/>
+              <a:t>https://</a:t>
+            </a:r>
+            <a:r>
+              <a:rPr lang="en-US" dirty="0" err="1"/>
+              <a:t>www.ncbi.nlm.nih.gov</a:t>
+            </a:r>
+            <a:r>
+              <a:rPr lang="en-US" dirty="0"/>
+              <a:t>/</a:t>
+            </a:r>
+            <a:r>
+              <a:rPr lang="en-US" dirty="0" err="1"/>
+              <a:t>pmc</a:t>
+            </a:r>
+            <a:r>
+              <a:rPr lang="en-US" dirty="0"/>
+              <a:t>/articles/PMC168947/ </a:t>
+            </a:r>
+          </a:p>
+          <a:p>
+            <a:endParaRPr lang="en-IL" dirty="0"/>
+          </a:p>
+          <a:p>
+            <a:endParaRPr lang="en-IL" dirty="0"/>
+          </a:p>
+          <a:p>
+            <a:r>
+              <a:rPr lang="en-US" b="0" i="1" u="none" strike="noStrike" dirty="0">
+                <a:solidFill>
+                  <a:srgbClr val="4D5156"/>
+                </a:solidFill>
+                <a:effectLst/>
+                <a:latin typeface="Google Sans"/>
+              </a:rPr>
+              <a:t>Cis-regulatory modules (CRMs) - </a:t>
+            </a:r>
+            <a:r>
+              <a:rPr lang="en-US" b="0" i="0" u="none" strike="noStrike" dirty="0">
+                <a:solidFill>
+                  <a:srgbClr val="4D5156"/>
+                </a:solidFill>
+                <a:effectLst/>
+                <a:latin typeface="Google Sans"/>
+              </a:rPr>
+              <a:t> </a:t>
+            </a:r>
+            <a:r>
+              <a:rPr lang="en-US" b="0" i="0" u="none" strike="noStrike" dirty="0">
+                <a:solidFill>
+                  <a:srgbClr val="040C28"/>
+                </a:solidFill>
+                <a:effectLst/>
+                <a:latin typeface="Google Sans"/>
+              </a:rPr>
+              <a:t>DNA sequence elements that have transcriptional regulatory activity</a:t>
+            </a:r>
+            <a:r>
+              <a:rPr lang="en-US" b="0" i="0" u="none" strike="noStrike" dirty="0">
+                <a:solidFill>
+                  <a:srgbClr val="4D5156"/>
+                </a:solidFill>
+                <a:effectLst/>
+                <a:latin typeface="Google Sans"/>
+              </a:rPr>
+              <a:t>. (promoters, enhancers, silencers)</a:t>
+            </a:r>
+            <a:endParaRPr lang="en-IL" dirty="0"/>
           </a:p>
         </p:txBody>
       </p:sp>
@@ -3498,7 +3575,7 @@
     </p:spTree>
     <p:extLst>
       <p:ext uri="{BB962C8B-B14F-4D97-AF65-F5344CB8AC3E}">
-        <p14:creationId xmlns:p14="http://schemas.microsoft.com/office/powerpoint/2010/main" val="2811168132"/>
+        <p14:creationId xmlns:p14="http://schemas.microsoft.com/office/powerpoint/2010/main" val="2692109332"/>
       </p:ext>
     </p:extLst>
   </p:cSld>
@@ -3554,143 +3631,21 @@
           <a:p>
             <a:r>
               <a:rPr lang="en-IL" dirty="0"/>
-              <a:t>iRegulon  (= </a:t>
-            </a:r>
-            <a:r>
-              <a:rPr lang="en-US" dirty="0" err="1"/>
-              <a:t>cisTarget</a:t>
-            </a:r>
+              <a:t>Leading edge: </a:t>
+            </a:r>
+          </a:p>
+          <a:p>
+            <a:endParaRPr lang="en-IL" dirty="0"/>
+          </a:p>
+          <a:p>
             <a:r>
               <a:rPr lang="en-US" dirty="0"/>
-              <a:t>) </a:t>
-            </a:r>
-          </a:p>
-          <a:p>
-            <a:endParaRPr lang="en-US" dirty="0"/>
-          </a:p>
-          <a:p>
-            <a:r>
-              <a:rPr lang="en-US" dirty="0"/>
-              <a:t>https://</a:t>
-            </a:r>
-            <a:r>
-              <a:rPr lang="en-US" dirty="0" err="1"/>
-              <a:t>journals.plos.org</a:t>
-            </a:r>
-            <a:r>
-              <a:rPr lang="en-US" dirty="0"/>
-              <a:t>/</a:t>
-            </a:r>
-            <a:r>
-              <a:rPr lang="en-US" dirty="0" err="1"/>
-              <a:t>ploscompbiol</a:t>
-            </a:r>
-            <a:r>
-              <a:rPr lang="en-US" dirty="0"/>
-              <a:t>/</a:t>
-            </a:r>
-            <a:r>
-              <a:rPr lang="en-US" dirty="0" err="1"/>
-              <a:t>article?id</a:t>
-            </a:r>
-            <a:r>
-              <a:rPr lang="en-US" dirty="0"/>
-              <a:t>=10.1371/journal.pcbi.1003731</a:t>
-            </a:r>
-          </a:p>
-          <a:p>
-            <a:endParaRPr lang="en-US" dirty="0"/>
-          </a:p>
-          <a:p>
-            <a:pPr algn="l">
-              <a:lnSpc>
-                <a:spcPts val="2250"/>
-              </a:lnSpc>
-              <a:spcBef>
-                <a:spcPts val="2000"/>
-              </a:spcBef>
-              <a:spcAft>
-                <a:spcPts val="1000"/>
-              </a:spcAft>
-            </a:pPr>
-            <a:r>
-              <a:rPr lang="en-US" sz="1800" b="0" i="0" u="none" strike="noStrike" dirty="0">
-                <a:solidFill>
-                  <a:srgbClr val="734126"/>
-                </a:solidFill>
-                <a:effectLst/>
-                <a:latin typeface="Cambria" panose="02040503050406030204" pitchFamily="18" charset="0"/>
-              </a:rPr>
-              <a:t>Detection of the target genes</a:t>
-            </a:r>
-          </a:p>
-          <a:p>
-            <a:pPr algn="l">
-              <a:spcBef>
-                <a:spcPts val="2000"/>
-              </a:spcBef>
-              <a:spcAft>
-                <a:spcPts val="2000"/>
-              </a:spcAft>
-            </a:pPr>
-            <a:r>
-              <a:rPr lang="en-US" b="0" i="0" u="none" strike="noStrike" dirty="0">
-                <a:solidFill>
-                  <a:srgbClr val="212121"/>
-                </a:solidFill>
-                <a:effectLst/>
-                <a:latin typeface="Cambria" panose="02040503050406030204" pitchFamily="18" charset="0"/>
-              </a:rPr>
-              <a:t>For each enriched motif, the candidate targets are selected as the optimal subset of highly ranked genes compared to the genomic background and to the entire motif collection as background. This step is illustrated in </a:t>
-            </a:r>
-            <a:r>
-              <a:rPr lang="en-US" b="0" i="0" u="sng" strike="noStrike" dirty="0">
-                <a:solidFill>
-                  <a:srgbClr val="4C2C92"/>
-                </a:solidFill>
-                <a:effectLst/>
-                <a:latin typeface="Cambria" panose="02040503050406030204" pitchFamily="18" charset="0"/>
-                <a:hlinkClick r:id="rId3"/>
-              </a:rPr>
-              <a:t>Fig. 1B</a:t>
-            </a:r>
-            <a:r>
-              <a:rPr lang="en-US" b="0" i="0" u="none" strike="noStrike" dirty="0">
-                <a:solidFill>
-                  <a:srgbClr val="212121"/>
-                </a:solidFill>
-                <a:effectLst/>
-                <a:latin typeface="Cambria" panose="02040503050406030204" pitchFamily="18" charset="0"/>
-              </a:rPr>
-              <a:t>. The target gene recovery is plotted along the whole-genome ranking for a given motif (blue curve) and compared to the average recovery + (2× standard deviation) (red curve) for all motifs in the collection. Similarly to the GSEA approach </a:t>
-            </a:r>
-            <a:r>
-              <a:rPr lang="en-US" b="0" i="0" u="sng" strike="noStrike" dirty="0">
-                <a:solidFill>
-                  <a:srgbClr val="4C2C92"/>
-                </a:solidFill>
-                <a:effectLst/>
-                <a:latin typeface="Cambria" panose="02040503050406030204" pitchFamily="18" charset="0"/>
-                <a:hlinkClick r:id="rId4"/>
-              </a:rPr>
-              <a:t>[71]</a:t>
-            </a:r>
-            <a:r>
-              <a:rPr lang="en-US" b="0" i="0" u="none" strike="noStrike" dirty="0">
-                <a:solidFill>
-                  <a:srgbClr val="212121"/>
-                </a:solidFill>
-                <a:effectLst/>
-                <a:latin typeface="Cambria" panose="02040503050406030204" pitchFamily="18" charset="0"/>
-              </a:rPr>
-              <a:t>, the leading edge corresponds to the rank where the difference between the signal (blue curve) and the background (red curve) is maximal within the top ranked genes (the latter is defined by the Rank Threshold parameter). The input genes that have a better ranking than the rank at the leading edge are predicted as target genes for the given motif or track.</a:t>
-            </a:r>
-          </a:p>
-          <a:p>
-            <a:endParaRPr lang="en-US" dirty="0"/>
-          </a:p>
-          <a:p>
-            <a:endParaRPr lang="en-IL" dirty="0"/>
+              <a:t>M</a:t>
+            </a:r>
+            <a:r>
+              <a:rPr lang="en-IL" dirty="0"/>
+              <a:t>ethods part of the first SCENIC paper</a:t>
+            </a:r>
           </a:p>
         </p:txBody>
       </p:sp>
@@ -3711,7 +3666,7 @@
           <a:p>
             <a:fld id="{86AFD4FA-721D-0140-967B-1B04101EA7BE}" type="slidenum">
               <a:rPr lang="en-IL" smtClean="0"/>
-              <a:t>19</a:t>
+              <a:t>20</a:t>
             </a:fld>
             <a:endParaRPr lang="en-IL"/>
           </a:p>
@@ -3720,7 +3675,7 @@
     </p:spTree>
     <p:extLst>
       <p:ext uri="{BB962C8B-B14F-4D97-AF65-F5344CB8AC3E}">
-        <p14:creationId xmlns:p14="http://schemas.microsoft.com/office/powerpoint/2010/main" val="3588214473"/>
+        <p14:creationId xmlns:p14="http://schemas.microsoft.com/office/powerpoint/2010/main" val="2811168132"/>
       </p:ext>
     </p:extLst>
   </p:cSld>
@@ -3774,22 +3729,43 @@
           <a:bodyPr/>
           <a:lstStyle/>
           <a:p>
-            <a:pPr marL="0" algn="l" defTabSz="914400" rtl="0" eaLnBrk="1" latinLnBrk="0" hangingPunct="1"/>
-            <a:r>
-              <a:rPr lang="en-IL" dirty="0"/>
-              <a:t>(+) / (-) : activator / suppressor </a:t>
-            </a:r>
-          </a:p>
-          <a:p>
-            <a:pPr marL="0" algn="l" defTabSz="914400" rtl="0" eaLnBrk="1" latinLnBrk="0" hangingPunct="1"/>
             <a:r>
               <a:rPr lang="en-US" dirty="0"/>
-              <a:t>V</a:t>
-            </a:r>
-            <a:r>
-              <a:rPr lang="en-IL" dirty="0"/>
-              <a:t>alue: </a:t>
-            </a:r>
+              <a:t>https://</a:t>
+            </a:r>
+            <a:r>
+              <a:rPr lang="en-US" dirty="0" err="1"/>
+              <a:t>journals.plos.org</a:t>
+            </a:r>
+            <a:r>
+              <a:rPr lang="en-US" dirty="0"/>
+              <a:t>/</a:t>
+            </a:r>
+            <a:r>
+              <a:rPr lang="en-US" dirty="0" err="1"/>
+              <a:t>ploscompbiol</a:t>
+            </a:r>
+            <a:r>
+              <a:rPr lang="en-US" dirty="0"/>
+              <a:t>/</a:t>
+            </a:r>
+            <a:r>
+              <a:rPr lang="en-US" dirty="0" err="1"/>
+              <a:t>article?id</a:t>
+            </a:r>
+            <a:r>
+              <a:rPr lang="en-US" dirty="0"/>
+              <a:t>=10.1371/journal.pcbi.1003731 </a:t>
+            </a:r>
+          </a:p>
+          <a:p>
+            <a:r>
+              <a:rPr lang="en-US" dirty="0"/>
+              <a:t>I am not sure weather this step is done in between ranking and recovery! </a:t>
+            </a:r>
+          </a:p>
+          <a:p>
+            <a:endParaRPr lang="en-IL" dirty="0"/>
           </a:p>
         </p:txBody>
       </p:sp>
@@ -3810,7 +3786,7 @@
           <a:p>
             <a:fld id="{86AFD4FA-721D-0140-967B-1B04101EA7BE}" type="slidenum">
               <a:rPr lang="en-IL" smtClean="0"/>
-              <a:t>24</a:t>
+              <a:t>21</a:t>
             </a:fld>
             <a:endParaRPr lang="en-IL"/>
           </a:p>
@@ -3819,7 +3795,7 @@
     </p:spTree>
     <p:extLst>
       <p:ext uri="{BB962C8B-B14F-4D97-AF65-F5344CB8AC3E}">
-        <p14:creationId xmlns:p14="http://schemas.microsoft.com/office/powerpoint/2010/main" val="3669540211"/>
+        <p14:creationId xmlns:p14="http://schemas.microsoft.com/office/powerpoint/2010/main" val="2840657789"/>
       </p:ext>
     </p:extLst>
   </p:cSld>
@@ -3874,17 +3850,112 @@
           <a:lstStyle/>
           <a:p>
             <a:r>
+              <a:rPr lang="en-IL" dirty="0"/>
+              <a:t>iRegulon  (= </a:t>
+            </a:r>
+            <a:r>
+              <a:rPr lang="en-US" dirty="0" err="1"/>
+              <a:t>cisTarget</a:t>
+            </a:r>
+            <a:r>
+              <a:rPr lang="en-US" dirty="0"/>
+              <a:t>) </a:t>
+            </a:r>
+          </a:p>
+          <a:p>
+            <a:endParaRPr lang="en-US" dirty="0"/>
+          </a:p>
+          <a:p>
+            <a:r>
               <a:rPr lang="en-US" dirty="0"/>
               <a:t>https://</a:t>
             </a:r>
             <a:r>
               <a:rPr lang="en-US" dirty="0" err="1"/>
-              <a:t>www.nature.com</a:t>
+              <a:t>journals.plos.org</a:t>
             </a:r>
             <a:r>
               <a:rPr lang="en-US" dirty="0"/>
-              <a:t>/articles/s41596-020-0336-2</a:t>
-            </a:r>
+              <a:t>/</a:t>
+            </a:r>
+            <a:r>
+              <a:rPr lang="en-US" dirty="0" err="1"/>
+              <a:t>ploscompbiol</a:t>
+            </a:r>
+            <a:r>
+              <a:rPr lang="en-US" dirty="0"/>
+              <a:t>/</a:t>
+            </a:r>
+            <a:r>
+              <a:rPr lang="en-US" dirty="0" err="1"/>
+              <a:t>article?id</a:t>
+            </a:r>
+            <a:r>
+              <a:rPr lang="en-US" dirty="0"/>
+              <a:t>=10.1371/journal.pcbi.1003731</a:t>
+            </a:r>
+          </a:p>
+          <a:p>
+            <a:endParaRPr lang="en-US" dirty="0"/>
+          </a:p>
+          <a:p>
+            <a:pPr algn="l">
+              <a:lnSpc>
+                <a:spcPts val="2250"/>
+              </a:lnSpc>
+              <a:spcBef>
+                <a:spcPts val="2000"/>
+              </a:spcBef>
+              <a:spcAft>
+                <a:spcPts val="1000"/>
+              </a:spcAft>
+            </a:pPr>
+            <a:r>
+              <a:rPr lang="en-US" sz="1800" b="0" i="0" u="none" strike="noStrike" dirty="0">
+                <a:solidFill>
+                  <a:srgbClr val="734126"/>
+                </a:solidFill>
+                <a:effectLst/>
+                <a:latin typeface="Cambria" panose="02040503050406030204" pitchFamily="18" charset="0"/>
+              </a:rPr>
+              <a:t>Detection of the target genes</a:t>
+            </a:r>
+          </a:p>
+          <a:p>
+            <a:pPr algn="l">
+              <a:spcBef>
+                <a:spcPts val="2000"/>
+              </a:spcBef>
+              <a:spcAft>
+                <a:spcPts val="2000"/>
+              </a:spcAft>
+            </a:pPr>
+            <a:r>
+              <a:rPr lang="en-US" b="0" i="0" u="sng" strike="noStrike" dirty="0">
+                <a:solidFill>
+                  <a:srgbClr val="4C2C92"/>
+                </a:solidFill>
+                <a:effectLst/>
+                <a:latin typeface="Cambria" panose="02040503050406030204" pitchFamily="18" charset="0"/>
+                <a:hlinkClick r:id="rId3"/>
+              </a:rPr>
+              <a:t>Fig. 1B</a:t>
+            </a:r>
+            <a:r>
+              <a:rPr lang="en-US" b="0" i="0" u="none" strike="noStrike" dirty="0">
+                <a:solidFill>
+                  <a:srgbClr val="212121"/>
+                </a:solidFill>
+                <a:effectLst/>
+                <a:latin typeface="Cambria" panose="02040503050406030204" pitchFamily="18" charset="0"/>
+              </a:rPr>
+              <a:t>. The target gene recovery is plotted along the whole-genome ranking for a given motif (blue curve) and compared to the average recovery + (2× standard deviation) (red curve) for all motifs in the collection. The leading edge corresponds to the rank where the difference between the signal (blue curve) and the background (red curve) is maximal within the top ranked genes (the latter is defined by the Rank Threshold parameter). The input genes that have a better ranking than the rank at the leading edge are predicted as target genes for the given motif or track.</a:t>
+            </a:r>
+          </a:p>
+          <a:p>
+            <a:endParaRPr lang="en-US" dirty="0"/>
+          </a:p>
+          <a:p>
             <a:endParaRPr lang="en-IL" dirty="0"/>
           </a:p>
         </p:txBody>
@@ -3906,7 +3977,7 @@
           <a:p>
             <a:fld id="{86AFD4FA-721D-0140-967B-1B04101EA7BE}" type="slidenum">
               <a:rPr lang="en-IL" smtClean="0"/>
-              <a:t>25</a:t>
+              <a:t>22</a:t>
             </a:fld>
             <a:endParaRPr lang="en-IL"/>
           </a:p>
@@ -3915,7 +3986,7 @@
     </p:spTree>
     <p:extLst>
       <p:ext uri="{BB962C8B-B14F-4D97-AF65-F5344CB8AC3E}">
-        <p14:creationId xmlns:p14="http://schemas.microsoft.com/office/powerpoint/2010/main" val="2273289122"/>
+        <p14:creationId xmlns:p14="http://schemas.microsoft.com/office/powerpoint/2010/main" val="3588214473"/>
       </p:ext>
     </p:extLst>
   </p:cSld>
@@ -4005,7 +4076,7 @@
           <a:p>
             <a:fld id="{86AFD4FA-721D-0140-967B-1B04101EA7BE}" type="slidenum">
               <a:rPr lang="en-IL" smtClean="0"/>
-              <a:t>28</a:t>
+              <a:t>27</a:t>
             </a:fld>
             <a:endParaRPr lang="en-IL"/>
           </a:p>
@@ -4014,7 +4085,7 @@
     </p:spTree>
     <p:extLst>
       <p:ext uri="{BB962C8B-B14F-4D97-AF65-F5344CB8AC3E}">
-        <p14:creationId xmlns:p14="http://schemas.microsoft.com/office/powerpoint/2010/main" val="915191090"/>
+        <p14:creationId xmlns:p14="http://schemas.microsoft.com/office/powerpoint/2010/main" val="3669540211"/>
       </p:ext>
     </p:extLst>
   </p:cSld>
@@ -4074,30 +4145,12 @@
             </a:r>
             <a:r>
               <a:rPr lang="en-US" dirty="0" err="1"/>
-              <a:t>pyscenic.readthedocs.io</a:t>
+              <a:t>www.nature.com</a:t>
             </a:r>
             <a:r>
               <a:rPr lang="en-US" dirty="0"/>
-              <a:t>/</a:t>
-            </a:r>
-            <a:r>
-              <a:rPr lang="en-US" dirty="0" err="1"/>
-              <a:t>en</a:t>
-            </a:r>
-            <a:r>
-              <a:rPr lang="en-US" dirty="0"/>
-              <a:t>/stable/</a:t>
-            </a:r>
-            <a:r>
-              <a:rPr lang="en-US" dirty="0" err="1"/>
-              <a:t>faq.html</a:t>
-            </a:r>
-            <a:endParaRPr lang="en-US" dirty="0"/>
-          </a:p>
-          <a:p>
-            <a:endParaRPr lang="en-US" dirty="0"/>
-          </a:p>
-          <a:p>
+              <a:t>/articles/s41596-020-0336-2</a:t>
+            </a:r>
             <a:endParaRPr lang="en-IL" dirty="0"/>
           </a:p>
         </p:txBody>
@@ -4119,7 +4172,7 @@
           <a:p>
             <a:fld id="{86AFD4FA-721D-0140-967B-1B04101EA7BE}" type="slidenum">
               <a:rPr lang="en-IL" smtClean="0"/>
-              <a:t>29</a:t>
+              <a:t>28</a:t>
             </a:fld>
             <a:endParaRPr lang="en-IL"/>
           </a:p>
@@ -4128,7 +4181,7 @@
     </p:spTree>
     <p:extLst>
       <p:ext uri="{BB962C8B-B14F-4D97-AF65-F5344CB8AC3E}">
-        <p14:creationId xmlns:p14="http://schemas.microsoft.com/office/powerpoint/2010/main" val="156342503"/>
+        <p14:creationId xmlns:p14="http://schemas.microsoft.com/office/powerpoint/2010/main" val="2273289122"/>
       </p:ext>
     </p:extLst>
   </p:cSld>
@@ -4182,78 +4235,22 @@
           <a:bodyPr/>
           <a:lstStyle/>
           <a:p>
-            <a:pPr marL="0" algn="l" defTabSz="914400" rtl="1" eaLnBrk="1" latinLnBrk="0" hangingPunct="1"/>
+            <a:pPr marL="0" algn="l" defTabSz="914400" rtl="0" eaLnBrk="1" latinLnBrk="0" hangingPunct="1"/>
+            <a:r>
+              <a:rPr lang="en-IL" dirty="0"/>
+              <a:t>(+) / (-) : activator / suppressor </a:t>
+            </a:r>
+          </a:p>
+          <a:p>
+            <a:pPr marL="0" algn="l" defTabSz="914400" rtl="0" eaLnBrk="1" latinLnBrk="0" hangingPunct="1"/>
             <a:r>
               <a:rPr lang="en-US" dirty="0"/>
-              <a:t>Jensen-Shannon divergence: </a:t>
-            </a:r>
-            <a:r>
-              <a:rPr lang="en-US" b="0" i="0" u="none" strike="noStrike" dirty="0">
-                <a:solidFill>
-                  <a:srgbClr val="202122"/>
-                </a:solidFill>
-                <a:effectLst/>
-                <a:latin typeface="Arial" panose="020B0604020202020204" pitchFamily="34" charset="0"/>
-              </a:rPr>
-              <a:t>method of measuring the similarity between two probability distributions.</a:t>
-            </a:r>
-          </a:p>
-          <a:p>
-            <a:pPr marL="0" algn="l" defTabSz="914400" rtl="1" eaLnBrk="1" latinLnBrk="0" hangingPunct="1"/>
-            <a:endParaRPr lang="en-US" b="0" i="0" u="none" strike="noStrike" dirty="0">
-              <a:solidFill>
-                <a:srgbClr val="202122"/>
-              </a:solidFill>
-              <a:effectLst/>
-              <a:latin typeface="Arial" panose="020B0604020202020204" pitchFamily="34" charset="0"/>
-            </a:endParaRPr>
-          </a:p>
-          <a:p>
-            <a:pPr marL="0" algn="l" defTabSz="914400" rtl="1" eaLnBrk="1" latinLnBrk="0" hangingPunct="1"/>
-            <a:r>
-              <a:rPr lang="en-US" b="0" i="0" u="none" strike="noStrike" dirty="0">
-                <a:solidFill>
-                  <a:srgbClr val="202122"/>
-                </a:solidFill>
-                <a:effectLst/>
-                <a:latin typeface="Arial" panose="020B0604020202020204" pitchFamily="34" charset="0"/>
-              </a:rPr>
-              <a:t>https://</a:t>
-            </a:r>
-            <a:r>
-              <a:rPr lang="en-US" b="0" i="0" u="none" strike="noStrike" dirty="0" err="1">
-                <a:solidFill>
-                  <a:srgbClr val="202122"/>
-                </a:solidFill>
-                <a:effectLst/>
-                <a:latin typeface="Arial" panose="020B0604020202020204" pitchFamily="34" charset="0"/>
-              </a:rPr>
-              <a:t>www.nature.com</a:t>
-            </a:r>
-            <a:r>
-              <a:rPr lang="en-US" b="0" i="0" u="none" strike="noStrike" dirty="0">
-                <a:solidFill>
-                  <a:srgbClr val="202122"/>
-                </a:solidFill>
-                <a:effectLst/>
-                <a:latin typeface="Arial" panose="020B0604020202020204" pitchFamily="34" charset="0"/>
-              </a:rPr>
-              <a:t>/articles/s41596-020-0336-2</a:t>
-            </a:r>
-          </a:p>
-          <a:p>
-            <a:pPr marL="0" algn="l" defTabSz="914400" rtl="1" eaLnBrk="1" latinLnBrk="0" hangingPunct="1"/>
-            <a:r>
-              <a:rPr lang="en-US" b="0" i="0" u="none" strike="noStrike" dirty="0">
-                <a:solidFill>
-                  <a:srgbClr val="202122"/>
-                </a:solidFill>
-                <a:effectLst/>
-                <a:latin typeface="Arial" panose="020B0604020202020204" pitchFamily="34" charset="0"/>
-              </a:rPr>
-              <a:t> </a:t>
-            </a:r>
-            <a:endParaRPr lang="en-IL" dirty="0"/>
+              <a:t>V</a:t>
+            </a:r>
+            <a:r>
+              <a:rPr lang="en-IL" dirty="0"/>
+              <a:t>alue: </a:t>
+            </a:r>
           </a:p>
         </p:txBody>
       </p:sp>
@@ -4274,7 +4271,7 @@
           <a:p>
             <a:fld id="{86AFD4FA-721D-0140-967B-1B04101EA7BE}" type="slidenum">
               <a:rPr lang="en-IL" smtClean="0"/>
-              <a:t>32</a:t>
+              <a:t>31</a:t>
             </a:fld>
             <a:endParaRPr lang="en-IL"/>
           </a:p>
@@ -4283,7 +4280,7 @@
     </p:spTree>
     <p:extLst>
       <p:ext uri="{BB962C8B-B14F-4D97-AF65-F5344CB8AC3E}">
-        <p14:creationId xmlns:p14="http://schemas.microsoft.com/office/powerpoint/2010/main" val="3234677798"/>
+        <p14:creationId xmlns:p14="http://schemas.microsoft.com/office/powerpoint/2010/main" val="915191090"/>
       </p:ext>
     </p:extLst>
   </p:cSld>
@@ -4369,6 +4366,275 @@
     <p:extLst>
       <p:ext uri="{BB962C8B-B14F-4D97-AF65-F5344CB8AC3E}">
         <p14:creationId xmlns:p14="http://schemas.microsoft.com/office/powerpoint/2010/main" val="2784492710"/>
+      </p:ext>
+    </p:extLst>
+  </p:cSld>
+  <p:clrMapOvr>
+    <a:masterClrMapping/>
+  </p:clrMapOvr>
+</p:notes>
+</file>
+
+<file path=ppt/notesSlides/notesSlide20.xml><?xml version="1.0" encoding="utf-8"?>
+<p:notes xmlns:a="http://schemas.openxmlformats.org/drawingml/2006/main" xmlns:r="http://schemas.openxmlformats.org/officeDocument/2006/relationships" xmlns:p="http://schemas.openxmlformats.org/presentationml/2006/main">
+  <p:cSld>
+    <p:spTree>
+      <p:nvGrpSpPr>
+        <p:cNvPr id="1" name=""/>
+        <p:cNvGrpSpPr/>
+        <p:nvPr/>
+      </p:nvGrpSpPr>
+      <p:grpSpPr>
+        <a:xfrm>
+          <a:off x="0" y="0"/>
+          <a:ext cx="0" cy="0"/>
+          <a:chOff x="0" y="0"/>
+          <a:chExt cx="0" cy="0"/>
+        </a:xfrm>
+      </p:grpSpPr>
+      <p:sp>
+        <p:nvSpPr>
+          <p:cNvPr id="2" name="Slide Image Placeholder 1"/>
+          <p:cNvSpPr>
+            <a:spLocks noGrp="1" noRot="1" noChangeAspect="1"/>
+          </p:cNvSpPr>
+          <p:nvPr>
+            <p:ph type="sldImg"/>
+          </p:nvPr>
+        </p:nvSpPr>
+        <p:spPr/>
+      </p:sp>
+      <p:sp>
+        <p:nvSpPr>
+          <p:cNvPr id="3" name="Notes Placeholder 2"/>
+          <p:cNvSpPr>
+            <a:spLocks noGrp="1"/>
+          </p:cNvSpPr>
+          <p:nvPr>
+            <p:ph type="body" idx="1"/>
+          </p:nvPr>
+        </p:nvSpPr>
+        <p:spPr/>
+        <p:txBody>
+          <a:bodyPr/>
+          <a:lstStyle/>
+          <a:p>
+            <a:r>
+              <a:rPr lang="en-US" dirty="0"/>
+              <a:t>https://</a:t>
+            </a:r>
+            <a:r>
+              <a:rPr lang="en-US" dirty="0" err="1"/>
+              <a:t>pyscenic.readthedocs.io</a:t>
+            </a:r>
+            <a:r>
+              <a:rPr lang="en-US" dirty="0"/>
+              <a:t>/</a:t>
+            </a:r>
+            <a:r>
+              <a:rPr lang="en-US" dirty="0" err="1"/>
+              <a:t>en</a:t>
+            </a:r>
+            <a:r>
+              <a:rPr lang="en-US" dirty="0"/>
+              <a:t>/stable/</a:t>
+            </a:r>
+            <a:r>
+              <a:rPr lang="en-US" dirty="0" err="1"/>
+              <a:t>faq.html</a:t>
+            </a:r>
+            <a:endParaRPr lang="en-US" dirty="0"/>
+          </a:p>
+          <a:p>
+            <a:endParaRPr lang="en-US" dirty="0"/>
+          </a:p>
+          <a:p>
+            <a:endParaRPr lang="en-IL" dirty="0"/>
+          </a:p>
+        </p:txBody>
+      </p:sp>
+      <p:sp>
+        <p:nvSpPr>
+          <p:cNvPr id="4" name="Slide Number Placeholder 3"/>
+          <p:cNvSpPr>
+            <a:spLocks noGrp="1"/>
+          </p:cNvSpPr>
+          <p:nvPr>
+            <p:ph type="sldNum" sz="quarter" idx="5"/>
+          </p:nvPr>
+        </p:nvSpPr>
+        <p:spPr/>
+        <p:txBody>
+          <a:bodyPr/>
+          <a:lstStyle/>
+          <a:p>
+            <a:fld id="{86AFD4FA-721D-0140-967B-1B04101EA7BE}" type="slidenum">
+              <a:rPr lang="en-IL" smtClean="0"/>
+              <a:t>32</a:t>
+            </a:fld>
+            <a:endParaRPr lang="en-IL"/>
+          </a:p>
+        </p:txBody>
+      </p:sp>
+    </p:spTree>
+    <p:extLst>
+      <p:ext uri="{BB962C8B-B14F-4D97-AF65-F5344CB8AC3E}">
+        <p14:creationId xmlns:p14="http://schemas.microsoft.com/office/powerpoint/2010/main" val="156342503"/>
+      </p:ext>
+    </p:extLst>
+  </p:cSld>
+  <p:clrMapOvr>
+    <a:masterClrMapping/>
+  </p:clrMapOvr>
+</p:notes>
+</file>
+
+<file path=ppt/notesSlides/notesSlide21.xml><?xml version="1.0" encoding="utf-8"?>
+<p:notes xmlns:a="http://schemas.openxmlformats.org/drawingml/2006/main" xmlns:r="http://schemas.openxmlformats.org/officeDocument/2006/relationships" xmlns:p="http://schemas.openxmlformats.org/presentationml/2006/main">
+  <p:cSld>
+    <p:spTree>
+      <p:nvGrpSpPr>
+        <p:cNvPr id="1" name=""/>
+        <p:cNvGrpSpPr/>
+        <p:nvPr/>
+      </p:nvGrpSpPr>
+      <p:grpSpPr>
+        <a:xfrm>
+          <a:off x="0" y="0"/>
+          <a:ext cx="0" cy="0"/>
+          <a:chOff x="0" y="0"/>
+          <a:chExt cx="0" cy="0"/>
+        </a:xfrm>
+      </p:grpSpPr>
+      <p:sp>
+        <p:nvSpPr>
+          <p:cNvPr id="2" name="Slide Image Placeholder 1"/>
+          <p:cNvSpPr>
+            <a:spLocks noGrp="1" noRot="1" noChangeAspect="1"/>
+          </p:cNvSpPr>
+          <p:nvPr>
+            <p:ph type="sldImg"/>
+          </p:nvPr>
+        </p:nvSpPr>
+        <p:spPr/>
+      </p:sp>
+      <p:sp>
+        <p:nvSpPr>
+          <p:cNvPr id="3" name="Notes Placeholder 2"/>
+          <p:cNvSpPr>
+            <a:spLocks noGrp="1"/>
+          </p:cNvSpPr>
+          <p:nvPr>
+            <p:ph type="body" idx="1"/>
+          </p:nvPr>
+        </p:nvSpPr>
+        <p:spPr/>
+        <p:txBody>
+          <a:bodyPr/>
+          <a:lstStyle/>
+          <a:p>
+            <a:pPr marL="0" algn="l" defTabSz="914400" rtl="1" eaLnBrk="1" latinLnBrk="0" hangingPunct="1"/>
+            <a:r>
+              <a:rPr lang="en-US" dirty="0"/>
+              <a:t>Jensen-Shannon divergence: </a:t>
+            </a:r>
+            <a:r>
+              <a:rPr lang="en-US" b="0" i="0" u="none" strike="noStrike" dirty="0">
+                <a:solidFill>
+                  <a:srgbClr val="202122"/>
+                </a:solidFill>
+                <a:effectLst/>
+                <a:latin typeface="Arial" panose="020B0604020202020204" pitchFamily="34" charset="0"/>
+              </a:rPr>
+              <a:t>method of measuring the similarity between two probability distributions.</a:t>
+            </a:r>
+          </a:p>
+          <a:p>
+            <a:pPr marL="0" algn="l" defTabSz="914400" rtl="1" eaLnBrk="1" latinLnBrk="0" hangingPunct="1"/>
+            <a:endParaRPr lang="en-US" b="0" i="0" u="none" strike="noStrike" dirty="0">
+              <a:solidFill>
+                <a:srgbClr val="202122"/>
+              </a:solidFill>
+              <a:effectLst/>
+              <a:latin typeface="Arial" panose="020B0604020202020204" pitchFamily="34" charset="0"/>
+            </a:endParaRPr>
+          </a:p>
+          <a:p>
+            <a:pPr marL="0" algn="l" defTabSz="914400" rtl="1" eaLnBrk="1" latinLnBrk="0" hangingPunct="1"/>
+            <a:r>
+              <a:rPr lang="en-US" b="0" i="0" u="none" strike="noStrike" dirty="0">
+                <a:solidFill>
+                  <a:srgbClr val="202122"/>
+                </a:solidFill>
+                <a:effectLst/>
+                <a:latin typeface="Arial" panose="020B0604020202020204" pitchFamily="34" charset="0"/>
+              </a:rPr>
+              <a:t>https://</a:t>
+            </a:r>
+            <a:r>
+              <a:rPr lang="en-US" b="0" i="0" u="none" strike="noStrike" dirty="0" err="1">
+                <a:solidFill>
+                  <a:srgbClr val="202122"/>
+                </a:solidFill>
+                <a:effectLst/>
+                <a:latin typeface="Arial" panose="020B0604020202020204" pitchFamily="34" charset="0"/>
+              </a:rPr>
+              <a:t>www.nature.com</a:t>
+            </a:r>
+            <a:r>
+              <a:rPr lang="en-US" b="0" i="0" u="none" strike="noStrike" dirty="0">
+                <a:solidFill>
+                  <a:srgbClr val="202122"/>
+                </a:solidFill>
+                <a:effectLst/>
+                <a:latin typeface="Arial" panose="020B0604020202020204" pitchFamily="34" charset="0"/>
+              </a:rPr>
+              <a:t>/articles/s41596-020-0336-2</a:t>
+            </a:r>
+          </a:p>
+          <a:p>
+            <a:pPr marL="0" algn="l" defTabSz="914400" rtl="1" eaLnBrk="1" latinLnBrk="0" hangingPunct="1"/>
+            <a:r>
+              <a:rPr lang="en-US" b="0" i="0" u="none" strike="noStrike" dirty="0">
+                <a:solidFill>
+                  <a:srgbClr val="202122"/>
+                </a:solidFill>
+                <a:effectLst/>
+                <a:latin typeface="Arial" panose="020B0604020202020204" pitchFamily="34" charset="0"/>
+              </a:rPr>
+              <a:t> </a:t>
+            </a:r>
+            <a:endParaRPr lang="en-IL" dirty="0"/>
+          </a:p>
+        </p:txBody>
+      </p:sp>
+      <p:sp>
+        <p:nvSpPr>
+          <p:cNvPr id="4" name="Slide Number Placeholder 3"/>
+          <p:cNvSpPr>
+            <a:spLocks noGrp="1"/>
+          </p:cNvSpPr>
+          <p:nvPr>
+            <p:ph type="sldNum" sz="quarter" idx="5"/>
+          </p:nvPr>
+        </p:nvSpPr>
+        <p:spPr/>
+        <p:txBody>
+          <a:bodyPr/>
+          <a:lstStyle/>
+          <a:p>
+            <a:fld id="{86AFD4FA-721D-0140-967B-1B04101EA7BE}" type="slidenum">
+              <a:rPr lang="en-IL" smtClean="0"/>
+              <a:t>35</a:t>
+            </a:fld>
+            <a:endParaRPr lang="en-IL"/>
+          </a:p>
+        </p:txBody>
+      </p:sp>
+    </p:spTree>
+    <p:extLst>
+      <p:ext uri="{BB962C8B-B14F-4D97-AF65-F5344CB8AC3E}">
+        <p14:creationId xmlns:p14="http://schemas.microsoft.com/office/powerpoint/2010/main" val="3234677798"/>
       </p:ext>
     </p:extLst>
   </p:cSld>
@@ -9776,10 +10042,10 @@
       </p:grpSpPr>
       <p:sp>
         <p:nvSpPr>
-          <p:cNvPr id="2" name="Title 1">
+          <p:cNvPr id="4" name="Title 3">
             <a:extLst>
               <a:ext uri="{FF2B5EF4-FFF2-40B4-BE49-F238E27FC236}">
-                <a16:creationId xmlns:a16="http://schemas.microsoft.com/office/drawing/2014/main" id="{912B36CD-F51F-F194-10DA-409BAB1BEBC9}"/>
+                <a16:creationId xmlns:a16="http://schemas.microsoft.com/office/drawing/2014/main" id="{26DC96BC-DD0F-E295-9955-6EE7A823A3B4}"/>
               </a:ext>
             </a:extLst>
           </p:cNvPr>
@@ -9797,17 +10063,17 @@
           <a:p>
             <a:r>
               <a:rPr lang="en-IL" dirty="0"/>
-              <a:t>cisTarget Motif Enrichment </a:t>
-            </a:r>
-          </a:p>
-        </p:txBody>
-      </p:sp>
-      <p:sp>
-        <p:nvSpPr>
-          <p:cNvPr id="3" name="Content Placeholder 2">
+              <a:t>Motif Enrichment</a:t>
+            </a:r>
+          </a:p>
+        </p:txBody>
+      </p:sp>
+      <p:sp>
+        <p:nvSpPr>
+          <p:cNvPr id="5" name="Content Placeholder 4">
             <a:extLst>
               <a:ext uri="{FF2B5EF4-FFF2-40B4-BE49-F238E27FC236}">
-                <a16:creationId xmlns:a16="http://schemas.microsoft.com/office/drawing/2014/main" id="{3D134900-47B4-01F1-AC4C-2E81118AE39B}"/>
+                <a16:creationId xmlns:a16="http://schemas.microsoft.com/office/drawing/2014/main" id="{7DAC1950-16CF-9202-D23B-4F779C3BDB71}"/>
               </a:ext>
             </a:extLst>
           </p:cNvPr>
@@ -9825,53 +10091,59 @@
           <a:p>
             <a:r>
               <a:rPr lang="en-IL" dirty="0"/>
-              <a:t>Regulatory regions of the target genes are searched for </a:t>
-            </a:r>
-            <a:r>
-              <a:rPr lang="en-IL" b="1" dirty="0"/>
-              <a:t>enriched motifs </a:t>
+              <a:t>Modules contain both direct and indirect targets (only based on coexpression) </a:t>
+            </a:r>
+          </a:p>
+          <a:p>
+            <a:r>
+              <a:rPr lang="en-US" dirty="0"/>
+              <a:t>T</a:t>
             </a:r>
             <a:r>
               <a:rPr lang="en-IL" dirty="0"/>
-              <a:t>by comparing scores of cis-regulatory modules (CRMs) near the genes in the module with remaining genes in the genome</a:t>
-            </a:r>
-          </a:p>
-          <a:p>
-            <a:pPr marL="0" indent="0">
+              <a:t>herefor – putative regulatory regions of the target genes are searched for enriched motifs </a:t>
+            </a:r>
+          </a:p>
+          <a:p>
+            <a:pPr lvl="1"/>
+            <a:r>
+              <a:rPr lang="en-US" dirty="0"/>
+              <a:t>C</a:t>
+            </a:r>
+            <a:r>
+              <a:rPr lang="en-IL" dirty="0"/>
+              <a:t>omparing scores of cis-regulatory modules (CRMs) near the genes in the module with the remaining genes in the genome </a:t>
+            </a:r>
+          </a:p>
+          <a:p>
+            <a:pPr lvl="1"/>
+            <a:r>
+              <a:rPr lang="en-IL" dirty="0"/>
+              <a:t>CRM calculated with HMM</a:t>
+            </a:r>
+          </a:p>
+          <a:p>
+            <a:r>
+              <a:rPr lang="en-US" dirty="0"/>
+              <a:t>R</a:t>
+            </a:r>
+            <a:r>
+              <a:rPr lang="en-IL" dirty="0"/>
+              <a:t>etaining regulons in which the TF’s motif is significanlty enriched</a:t>
+            </a:r>
+          </a:p>
+          <a:p>
+            <a:pPr marL="457200" lvl="1" indent="0">
               <a:buNone/>
             </a:pPr>
             <a:endParaRPr lang="en-IL" dirty="0"/>
           </a:p>
-          <a:p>
-            <a:r>
-              <a:rPr lang="en-IL" dirty="0"/>
-              <a:t>CRM scoring is done using hidden Markov models</a:t>
-            </a:r>
-          </a:p>
-          <a:p>
-            <a:endParaRPr lang="en-IL" dirty="0"/>
-          </a:p>
-          <a:p>
-            <a:r>
-              <a:rPr lang="en-IL" dirty="0"/>
-              <a:t>Keeping TFs and genes in which the TF’s motif is significantly enriched </a:t>
-            </a:r>
-          </a:p>
-          <a:p>
-            <a:endParaRPr lang="en-IL" dirty="0"/>
-          </a:p>
-          <a:p>
-            <a:pPr marL="0" indent="0">
-              <a:buNone/>
-            </a:pPr>
-            <a:endParaRPr lang="en-IL" dirty="0"/>
-          </a:p>
         </p:txBody>
       </p:sp>
     </p:spTree>
     <p:extLst>
       <p:ext uri="{BB962C8B-B14F-4D97-AF65-F5344CB8AC3E}">
-        <p14:creationId xmlns:p14="http://schemas.microsoft.com/office/powerpoint/2010/main" val="2541862532"/>
+        <p14:creationId xmlns:p14="http://schemas.microsoft.com/office/powerpoint/2010/main" val="78533185"/>
       </p:ext>
     </p:extLst>
   </p:cSld>
@@ -9921,7 +10193,7 @@
           <a:p>
             <a:r>
               <a:rPr lang="en-IL" dirty="0"/>
-              <a:t>RcisTarget (i-cisTarget)</a:t>
+              <a:t>iRegulon (&amp; i-cisTarget)</a:t>
             </a:r>
           </a:p>
         </p:txBody>
@@ -9953,7 +10225,7 @@
             </a:pPr>
             <a:r>
               <a:rPr lang="en-US" dirty="0"/>
-              <a:t>R</a:t>
+              <a:t>Ranking: R</a:t>
             </a:r>
             <a:r>
               <a:rPr lang="en-IL" dirty="0"/>
@@ -9967,7 +10239,7 @@
             </a:pPr>
             <a:r>
               <a:rPr lang="en-IL" dirty="0"/>
-              <a:t>Genomic ranks of a set of coexpressed genes are plotted in a cumulative recovery curve -&gt; X: motifs by ranks, Y: recovered from data</a:t>
+              <a:t>Recovery: Genomic ranks of a set of coexpressed genes are plotted in a cumulative recovery curve -&gt; X: motifs by ranks, Y: recovered from data</a:t>
             </a:r>
           </a:p>
           <a:p>
@@ -10030,6 +10302,355 @@
           <p:cNvPr id="2" name="Title 1">
             <a:extLst>
               <a:ext uri="{FF2B5EF4-FFF2-40B4-BE49-F238E27FC236}">
+                <a16:creationId xmlns:a16="http://schemas.microsoft.com/office/drawing/2014/main" id="{2E874509-CBA4-B08B-8E70-3C644AB44488}"/>
+              </a:ext>
+            </a:extLst>
+          </p:cNvPr>
+          <p:cNvSpPr>
+            <a:spLocks noGrp="1"/>
+          </p:cNvSpPr>
+          <p:nvPr>
+            <p:ph type="title"/>
+          </p:nvPr>
+        </p:nvSpPr>
+        <p:spPr>
+          <a:xfrm>
+            <a:off x="838200" y="365125"/>
+            <a:ext cx="10515600" cy="2047875"/>
+          </a:xfrm>
+        </p:spPr>
+        <p:txBody>
+          <a:bodyPr>
+            <a:normAutofit/>
+          </a:bodyPr>
+          <a:lstStyle/>
+          <a:p>
+            <a:r>
+              <a:rPr lang="en-IL" dirty="0"/>
+              <a:t>Ranking</a:t>
+            </a:r>
+            <a:br>
+              <a:rPr lang="en-IL" dirty="0"/>
+            </a:br>
+            <a:endParaRPr lang="en-IL" dirty="0"/>
+          </a:p>
+        </p:txBody>
+      </p:sp>
+      <p:sp>
+        <p:nvSpPr>
+          <p:cNvPr id="3" name="Content Placeholder 2">
+            <a:extLst>
+              <a:ext uri="{FF2B5EF4-FFF2-40B4-BE49-F238E27FC236}">
+                <a16:creationId xmlns:a16="http://schemas.microsoft.com/office/drawing/2014/main" id="{85531072-8CEA-4F4A-C3A6-22F79DFBCC08}"/>
+              </a:ext>
+            </a:extLst>
+          </p:cNvPr>
+          <p:cNvSpPr>
+            <a:spLocks noGrp="1"/>
+          </p:cNvSpPr>
+          <p:nvPr>
+            <p:ph idx="1"/>
+          </p:nvPr>
+        </p:nvSpPr>
+        <p:spPr/>
+        <p:txBody>
+          <a:bodyPr/>
+          <a:lstStyle/>
+          <a:p>
+            <a:r>
+              <a:rPr lang="en-US" dirty="0"/>
+              <a:t>F</a:t>
+            </a:r>
+            <a:r>
+              <a:rPr lang="en-IL" dirty="0"/>
+              <a:t>or each gene, a regulatory search space is scanned for homotypic CRMs using a Hidden Markov Model (Cluster-Buster)</a:t>
+            </a:r>
+          </a:p>
+          <a:p>
+            <a:r>
+              <a:rPr lang="en-US" dirty="0"/>
+              <a:t>F</a:t>
+            </a:r>
+            <a:r>
+              <a:rPr lang="en-IL" dirty="0"/>
+              <a:t>or N PWMs (number of motifs), N ranked lists of genes sorted by likelyhood of being a target gene are generated </a:t>
+            </a:r>
+          </a:p>
+          <a:p>
+            <a:r>
+              <a:rPr lang="en-IL" dirty="0"/>
+              <a:t>Orthologous search spaces in X other species are determined (UCSC listover tool), and scanned with the same PWMs.</a:t>
+            </a:r>
+          </a:p>
+          <a:p>
+            <a:r>
+              <a:rPr lang="en-IL" dirty="0"/>
+              <a:t>Rank aggregation (original refseq + other species) - OrderStatistics</a:t>
+            </a:r>
+          </a:p>
+          <a:p>
+            <a:pPr marL="0" indent="0">
+              <a:buNone/>
+            </a:pPr>
+            <a:endParaRPr lang="en-IL" dirty="0"/>
+          </a:p>
+          <a:p>
+            <a:endParaRPr lang="en-IL" dirty="0"/>
+          </a:p>
+        </p:txBody>
+      </p:sp>
+    </p:spTree>
+    <p:extLst>
+      <p:ext uri="{BB962C8B-B14F-4D97-AF65-F5344CB8AC3E}">
+        <p14:creationId xmlns:p14="http://schemas.microsoft.com/office/powerpoint/2010/main" val="1935667341"/>
+      </p:ext>
+    </p:extLst>
+  </p:cSld>
+  <p:clrMapOvr>
+    <a:masterClrMapping/>
+  </p:clrMapOvr>
+</p:sld>
+</file>
+
+<file path=ppt/slides/slide19.xml><?xml version="1.0" encoding="utf-8"?>
+<p:sld xmlns:a="http://schemas.openxmlformats.org/drawingml/2006/main" xmlns:r="http://schemas.openxmlformats.org/officeDocument/2006/relationships" xmlns:p="http://schemas.openxmlformats.org/presentationml/2006/main">
+  <p:cSld>
+    <p:spTree>
+      <p:nvGrpSpPr>
+        <p:cNvPr id="1" name=""/>
+        <p:cNvGrpSpPr/>
+        <p:nvPr/>
+      </p:nvGrpSpPr>
+      <p:grpSpPr>
+        <a:xfrm>
+          <a:off x="0" y="0"/>
+          <a:ext cx="0" cy="0"/>
+          <a:chOff x="0" y="0"/>
+          <a:chExt cx="0" cy="0"/>
+        </a:xfrm>
+      </p:grpSpPr>
+      <p:sp>
+        <p:nvSpPr>
+          <p:cNvPr id="2" name="Title 1">
+            <a:extLst>
+              <a:ext uri="{FF2B5EF4-FFF2-40B4-BE49-F238E27FC236}">
+                <a16:creationId xmlns:a16="http://schemas.microsoft.com/office/drawing/2014/main" id="{4465E1E2-99DB-A5DD-F6FB-A2BE40625B29}"/>
+              </a:ext>
+            </a:extLst>
+          </p:cNvPr>
+          <p:cNvSpPr>
+            <a:spLocks noGrp="1"/>
+          </p:cNvSpPr>
+          <p:nvPr>
+            <p:ph type="title"/>
+          </p:nvPr>
+        </p:nvSpPr>
+        <p:spPr/>
+        <p:txBody>
+          <a:bodyPr/>
+          <a:lstStyle/>
+          <a:p>
+            <a:r>
+              <a:rPr lang="en-IL" dirty="0"/>
+              <a:t>2. Recovery </a:t>
+            </a:r>
+          </a:p>
+        </p:txBody>
+      </p:sp>
+      <p:sp>
+        <p:nvSpPr>
+          <p:cNvPr id="3" name="Content Placeholder 2">
+            <a:extLst>
+              <a:ext uri="{FF2B5EF4-FFF2-40B4-BE49-F238E27FC236}">
+                <a16:creationId xmlns:a16="http://schemas.microsoft.com/office/drawing/2014/main" id="{040CA855-8D03-7A0A-01EF-C1D1ECE95001}"/>
+              </a:ext>
+            </a:extLst>
+          </p:cNvPr>
+          <p:cNvSpPr>
+            <a:spLocks noGrp="1"/>
+          </p:cNvSpPr>
+          <p:nvPr>
+            <p:ph idx="1"/>
+          </p:nvPr>
+        </p:nvSpPr>
+        <p:spPr/>
+        <p:txBody>
+          <a:bodyPr/>
+          <a:lstStyle/>
+          <a:p>
+            <a:r>
+              <a:rPr lang="en-US" dirty="0"/>
+              <a:t>I</a:t>
+            </a:r>
+            <a:r>
+              <a:rPr lang="en-IL" dirty="0"/>
+              <a:t>nput: set of coexpressed genes</a:t>
+            </a:r>
+          </a:p>
+          <a:p>
+            <a:r>
+              <a:rPr lang="en-IL" dirty="0"/>
+              <a:t>A</a:t>
+            </a:r>
+            <a:r>
+              <a:rPr lang="en-US" dirty="0"/>
+              <a:t>UC is computed in the top 3% of the ranking from the last step</a:t>
+            </a:r>
+          </a:p>
+          <a:p>
+            <a:r>
+              <a:rPr lang="en-IL" dirty="0"/>
+              <a:t>AUC values are normalized (Normalized Enrichment Score) </a:t>
+            </a:r>
+          </a:p>
+          <a:p>
+            <a:r>
+              <a:rPr lang="en-US" dirty="0"/>
+              <a:t>NES C</a:t>
+            </a:r>
+            <a:r>
+              <a:rPr lang="en-IL" dirty="0"/>
+              <a:t>utoff: 3, corresponding to a False Discovery Rate (FDR) between 3%-9% </a:t>
+            </a:r>
+          </a:p>
+          <a:p>
+            <a:r>
+              <a:rPr lang="en-US" dirty="0"/>
+              <a:t>For each motif and gene set - predict candidate target genes (genes that are ranked above the </a:t>
+            </a:r>
+            <a:r>
+              <a:rPr lang="en-US" i="1" dirty="0"/>
+              <a:t>leading edge</a:t>
+            </a:r>
+            <a:r>
+              <a:rPr lang="en-US" dirty="0"/>
+              <a:t>)</a:t>
+            </a:r>
+            <a:endParaRPr lang="en-IL" dirty="0"/>
+          </a:p>
+        </p:txBody>
+      </p:sp>
+    </p:spTree>
+    <p:extLst>
+      <p:ext uri="{BB962C8B-B14F-4D97-AF65-F5344CB8AC3E}">
+        <p14:creationId xmlns:p14="http://schemas.microsoft.com/office/powerpoint/2010/main" val="3994226368"/>
+      </p:ext>
+    </p:extLst>
+  </p:cSld>
+  <p:clrMapOvr>
+    <a:masterClrMapping/>
+  </p:clrMapOvr>
+</p:sld>
+</file>
+
+<file path=ppt/slides/slide2.xml><?xml version="1.0" encoding="utf-8"?>
+<p:sld xmlns:a="http://schemas.openxmlformats.org/drawingml/2006/main" xmlns:r="http://schemas.openxmlformats.org/officeDocument/2006/relationships" xmlns:p="http://schemas.openxmlformats.org/presentationml/2006/main">
+  <p:cSld>
+    <p:spTree>
+      <p:nvGrpSpPr>
+        <p:cNvPr id="1" name=""/>
+        <p:cNvGrpSpPr/>
+        <p:nvPr/>
+      </p:nvGrpSpPr>
+      <p:grpSpPr>
+        <a:xfrm>
+          <a:off x="0" y="0"/>
+          <a:ext cx="0" cy="0"/>
+          <a:chOff x="0" y="0"/>
+          <a:chExt cx="0" cy="0"/>
+        </a:xfrm>
+      </p:grpSpPr>
+      <p:sp>
+        <p:nvSpPr>
+          <p:cNvPr id="2" name="Title 1">
+            <a:extLst>
+              <a:ext uri="{FF2B5EF4-FFF2-40B4-BE49-F238E27FC236}">
+                <a16:creationId xmlns:a16="http://schemas.microsoft.com/office/drawing/2014/main" id="{59791B7E-C078-EF16-B7D3-0773F8CF578F}"/>
+              </a:ext>
+            </a:extLst>
+          </p:cNvPr>
+          <p:cNvSpPr>
+            <a:spLocks noGrp="1"/>
+          </p:cNvSpPr>
+          <p:nvPr>
+            <p:ph type="title"/>
+          </p:nvPr>
+        </p:nvSpPr>
+        <p:spPr/>
+        <p:txBody>
+          <a:bodyPr/>
+          <a:lstStyle/>
+          <a:p>
+            <a:r>
+              <a:rPr lang="en-IL" dirty="0"/>
+              <a:t>3 steps</a:t>
+            </a:r>
+          </a:p>
+        </p:txBody>
+      </p:sp>
+      <p:graphicFrame>
+        <p:nvGraphicFramePr>
+          <p:cNvPr id="7" name="Diagram 6">
+            <a:extLst>
+              <a:ext uri="{FF2B5EF4-FFF2-40B4-BE49-F238E27FC236}">
+                <a16:creationId xmlns:a16="http://schemas.microsoft.com/office/drawing/2014/main" id="{8565DAA2-A4C6-5FD0-DAE8-55BA41E6A1A2}"/>
+              </a:ext>
+            </a:extLst>
+          </p:cNvPr>
+          <p:cNvGraphicFramePr/>
+          <p:nvPr>
+            <p:extLst>
+              <p:ext uri="{D42A27DB-BD31-4B8C-83A1-F6EECF244321}">
+                <p14:modId xmlns:p14="http://schemas.microsoft.com/office/powerpoint/2010/main" val="1457138898"/>
+              </p:ext>
+            </p:extLst>
+          </p:nvPr>
+        </p:nvGraphicFramePr>
+        <p:xfrm>
+          <a:off x="1264920" y="769620"/>
+          <a:ext cx="9555480" cy="5448300"/>
+        </p:xfrm>
+        <a:graphic>
+          <a:graphicData uri="http://schemas.openxmlformats.org/drawingml/2006/diagram">
+            <dgm:relIds xmlns:dgm="http://schemas.openxmlformats.org/drawingml/2006/diagram" xmlns:r="http://schemas.openxmlformats.org/officeDocument/2006/relationships" r:dm="rId2" r:lo="rId3" r:qs="rId4" r:cs="rId5"/>
+          </a:graphicData>
+        </a:graphic>
+      </p:graphicFrame>
+    </p:spTree>
+    <p:extLst>
+      <p:ext uri="{BB962C8B-B14F-4D97-AF65-F5344CB8AC3E}">
+        <p14:creationId xmlns:p14="http://schemas.microsoft.com/office/powerpoint/2010/main" val="160187237"/>
+      </p:ext>
+    </p:extLst>
+  </p:cSld>
+  <p:clrMapOvr>
+    <a:masterClrMapping/>
+  </p:clrMapOvr>
+</p:sld>
+</file>
+
+<file path=ppt/slides/slide20.xml><?xml version="1.0" encoding="utf-8"?>
+<p:sld xmlns:a="http://schemas.openxmlformats.org/drawingml/2006/main" xmlns:r="http://schemas.openxmlformats.org/officeDocument/2006/relationships" xmlns:p="http://schemas.openxmlformats.org/presentationml/2006/main" show="0">
+  <p:cSld>
+    <p:spTree>
+      <p:nvGrpSpPr>
+        <p:cNvPr id="1" name=""/>
+        <p:cNvGrpSpPr/>
+        <p:nvPr/>
+      </p:nvGrpSpPr>
+      <p:grpSpPr>
+        <a:xfrm>
+          <a:off x="0" y="0"/>
+          <a:ext cx="0" cy="0"/>
+          <a:chOff x="0" y="0"/>
+          <a:chExt cx="0" cy="0"/>
+        </a:xfrm>
+      </p:grpSpPr>
+      <p:sp>
+        <p:nvSpPr>
+          <p:cNvPr id="2" name="Title 1">
+            <a:extLst>
+              <a:ext uri="{FF2B5EF4-FFF2-40B4-BE49-F238E27FC236}">
                 <a16:creationId xmlns:a16="http://schemas.microsoft.com/office/drawing/2014/main" id="{EA8796E3-5897-6BCF-3BD5-9EDB0FC79002}"/>
               </a:ext>
             </a:extLst>
@@ -10086,6 +10707,7 @@
             </a:r>
           </a:p>
           <a:p>
+            <a:pPr lvl="1"/>
             <a:r>
               <a:rPr lang="en-US" b="0" i="0" u="none" strike="noStrike" dirty="0">
                 <a:solidFill>
@@ -10094,7 +10716,7 @@
                 <a:effectLst/>
                 <a:latin typeface="Cambria" panose="02040503050406030204" pitchFamily="18" charset="0"/>
               </a:rPr>
-              <a:t>This is achieved by applying a recovery-based method on a database that contains genome-wide </a:t>
+              <a:t>a recovery-based method on a database that contains genome-wide </a:t>
             </a:r>
             <a:r>
               <a:rPr lang="en-US" b="0" i="1" u="none" strike="noStrike" dirty="0">
@@ -10137,7 +10759,7 @@
                 </a:solidFill>
                 <a:latin typeface="Cambria" panose="02040503050406030204" pitchFamily="18" charset="0"/>
               </a:rPr>
-              <a:t>For each motif and gene set- predict candidate target genes (</a:t>
+              <a:t>For each motif and gene set - predict candidate target genes (</a:t>
             </a:r>
             <a:r>
               <a:rPr lang="en-US" b="0" i="0" u="none" strike="noStrike" dirty="0">
@@ -10186,7 +10808,112 @@
 </p:sld>
 </file>
 
-<file path=ppt/slides/slide19.xml><?xml version="1.0" encoding="utf-8"?>
+<file path=ppt/slides/slide21.xml><?xml version="1.0" encoding="utf-8"?>
+<p:sld xmlns:a="http://schemas.openxmlformats.org/drawingml/2006/main" xmlns:r="http://schemas.openxmlformats.org/officeDocument/2006/relationships" xmlns:p="http://schemas.openxmlformats.org/presentationml/2006/main">
+  <p:cSld>
+    <p:spTree>
+      <p:nvGrpSpPr>
+        <p:cNvPr id="1" name=""/>
+        <p:cNvGrpSpPr/>
+        <p:nvPr/>
+      </p:nvGrpSpPr>
+      <p:grpSpPr>
+        <a:xfrm>
+          <a:off x="0" y="0"/>
+          <a:ext cx="0" cy="0"/>
+          <a:chOff x="0" y="0"/>
+          <a:chExt cx="0" cy="0"/>
+        </a:xfrm>
+      </p:grpSpPr>
+      <p:sp>
+        <p:nvSpPr>
+          <p:cNvPr id="2" name="Title 1">
+            <a:extLst>
+              <a:ext uri="{FF2B5EF4-FFF2-40B4-BE49-F238E27FC236}">
+                <a16:creationId xmlns:a16="http://schemas.microsoft.com/office/drawing/2014/main" id="{0AB845BB-4B37-6E8F-6D74-3D6A4BEA692E}"/>
+              </a:ext>
+            </a:extLst>
+          </p:cNvPr>
+          <p:cNvSpPr>
+            <a:spLocks noGrp="1"/>
+          </p:cNvSpPr>
+          <p:nvPr>
+            <p:ph type="title"/>
+          </p:nvPr>
+        </p:nvSpPr>
+        <p:spPr/>
+        <p:txBody>
+          <a:bodyPr/>
+          <a:lstStyle/>
+          <a:p>
+            <a:r>
+              <a:rPr lang="en-IL" dirty="0"/>
+              <a:t>Motif2TF mapping</a:t>
+            </a:r>
+          </a:p>
+        </p:txBody>
+      </p:sp>
+      <p:sp>
+        <p:nvSpPr>
+          <p:cNvPr id="3" name="Content Placeholder 2">
+            <a:extLst>
+              <a:ext uri="{FF2B5EF4-FFF2-40B4-BE49-F238E27FC236}">
+                <a16:creationId xmlns:a16="http://schemas.microsoft.com/office/drawing/2014/main" id="{EDF649A5-56D3-1501-39EA-1AD8404AED8C}"/>
+              </a:ext>
+            </a:extLst>
+          </p:cNvPr>
+          <p:cNvSpPr>
+            <a:spLocks noGrp="1"/>
+          </p:cNvSpPr>
+          <p:nvPr>
+            <p:ph idx="1"/>
+          </p:nvPr>
+        </p:nvSpPr>
+        <p:spPr/>
+        <p:txBody>
+          <a:bodyPr/>
+          <a:lstStyle/>
+          <a:p>
+            <a:r>
+              <a:rPr lang="en-IL" dirty="0"/>
+              <a:t>If we use only the direct annotations of candidate TFs, only a small fraction of motifs can be associated with Drosophila TFs.</a:t>
+            </a:r>
+          </a:p>
+          <a:p>
+            <a:r>
+              <a:rPr lang="en-IL" dirty="0"/>
+              <a:t>Motif2TF – database corresponding to a network of associations between motifs and TFs</a:t>
+            </a:r>
+          </a:p>
+          <a:p>
+            <a:r>
+              <a:rPr lang="en-US" b="0" i="0" u="none" strike="noStrike" dirty="0">
+                <a:solidFill>
+                  <a:srgbClr val="202020"/>
+                </a:solidFill>
+                <a:effectLst/>
+                <a:latin typeface="Helvetica" pitchFamily="2" charset="0"/>
+              </a:rPr>
+              <a:t>TFs are ranked, prioritizing directly annotated TFs, then the TF present in the input set, then the ones that are found by gene homology and finally the TFs found using motif similarity. </a:t>
+            </a:r>
+            <a:endParaRPr lang="en-IL" dirty="0"/>
+          </a:p>
+        </p:txBody>
+      </p:sp>
+    </p:spTree>
+    <p:extLst>
+      <p:ext uri="{BB962C8B-B14F-4D97-AF65-F5344CB8AC3E}">
+        <p14:creationId xmlns:p14="http://schemas.microsoft.com/office/powerpoint/2010/main" val="3609370175"/>
+      </p:ext>
+    </p:extLst>
+  </p:cSld>
+  <p:clrMapOvr>
+    <a:masterClrMapping/>
+  </p:clrMapOvr>
+</p:sld>
+</file>
+
+<file path=ppt/slides/slide22.xml><?xml version="1.0" encoding="utf-8"?>
 <p:sld xmlns:a="http://schemas.openxmlformats.org/drawingml/2006/main" xmlns:r="http://schemas.openxmlformats.org/officeDocument/2006/relationships" xmlns:p="http://schemas.openxmlformats.org/presentationml/2006/main">
   <p:cSld>
     <p:bg>
@@ -10634,93 +11361,7 @@
 </p:sld>
 </file>
 
-<file path=ppt/slides/slide2.xml><?xml version="1.0" encoding="utf-8"?>
-<p:sld xmlns:a="http://schemas.openxmlformats.org/drawingml/2006/main" xmlns:r="http://schemas.openxmlformats.org/officeDocument/2006/relationships" xmlns:p="http://schemas.openxmlformats.org/presentationml/2006/main">
-  <p:cSld>
-    <p:spTree>
-      <p:nvGrpSpPr>
-        <p:cNvPr id="1" name=""/>
-        <p:cNvGrpSpPr/>
-        <p:nvPr/>
-      </p:nvGrpSpPr>
-      <p:grpSpPr>
-        <a:xfrm>
-          <a:off x="0" y="0"/>
-          <a:ext cx="0" cy="0"/>
-          <a:chOff x="0" y="0"/>
-          <a:chExt cx="0" cy="0"/>
-        </a:xfrm>
-      </p:grpSpPr>
-      <p:sp>
-        <p:nvSpPr>
-          <p:cNvPr id="2" name="Title 1">
-            <a:extLst>
-              <a:ext uri="{FF2B5EF4-FFF2-40B4-BE49-F238E27FC236}">
-                <a16:creationId xmlns:a16="http://schemas.microsoft.com/office/drawing/2014/main" id="{59791B7E-C078-EF16-B7D3-0773F8CF578F}"/>
-              </a:ext>
-            </a:extLst>
-          </p:cNvPr>
-          <p:cNvSpPr>
-            <a:spLocks noGrp="1"/>
-          </p:cNvSpPr>
-          <p:nvPr>
-            <p:ph type="title"/>
-          </p:nvPr>
-        </p:nvSpPr>
-        <p:spPr/>
-        <p:txBody>
-          <a:bodyPr/>
-          <a:lstStyle/>
-          <a:p>
-            <a:r>
-              <a:rPr lang="en-IL" dirty="0"/>
-              <a:t>3 steps</a:t>
-            </a:r>
-          </a:p>
-        </p:txBody>
-      </p:sp>
-      <p:graphicFrame>
-        <p:nvGraphicFramePr>
-          <p:cNvPr id="7" name="Diagram 6">
-            <a:extLst>
-              <a:ext uri="{FF2B5EF4-FFF2-40B4-BE49-F238E27FC236}">
-                <a16:creationId xmlns:a16="http://schemas.microsoft.com/office/drawing/2014/main" id="{8565DAA2-A4C6-5FD0-DAE8-55BA41E6A1A2}"/>
-              </a:ext>
-            </a:extLst>
-          </p:cNvPr>
-          <p:cNvGraphicFramePr/>
-          <p:nvPr>
-            <p:extLst>
-              <p:ext uri="{D42A27DB-BD31-4B8C-83A1-F6EECF244321}">
-                <p14:modId xmlns:p14="http://schemas.microsoft.com/office/powerpoint/2010/main" val="1457138898"/>
-              </p:ext>
-            </p:extLst>
-          </p:nvPr>
-        </p:nvGraphicFramePr>
-        <p:xfrm>
-          <a:off x="1264920" y="769620"/>
-          <a:ext cx="9555480" cy="5448300"/>
-        </p:xfrm>
-        <a:graphic>
-          <a:graphicData uri="http://schemas.openxmlformats.org/drawingml/2006/diagram">
-            <dgm:relIds xmlns:dgm="http://schemas.openxmlformats.org/drawingml/2006/diagram" xmlns:r="http://schemas.openxmlformats.org/officeDocument/2006/relationships" r:dm="rId2" r:lo="rId3" r:qs="rId4" r:cs="rId5"/>
-          </a:graphicData>
-        </a:graphic>
-      </p:graphicFrame>
-    </p:spTree>
-    <p:extLst>
-      <p:ext uri="{BB962C8B-B14F-4D97-AF65-F5344CB8AC3E}">
-        <p14:creationId xmlns:p14="http://schemas.microsoft.com/office/powerpoint/2010/main" val="160187237"/>
-      </p:ext>
-    </p:extLst>
-  </p:cSld>
-  <p:clrMapOvr>
-    <a:masterClrMapping/>
-  </p:clrMapOvr>
-</p:sld>
-</file>
-
-<file path=ppt/slides/slide20.xml><?xml version="1.0" encoding="utf-8"?>
+<file path=ppt/slides/slide23.xml><?xml version="1.0" encoding="utf-8"?>
 <p:sld xmlns:a="http://schemas.openxmlformats.org/drawingml/2006/main" xmlns:r="http://schemas.openxmlformats.org/officeDocument/2006/relationships" xmlns:p="http://schemas.openxmlformats.org/presentationml/2006/main">
   <p:cSld>
     <p:spTree>
@@ -11042,7 +11683,7 @@
 </p:sld>
 </file>
 
-<file path=ppt/slides/slide21.xml><?xml version="1.0" encoding="utf-8"?>
+<file path=ppt/slides/slide24.xml><?xml version="1.0" encoding="utf-8"?>
 <p:sld xmlns:a="http://schemas.openxmlformats.org/drawingml/2006/main" xmlns:r="http://schemas.openxmlformats.org/officeDocument/2006/relationships" xmlns:p="http://schemas.openxmlformats.org/presentationml/2006/main">
   <p:cSld>
     <p:spTree>
@@ -11131,7 +11772,7 @@
 </p:sld>
 </file>
 
-<file path=ppt/slides/slide22.xml><?xml version="1.0" encoding="utf-8"?>
+<file path=ppt/slides/slide25.xml><?xml version="1.0" encoding="utf-8"?>
 <p:sld xmlns:a="http://schemas.openxmlformats.org/drawingml/2006/main" xmlns:r="http://schemas.openxmlformats.org/officeDocument/2006/relationships" xmlns:p="http://schemas.openxmlformats.org/presentationml/2006/main">
   <p:cSld>
     <p:spTree>
@@ -11251,7 +11892,7 @@
 </p:sld>
 </file>
 
-<file path=ppt/slides/slide23.xml><?xml version="1.0" encoding="utf-8"?>
+<file path=ppt/slides/slide26.xml><?xml version="1.0" encoding="utf-8"?>
 <p:sld xmlns:a="http://schemas.openxmlformats.org/drawingml/2006/main" xmlns:r="http://schemas.openxmlformats.org/officeDocument/2006/relationships" xmlns:p="http://schemas.openxmlformats.org/presentationml/2006/main">
   <p:cSld>
     <p:spTree>
@@ -11405,7 +12046,7 @@
 </p:sld>
 </file>
 
-<file path=ppt/slides/slide24.xml><?xml version="1.0" encoding="utf-8"?>
+<file path=ppt/slides/slide27.xml><?xml version="1.0" encoding="utf-8"?>
 <p:sld xmlns:a="http://schemas.openxmlformats.org/drawingml/2006/main" xmlns:r="http://schemas.openxmlformats.org/officeDocument/2006/relationships" xmlns:p="http://schemas.openxmlformats.org/presentationml/2006/main">
   <p:cSld>
     <p:spTree>
@@ -11624,436 +12265,6 @@
 </p:sld>
 </file>
 
-<file path=ppt/slides/slide25.xml><?xml version="1.0" encoding="utf-8"?>
-<p:sld xmlns:a="http://schemas.openxmlformats.org/drawingml/2006/main" xmlns:r="http://schemas.openxmlformats.org/officeDocument/2006/relationships" xmlns:p="http://schemas.openxmlformats.org/presentationml/2006/main">
-  <p:cSld>
-    <p:spTree>
-      <p:nvGrpSpPr>
-        <p:cNvPr id="1" name=""/>
-        <p:cNvGrpSpPr/>
-        <p:nvPr/>
-      </p:nvGrpSpPr>
-      <p:grpSpPr>
-        <a:xfrm>
-          <a:off x="0" y="0"/>
-          <a:ext cx="0" cy="0"/>
-          <a:chOff x="0" y="0"/>
-          <a:chExt cx="0" cy="0"/>
-        </a:xfrm>
-      </p:grpSpPr>
-      <p:sp>
-        <p:nvSpPr>
-          <p:cNvPr id="2" name="Title 1">
-            <a:extLst>
-              <a:ext uri="{FF2B5EF4-FFF2-40B4-BE49-F238E27FC236}">
-                <a16:creationId xmlns:a16="http://schemas.microsoft.com/office/drawing/2014/main" id="{2CAF7AE6-3891-7FA1-6E6B-5B420A50492A}"/>
-              </a:ext>
-            </a:extLst>
-          </p:cNvPr>
-          <p:cNvSpPr>
-            <a:spLocks noGrp="1"/>
-          </p:cNvSpPr>
-          <p:nvPr>
-            <p:ph type="title"/>
-          </p:nvPr>
-        </p:nvSpPr>
-        <p:spPr/>
-        <p:txBody>
-          <a:bodyPr/>
-          <a:lstStyle/>
-          <a:p>
-            <a:r>
-              <a:rPr lang="en-IL" dirty="0"/>
-              <a:t>AUCell– possible limitations</a:t>
-            </a:r>
-          </a:p>
-        </p:txBody>
-      </p:sp>
-      <p:sp>
-        <p:nvSpPr>
-          <p:cNvPr id="6" name="Content Placeholder 5">
-            <a:extLst>
-              <a:ext uri="{FF2B5EF4-FFF2-40B4-BE49-F238E27FC236}">
-                <a16:creationId xmlns:a16="http://schemas.microsoft.com/office/drawing/2014/main" id="{87E464A8-2069-5423-0092-A47B2AB8D2D6}"/>
-              </a:ext>
-            </a:extLst>
-          </p:cNvPr>
-          <p:cNvSpPr>
-            <a:spLocks noGrp="1"/>
-          </p:cNvSpPr>
-          <p:nvPr>
-            <p:ph idx="1"/>
-          </p:nvPr>
-        </p:nvSpPr>
-        <p:spPr/>
-        <p:txBody>
-          <a:bodyPr/>
-          <a:lstStyle/>
-          <a:p>
-            <a:pPr marL="0" indent="0" algn="l">
-              <a:buNone/>
-            </a:pPr>
-            <a:r>
-              <a:rPr lang="en-US" b="1" i="0" u="none" strike="noStrike" dirty="0" err="1">
-                <a:solidFill>
-                  <a:srgbClr val="222222"/>
-                </a:solidFill>
-                <a:effectLst/>
-                <a:latin typeface="-apple-system"/>
-              </a:rPr>
-              <a:t>AUCell</a:t>
-            </a:r>
-            <a:r>
-              <a:rPr lang="en-US" b="1" i="0" u="none" strike="noStrike" dirty="0">
-                <a:solidFill>
-                  <a:srgbClr val="222222"/>
-                </a:solidFill>
-                <a:effectLst/>
-                <a:latin typeface="-apple-system"/>
-              </a:rPr>
-              <a:t> (Step 7) provides minimal comparability</a:t>
-            </a:r>
-          </a:p>
-          <a:p>
-            <a:pPr marL="0" indent="0" algn="l">
-              <a:buNone/>
-            </a:pPr>
-            <a:r>
-              <a:rPr lang="en-US" b="0" i="0" u="none" strike="noStrike" dirty="0">
-                <a:solidFill>
-                  <a:srgbClr val="222222"/>
-                </a:solidFill>
-                <a:effectLst/>
-                <a:latin typeface="Harding"/>
-              </a:rPr>
-              <a:t>The metric used by </a:t>
-            </a:r>
-            <a:r>
-              <a:rPr lang="en-US" b="0" i="0" u="none" strike="noStrike" dirty="0" err="1">
-                <a:solidFill>
-                  <a:srgbClr val="222222"/>
-                </a:solidFill>
-                <a:effectLst/>
-                <a:latin typeface="Harding"/>
-              </a:rPr>
-              <a:t>AUCell</a:t>
-            </a:r>
-            <a:r>
-              <a:rPr lang="en-US" b="0" i="0" u="none" strike="noStrike" dirty="0">
-                <a:solidFill>
-                  <a:srgbClr val="222222"/>
-                </a:solidFill>
-                <a:effectLst/>
-                <a:latin typeface="Harding"/>
-              </a:rPr>
-              <a:t> to quantify the activity of a predicted regulon in individual cells of an experiment is an </a:t>
-            </a:r>
-            <a:r>
-              <a:rPr lang="en-US" b="0" i="0" u="sng" strike="noStrike" dirty="0">
-                <a:solidFill>
-                  <a:srgbClr val="222222"/>
-                </a:solidFill>
-                <a:effectLst/>
-                <a:latin typeface="Harding"/>
-              </a:rPr>
-              <a:t>unnormalized enrichment score</a:t>
-            </a:r>
-            <a:r>
-              <a:rPr lang="en-US" b="0" i="0" u="none" strike="noStrike" dirty="0">
-                <a:solidFill>
-                  <a:srgbClr val="222222"/>
-                </a:solidFill>
-                <a:effectLst/>
-                <a:latin typeface="Harding"/>
-              </a:rPr>
-              <a:t>. Therefore, </a:t>
-            </a:r>
-            <a:r>
-              <a:rPr lang="en-US" b="0" i="0" u="none" strike="noStrike" dirty="0">
-                <a:solidFill>
-                  <a:srgbClr val="222222"/>
-                </a:solidFill>
-                <a:effectLst/>
-                <a:highlight>
-                  <a:srgbClr val="FFFF00"/>
-                </a:highlight>
-                <a:latin typeface="Harding"/>
-              </a:rPr>
-              <a:t>it can only be used to compare the activity of a regulon across cells of the same experiment</a:t>
-            </a:r>
-            <a:r>
-              <a:rPr lang="en-US" b="0" i="0" u="none" strike="noStrike" dirty="0">
-                <a:solidFill>
-                  <a:srgbClr val="222222"/>
-                </a:solidFill>
-                <a:effectLst/>
-                <a:latin typeface="Harding"/>
-              </a:rPr>
-              <a:t>. Because the enrichment score is not normalized for the size of the predicted </a:t>
-            </a:r>
-            <a:r>
-              <a:rPr lang="en-US" b="0" i="0" u="none" strike="noStrike" dirty="0" err="1">
-                <a:solidFill>
-                  <a:srgbClr val="222222"/>
-                </a:solidFill>
-                <a:effectLst/>
-                <a:latin typeface="Harding"/>
-              </a:rPr>
-              <a:t>targetome</a:t>
-            </a:r>
-            <a:r>
-              <a:rPr lang="en-US" b="0" i="0" u="none" strike="noStrike" dirty="0">
-                <a:solidFill>
-                  <a:srgbClr val="222222"/>
-                </a:solidFill>
-                <a:effectLst/>
-                <a:latin typeface="Harding"/>
-              </a:rPr>
-              <a:t>, the scores of different regulons cannot be compared.</a:t>
-            </a:r>
-          </a:p>
-          <a:p>
-            <a:pPr marL="0" indent="0">
-              <a:buNone/>
-            </a:pPr>
-            <a:br>
-              <a:rPr lang="en-US" dirty="0"/>
-            </a:br>
-            <a:r>
-              <a:rPr lang="en-US" dirty="0"/>
-              <a:t>* Different time points - batch effect is taken care of, should be ok? </a:t>
-            </a:r>
-            <a:endParaRPr lang="en-IL" dirty="0"/>
-          </a:p>
-        </p:txBody>
-      </p:sp>
-    </p:spTree>
-    <p:extLst>
-      <p:ext uri="{BB962C8B-B14F-4D97-AF65-F5344CB8AC3E}">
-        <p14:creationId xmlns:p14="http://schemas.microsoft.com/office/powerpoint/2010/main" val="3655704882"/>
-      </p:ext>
-    </p:extLst>
-  </p:cSld>
-  <p:clrMapOvr>
-    <a:masterClrMapping/>
-  </p:clrMapOvr>
-</p:sld>
-</file>
-
-<file path=ppt/slides/slide26.xml><?xml version="1.0" encoding="utf-8"?>
-<p:sld xmlns:a="http://schemas.openxmlformats.org/drawingml/2006/main" xmlns:r="http://schemas.openxmlformats.org/officeDocument/2006/relationships" xmlns:p="http://schemas.openxmlformats.org/presentationml/2006/main">
-  <p:cSld>
-    <p:spTree>
-      <p:nvGrpSpPr>
-        <p:cNvPr id="1" name=""/>
-        <p:cNvGrpSpPr/>
-        <p:nvPr/>
-      </p:nvGrpSpPr>
-      <p:grpSpPr>
-        <a:xfrm>
-          <a:off x="0" y="0"/>
-          <a:ext cx="0" cy="0"/>
-          <a:chOff x="0" y="0"/>
-          <a:chExt cx="0" cy="0"/>
-        </a:xfrm>
-      </p:grpSpPr>
-      <p:sp>
-        <p:nvSpPr>
-          <p:cNvPr id="2" name="Title 1">
-            <a:extLst>
-              <a:ext uri="{FF2B5EF4-FFF2-40B4-BE49-F238E27FC236}">
-                <a16:creationId xmlns:a16="http://schemas.microsoft.com/office/drawing/2014/main" id="{BB1296EA-E2E5-3006-EBB0-87DD92C1CA09}"/>
-              </a:ext>
-            </a:extLst>
-          </p:cNvPr>
-          <p:cNvSpPr>
-            <a:spLocks noGrp="1"/>
-          </p:cNvSpPr>
-          <p:nvPr>
-            <p:ph type="title"/>
-          </p:nvPr>
-        </p:nvSpPr>
-        <p:spPr/>
-        <p:txBody>
-          <a:bodyPr/>
-          <a:lstStyle/>
-          <a:p>
-            <a:pPr marL="0" indent="0">
-              <a:buNone/>
-            </a:pPr>
-            <a:r>
-              <a:rPr lang="en-IL" dirty="0"/>
-              <a:t>Further Analysis</a:t>
-            </a:r>
-          </a:p>
-        </p:txBody>
-      </p:sp>
-      <p:sp>
-        <p:nvSpPr>
-          <p:cNvPr id="3" name="Text Placeholder 2">
-            <a:extLst>
-              <a:ext uri="{FF2B5EF4-FFF2-40B4-BE49-F238E27FC236}">
-                <a16:creationId xmlns:a16="http://schemas.microsoft.com/office/drawing/2014/main" id="{8EA09FDE-D469-321F-81B9-9F7513986866}"/>
-              </a:ext>
-            </a:extLst>
-          </p:cNvPr>
-          <p:cNvSpPr>
-            <a:spLocks noGrp="1"/>
-          </p:cNvSpPr>
-          <p:nvPr>
-            <p:ph type="body" idx="1"/>
-          </p:nvPr>
-        </p:nvSpPr>
-        <p:spPr/>
-        <p:txBody>
-          <a:bodyPr/>
-          <a:lstStyle/>
-          <a:p>
-            <a:endParaRPr lang="en-IL" dirty="0"/>
-          </a:p>
-        </p:txBody>
-      </p:sp>
-    </p:spTree>
-    <p:extLst>
-      <p:ext uri="{BB962C8B-B14F-4D97-AF65-F5344CB8AC3E}">
-        <p14:creationId xmlns:p14="http://schemas.microsoft.com/office/powerpoint/2010/main" val="3424868785"/>
-      </p:ext>
-    </p:extLst>
-  </p:cSld>
-  <p:clrMapOvr>
-    <a:masterClrMapping/>
-  </p:clrMapOvr>
-</p:sld>
-</file>
-
-<file path=ppt/slides/slide27.xml><?xml version="1.0" encoding="utf-8"?>
-<p:sld xmlns:a="http://schemas.openxmlformats.org/drawingml/2006/main" xmlns:r="http://schemas.openxmlformats.org/officeDocument/2006/relationships" xmlns:p="http://schemas.openxmlformats.org/presentationml/2006/main">
-  <p:cSld>
-    <p:spTree>
-      <p:nvGrpSpPr>
-        <p:cNvPr id="1" name=""/>
-        <p:cNvGrpSpPr/>
-        <p:nvPr/>
-      </p:nvGrpSpPr>
-      <p:grpSpPr>
-        <a:xfrm>
-          <a:off x="0" y="0"/>
-          <a:ext cx="0" cy="0"/>
-          <a:chOff x="0" y="0"/>
-          <a:chExt cx="0" cy="0"/>
-        </a:xfrm>
-      </p:grpSpPr>
-      <p:sp>
-        <p:nvSpPr>
-          <p:cNvPr id="2" name="Title 1">
-            <a:extLst>
-              <a:ext uri="{FF2B5EF4-FFF2-40B4-BE49-F238E27FC236}">
-                <a16:creationId xmlns:a16="http://schemas.microsoft.com/office/drawing/2014/main" id="{67F302C5-4331-0437-B00F-71664D09714B}"/>
-              </a:ext>
-            </a:extLst>
-          </p:cNvPr>
-          <p:cNvSpPr>
-            <a:spLocks noGrp="1"/>
-          </p:cNvSpPr>
-          <p:nvPr>
-            <p:ph type="title"/>
-          </p:nvPr>
-        </p:nvSpPr>
-        <p:spPr/>
-        <p:txBody>
-          <a:bodyPr/>
-          <a:lstStyle/>
-          <a:p>
-            <a:r>
-              <a:rPr lang="en-IL" dirty="0"/>
-              <a:t>AUCell – further analysis</a:t>
-            </a:r>
-          </a:p>
-        </p:txBody>
-      </p:sp>
-      <p:sp>
-        <p:nvSpPr>
-          <p:cNvPr id="3" name="Content Placeholder 2">
-            <a:extLst>
-              <a:ext uri="{FF2B5EF4-FFF2-40B4-BE49-F238E27FC236}">
-                <a16:creationId xmlns:a16="http://schemas.microsoft.com/office/drawing/2014/main" id="{8260D9A6-006A-5CC4-FD63-A6F28F986A51}"/>
-              </a:ext>
-            </a:extLst>
-          </p:cNvPr>
-          <p:cNvSpPr>
-            <a:spLocks noGrp="1"/>
-          </p:cNvSpPr>
-          <p:nvPr>
-            <p:ph idx="1"/>
-          </p:nvPr>
-        </p:nvSpPr>
-        <p:spPr/>
-        <p:txBody>
-          <a:bodyPr/>
-          <a:lstStyle/>
-          <a:p>
-            <a:r>
-              <a:rPr lang="en-IL" dirty="0"/>
-              <a:t>Two uses of AUCell values</a:t>
-            </a:r>
-          </a:p>
-          <a:p>
-            <a:pPr marL="971550" lvl="1" indent="-514350">
-              <a:buFont typeface="+mj-lt"/>
-              <a:buAutoNum type="arabicPeriod"/>
-            </a:pPr>
-            <a:r>
-              <a:rPr lang="en-US" dirty="0"/>
-              <a:t>Binary matrix by AUC value cutoff</a:t>
-            </a:r>
-          </a:p>
-          <a:p>
-            <a:pPr marL="971550" lvl="1" indent="-514350">
-              <a:buFont typeface="+mj-lt"/>
-              <a:buAutoNum type="arabicPeriod"/>
-            </a:pPr>
-            <a:r>
-              <a:rPr lang="en-US" dirty="0"/>
-              <a:t>Use continuous value for clustering (when cell types are known)</a:t>
-            </a:r>
-          </a:p>
-          <a:p>
-            <a:endParaRPr lang="en-US" dirty="0"/>
-          </a:p>
-          <a:p>
-            <a:pPr marL="457200" lvl="1" indent="0">
-              <a:buNone/>
-            </a:pPr>
-            <a:endParaRPr lang="en-US" dirty="0"/>
-          </a:p>
-          <a:p>
-            <a:pPr marL="971550" lvl="1" indent="-514350">
-              <a:buFont typeface="+mj-lt"/>
-              <a:buAutoNum type="arabicPeriod"/>
-            </a:pPr>
-            <a:endParaRPr lang="en-US" dirty="0"/>
-          </a:p>
-          <a:p>
-            <a:pPr marL="457200" lvl="1" indent="0">
-              <a:buNone/>
-            </a:pPr>
-            <a:endParaRPr lang="en-IL" dirty="0"/>
-          </a:p>
-        </p:txBody>
-      </p:sp>
-    </p:spTree>
-    <p:extLst>
-      <p:ext uri="{BB962C8B-B14F-4D97-AF65-F5344CB8AC3E}">
-        <p14:creationId xmlns:p14="http://schemas.microsoft.com/office/powerpoint/2010/main" val="779796953"/>
-      </p:ext>
-    </p:extLst>
-  </p:cSld>
-  <p:clrMapOvr>
-    <a:masterClrMapping/>
-  </p:clrMapOvr>
-</p:sld>
-</file>
-
 <file path=ppt/slides/slide28.xml><?xml version="1.0" encoding="utf-8"?>
 <p:sld xmlns:a="http://schemas.openxmlformats.org/drawingml/2006/main" xmlns:r="http://schemas.openxmlformats.org/officeDocument/2006/relationships" xmlns:p="http://schemas.openxmlformats.org/presentationml/2006/main">
   <p:cSld>
@@ -12076,7 +12287,7 @@
           <p:cNvPr id="2" name="Title 1">
             <a:extLst>
               <a:ext uri="{FF2B5EF4-FFF2-40B4-BE49-F238E27FC236}">
-                <a16:creationId xmlns:a16="http://schemas.microsoft.com/office/drawing/2014/main" id="{EEB8AD68-4109-046D-313B-B957551BF5DE}"/>
+                <a16:creationId xmlns:a16="http://schemas.microsoft.com/office/drawing/2014/main" id="{2CAF7AE6-3891-7FA1-6E6B-5B420A50492A}"/>
               </a:ext>
             </a:extLst>
           </p:cNvPr>
@@ -12094,223 +12305,165 @@
           <a:p>
             <a:r>
               <a:rPr lang="en-IL" dirty="0"/>
-              <a:t>Regulon activity  - </a:t>
-            </a:r>
-            <a:br>
-              <a:rPr lang="en-IL" dirty="0"/>
-            </a:br>
-            <a:r>
-              <a:rPr lang="en-IL" dirty="0"/>
-              <a:t>heatmap</a:t>
-            </a:r>
-          </a:p>
-        </p:txBody>
-      </p:sp>
-      <p:sp>
-        <p:nvSpPr>
-          <p:cNvPr id="5" name="TextBox 4">
+              <a:t>AUCell– possible limitations</a:t>
+            </a:r>
+          </a:p>
+        </p:txBody>
+      </p:sp>
+      <p:sp>
+        <p:nvSpPr>
+          <p:cNvPr id="6" name="Content Placeholder 5">
             <a:extLst>
               <a:ext uri="{FF2B5EF4-FFF2-40B4-BE49-F238E27FC236}">
-                <a16:creationId xmlns:a16="http://schemas.microsoft.com/office/drawing/2014/main" id="{A75145A3-D2DE-274E-776D-5B408653E1BF}"/>
+                <a16:creationId xmlns:a16="http://schemas.microsoft.com/office/drawing/2014/main" id="{87E464A8-2069-5423-0092-A47B2AB8D2D6}"/>
               </a:ext>
             </a:extLst>
           </p:cNvPr>
-          <p:cNvSpPr txBox="1"/>
-          <p:nvPr/>
-        </p:nvSpPr>
-        <p:spPr>
-          <a:xfrm>
-            <a:off x="369427" y="1690688"/>
-            <a:ext cx="5817243" cy="369332"/>
-          </a:xfrm>
-          <a:prstGeom prst="rect">
-            <a:avLst/>
-          </a:prstGeom>
-          <a:noFill/>
-        </p:spPr>
-        <p:txBody>
-          <a:bodyPr wrap="square">
-            <a:spAutoFit/>
-          </a:bodyPr>
-          <a:lstStyle/>
-          <a:p>
-            <a:r>
-              <a:rPr lang="en-US" b="0" dirty="0" err="1">
-                <a:solidFill>
-                  <a:srgbClr val="4EC9B0"/>
+          <p:cNvSpPr>
+            <a:spLocks noGrp="1"/>
+          </p:cNvSpPr>
+          <p:nvPr>
+            <p:ph idx="1"/>
+          </p:nvPr>
+        </p:nvSpPr>
+        <p:spPr/>
+        <p:txBody>
+          <a:bodyPr/>
+          <a:lstStyle/>
+          <a:p>
+            <a:pPr marL="0" indent="0" algn="l">
+              <a:buNone/>
+            </a:pPr>
+            <a:r>
+              <a:rPr lang="en-US" b="1" i="0" u="none" strike="noStrike" dirty="0" err="1">
+                <a:solidFill>
+                  <a:srgbClr val="222222"/>
                 </a:solidFill>
                 <a:effectLst/>
-                <a:latin typeface="Menlo" panose="020B0609030804020204" pitchFamily="49" charset="0"/>
+                <a:latin typeface="-apple-system"/>
               </a:rPr>
-              <a:t>sns</a:t>
-            </a:r>
-            <a:r>
-              <a:rPr lang="en-US" b="0" dirty="0" err="1">
-                <a:solidFill>
-                  <a:srgbClr val="D4D4D4"/>
+              <a:t>AUCell</a:t>
+            </a:r>
+            <a:r>
+              <a:rPr lang="en-US" b="1" i="0" u="none" strike="noStrike" dirty="0">
+                <a:solidFill>
+                  <a:srgbClr val="222222"/>
                 </a:solidFill>
                 <a:effectLst/>
-                <a:latin typeface="Menlo" panose="020B0609030804020204" pitchFamily="49" charset="0"/>
+                <a:latin typeface="-apple-system"/>
               </a:rPr>
-              <a:t>.clustermap</a:t>
-            </a:r>
-            <a:r>
-              <a:rPr lang="en-US" b="0" dirty="0">
-                <a:solidFill>
-                  <a:srgbClr val="D4D4D4"/>
+              <a:t> (Step 7) provides minimal comparability</a:t>
+            </a:r>
+          </a:p>
+          <a:p>
+            <a:pPr marL="0" indent="0" algn="l">
+              <a:buNone/>
+            </a:pPr>
+            <a:r>
+              <a:rPr lang="en-US" b="0" i="0" u="none" strike="noStrike" dirty="0">
+                <a:solidFill>
+                  <a:srgbClr val="222222"/>
                 </a:solidFill>
                 <a:effectLst/>
-                <a:latin typeface="Menlo" panose="020B0609030804020204" pitchFamily="49" charset="0"/>
+                <a:latin typeface="Harding"/>
               </a:rPr>
-              <a:t>(</a:t>
-            </a:r>
-            <a:r>
-              <a:rPr lang="en-US" b="0" dirty="0" err="1">
-                <a:solidFill>
-                  <a:srgbClr val="9CDCFE"/>
+              <a:t>The metric used by </a:t>
+            </a:r>
+            <a:r>
+              <a:rPr lang="en-US" b="0" i="0" u="none" strike="noStrike" dirty="0" err="1">
+                <a:solidFill>
+                  <a:srgbClr val="222222"/>
                 </a:solidFill>
                 <a:effectLst/>
-                <a:latin typeface="Menlo" panose="020B0609030804020204" pitchFamily="49" charset="0"/>
+                <a:latin typeface="Harding"/>
               </a:rPr>
-              <a:t>auc_ntx</a:t>
-            </a:r>
-            <a:r>
-              <a:rPr lang="en-US" b="0" dirty="0">
-                <a:solidFill>
-                  <a:srgbClr val="D4D4D4"/>
+              <a:t>AUCell</a:t>
+            </a:r>
+            <a:r>
+              <a:rPr lang="en-US" b="0" i="0" u="none" strike="noStrike" dirty="0">
+                <a:solidFill>
+                  <a:srgbClr val="222222"/>
                 </a:solidFill>
                 <a:effectLst/>
-                <a:latin typeface="Menlo" panose="020B0609030804020204" pitchFamily="49" charset="0"/>
+                <a:latin typeface="Harding"/>
               </a:rPr>
-              <a:t>, </a:t>
-            </a:r>
-            <a:r>
-              <a:rPr lang="en-US" b="0" dirty="0" err="1">
-                <a:solidFill>
-                  <a:srgbClr val="9CDCFE"/>
+              <a:t> to quantify the activity of a predicted regulon in individual cells of an experiment is an </a:t>
+            </a:r>
+            <a:r>
+              <a:rPr lang="en-US" b="0" i="0" u="sng" strike="noStrike" dirty="0">
+                <a:solidFill>
+                  <a:srgbClr val="222222"/>
                 </a:solidFill>
                 <a:effectLst/>
-                <a:latin typeface="Menlo" panose="020B0609030804020204" pitchFamily="49" charset="0"/>
+                <a:latin typeface="Harding"/>
               </a:rPr>
-              <a:t>figsize</a:t>
-            </a:r>
-            <a:r>
-              <a:rPr lang="en-US" b="0" dirty="0">
-                <a:solidFill>
-                  <a:srgbClr val="D4D4D4"/>
+              <a:t>unnormalized enrichment score</a:t>
+            </a:r>
+            <a:r>
+              <a:rPr lang="en-US" b="0" i="0" u="none" strike="noStrike" dirty="0">
+                <a:solidFill>
+                  <a:srgbClr val="222222"/>
                 </a:solidFill>
                 <a:effectLst/>
-                <a:latin typeface="Menlo" panose="020B0609030804020204" pitchFamily="49" charset="0"/>
+                <a:latin typeface="Harding"/>
               </a:rPr>
-              <a:t>=(</a:t>
-            </a:r>
-            <a:r>
-              <a:rPr lang="en-US" b="0" dirty="0">
-                <a:solidFill>
-                  <a:srgbClr val="B5CEA8"/>
+              <a:t>. Therefore, </a:t>
+            </a:r>
+            <a:r>
+              <a:rPr lang="en-US" b="0" i="0" u="none" strike="noStrike" dirty="0">
+                <a:solidFill>
+                  <a:srgbClr val="222222"/>
                 </a:solidFill>
                 <a:effectLst/>
-                <a:latin typeface="Menlo" panose="020B0609030804020204" pitchFamily="49" charset="0"/>
+                <a:highlight>
+                  <a:srgbClr val="FFFF00"/>
+                </a:highlight>
+                <a:latin typeface="Harding"/>
               </a:rPr>
-              <a:t>12</a:t>
-            </a:r>
-            <a:r>
-              <a:rPr lang="en-US" b="0" dirty="0">
-                <a:solidFill>
-                  <a:srgbClr val="D4D4D4"/>
+              <a:t>it can only be used to compare the activity of a regulon across cells of the same experiment</a:t>
+            </a:r>
+            <a:r>
+              <a:rPr lang="en-US" b="0" i="0" u="none" strike="noStrike" dirty="0">
+                <a:solidFill>
+                  <a:srgbClr val="222222"/>
                 </a:solidFill>
                 <a:effectLst/>
-                <a:latin typeface="Menlo" panose="020B0609030804020204" pitchFamily="49" charset="0"/>
+                <a:latin typeface="Harding"/>
               </a:rPr>
-              <a:t>,</a:t>
-            </a:r>
-            <a:r>
-              <a:rPr lang="en-US" b="0" dirty="0">
-                <a:solidFill>
-                  <a:srgbClr val="B5CEA8"/>
+              <a:t>. Because the enrichment score is not normalized for the size of the predicted </a:t>
+            </a:r>
+            <a:r>
+              <a:rPr lang="en-US" b="0" i="0" u="none" strike="noStrike" dirty="0" err="1">
+                <a:solidFill>
+                  <a:srgbClr val="222222"/>
                 </a:solidFill>
                 <a:effectLst/>
-                <a:latin typeface="Menlo" panose="020B0609030804020204" pitchFamily="49" charset="0"/>
+                <a:latin typeface="Harding"/>
               </a:rPr>
-              <a:t>12</a:t>
-            </a:r>
-            <a:r>
-              <a:rPr lang="en-US" b="0" dirty="0">
-                <a:solidFill>
-                  <a:srgbClr val="D4D4D4"/>
+              <a:t>targetome</a:t>
+            </a:r>
+            <a:r>
+              <a:rPr lang="en-US" b="0" i="0" u="none" strike="noStrike" dirty="0">
+                <a:solidFill>
+                  <a:srgbClr val="222222"/>
                 </a:solidFill>
                 <a:effectLst/>
-                <a:latin typeface="Menlo" panose="020B0609030804020204" pitchFamily="49" charset="0"/>
+                <a:latin typeface="Harding"/>
               </a:rPr>
-              <a:t>))</a:t>
-            </a:r>
-          </a:p>
-        </p:txBody>
-      </p:sp>
-      <p:pic>
-        <p:nvPicPr>
-          <p:cNvPr id="3" name="Picture 2">
-            <a:extLst>
-              <a:ext uri="{FF2B5EF4-FFF2-40B4-BE49-F238E27FC236}">
-                <a16:creationId xmlns:a16="http://schemas.microsoft.com/office/drawing/2014/main" id="{D66212CC-E08A-F19E-9666-79B1FFF63468}"/>
-              </a:ext>
-            </a:extLst>
-          </p:cNvPr>
-          <p:cNvPicPr>
-            <a:picLocks noChangeAspect="1"/>
-          </p:cNvPicPr>
-          <p:nvPr/>
-        </p:nvPicPr>
-        <p:blipFill>
-          <a:blip r:embed="rId3"/>
-          <a:stretch>
-            <a:fillRect/>
-          </a:stretch>
-        </p:blipFill>
-        <p:spPr>
-          <a:xfrm>
-            <a:off x="6186670" y="458844"/>
-            <a:ext cx="5982343" cy="5940312"/>
-          </a:xfrm>
-          <a:prstGeom prst="rect">
-            <a:avLst/>
-          </a:prstGeom>
-        </p:spPr>
-      </p:pic>
-      <p:sp>
-        <p:nvSpPr>
-          <p:cNvPr id="4" name="TextBox 3">
-            <a:extLst>
-              <a:ext uri="{FF2B5EF4-FFF2-40B4-BE49-F238E27FC236}">
-                <a16:creationId xmlns:a16="http://schemas.microsoft.com/office/drawing/2014/main" id="{C0CF67EB-464E-72A9-D150-2E6495562F0F}"/>
-              </a:ext>
-            </a:extLst>
-          </p:cNvPr>
-          <p:cNvSpPr txBox="1"/>
-          <p:nvPr/>
-        </p:nvSpPr>
-        <p:spPr>
-          <a:xfrm>
-            <a:off x="369427" y="2257327"/>
-            <a:ext cx="5635904" cy="646331"/>
-          </a:xfrm>
-          <a:prstGeom prst="rect">
-            <a:avLst/>
-          </a:prstGeom>
-          <a:noFill/>
-        </p:spPr>
-        <p:txBody>
-          <a:bodyPr wrap="square" rtlCol="0">
-            <a:spAutoFit/>
-          </a:bodyPr>
-          <a:lstStyle/>
-          <a:p>
-            <a:r>
-              <a:rPr lang="en-IL" dirty="0"/>
-              <a:t>Visualizatio of the AUCell table as heatmap</a:t>
-            </a:r>
-          </a:p>
-          <a:p>
+              <a:t>, the scores of different regulons cannot be compared.</a:t>
+            </a:r>
+          </a:p>
+          <a:p>
+            <a:pPr marL="0" indent="0">
+              <a:buNone/>
+            </a:pPr>
+            <a:br>
+              <a:rPr lang="en-US" dirty="0"/>
+            </a:br>
+            <a:r>
+              <a:rPr lang="en-US" dirty="0"/>
+              <a:t>* Different time points - batch effect is taken care of, should be ok? </a:t>
+            </a:r>
             <a:endParaRPr lang="en-IL" dirty="0"/>
           </a:p>
         </p:txBody>
@@ -12318,7 +12471,7 @@
     </p:spTree>
     <p:extLst>
       <p:ext uri="{BB962C8B-B14F-4D97-AF65-F5344CB8AC3E}">
-        <p14:creationId xmlns:p14="http://schemas.microsoft.com/office/powerpoint/2010/main" val="532821761"/>
+        <p14:creationId xmlns:p14="http://schemas.microsoft.com/office/powerpoint/2010/main" val="3655704882"/>
       </p:ext>
     </p:extLst>
   </p:cSld>
@@ -12350,7 +12503,7 @@
           <p:cNvPr id="2" name="Title 1">
             <a:extLst>
               <a:ext uri="{FF2B5EF4-FFF2-40B4-BE49-F238E27FC236}">
-                <a16:creationId xmlns:a16="http://schemas.microsoft.com/office/drawing/2014/main" id="{923F0517-E610-59FC-E457-5A9A5845FEFF}"/>
+                <a16:creationId xmlns:a16="http://schemas.microsoft.com/office/drawing/2014/main" id="{BB1296EA-E2E5-3006-EBB0-87DD92C1CA09}"/>
               </a:ext>
             </a:extLst>
           </p:cNvPr>
@@ -12366,49 +12519,45 @@
           <a:bodyPr/>
           <a:lstStyle/>
           <a:p>
+            <a:pPr marL="0" indent="0">
+              <a:buNone/>
+            </a:pPr>
             <a:r>
               <a:rPr lang="en-IL" dirty="0"/>
-              <a:t>AUCell – from pySCENIC FAQ</a:t>
-            </a:r>
-          </a:p>
-        </p:txBody>
-      </p:sp>
-      <p:pic>
-        <p:nvPicPr>
-          <p:cNvPr id="4" name="Content Placeholder 3">
+              <a:t>Further Analysis</a:t>
+            </a:r>
+          </a:p>
+        </p:txBody>
+      </p:sp>
+      <p:sp>
+        <p:nvSpPr>
+          <p:cNvPr id="3" name="Text Placeholder 2">
             <a:extLst>
               <a:ext uri="{FF2B5EF4-FFF2-40B4-BE49-F238E27FC236}">
-                <a16:creationId xmlns:a16="http://schemas.microsoft.com/office/drawing/2014/main" id="{00BBECD4-FB36-DFB4-BF76-6FE6971D6B9A}"/>
+                <a16:creationId xmlns:a16="http://schemas.microsoft.com/office/drawing/2014/main" id="{8EA09FDE-D469-321F-81B9-9F7513986866}"/>
               </a:ext>
             </a:extLst>
           </p:cNvPr>
-          <p:cNvPicPr>
-            <a:picLocks noGrp="1" noChangeAspect="1"/>
-          </p:cNvPicPr>
-          <p:nvPr>
-            <p:ph idx="1"/>
-          </p:nvPr>
-        </p:nvPicPr>
-        <p:blipFill>
-          <a:blip r:embed="rId3"/>
-          <a:stretch>
-            <a:fillRect/>
-          </a:stretch>
-        </p:blipFill>
-        <p:spPr>
-          <a:xfrm>
-            <a:off x="2879794" y="1825625"/>
-            <a:ext cx="6432412" cy="4351338"/>
-          </a:xfrm>
-          <a:prstGeom prst="rect">
-            <a:avLst/>
-          </a:prstGeom>
-        </p:spPr>
-      </p:pic>
+          <p:cNvSpPr>
+            <a:spLocks noGrp="1"/>
+          </p:cNvSpPr>
+          <p:nvPr>
+            <p:ph type="body" idx="1"/>
+          </p:nvPr>
+        </p:nvSpPr>
+        <p:spPr/>
+        <p:txBody>
+          <a:bodyPr/>
+          <a:lstStyle/>
+          <a:p>
+            <a:endParaRPr lang="en-IL" dirty="0"/>
+          </a:p>
+        </p:txBody>
+      </p:sp>
     </p:spTree>
     <p:extLst>
       <p:ext uri="{BB962C8B-B14F-4D97-AF65-F5344CB8AC3E}">
-        <p14:creationId xmlns:p14="http://schemas.microsoft.com/office/powerpoint/2010/main" val="545550036"/>
+        <p14:creationId xmlns:p14="http://schemas.microsoft.com/office/powerpoint/2010/main" val="3424868785"/>
       </p:ext>
     </p:extLst>
   </p:cSld>
@@ -12526,6 +12675,566 @@
           <p:cNvPr id="2" name="Title 1">
             <a:extLst>
               <a:ext uri="{FF2B5EF4-FFF2-40B4-BE49-F238E27FC236}">
+                <a16:creationId xmlns:a16="http://schemas.microsoft.com/office/drawing/2014/main" id="{67F302C5-4331-0437-B00F-71664D09714B}"/>
+              </a:ext>
+            </a:extLst>
+          </p:cNvPr>
+          <p:cNvSpPr>
+            <a:spLocks noGrp="1"/>
+          </p:cNvSpPr>
+          <p:nvPr>
+            <p:ph type="title"/>
+          </p:nvPr>
+        </p:nvSpPr>
+        <p:spPr/>
+        <p:txBody>
+          <a:bodyPr/>
+          <a:lstStyle/>
+          <a:p>
+            <a:r>
+              <a:rPr lang="en-IL" dirty="0"/>
+              <a:t>AUCell – further analysis</a:t>
+            </a:r>
+          </a:p>
+        </p:txBody>
+      </p:sp>
+      <p:sp>
+        <p:nvSpPr>
+          <p:cNvPr id="3" name="Content Placeholder 2">
+            <a:extLst>
+              <a:ext uri="{FF2B5EF4-FFF2-40B4-BE49-F238E27FC236}">
+                <a16:creationId xmlns:a16="http://schemas.microsoft.com/office/drawing/2014/main" id="{8260D9A6-006A-5CC4-FD63-A6F28F986A51}"/>
+              </a:ext>
+            </a:extLst>
+          </p:cNvPr>
+          <p:cNvSpPr>
+            <a:spLocks noGrp="1"/>
+          </p:cNvSpPr>
+          <p:nvPr>
+            <p:ph idx="1"/>
+          </p:nvPr>
+        </p:nvSpPr>
+        <p:spPr/>
+        <p:txBody>
+          <a:bodyPr/>
+          <a:lstStyle/>
+          <a:p>
+            <a:r>
+              <a:rPr lang="en-IL" dirty="0"/>
+              <a:t>Two uses of AUCell values</a:t>
+            </a:r>
+          </a:p>
+          <a:p>
+            <a:pPr marL="971550" lvl="1" indent="-514350">
+              <a:buFont typeface="+mj-lt"/>
+              <a:buAutoNum type="arabicPeriod"/>
+            </a:pPr>
+            <a:r>
+              <a:rPr lang="en-US" dirty="0"/>
+              <a:t>Binary matrix by AUC value cutoff</a:t>
+            </a:r>
+          </a:p>
+          <a:p>
+            <a:pPr marL="971550" lvl="1" indent="-514350">
+              <a:buFont typeface="+mj-lt"/>
+              <a:buAutoNum type="arabicPeriod"/>
+            </a:pPr>
+            <a:r>
+              <a:rPr lang="en-US" dirty="0"/>
+              <a:t>Use continuous value for clustering (when cell types are known)</a:t>
+            </a:r>
+          </a:p>
+          <a:p>
+            <a:endParaRPr lang="en-US" dirty="0"/>
+          </a:p>
+          <a:p>
+            <a:pPr marL="457200" lvl="1" indent="0">
+              <a:buNone/>
+            </a:pPr>
+            <a:endParaRPr lang="en-US" dirty="0"/>
+          </a:p>
+          <a:p>
+            <a:pPr marL="971550" lvl="1" indent="-514350">
+              <a:buFont typeface="+mj-lt"/>
+              <a:buAutoNum type="arabicPeriod"/>
+            </a:pPr>
+            <a:endParaRPr lang="en-US" dirty="0"/>
+          </a:p>
+          <a:p>
+            <a:pPr marL="457200" lvl="1" indent="0">
+              <a:buNone/>
+            </a:pPr>
+            <a:endParaRPr lang="en-IL" dirty="0"/>
+          </a:p>
+        </p:txBody>
+      </p:sp>
+    </p:spTree>
+    <p:extLst>
+      <p:ext uri="{BB962C8B-B14F-4D97-AF65-F5344CB8AC3E}">
+        <p14:creationId xmlns:p14="http://schemas.microsoft.com/office/powerpoint/2010/main" val="779796953"/>
+      </p:ext>
+    </p:extLst>
+  </p:cSld>
+  <p:clrMapOvr>
+    <a:masterClrMapping/>
+  </p:clrMapOvr>
+</p:sld>
+</file>
+
+<file path=ppt/slides/slide31.xml><?xml version="1.0" encoding="utf-8"?>
+<p:sld xmlns:a="http://schemas.openxmlformats.org/drawingml/2006/main" xmlns:r="http://schemas.openxmlformats.org/officeDocument/2006/relationships" xmlns:p="http://schemas.openxmlformats.org/presentationml/2006/main">
+  <p:cSld>
+    <p:spTree>
+      <p:nvGrpSpPr>
+        <p:cNvPr id="1" name=""/>
+        <p:cNvGrpSpPr/>
+        <p:nvPr/>
+      </p:nvGrpSpPr>
+      <p:grpSpPr>
+        <a:xfrm>
+          <a:off x="0" y="0"/>
+          <a:ext cx="0" cy="0"/>
+          <a:chOff x="0" y="0"/>
+          <a:chExt cx="0" cy="0"/>
+        </a:xfrm>
+      </p:grpSpPr>
+      <p:sp>
+        <p:nvSpPr>
+          <p:cNvPr id="2" name="Title 1">
+            <a:extLst>
+              <a:ext uri="{FF2B5EF4-FFF2-40B4-BE49-F238E27FC236}">
+                <a16:creationId xmlns:a16="http://schemas.microsoft.com/office/drawing/2014/main" id="{EEB8AD68-4109-046D-313B-B957551BF5DE}"/>
+              </a:ext>
+            </a:extLst>
+          </p:cNvPr>
+          <p:cNvSpPr>
+            <a:spLocks noGrp="1"/>
+          </p:cNvSpPr>
+          <p:nvPr>
+            <p:ph type="title"/>
+          </p:nvPr>
+        </p:nvSpPr>
+        <p:spPr/>
+        <p:txBody>
+          <a:bodyPr/>
+          <a:lstStyle/>
+          <a:p>
+            <a:r>
+              <a:rPr lang="en-IL" dirty="0"/>
+              <a:t>Regulon activity  - </a:t>
+            </a:r>
+            <a:br>
+              <a:rPr lang="en-IL" dirty="0"/>
+            </a:br>
+            <a:r>
+              <a:rPr lang="en-IL" dirty="0"/>
+              <a:t>heatmap</a:t>
+            </a:r>
+          </a:p>
+        </p:txBody>
+      </p:sp>
+      <p:sp>
+        <p:nvSpPr>
+          <p:cNvPr id="5" name="TextBox 4">
+            <a:extLst>
+              <a:ext uri="{FF2B5EF4-FFF2-40B4-BE49-F238E27FC236}">
+                <a16:creationId xmlns:a16="http://schemas.microsoft.com/office/drawing/2014/main" id="{A75145A3-D2DE-274E-776D-5B408653E1BF}"/>
+              </a:ext>
+            </a:extLst>
+          </p:cNvPr>
+          <p:cNvSpPr txBox="1"/>
+          <p:nvPr/>
+        </p:nvSpPr>
+        <p:spPr>
+          <a:xfrm>
+            <a:off x="369427" y="1690688"/>
+            <a:ext cx="5817243" cy="369332"/>
+          </a:xfrm>
+          <a:prstGeom prst="rect">
+            <a:avLst/>
+          </a:prstGeom>
+          <a:noFill/>
+        </p:spPr>
+        <p:txBody>
+          <a:bodyPr wrap="square">
+            <a:spAutoFit/>
+          </a:bodyPr>
+          <a:lstStyle/>
+          <a:p>
+            <a:r>
+              <a:rPr lang="en-US" b="0" dirty="0" err="1">
+                <a:solidFill>
+                  <a:srgbClr val="4EC9B0"/>
+                </a:solidFill>
+                <a:effectLst/>
+                <a:latin typeface="Menlo" panose="020B0609030804020204" pitchFamily="49" charset="0"/>
+              </a:rPr>
+              <a:t>sns</a:t>
+            </a:r>
+            <a:r>
+              <a:rPr lang="en-US" b="0" dirty="0" err="1">
+                <a:solidFill>
+                  <a:srgbClr val="D4D4D4"/>
+                </a:solidFill>
+                <a:effectLst/>
+                <a:latin typeface="Menlo" panose="020B0609030804020204" pitchFamily="49" charset="0"/>
+              </a:rPr>
+              <a:t>.clustermap</a:t>
+            </a:r>
+            <a:r>
+              <a:rPr lang="en-US" b="0" dirty="0">
+                <a:solidFill>
+                  <a:srgbClr val="D4D4D4"/>
+                </a:solidFill>
+                <a:effectLst/>
+                <a:latin typeface="Menlo" panose="020B0609030804020204" pitchFamily="49" charset="0"/>
+              </a:rPr>
+              <a:t>(</a:t>
+            </a:r>
+            <a:r>
+              <a:rPr lang="en-US" b="0" dirty="0" err="1">
+                <a:solidFill>
+                  <a:srgbClr val="9CDCFE"/>
+                </a:solidFill>
+                <a:effectLst/>
+                <a:latin typeface="Menlo" panose="020B0609030804020204" pitchFamily="49" charset="0"/>
+              </a:rPr>
+              <a:t>auc_ntx</a:t>
+            </a:r>
+            <a:r>
+              <a:rPr lang="en-US" b="0" dirty="0">
+                <a:solidFill>
+                  <a:srgbClr val="D4D4D4"/>
+                </a:solidFill>
+                <a:effectLst/>
+                <a:latin typeface="Menlo" panose="020B0609030804020204" pitchFamily="49" charset="0"/>
+              </a:rPr>
+              <a:t>, </a:t>
+            </a:r>
+            <a:r>
+              <a:rPr lang="en-US" b="0" dirty="0" err="1">
+                <a:solidFill>
+                  <a:srgbClr val="9CDCFE"/>
+                </a:solidFill>
+                <a:effectLst/>
+                <a:latin typeface="Menlo" panose="020B0609030804020204" pitchFamily="49" charset="0"/>
+              </a:rPr>
+              <a:t>figsize</a:t>
+            </a:r>
+            <a:r>
+              <a:rPr lang="en-US" b="0" dirty="0">
+                <a:solidFill>
+                  <a:srgbClr val="D4D4D4"/>
+                </a:solidFill>
+                <a:effectLst/>
+                <a:latin typeface="Menlo" panose="020B0609030804020204" pitchFamily="49" charset="0"/>
+              </a:rPr>
+              <a:t>=(</a:t>
+            </a:r>
+            <a:r>
+              <a:rPr lang="en-US" b="0" dirty="0">
+                <a:solidFill>
+                  <a:srgbClr val="B5CEA8"/>
+                </a:solidFill>
+                <a:effectLst/>
+                <a:latin typeface="Menlo" panose="020B0609030804020204" pitchFamily="49" charset="0"/>
+              </a:rPr>
+              <a:t>12</a:t>
+            </a:r>
+            <a:r>
+              <a:rPr lang="en-US" b="0" dirty="0">
+                <a:solidFill>
+                  <a:srgbClr val="D4D4D4"/>
+                </a:solidFill>
+                <a:effectLst/>
+                <a:latin typeface="Menlo" panose="020B0609030804020204" pitchFamily="49" charset="0"/>
+              </a:rPr>
+              <a:t>,</a:t>
+            </a:r>
+            <a:r>
+              <a:rPr lang="en-US" b="0" dirty="0">
+                <a:solidFill>
+                  <a:srgbClr val="B5CEA8"/>
+                </a:solidFill>
+                <a:effectLst/>
+                <a:latin typeface="Menlo" panose="020B0609030804020204" pitchFamily="49" charset="0"/>
+              </a:rPr>
+              <a:t>12</a:t>
+            </a:r>
+            <a:r>
+              <a:rPr lang="en-US" b="0" dirty="0">
+                <a:solidFill>
+                  <a:srgbClr val="D4D4D4"/>
+                </a:solidFill>
+                <a:effectLst/>
+                <a:latin typeface="Menlo" panose="020B0609030804020204" pitchFamily="49" charset="0"/>
+              </a:rPr>
+              <a:t>))</a:t>
+            </a:r>
+          </a:p>
+        </p:txBody>
+      </p:sp>
+      <p:pic>
+        <p:nvPicPr>
+          <p:cNvPr id="3" name="Picture 2">
+            <a:extLst>
+              <a:ext uri="{FF2B5EF4-FFF2-40B4-BE49-F238E27FC236}">
+                <a16:creationId xmlns:a16="http://schemas.microsoft.com/office/drawing/2014/main" id="{D66212CC-E08A-F19E-9666-79B1FFF63468}"/>
+              </a:ext>
+            </a:extLst>
+          </p:cNvPr>
+          <p:cNvPicPr>
+            <a:picLocks noChangeAspect="1"/>
+          </p:cNvPicPr>
+          <p:nvPr/>
+        </p:nvPicPr>
+        <p:blipFill>
+          <a:blip r:embed="rId3"/>
+          <a:stretch>
+            <a:fillRect/>
+          </a:stretch>
+        </p:blipFill>
+        <p:spPr>
+          <a:xfrm>
+            <a:off x="6186670" y="458844"/>
+            <a:ext cx="5982343" cy="5940312"/>
+          </a:xfrm>
+          <a:prstGeom prst="rect">
+            <a:avLst/>
+          </a:prstGeom>
+        </p:spPr>
+      </p:pic>
+      <p:sp>
+        <p:nvSpPr>
+          <p:cNvPr id="4" name="TextBox 3">
+            <a:extLst>
+              <a:ext uri="{FF2B5EF4-FFF2-40B4-BE49-F238E27FC236}">
+                <a16:creationId xmlns:a16="http://schemas.microsoft.com/office/drawing/2014/main" id="{C0CF67EB-464E-72A9-D150-2E6495562F0F}"/>
+              </a:ext>
+            </a:extLst>
+          </p:cNvPr>
+          <p:cNvSpPr txBox="1"/>
+          <p:nvPr/>
+        </p:nvSpPr>
+        <p:spPr>
+          <a:xfrm>
+            <a:off x="369427" y="2257327"/>
+            <a:ext cx="5635904" cy="646331"/>
+          </a:xfrm>
+          <a:prstGeom prst="rect">
+            <a:avLst/>
+          </a:prstGeom>
+          <a:noFill/>
+        </p:spPr>
+        <p:txBody>
+          <a:bodyPr wrap="square" rtlCol="0">
+            <a:spAutoFit/>
+          </a:bodyPr>
+          <a:lstStyle/>
+          <a:p>
+            <a:r>
+              <a:rPr lang="en-IL" dirty="0"/>
+              <a:t>Visualizatio of the AUCell table as heatmap</a:t>
+            </a:r>
+          </a:p>
+          <a:p>
+            <a:endParaRPr lang="en-IL" dirty="0"/>
+          </a:p>
+        </p:txBody>
+      </p:sp>
+    </p:spTree>
+    <p:extLst>
+      <p:ext uri="{BB962C8B-B14F-4D97-AF65-F5344CB8AC3E}">
+        <p14:creationId xmlns:p14="http://schemas.microsoft.com/office/powerpoint/2010/main" val="532821761"/>
+      </p:ext>
+    </p:extLst>
+  </p:cSld>
+  <p:clrMapOvr>
+    <a:masterClrMapping/>
+  </p:clrMapOvr>
+</p:sld>
+</file>
+
+<file path=ppt/slides/slide32.xml><?xml version="1.0" encoding="utf-8"?>
+<p:sld xmlns:a="http://schemas.openxmlformats.org/drawingml/2006/main" xmlns:r="http://schemas.openxmlformats.org/officeDocument/2006/relationships" xmlns:p="http://schemas.openxmlformats.org/presentationml/2006/main">
+  <p:cSld>
+    <p:spTree>
+      <p:nvGrpSpPr>
+        <p:cNvPr id="1" name=""/>
+        <p:cNvGrpSpPr/>
+        <p:nvPr/>
+      </p:nvGrpSpPr>
+      <p:grpSpPr>
+        <a:xfrm>
+          <a:off x="0" y="0"/>
+          <a:ext cx="0" cy="0"/>
+          <a:chOff x="0" y="0"/>
+          <a:chExt cx="0" cy="0"/>
+        </a:xfrm>
+      </p:grpSpPr>
+      <p:sp>
+        <p:nvSpPr>
+          <p:cNvPr id="2" name="Title 1">
+            <a:extLst>
+              <a:ext uri="{FF2B5EF4-FFF2-40B4-BE49-F238E27FC236}">
+                <a16:creationId xmlns:a16="http://schemas.microsoft.com/office/drawing/2014/main" id="{923F0517-E610-59FC-E457-5A9A5845FEFF}"/>
+              </a:ext>
+            </a:extLst>
+          </p:cNvPr>
+          <p:cNvSpPr>
+            <a:spLocks noGrp="1"/>
+          </p:cNvSpPr>
+          <p:nvPr>
+            <p:ph type="title"/>
+          </p:nvPr>
+        </p:nvSpPr>
+        <p:spPr/>
+        <p:txBody>
+          <a:bodyPr/>
+          <a:lstStyle/>
+          <a:p>
+            <a:r>
+              <a:rPr lang="en-IL" dirty="0"/>
+              <a:t>AUCell – from pySCENIC FAQ</a:t>
+            </a:r>
+          </a:p>
+        </p:txBody>
+      </p:sp>
+      <p:pic>
+        <p:nvPicPr>
+          <p:cNvPr id="4" name="Content Placeholder 3">
+            <a:extLst>
+              <a:ext uri="{FF2B5EF4-FFF2-40B4-BE49-F238E27FC236}">
+                <a16:creationId xmlns:a16="http://schemas.microsoft.com/office/drawing/2014/main" id="{00BBECD4-FB36-DFB4-BF76-6FE6971D6B9A}"/>
+              </a:ext>
+            </a:extLst>
+          </p:cNvPr>
+          <p:cNvPicPr>
+            <a:picLocks noGrp="1" noChangeAspect="1"/>
+          </p:cNvPicPr>
+          <p:nvPr>
+            <p:ph idx="1"/>
+          </p:nvPr>
+        </p:nvPicPr>
+        <p:blipFill>
+          <a:blip r:embed="rId3"/>
+          <a:stretch>
+            <a:fillRect/>
+          </a:stretch>
+        </p:blipFill>
+        <p:spPr>
+          <a:xfrm>
+            <a:off x="2879794" y="1825625"/>
+            <a:ext cx="6432412" cy="4351338"/>
+          </a:xfrm>
+          <a:prstGeom prst="rect">
+            <a:avLst/>
+          </a:prstGeom>
+        </p:spPr>
+      </p:pic>
+    </p:spTree>
+    <p:extLst>
+      <p:ext uri="{BB962C8B-B14F-4D97-AF65-F5344CB8AC3E}">
+        <p14:creationId xmlns:p14="http://schemas.microsoft.com/office/powerpoint/2010/main" val="545550036"/>
+      </p:ext>
+    </p:extLst>
+  </p:cSld>
+  <p:clrMapOvr>
+    <a:masterClrMapping/>
+  </p:clrMapOvr>
+</p:sld>
+</file>
+
+<file path=ppt/slides/slide33.xml><?xml version="1.0" encoding="utf-8"?>
+<p:sld xmlns:a="http://schemas.openxmlformats.org/drawingml/2006/main" xmlns:r="http://schemas.openxmlformats.org/officeDocument/2006/relationships" xmlns:p="http://schemas.openxmlformats.org/presentationml/2006/main">
+  <p:cSld>
+    <p:bg>
+      <p:bgPr>
+        <a:solidFill>
+          <a:schemeClr val="bg1"/>
+        </a:solidFill>
+        <a:effectLst/>
+      </p:bgPr>
+    </p:bg>
+    <p:spTree>
+      <p:nvGrpSpPr>
+        <p:cNvPr id="1" name=""/>
+        <p:cNvGrpSpPr/>
+        <p:nvPr/>
+      </p:nvGrpSpPr>
+      <p:grpSpPr>
+        <a:xfrm>
+          <a:off x="0" y="0"/>
+          <a:ext cx="0" cy="0"/>
+          <a:chOff x="0" y="0"/>
+          <a:chExt cx="0" cy="0"/>
+        </a:xfrm>
+      </p:grpSpPr>
+      <p:sp useBgFill="1">
+        <p:nvSpPr>
+          <p:cNvPr id="10" name="Rectangle 9">
+            <a:extLst>
+              <a:ext uri="{FF2B5EF4-FFF2-40B4-BE49-F238E27FC236}">
+                <a16:creationId xmlns:a16="http://schemas.microsoft.com/office/drawing/2014/main" id="{53F29798-D584-4792-9B62-3F5F5C36D619}"/>
+              </a:ext>
+              <a:ext uri="{C183D7F6-B498-43B3-948B-1728B52AA6E4}">
+                <adec:decorative xmlns:adec="http://schemas.microsoft.com/office/drawing/2017/decorative" val="1"/>
+              </a:ext>
+            </a:extLst>
+          </p:cNvPr>
+          <p:cNvSpPr>
+            <a:spLocks noGrp="1" noRot="1" noChangeAspect="1" noMove="1" noResize="1" noEditPoints="1" noAdjustHandles="1" noChangeArrowheads="1" noChangeShapeType="1" noTextEdit="1"/>
+          </p:cNvSpPr>
+          <p:nvPr>
+            <p:extLst>
+              <p:ext uri="{386F3935-93C4-4BCD-93E2-E3B085C9AB24}">
+                <p16:designElem xmlns:p16="http://schemas.microsoft.com/office/powerpoint/2015/main" val="1"/>
+              </p:ext>
+            </p:extLst>
+          </p:nvPr>
+        </p:nvSpPr>
+        <p:spPr>
+          <a:xfrm>
+            <a:off x="0" y="0"/>
+            <a:ext cx="12188952" cy="6858000"/>
+          </a:xfrm>
+          <a:prstGeom prst="rect">
+            <a:avLst/>
+          </a:prstGeom>
+          <a:ln>
+            <a:noFill/>
+          </a:ln>
+        </p:spPr>
+        <p:style>
+          <a:lnRef idx="2">
+            <a:schemeClr val="accent1">
+              <a:shade val="50000"/>
+            </a:schemeClr>
+          </a:lnRef>
+          <a:fillRef idx="1">
+            <a:schemeClr val="accent1"/>
+          </a:fillRef>
+          <a:effectRef idx="0">
+            <a:schemeClr val="accent1"/>
+          </a:effectRef>
+          <a:fontRef idx="minor">
+            <a:schemeClr val="lt1"/>
+          </a:fontRef>
+        </p:style>
+        <p:txBody>
+          <a:bodyPr rtlCol="0" anchor="ctr"/>
+          <a:lstStyle/>
+          <a:p>
+            <a:pPr algn="ctr"/>
+            <a:endParaRPr lang="en-US"/>
+          </a:p>
+        </p:txBody>
+      </p:sp>
+      <p:sp>
+        <p:nvSpPr>
+          <p:cNvPr id="2" name="Title 1">
+            <a:extLst>
+              <a:ext uri="{FF2B5EF4-FFF2-40B4-BE49-F238E27FC236}">
                 <a16:creationId xmlns:a16="http://schemas.microsoft.com/office/drawing/2014/main" id="{9A04B085-1AF7-7CDF-6C5B-78B07CC33A69}"/>
               </a:ext>
             </a:extLst>
@@ -12537,13 +13246,27 @@
             <p:ph type="title"/>
           </p:nvPr>
         </p:nvSpPr>
-        <p:spPr/>
-        <p:txBody>
-          <a:bodyPr/>
-          <a:lstStyle/>
-          <a:p>
-            <a:r>
-              <a:rPr lang="en-IL" dirty="0"/>
+        <p:spPr>
+          <a:xfrm>
+            <a:off x="838200" y="184805"/>
+            <a:ext cx="10515600" cy="1505883"/>
+          </a:xfrm>
+        </p:spPr>
+        <p:txBody>
+          <a:bodyPr vert="horz" lIns="91440" tIns="45720" rIns="91440" bIns="45720" rtlCol="0" anchor="ctr">
+            <a:normAutofit/>
+          </a:bodyPr>
+          <a:lstStyle/>
+          <a:p>
+            <a:r>
+              <a:rPr lang="en-US" sz="5200" kern="1200">
+                <a:solidFill>
+                  <a:schemeClr val="tx1"/>
+                </a:solidFill>
+                <a:latin typeface="+mj-lt"/>
+                <a:ea typeface="+mj-ea"/>
+                <a:cs typeface="+mj-cs"/>
+              </a:rPr>
               <a:t>Threshold per regulon</a:t>
             </a:r>
           </a:p>
@@ -12551,10 +13274,10 @@
       </p:sp>
       <p:pic>
         <p:nvPicPr>
-          <p:cNvPr id="4" name="Picture 3">
+          <p:cNvPr id="5" name="Picture 4">
             <a:extLst>
               <a:ext uri="{FF2B5EF4-FFF2-40B4-BE49-F238E27FC236}">
-                <a16:creationId xmlns:a16="http://schemas.microsoft.com/office/drawing/2014/main" id="{71FAA013-D4D9-13C2-01C6-B746FDC9FBE0}"/>
+                <a16:creationId xmlns:a16="http://schemas.microsoft.com/office/drawing/2014/main" id="{A00F315F-0C9C-589A-F7E0-F97777FFCAA3}"/>
               </a:ext>
             </a:extLst>
           </p:cNvPr>
@@ -12571,8 +13294,8 @@
         </p:blipFill>
         <p:spPr>
           <a:xfrm>
-            <a:off x="1290230" y="1611559"/>
-            <a:ext cx="9611540" cy="4093050"/>
+            <a:off x="2241396" y="1845426"/>
+            <a:ext cx="7706155" cy="4450303"/>
           </a:xfrm>
           <a:prstGeom prst="rect">
             <a:avLst/>
@@ -12592,7 +13315,7 @@
 </p:sld>
 </file>
 
-<file path=ppt/slides/slide31.xml><?xml version="1.0" encoding="utf-8"?>
+<file path=ppt/slides/slide34.xml><?xml version="1.0" encoding="utf-8"?>
 <p:sld xmlns:a="http://schemas.openxmlformats.org/drawingml/2006/main" xmlns:r="http://schemas.openxmlformats.org/officeDocument/2006/relationships" xmlns:p="http://schemas.openxmlformats.org/presentationml/2006/main">
   <p:cSld>
     <p:spTree>
@@ -12725,7 +13448,7 @@
 </p:sld>
 </file>
 
-<file path=ppt/slides/slide32.xml><?xml version="1.0" encoding="utf-8"?>
+<file path=ppt/slides/slide35.xml><?xml version="1.0" encoding="utf-8"?>
 <p:sld xmlns:a="http://schemas.openxmlformats.org/drawingml/2006/main" xmlns:r="http://schemas.openxmlformats.org/officeDocument/2006/relationships" xmlns:p="http://schemas.openxmlformats.org/presentationml/2006/main">
   <p:cSld>
     <p:spTree>
@@ -12803,6 +13526,14 @@
             </a:r>
           </a:p>
           <a:p>
+            <a:r>
+              <a:rPr lang="en-US" dirty="0"/>
+              <a:t>S</a:t>
+            </a:r>
+            <a:r>
+              <a:rPr lang="en-IL"/>
+              <a:t>ee pySCENIC notebooks for code..</a:t>
+            </a:r>
             <a:endParaRPr lang="en-IL" dirty="0"/>
           </a:p>
           <a:p>
@@ -12817,6 +13548,111 @@
     <p:extLst>
       <p:ext uri="{BB962C8B-B14F-4D97-AF65-F5344CB8AC3E}">
         <p14:creationId xmlns:p14="http://schemas.microsoft.com/office/powerpoint/2010/main" val="1972883681"/>
+      </p:ext>
+    </p:extLst>
+  </p:cSld>
+  <p:clrMapOvr>
+    <a:masterClrMapping/>
+  </p:clrMapOvr>
+</p:sld>
+</file>
+
+<file path=ppt/slides/slide36.xml><?xml version="1.0" encoding="utf-8"?>
+<p:sld xmlns:a="http://schemas.openxmlformats.org/drawingml/2006/main" xmlns:r="http://schemas.openxmlformats.org/officeDocument/2006/relationships" xmlns:p="http://schemas.openxmlformats.org/presentationml/2006/main">
+  <p:cSld>
+    <p:spTree>
+      <p:nvGrpSpPr>
+        <p:cNvPr id="1" name=""/>
+        <p:cNvGrpSpPr/>
+        <p:nvPr/>
+      </p:nvGrpSpPr>
+      <p:grpSpPr>
+        <a:xfrm>
+          <a:off x="0" y="0"/>
+          <a:ext cx="0" cy="0"/>
+          <a:chOff x="0" y="0"/>
+          <a:chExt cx="0" cy="0"/>
+        </a:xfrm>
+      </p:grpSpPr>
+      <p:sp>
+        <p:nvSpPr>
+          <p:cNvPr id="2" name="Title 1">
+            <a:extLst>
+              <a:ext uri="{FF2B5EF4-FFF2-40B4-BE49-F238E27FC236}">
+                <a16:creationId xmlns:a16="http://schemas.microsoft.com/office/drawing/2014/main" id="{B3907180-7290-B912-9BEF-5F3BB9403601}"/>
+              </a:ext>
+            </a:extLst>
+          </p:cNvPr>
+          <p:cNvSpPr>
+            <a:spLocks noGrp="1"/>
+          </p:cNvSpPr>
+          <p:nvPr>
+            <p:ph type="title"/>
+          </p:nvPr>
+        </p:nvSpPr>
+        <p:spPr/>
+        <p:txBody>
+          <a:bodyPr/>
+          <a:lstStyle/>
+          <a:p>
+            <a:r>
+              <a:rPr lang="en-IL" dirty="0"/>
+              <a:t>Clustering based on Regulon Activity</a:t>
+            </a:r>
+          </a:p>
+        </p:txBody>
+      </p:sp>
+      <p:sp>
+        <p:nvSpPr>
+          <p:cNvPr id="3" name="Content Placeholder 2">
+            <a:extLst>
+              <a:ext uri="{FF2B5EF4-FFF2-40B4-BE49-F238E27FC236}">
+                <a16:creationId xmlns:a16="http://schemas.microsoft.com/office/drawing/2014/main" id="{A629BB2C-A232-D158-FF4A-5B4FE7F887CF}"/>
+              </a:ext>
+            </a:extLst>
+          </p:cNvPr>
+          <p:cNvSpPr>
+            <a:spLocks noGrp="1"/>
+          </p:cNvSpPr>
+          <p:nvPr>
+            <p:ph idx="1"/>
+          </p:nvPr>
+        </p:nvSpPr>
+        <p:spPr/>
+        <p:txBody>
+          <a:bodyPr/>
+          <a:lstStyle/>
+          <a:p>
+            <a:r>
+              <a:rPr lang="en-IL" dirty="0"/>
+              <a:t>AUCell is a dimentional reduction – number of discovered regulons is typically much lower than the number of genes </a:t>
+            </a:r>
+          </a:p>
+          <a:p>
+            <a:r>
+              <a:rPr lang="en-IL" dirty="0"/>
+              <a:t>Instead of reducing dimentionality vis PCA/t-SNE etc..</a:t>
+            </a:r>
+          </a:p>
+          <a:p>
+            <a:r>
+              <a:rPr lang="en-US" b="0" i="0" u="none" strike="noStrike" dirty="0">
+                <a:solidFill>
+                  <a:srgbClr val="222222"/>
+                </a:solidFill>
+                <a:effectLst/>
+                <a:latin typeface="Harding"/>
+              </a:rPr>
+              <a:t>Scope – a tool for interactive visualization </a:t>
+            </a:r>
+            <a:endParaRPr lang="en-IL" dirty="0"/>
+          </a:p>
+        </p:txBody>
+      </p:sp>
+    </p:spTree>
+    <p:extLst>
+      <p:ext uri="{BB962C8B-B14F-4D97-AF65-F5344CB8AC3E}">
+        <p14:creationId xmlns:p14="http://schemas.microsoft.com/office/powerpoint/2010/main" val="1567679452"/>
       </p:ext>
     </p:extLst>
   </p:cSld>

--- a/my_notes.pptx
+++ b/my_notes.pptx
@@ -4040,21 +4040,9 @@
           <a:bodyPr/>
           <a:lstStyle/>
           <a:p>
-            <a:pPr marL="0" algn="l" defTabSz="914400" rtl="0" eaLnBrk="1" latinLnBrk="0" hangingPunct="1"/>
             <a:r>
               <a:rPr lang="en-IL" dirty="0"/>
-              <a:t>(+) / (-) : activator / suppressor </a:t>
-            </a:r>
-          </a:p>
-          <a:p>
-            <a:pPr marL="0" algn="l" defTabSz="914400" rtl="0" eaLnBrk="1" latinLnBrk="0" hangingPunct="1"/>
-            <a:r>
-              <a:rPr lang="en-US" dirty="0"/>
-              <a:t>V</a:t>
-            </a:r>
-            <a:r>
-              <a:rPr lang="en-IL" dirty="0"/>
-              <a:t>alue: </a:t>
+              <a:t># TO DO -&gt; check if RNA-seq analysis (fold change) exists in validation</a:t>
             </a:r>
           </a:p>
         </p:txBody>
@@ -4076,7 +4064,7 @@
           <a:p>
             <a:fld id="{86AFD4FA-721D-0140-967B-1B04101EA7BE}" type="slidenum">
               <a:rPr lang="en-IL" smtClean="0"/>
-              <a:t>27</a:t>
+              <a:t>26</a:t>
             </a:fld>
             <a:endParaRPr lang="en-IL"/>
           </a:p>
@@ -4085,7 +4073,7 @@
     </p:spTree>
     <p:extLst>
       <p:ext uri="{BB962C8B-B14F-4D97-AF65-F5344CB8AC3E}">
-        <p14:creationId xmlns:p14="http://schemas.microsoft.com/office/powerpoint/2010/main" val="3669540211"/>
+        <p14:creationId xmlns:p14="http://schemas.microsoft.com/office/powerpoint/2010/main" val="4079525344"/>
       </p:ext>
     </p:extLst>
   </p:cSld>
@@ -4139,19 +4127,22 @@
           <a:bodyPr/>
           <a:lstStyle/>
           <a:p>
+            <a:pPr marL="0" algn="l" defTabSz="914400" rtl="0" eaLnBrk="1" latinLnBrk="0" hangingPunct="1"/>
+            <a:r>
+              <a:rPr lang="en-IL" dirty="0"/>
+              <a:t>(+) / (-) : activator / suppressor </a:t>
+            </a:r>
+          </a:p>
+          <a:p>
+            <a:pPr marL="0" algn="l" defTabSz="914400" rtl="0" eaLnBrk="1" latinLnBrk="0" hangingPunct="1"/>
             <a:r>
               <a:rPr lang="en-US" dirty="0"/>
-              <a:t>https://</a:t>
-            </a:r>
-            <a:r>
-              <a:rPr lang="en-US" dirty="0" err="1"/>
-              <a:t>www.nature.com</a:t>
-            </a:r>
-            <a:r>
-              <a:rPr lang="en-US" dirty="0"/>
-              <a:t>/articles/s41596-020-0336-2</a:t>
-            </a:r>
-            <a:endParaRPr lang="en-IL" dirty="0"/>
+              <a:t>V</a:t>
+            </a:r>
+            <a:r>
+              <a:rPr lang="en-IL" dirty="0"/>
+              <a:t>alue: </a:t>
+            </a:r>
           </a:p>
         </p:txBody>
       </p:sp>
@@ -4172,7 +4163,7 @@
           <a:p>
             <a:fld id="{86AFD4FA-721D-0140-967B-1B04101EA7BE}" type="slidenum">
               <a:rPr lang="en-IL" smtClean="0"/>
-              <a:t>28</a:t>
+              <a:t>27</a:t>
             </a:fld>
             <a:endParaRPr lang="en-IL"/>
           </a:p>
@@ -4181,7 +4172,7 @@
     </p:spTree>
     <p:extLst>
       <p:ext uri="{BB962C8B-B14F-4D97-AF65-F5344CB8AC3E}">
-        <p14:creationId xmlns:p14="http://schemas.microsoft.com/office/powerpoint/2010/main" val="2273289122"/>
+        <p14:creationId xmlns:p14="http://schemas.microsoft.com/office/powerpoint/2010/main" val="3669540211"/>
       </p:ext>
     </p:extLst>
   </p:cSld>
@@ -4235,22 +4226,19 @@
           <a:bodyPr/>
           <a:lstStyle/>
           <a:p>
-            <a:pPr marL="0" algn="l" defTabSz="914400" rtl="0" eaLnBrk="1" latinLnBrk="0" hangingPunct="1"/>
-            <a:r>
-              <a:rPr lang="en-IL" dirty="0"/>
-              <a:t>(+) / (-) : activator / suppressor </a:t>
-            </a:r>
-          </a:p>
-          <a:p>
-            <a:pPr marL="0" algn="l" defTabSz="914400" rtl="0" eaLnBrk="1" latinLnBrk="0" hangingPunct="1"/>
             <a:r>
               <a:rPr lang="en-US" dirty="0"/>
-              <a:t>V</a:t>
-            </a:r>
-            <a:r>
-              <a:rPr lang="en-IL" dirty="0"/>
-              <a:t>alue: </a:t>
-            </a:r>
+              <a:t>https://</a:t>
+            </a:r>
+            <a:r>
+              <a:rPr lang="en-US" dirty="0" err="1"/>
+              <a:t>www.nature.com</a:t>
+            </a:r>
+            <a:r>
+              <a:rPr lang="en-US" dirty="0"/>
+              <a:t>/articles/s41596-020-0336-2</a:t>
+            </a:r>
+            <a:endParaRPr lang="en-IL" dirty="0"/>
           </a:p>
         </p:txBody>
       </p:sp>
@@ -4271,7 +4259,7 @@
           <a:p>
             <a:fld id="{86AFD4FA-721D-0140-967B-1B04101EA7BE}" type="slidenum">
               <a:rPr lang="en-IL" smtClean="0"/>
-              <a:t>31</a:t>
+              <a:t>28</a:t>
             </a:fld>
             <a:endParaRPr lang="en-IL"/>
           </a:p>
@@ -4280,7 +4268,7 @@
     </p:spTree>
     <p:extLst>
       <p:ext uri="{BB962C8B-B14F-4D97-AF65-F5344CB8AC3E}">
-        <p14:creationId xmlns:p14="http://schemas.microsoft.com/office/powerpoint/2010/main" val="915191090"/>
+        <p14:creationId xmlns:p14="http://schemas.microsoft.com/office/powerpoint/2010/main" val="2273289122"/>
       </p:ext>
     </p:extLst>
   </p:cSld>
@@ -4419,37 +4407,22 @@
           <a:bodyPr/>
           <a:lstStyle/>
           <a:p>
+            <a:pPr marL="0" algn="l" defTabSz="914400" rtl="0" eaLnBrk="1" latinLnBrk="0" hangingPunct="1"/>
+            <a:r>
+              <a:rPr lang="en-IL" dirty="0"/>
+              <a:t>(+) / (-) : activator / suppressor </a:t>
+            </a:r>
+          </a:p>
+          <a:p>
+            <a:pPr marL="0" algn="l" defTabSz="914400" rtl="0" eaLnBrk="1" latinLnBrk="0" hangingPunct="1"/>
             <a:r>
               <a:rPr lang="en-US" dirty="0"/>
-              <a:t>https://</a:t>
-            </a:r>
-            <a:r>
-              <a:rPr lang="en-US" dirty="0" err="1"/>
-              <a:t>pyscenic.readthedocs.io</a:t>
-            </a:r>
-            <a:r>
-              <a:rPr lang="en-US" dirty="0"/>
-              <a:t>/</a:t>
-            </a:r>
-            <a:r>
-              <a:rPr lang="en-US" dirty="0" err="1"/>
-              <a:t>en</a:t>
-            </a:r>
-            <a:r>
-              <a:rPr lang="en-US" dirty="0"/>
-              <a:t>/stable/</a:t>
-            </a:r>
-            <a:r>
-              <a:rPr lang="en-US" dirty="0" err="1"/>
-              <a:t>faq.html</a:t>
-            </a:r>
-            <a:endParaRPr lang="en-US" dirty="0"/>
-          </a:p>
-          <a:p>
-            <a:endParaRPr lang="en-US" dirty="0"/>
-          </a:p>
-          <a:p>
-            <a:endParaRPr lang="en-IL" dirty="0"/>
+              <a:t>V</a:t>
+            </a:r>
+            <a:r>
+              <a:rPr lang="en-IL" dirty="0"/>
+              <a:t>alue: </a:t>
+            </a:r>
           </a:p>
         </p:txBody>
       </p:sp>
@@ -4470,7 +4443,7 @@
           <a:p>
             <a:fld id="{86AFD4FA-721D-0140-967B-1B04101EA7BE}" type="slidenum">
               <a:rPr lang="en-IL" smtClean="0"/>
-              <a:t>32</a:t>
+              <a:t>31</a:t>
             </a:fld>
             <a:endParaRPr lang="en-IL"/>
           </a:p>
@@ -4479,7 +4452,7 @@
     </p:spTree>
     <p:extLst>
       <p:ext uri="{BB962C8B-B14F-4D97-AF65-F5344CB8AC3E}">
-        <p14:creationId xmlns:p14="http://schemas.microsoft.com/office/powerpoint/2010/main" val="156342503"/>
+        <p14:creationId xmlns:p14="http://schemas.microsoft.com/office/powerpoint/2010/main" val="915191090"/>
       </p:ext>
     </p:extLst>
   </p:cSld>
@@ -4533,6 +4506,120 @@
           <a:bodyPr/>
           <a:lstStyle/>
           <a:p>
+            <a:r>
+              <a:rPr lang="en-US" dirty="0"/>
+              <a:t>https://</a:t>
+            </a:r>
+            <a:r>
+              <a:rPr lang="en-US" dirty="0" err="1"/>
+              <a:t>pyscenic.readthedocs.io</a:t>
+            </a:r>
+            <a:r>
+              <a:rPr lang="en-US" dirty="0"/>
+              <a:t>/</a:t>
+            </a:r>
+            <a:r>
+              <a:rPr lang="en-US" dirty="0" err="1"/>
+              <a:t>en</a:t>
+            </a:r>
+            <a:r>
+              <a:rPr lang="en-US" dirty="0"/>
+              <a:t>/stable/</a:t>
+            </a:r>
+            <a:r>
+              <a:rPr lang="en-US" dirty="0" err="1"/>
+              <a:t>faq.html</a:t>
+            </a:r>
+            <a:endParaRPr lang="en-US" dirty="0"/>
+          </a:p>
+          <a:p>
+            <a:endParaRPr lang="en-US" dirty="0"/>
+          </a:p>
+          <a:p>
+            <a:endParaRPr lang="en-IL" dirty="0"/>
+          </a:p>
+        </p:txBody>
+      </p:sp>
+      <p:sp>
+        <p:nvSpPr>
+          <p:cNvPr id="4" name="Slide Number Placeholder 3"/>
+          <p:cNvSpPr>
+            <a:spLocks noGrp="1"/>
+          </p:cNvSpPr>
+          <p:nvPr>
+            <p:ph type="sldNum" sz="quarter" idx="5"/>
+          </p:nvPr>
+        </p:nvSpPr>
+        <p:spPr/>
+        <p:txBody>
+          <a:bodyPr/>
+          <a:lstStyle/>
+          <a:p>
+            <a:fld id="{86AFD4FA-721D-0140-967B-1B04101EA7BE}" type="slidenum">
+              <a:rPr lang="en-IL" smtClean="0"/>
+              <a:t>32</a:t>
+            </a:fld>
+            <a:endParaRPr lang="en-IL"/>
+          </a:p>
+        </p:txBody>
+      </p:sp>
+    </p:spTree>
+    <p:extLst>
+      <p:ext uri="{BB962C8B-B14F-4D97-AF65-F5344CB8AC3E}">
+        <p14:creationId xmlns:p14="http://schemas.microsoft.com/office/powerpoint/2010/main" val="156342503"/>
+      </p:ext>
+    </p:extLst>
+  </p:cSld>
+  <p:clrMapOvr>
+    <a:masterClrMapping/>
+  </p:clrMapOvr>
+</p:notes>
+</file>
+
+<file path=ppt/notesSlides/notesSlide22.xml><?xml version="1.0" encoding="utf-8"?>
+<p:notes xmlns:a="http://schemas.openxmlformats.org/drawingml/2006/main" xmlns:r="http://schemas.openxmlformats.org/officeDocument/2006/relationships" xmlns:p="http://schemas.openxmlformats.org/presentationml/2006/main">
+  <p:cSld>
+    <p:spTree>
+      <p:nvGrpSpPr>
+        <p:cNvPr id="1" name=""/>
+        <p:cNvGrpSpPr/>
+        <p:nvPr/>
+      </p:nvGrpSpPr>
+      <p:grpSpPr>
+        <a:xfrm>
+          <a:off x="0" y="0"/>
+          <a:ext cx="0" cy="0"/>
+          <a:chOff x="0" y="0"/>
+          <a:chExt cx="0" cy="0"/>
+        </a:xfrm>
+      </p:grpSpPr>
+      <p:sp>
+        <p:nvSpPr>
+          <p:cNvPr id="2" name="Slide Image Placeholder 1"/>
+          <p:cNvSpPr>
+            <a:spLocks noGrp="1" noRot="1" noChangeAspect="1"/>
+          </p:cNvSpPr>
+          <p:nvPr>
+            <p:ph type="sldImg"/>
+          </p:nvPr>
+        </p:nvSpPr>
+        <p:spPr/>
+      </p:sp>
+      <p:sp>
+        <p:nvSpPr>
+          <p:cNvPr id="3" name="Notes Placeholder 2"/>
+          <p:cNvSpPr>
+            <a:spLocks noGrp="1"/>
+          </p:cNvSpPr>
+          <p:nvPr>
+            <p:ph type="body" idx="1"/>
+          </p:nvPr>
+        </p:nvSpPr>
+        <p:spPr/>
+        <p:txBody>
+          <a:bodyPr/>
+          <a:lstStyle/>
+          <a:p>
             <a:pPr marL="0" algn="l" defTabSz="914400" rtl="1" eaLnBrk="1" latinLnBrk="0" hangingPunct="1"/>
             <a:r>
               <a:rPr lang="en-US" dirty="0"/>
@@ -4635,6 +4722,90 @@
     <p:extLst>
       <p:ext uri="{BB962C8B-B14F-4D97-AF65-F5344CB8AC3E}">
         <p14:creationId xmlns:p14="http://schemas.microsoft.com/office/powerpoint/2010/main" val="3234677798"/>
+      </p:ext>
+    </p:extLst>
+  </p:cSld>
+  <p:clrMapOvr>
+    <a:masterClrMapping/>
+  </p:clrMapOvr>
+</p:notes>
+</file>
+
+<file path=ppt/notesSlides/notesSlide23.xml><?xml version="1.0" encoding="utf-8"?>
+<p:notes xmlns:a="http://schemas.openxmlformats.org/drawingml/2006/main" xmlns:r="http://schemas.openxmlformats.org/officeDocument/2006/relationships" xmlns:p="http://schemas.openxmlformats.org/presentationml/2006/main">
+  <p:cSld>
+    <p:spTree>
+      <p:nvGrpSpPr>
+        <p:cNvPr id="1" name=""/>
+        <p:cNvGrpSpPr/>
+        <p:nvPr/>
+      </p:nvGrpSpPr>
+      <p:grpSpPr>
+        <a:xfrm>
+          <a:off x="0" y="0"/>
+          <a:ext cx="0" cy="0"/>
+          <a:chOff x="0" y="0"/>
+          <a:chExt cx="0" cy="0"/>
+        </a:xfrm>
+      </p:grpSpPr>
+      <p:sp>
+        <p:nvSpPr>
+          <p:cNvPr id="2" name="Slide Image Placeholder 1"/>
+          <p:cNvSpPr>
+            <a:spLocks noGrp="1" noRot="1" noChangeAspect="1"/>
+          </p:cNvSpPr>
+          <p:nvPr>
+            <p:ph type="sldImg"/>
+          </p:nvPr>
+        </p:nvSpPr>
+        <p:spPr/>
+      </p:sp>
+      <p:sp>
+        <p:nvSpPr>
+          <p:cNvPr id="3" name="Notes Placeholder 2"/>
+          <p:cNvSpPr>
+            <a:spLocks noGrp="1"/>
+          </p:cNvSpPr>
+          <p:nvPr>
+            <p:ph type="body" idx="1"/>
+          </p:nvPr>
+        </p:nvSpPr>
+        <p:spPr/>
+        <p:txBody>
+          <a:bodyPr/>
+          <a:lstStyle/>
+          <a:p>
+            <a:endParaRPr lang="en-IL" dirty="0"/>
+          </a:p>
+        </p:txBody>
+      </p:sp>
+      <p:sp>
+        <p:nvSpPr>
+          <p:cNvPr id="4" name="Slide Number Placeholder 3"/>
+          <p:cNvSpPr>
+            <a:spLocks noGrp="1"/>
+          </p:cNvSpPr>
+          <p:nvPr>
+            <p:ph type="sldNum" sz="quarter" idx="5"/>
+          </p:nvPr>
+        </p:nvSpPr>
+        <p:spPr/>
+        <p:txBody>
+          <a:bodyPr/>
+          <a:lstStyle/>
+          <a:p>
+            <a:fld id="{86AFD4FA-721D-0140-967B-1B04101EA7BE}" type="slidenum">
+              <a:rPr lang="en-IL" smtClean="0"/>
+              <a:t>36</a:t>
+            </a:fld>
+            <a:endParaRPr lang="en-IL"/>
+          </a:p>
+        </p:txBody>
+      </p:sp>
+    </p:spTree>
+    <p:extLst>
+      <p:ext uri="{BB962C8B-B14F-4D97-AF65-F5344CB8AC3E}">
+        <p14:creationId xmlns:p14="http://schemas.microsoft.com/office/powerpoint/2010/main" val="2487389734"/>
       </p:ext>
     </p:extLst>
   </p:cSld>
@@ -13531,10 +13702,9 @@
               <a:t>S</a:t>
             </a:r>
             <a:r>
-              <a:rPr lang="en-IL"/>
+              <a:rPr lang="en-IL" dirty="0"/>
               <a:t>ee pySCENIC notebooks for code..</a:t>
             </a:r>
-            <a:endParaRPr lang="en-IL" dirty="0"/>
           </a:p>
           <a:p>
             <a:pPr marL="0" indent="0">

--- a/my_notes.pptx
+++ b/my_notes.pptx
@@ -2751,7 +2751,7 @@
           <a:p>
             <a:fld id="{388B1555-F4E9-5F41-9F32-9C0D89BD75B5}" type="datetimeFigureOut">
               <a:rPr lang="en-IL" smtClean="0"/>
-              <a:t>21/04/2023</a:t>
+              <a:t>22/05/2023</a:t>
             </a:fld>
             <a:endParaRPr lang="en-IL"/>
           </a:p>
@@ -3063,7 +3063,10 @@
           <a:bodyPr/>
           <a:lstStyle/>
           <a:p>
-            <a:endParaRPr lang="en-IL" dirty="0"/>
+            <a:r>
+              <a:rPr lang="en-IL" dirty="0"/>
+              <a:t>TO DO -&gt; create a simplified verseion</a:t>
+            </a:r>
           </a:p>
         </p:txBody>
       </p:sp>
@@ -3147,6 +3150,119 @@
           <a:bodyPr/>
           <a:lstStyle/>
           <a:p>
+            <a:r>
+              <a:rPr lang="en-IL" dirty="0"/>
+              <a:t>Is there a difference between regulons and modules?</a:t>
+            </a:r>
+          </a:p>
+          <a:p>
+            <a:r>
+              <a:rPr lang="en-US" dirty="0"/>
+              <a:t>C</a:t>
+            </a:r>
+            <a:r>
+              <a:rPr lang="en-IL" dirty="0"/>
+              <a:t>orrelation:</a:t>
+            </a:r>
+            <a:r>
+              <a:rPr lang="en-IL" sz="1200" dirty="0"/>
+              <a:t> Pearson product-moment correlation coeficient. Low threshold to avoid exessive filtering. </a:t>
+            </a:r>
+            <a:endParaRPr lang="en-IL" dirty="0"/>
+          </a:p>
+          <a:p>
+            <a:endParaRPr lang="en-IL" dirty="0"/>
+          </a:p>
+          <a:p>
+            <a:pPr marL="171450" indent="-171450">
+              <a:buFont typeface="Arial" panose="020B0604020202020204" pitchFamily="34" charset="0"/>
+              <a:buChar char="•"/>
+            </a:pPr>
+            <a:r>
+              <a:rPr lang="en-US" b="0" i="0" u="none" strike="noStrike" dirty="0">
+                <a:solidFill>
+                  <a:srgbClr val="222222"/>
+                </a:solidFill>
+                <a:effectLst/>
+                <a:latin typeface="Harding"/>
+              </a:rPr>
+              <a:t>By default, only positively correlated modules are used in the subsequent steps because these negatively correlated modules are less numerous, their regulatory interaction weights are lower and the resulting regulons show overall less motif enrichment. (https://</a:t>
+            </a:r>
+            <a:r>
+              <a:rPr lang="en-US" b="0" i="0" u="none" strike="noStrike" dirty="0" err="1">
+                <a:solidFill>
+                  <a:srgbClr val="222222"/>
+                </a:solidFill>
+                <a:effectLst/>
+                <a:latin typeface="Harding"/>
+              </a:rPr>
+              <a:t>www.nature.com</a:t>
+            </a:r>
+            <a:r>
+              <a:rPr lang="en-US" b="0" i="0" u="none" strike="noStrike" dirty="0">
+                <a:solidFill>
+                  <a:srgbClr val="222222"/>
+                </a:solidFill>
+                <a:effectLst/>
+                <a:latin typeface="Harding"/>
+              </a:rPr>
+              <a:t>/articles/s41596-020-0336-2, module generation, step 6)</a:t>
+            </a:r>
+          </a:p>
+          <a:p>
+            <a:pPr marL="171450" indent="-171450">
+              <a:buFont typeface="Arial" panose="020B0604020202020204" pitchFamily="34" charset="0"/>
+              <a:buChar char="•"/>
+            </a:pPr>
+            <a:endParaRPr lang="en-US" b="0" i="0" u="none" strike="noStrike" dirty="0">
+              <a:solidFill>
+                <a:srgbClr val="222222"/>
+              </a:solidFill>
+              <a:effectLst/>
+              <a:latin typeface="Harding"/>
+            </a:endParaRPr>
+          </a:p>
+          <a:p>
+            <a:pPr marL="171450" indent="-171450">
+              <a:buFont typeface="Arial" panose="020B0604020202020204" pitchFamily="34" charset="0"/>
+              <a:buChar char="•"/>
+            </a:pPr>
+            <a:r>
+              <a:rPr lang="en-US" b="0" i="0" u="none" strike="noStrike" dirty="0">
+                <a:solidFill>
+                  <a:srgbClr val="222222"/>
+                </a:solidFill>
+                <a:effectLst/>
+                <a:latin typeface="Harding"/>
+              </a:rPr>
+              <a:t>correlation coefficient is calculated using the entire expression matrix</a:t>
+            </a:r>
+            <a:r>
+              <a:rPr lang="en-US" b="1" i="0" u="none" strike="noStrike" dirty="0">
+                <a:solidFill>
+                  <a:srgbClr val="222222"/>
+                </a:solidFill>
+                <a:effectLst/>
+                <a:latin typeface="Harding"/>
+              </a:rPr>
+              <a:t>, including dropouts</a:t>
+            </a:r>
+            <a:r>
+              <a:rPr lang="en-US" b="0" i="0" u="none" strike="noStrike" dirty="0">
+                <a:solidFill>
+                  <a:srgbClr val="222222"/>
+                </a:solidFill>
+                <a:effectLst/>
+                <a:latin typeface="Harding"/>
+              </a:rPr>
+              <a:t>. This avoids situations in which the correlation coefficient is determined by a small subset of cells with positive expression in the two genes being assessed. However, it is also possible to mask the cells that are involved in a dropout event for any of the two genes.</a:t>
+            </a:r>
+            <a:endParaRPr lang="en-IL" dirty="0"/>
+          </a:p>
+          <a:p>
+            <a:endParaRPr lang="en-IL" dirty="0"/>
+          </a:p>
+          <a:p>
             <a:endParaRPr lang="en-IL" dirty="0"/>
           </a:p>
         </p:txBody>
@@ -3168,7 +3284,7 @@
           <a:p>
             <a:fld id="{86AFD4FA-721D-0140-967B-1B04101EA7BE}" type="slidenum">
               <a:rPr lang="en-IL" smtClean="0"/>
-              <a:t>14</a:t>
+              <a:t>13</a:t>
             </a:fld>
             <a:endParaRPr lang="en-IL"/>
           </a:p>
@@ -3177,7 +3293,7 @@
     </p:spTree>
     <p:extLst>
       <p:ext uri="{BB962C8B-B14F-4D97-AF65-F5344CB8AC3E}">
-        <p14:creationId xmlns:p14="http://schemas.microsoft.com/office/powerpoint/2010/main" val="971656060"/>
+        <p14:creationId xmlns:p14="http://schemas.microsoft.com/office/powerpoint/2010/main" val="1119978345"/>
       </p:ext>
     </p:extLst>
   </p:cSld>
@@ -3231,42 +3347,7 @@
           <a:bodyPr/>
           <a:lstStyle/>
           <a:p>
-            <a:r>
-              <a:rPr lang="en-IL" dirty="0"/>
-              <a:t>Genome rankings are pre-computed for all motifs in our collection that are linked to a known TF.</a:t>
-            </a:r>
-          </a:p>
-          <a:p>
             <a:endParaRPr lang="en-IL" dirty="0"/>
-          </a:p>
-          <a:p>
-            <a:r>
-              <a:rPr lang="en-US" dirty="0"/>
-              <a:t>https://</a:t>
-            </a:r>
-            <a:r>
-              <a:rPr lang="en-US" dirty="0" err="1"/>
-              <a:t>www.ncbi.nlm.nih.gov</a:t>
-            </a:r>
-            <a:r>
-              <a:rPr lang="en-US" dirty="0"/>
-              <a:t>/</a:t>
-            </a:r>
-            <a:r>
-              <a:rPr lang="en-US" dirty="0" err="1"/>
-              <a:t>pmc</a:t>
-            </a:r>
-            <a:r>
-              <a:rPr lang="en-US" dirty="0"/>
-              <a:t>/articles/PMC2910651/</a:t>
-            </a:r>
-            <a:endParaRPr lang="en-IL" dirty="0"/>
-          </a:p>
-          <a:p>
-            <a:r>
-              <a:rPr lang="en-IL" dirty="0"/>
-              <a:t> </a:t>
-            </a:r>
           </a:p>
         </p:txBody>
       </p:sp>
@@ -3287,7 +3368,7 @@
           <a:p>
             <a:fld id="{86AFD4FA-721D-0140-967B-1B04101EA7BE}" type="slidenum">
               <a:rPr lang="en-IL" smtClean="0"/>
-              <a:t>16</a:t>
+              <a:t>14</a:t>
             </a:fld>
             <a:endParaRPr lang="en-IL"/>
           </a:p>
@@ -3296,7 +3377,7 @@
     </p:spTree>
     <p:extLst>
       <p:ext uri="{BB962C8B-B14F-4D97-AF65-F5344CB8AC3E}">
-        <p14:creationId xmlns:p14="http://schemas.microsoft.com/office/powerpoint/2010/main" val="2057926619"/>
+        <p14:creationId xmlns:p14="http://schemas.microsoft.com/office/powerpoint/2010/main" val="971656060"/>
       </p:ext>
     </p:extLst>
   </p:cSld>
@@ -3406,7 +3487,7 @@
           <a:p>
             <a:fld id="{86AFD4FA-721D-0140-967B-1B04101EA7BE}" type="slidenum">
               <a:rPr lang="en-IL" smtClean="0"/>
-              <a:t>17</a:t>
+              <a:t>16</a:t>
             </a:fld>
             <a:endParaRPr lang="en-IL"/>
           </a:p>
@@ -3415,7 +3496,7 @@
     </p:spTree>
     <p:extLst>
       <p:ext uri="{BB962C8B-B14F-4D97-AF65-F5344CB8AC3E}">
-        <p14:creationId xmlns:p14="http://schemas.microsoft.com/office/powerpoint/2010/main" val="802723121"/>
+        <p14:creationId xmlns:p14="http://schemas.microsoft.com/office/powerpoint/2010/main" val="2057926619"/>
       </p:ext>
     </p:extLst>
   </p:cSld>
@@ -3470,13 +3551,14 @@
           <a:lstStyle/>
           <a:p>
             <a:r>
-              <a:rPr lang="en-US" dirty="0"/>
-              <a:t>C</a:t>
-            </a:r>
-            <a:r>
               <a:rPr lang="en-IL" dirty="0"/>
-              <a:t>luster-Buster </a:t>
-            </a:r>
+              <a:t>Genome rankings are pre-computed for all motifs in our collection that are linked to a known TF.</a:t>
+            </a:r>
+          </a:p>
+          <a:p>
+            <a:endParaRPr lang="en-IL" dirty="0"/>
+          </a:p>
+          <a:p>
             <a:r>
               <a:rPr lang="en-US" dirty="0"/>
               <a:t>https://</a:t>
@@ -3495,56 +3577,23 @@
             </a:r>
             <a:r>
               <a:rPr lang="en-US" dirty="0"/>
-              <a:t>/articles/PMC168947/ </a:t>
-            </a:r>
-          </a:p>
-          <a:p>
+              <a:t>/articles/PMC2910651/</a:t>
+            </a:r>
             <a:endParaRPr lang="en-IL" dirty="0"/>
           </a:p>
           <a:p>
-            <a:endParaRPr lang="en-IL" dirty="0"/>
-          </a:p>
-          <a:p>
-            <a:r>
-              <a:rPr lang="en-US" b="0" i="1" u="none" strike="noStrike" dirty="0">
-                <a:solidFill>
-                  <a:srgbClr val="4D5156"/>
-                </a:solidFill>
-                <a:effectLst/>
-                <a:latin typeface="Google Sans"/>
-              </a:rPr>
-              <a:t>Cis-regulatory modules (CRMs) - </a:t>
-            </a:r>
-            <a:r>
-              <a:rPr lang="en-US" b="0" i="0" u="none" strike="noStrike" dirty="0">
-                <a:solidFill>
-                  <a:srgbClr val="4D5156"/>
-                </a:solidFill>
-                <a:effectLst/>
-                <a:latin typeface="Google Sans"/>
-              </a:rPr>
-              <a:t> </a:t>
-            </a:r>
-            <a:r>
-              <a:rPr lang="en-US" b="0" i="0" u="none" strike="noStrike" dirty="0">
-                <a:solidFill>
-                  <a:srgbClr val="040C28"/>
-                </a:solidFill>
-                <a:effectLst/>
-                <a:latin typeface="Google Sans"/>
-              </a:rPr>
-              <a:t>DNA sequence elements that have transcriptional regulatory activity</a:t>
-            </a:r>
-            <a:r>
-              <a:rPr lang="en-US" b="0" i="0" u="none" strike="noStrike" dirty="0">
-                <a:solidFill>
-                  <a:srgbClr val="4D5156"/>
-                </a:solidFill>
-                <a:effectLst/>
-                <a:latin typeface="Google Sans"/>
-              </a:rPr>
-              <a:t>. (promoters, enhancers, silencers)</a:t>
-            </a:r>
+            <a:r>
+              <a:rPr lang="en-IL" dirty="0"/>
+              <a:t> </a:t>
+            </a:r>
+          </a:p>
+          <a:p>
+            <a:r>
+              <a:rPr lang="en-IL" dirty="0"/>
+              <a:t>*each TF may have multiple motifs! </a:t>
+            </a:r>
+          </a:p>
+          <a:p>
             <a:endParaRPr lang="en-IL" dirty="0"/>
           </a:p>
         </p:txBody>
@@ -3566,7 +3615,7 @@
           <a:p>
             <a:fld id="{86AFD4FA-721D-0140-967B-1B04101EA7BE}" type="slidenum">
               <a:rPr lang="en-IL" smtClean="0"/>
-              <a:t>18</a:t>
+              <a:t>17</a:t>
             </a:fld>
             <a:endParaRPr lang="en-IL"/>
           </a:p>
@@ -3575,7 +3624,7 @@
     </p:spTree>
     <p:extLst>
       <p:ext uri="{BB962C8B-B14F-4D97-AF65-F5344CB8AC3E}">
-        <p14:creationId xmlns:p14="http://schemas.microsoft.com/office/powerpoint/2010/main" val="2692109332"/>
+        <p14:creationId xmlns:p14="http://schemas.microsoft.com/office/powerpoint/2010/main" val="802723121"/>
       </p:ext>
     </p:extLst>
   </p:cSld>
@@ -3630,22 +3679,82 @@
           <a:lstStyle/>
           <a:p>
             <a:r>
+              <a:rPr lang="en-US" dirty="0"/>
+              <a:t>C</a:t>
+            </a:r>
+            <a:r>
               <a:rPr lang="en-IL" dirty="0"/>
-              <a:t>Leading edge: </a:t>
+              <a:t>luster-Buster </a:t>
+            </a:r>
+            <a:r>
+              <a:rPr lang="en-US" dirty="0"/>
+              <a:t>https://</a:t>
+            </a:r>
+            <a:r>
+              <a:rPr lang="en-US" dirty="0" err="1"/>
+              <a:t>www.ncbi.nlm.nih.gov</a:t>
+            </a:r>
+            <a:r>
+              <a:rPr lang="en-US" dirty="0"/>
+              <a:t>/</a:t>
+            </a:r>
+            <a:r>
+              <a:rPr lang="en-US" dirty="0" err="1"/>
+              <a:t>pmc</a:t>
+            </a:r>
+            <a:r>
+              <a:rPr lang="en-US" dirty="0"/>
+              <a:t>/articles/PMC168947/ </a:t>
             </a:r>
           </a:p>
           <a:p>
             <a:endParaRPr lang="en-IL" dirty="0"/>
           </a:p>
           <a:p>
-            <a:r>
-              <a:rPr lang="en-US" dirty="0"/>
-              <a:t>M</a:t>
-            </a:r>
-            <a:r>
-              <a:rPr lang="en-IL" dirty="0"/>
-              <a:t>ethods part of the first SCENIC paper</a:t>
-            </a:r>
+            <a:endParaRPr lang="en-IL" dirty="0"/>
+          </a:p>
+          <a:p>
+            <a:r>
+              <a:rPr lang="en-US" b="0" i="1" u="none" strike="noStrike" dirty="0">
+                <a:solidFill>
+                  <a:srgbClr val="4D5156"/>
+                </a:solidFill>
+                <a:effectLst/>
+                <a:latin typeface="Google Sans"/>
+              </a:rPr>
+              <a:t>Cis-regulatory modules (CRMs) - </a:t>
+            </a:r>
+            <a:r>
+              <a:rPr lang="en-US" b="0" i="0" u="none" strike="noStrike" dirty="0">
+                <a:solidFill>
+                  <a:srgbClr val="4D5156"/>
+                </a:solidFill>
+                <a:effectLst/>
+                <a:latin typeface="Google Sans"/>
+              </a:rPr>
+              <a:t> </a:t>
+            </a:r>
+            <a:r>
+              <a:rPr lang="en-US" b="0" i="0" u="none" strike="noStrike" dirty="0">
+                <a:solidFill>
+                  <a:srgbClr val="040C28"/>
+                </a:solidFill>
+                <a:effectLst/>
+                <a:latin typeface="Google Sans"/>
+              </a:rPr>
+              <a:t>DNA sequence elements that have transcriptional regulatory activity</a:t>
+            </a:r>
+            <a:r>
+              <a:rPr lang="en-US" b="0" i="0" u="none" strike="noStrike" dirty="0">
+                <a:solidFill>
+                  <a:srgbClr val="4D5156"/>
+                </a:solidFill>
+                <a:effectLst/>
+                <a:latin typeface="Google Sans"/>
+              </a:rPr>
+              <a:t>. (promoters, enhancers, silencers)</a:t>
+            </a:r>
+            <a:endParaRPr lang="en-IL" dirty="0"/>
           </a:p>
         </p:txBody>
       </p:sp>
@@ -3666,7 +3775,7 @@
           <a:p>
             <a:fld id="{86AFD4FA-721D-0140-967B-1B04101EA7BE}" type="slidenum">
               <a:rPr lang="en-IL" smtClean="0"/>
-              <a:t>20</a:t>
+              <a:t>18</a:t>
             </a:fld>
             <a:endParaRPr lang="en-IL"/>
           </a:p>
@@ -3675,7 +3784,7 @@
     </p:spTree>
     <p:extLst>
       <p:ext uri="{BB962C8B-B14F-4D97-AF65-F5344CB8AC3E}">
-        <p14:creationId xmlns:p14="http://schemas.microsoft.com/office/powerpoint/2010/main" val="2811168132"/>
+        <p14:creationId xmlns:p14="http://schemas.microsoft.com/office/powerpoint/2010/main" val="2692109332"/>
       </p:ext>
     </p:extLst>
   </p:cSld>
@@ -3730,42 +3839,22 @@
           <a:lstStyle/>
           <a:p>
             <a:r>
+              <a:rPr lang="en-IL" dirty="0"/>
+              <a:t>Leading edge: </a:t>
+            </a:r>
+          </a:p>
+          <a:p>
+            <a:endParaRPr lang="en-IL" dirty="0"/>
+          </a:p>
+          <a:p>
+            <a:r>
               <a:rPr lang="en-US" dirty="0"/>
-              <a:t>https://</a:t>
-            </a:r>
-            <a:r>
-              <a:rPr lang="en-US" dirty="0" err="1"/>
-              <a:t>journals.plos.org</a:t>
-            </a:r>
-            <a:r>
-              <a:rPr lang="en-US" dirty="0"/>
-              <a:t>/</a:t>
-            </a:r>
-            <a:r>
-              <a:rPr lang="en-US" dirty="0" err="1"/>
-              <a:t>ploscompbiol</a:t>
-            </a:r>
-            <a:r>
-              <a:rPr lang="en-US" dirty="0"/>
-              <a:t>/</a:t>
-            </a:r>
-            <a:r>
-              <a:rPr lang="en-US" dirty="0" err="1"/>
-              <a:t>article?id</a:t>
-            </a:r>
-            <a:r>
-              <a:rPr lang="en-US" dirty="0"/>
-              <a:t>=10.1371/journal.pcbi.1003731 </a:t>
-            </a:r>
-          </a:p>
-          <a:p>
-            <a:r>
-              <a:rPr lang="en-US" dirty="0"/>
-              <a:t>I am not sure weather this step is done in between ranking and recovery! </a:t>
-            </a:r>
-          </a:p>
-          <a:p>
-            <a:endParaRPr lang="en-IL" dirty="0"/>
+              <a:t>M</a:t>
+            </a:r>
+            <a:r>
+              <a:rPr lang="en-IL" dirty="0"/>
+              <a:t>ethods part of the first SCENIC paper</a:t>
+            </a:r>
           </a:p>
         </p:txBody>
       </p:sp>
@@ -3786,7 +3875,7 @@
           <a:p>
             <a:fld id="{86AFD4FA-721D-0140-967B-1B04101EA7BE}" type="slidenum">
               <a:rPr lang="en-IL" smtClean="0"/>
-              <a:t>21</a:t>
+              <a:t>20</a:t>
             </a:fld>
             <a:endParaRPr lang="en-IL"/>
           </a:p>
@@ -3795,7 +3884,7 @@
     </p:spTree>
     <p:extLst>
       <p:ext uri="{BB962C8B-B14F-4D97-AF65-F5344CB8AC3E}">
-        <p14:creationId xmlns:p14="http://schemas.microsoft.com/office/powerpoint/2010/main" val="2840657789"/>
+        <p14:creationId xmlns:p14="http://schemas.microsoft.com/office/powerpoint/2010/main" val="2811168132"/>
       </p:ext>
     </p:extLst>
   </p:cSld>
@@ -3850,23 +3939,6 @@
           <a:lstStyle/>
           <a:p>
             <a:r>
-              <a:rPr lang="en-IL" dirty="0"/>
-              <a:t>iRegulon  (= </a:t>
-            </a:r>
-            <a:r>
-              <a:rPr lang="en-US" dirty="0" err="1"/>
-              <a:t>cisTarget</a:t>
-            </a:r>
-            <a:r>
-              <a:rPr lang="en-US" dirty="0"/>
-              <a:t>) </a:t>
-            </a:r>
-          </a:p>
-          <a:p>
-            <a:endParaRPr lang="en-US" dirty="0"/>
-          </a:p>
-          <a:p>
-            <a:r>
               <a:rPr lang="en-US" dirty="0"/>
               <a:t>https://</a:t>
             </a:r>
@@ -3892,68 +3964,14 @@
             </a:r>
             <a:r>
               <a:rPr lang="en-US" dirty="0"/>
-              <a:t>=10.1371/journal.pcbi.1003731</a:t>
-            </a:r>
-          </a:p>
-          <a:p>
-            <a:endParaRPr lang="en-US" dirty="0"/>
-          </a:p>
-          <a:p>
-            <a:pPr algn="l">
-              <a:lnSpc>
-                <a:spcPts val="2250"/>
-              </a:lnSpc>
-              <a:spcBef>
-                <a:spcPts val="2000"/>
-              </a:spcBef>
-              <a:spcAft>
-                <a:spcPts val="1000"/>
-              </a:spcAft>
-            </a:pPr>
-            <a:r>
-              <a:rPr lang="en-US" sz="1800" b="0" i="0" u="none" strike="noStrike" dirty="0">
-                <a:solidFill>
-                  <a:srgbClr val="734126"/>
-                </a:solidFill>
-                <a:effectLst/>
-                <a:latin typeface="Cambria" panose="02040503050406030204" pitchFamily="18" charset="0"/>
-              </a:rPr>
-              <a:t>Detection of the target genes</a:t>
-            </a:r>
-          </a:p>
-          <a:p>
-            <a:pPr algn="l">
-              <a:spcBef>
-                <a:spcPts val="2000"/>
-              </a:spcBef>
-              <a:spcAft>
-                <a:spcPts val="2000"/>
-              </a:spcAft>
-            </a:pPr>
-            <a:r>
-              <a:rPr lang="en-US" b="0" i="0" u="sng" strike="noStrike" dirty="0">
-                <a:solidFill>
-                  <a:srgbClr val="4C2C92"/>
-                </a:solidFill>
-                <a:effectLst/>
-                <a:latin typeface="Cambria" panose="02040503050406030204" pitchFamily="18" charset="0"/>
-                <a:hlinkClick r:id="rId3"/>
-              </a:rPr>
-              <a:t>Fig. 1B</a:t>
-            </a:r>
-            <a:r>
-              <a:rPr lang="en-US" b="0" i="0" u="none" strike="noStrike" dirty="0">
-                <a:solidFill>
-                  <a:srgbClr val="212121"/>
-                </a:solidFill>
-                <a:effectLst/>
-                <a:latin typeface="Cambria" panose="02040503050406030204" pitchFamily="18" charset="0"/>
-              </a:rPr>
-              <a:t>. The target gene recovery is plotted along the whole-genome ranking for a given motif (blue curve) and compared to the average recovery + (2× standard deviation) (red curve) for all motifs in the collection. The leading edge corresponds to the rank where the difference between the signal (blue curve) and the background (red curve) is maximal within the top ranked genes (the latter is defined by the Rank Threshold parameter). The input genes that have a better ranking than the rank at the leading edge are predicted as target genes for the given motif or track.</a:t>
-            </a:r>
-          </a:p>
-          <a:p>
-            <a:endParaRPr lang="en-US" dirty="0"/>
+              <a:t>=10.1371/journal.pcbi.1003731 </a:t>
+            </a:r>
+          </a:p>
+          <a:p>
+            <a:r>
+              <a:rPr lang="en-US" dirty="0"/>
+              <a:t>I am not sure weather this step is done in between ranking and recovery! </a:t>
+            </a:r>
           </a:p>
           <a:p>
             <a:endParaRPr lang="en-IL" dirty="0"/>
@@ -3977,7 +3995,7 @@
           <a:p>
             <a:fld id="{86AFD4FA-721D-0140-967B-1B04101EA7BE}" type="slidenum">
               <a:rPr lang="en-IL" smtClean="0"/>
-              <a:t>22</a:t>
+              <a:t>21</a:t>
             </a:fld>
             <a:endParaRPr lang="en-IL"/>
           </a:p>
@@ -3986,7 +4004,7 @@
     </p:spTree>
     <p:extLst>
       <p:ext uri="{BB962C8B-B14F-4D97-AF65-F5344CB8AC3E}">
-        <p14:creationId xmlns:p14="http://schemas.microsoft.com/office/powerpoint/2010/main" val="3588214473"/>
+        <p14:creationId xmlns:p14="http://schemas.microsoft.com/office/powerpoint/2010/main" val="2840657789"/>
       </p:ext>
     </p:extLst>
   </p:cSld>
@@ -4042,8 +4060,112 @@
           <a:p>
             <a:r>
               <a:rPr lang="en-IL" dirty="0"/>
-              <a:t># TO DO -&gt; check if RNA-seq analysis (fold change) exists in validation</a:t>
-            </a:r>
+              <a:t>iRegulon  (= </a:t>
+            </a:r>
+            <a:r>
+              <a:rPr lang="en-US" dirty="0" err="1"/>
+              <a:t>cisTarget</a:t>
+            </a:r>
+            <a:r>
+              <a:rPr lang="en-US" dirty="0"/>
+              <a:t>) </a:t>
+            </a:r>
+          </a:p>
+          <a:p>
+            <a:endParaRPr lang="en-US" dirty="0"/>
+          </a:p>
+          <a:p>
+            <a:r>
+              <a:rPr lang="en-US" dirty="0"/>
+              <a:t>https://</a:t>
+            </a:r>
+            <a:r>
+              <a:rPr lang="en-US" dirty="0" err="1"/>
+              <a:t>journals.plos.org</a:t>
+            </a:r>
+            <a:r>
+              <a:rPr lang="en-US" dirty="0"/>
+              <a:t>/</a:t>
+            </a:r>
+            <a:r>
+              <a:rPr lang="en-US" dirty="0" err="1"/>
+              <a:t>ploscompbiol</a:t>
+            </a:r>
+            <a:r>
+              <a:rPr lang="en-US" dirty="0"/>
+              <a:t>/</a:t>
+            </a:r>
+            <a:r>
+              <a:rPr lang="en-US" dirty="0" err="1"/>
+              <a:t>article?id</a:t>
+            </a:r>
+            <a:r>
+              <a:rPr lang="en-US" dirty="0"/>
+              <a:t>=10.1371/journal.pcbi.1003731</a:t>
+            </a:r>
+          </a:p>
+          <a:p>
+            <a:endParaRPr lang="en-US" dirty="0"/>
+          </a:p>
+          <a:p>
+            <a:pPr algn="l">
+              <a:lnSpc>
+                <a:spcPts val="2250"/>
+              </a:lnSpc>
+              <a:spcBef>
+                <a:spcPts val="2000"/>
+              </a:spcBef>
+              <a:spcAft>
+                <a:spcPts val="1000"/>
+              </a:spcAft>
+            </a:pPr>
+            <a:r>
+              <a:rPr lang="en-US" sz="1800" b="0" i="0" u="none" strike="noStrike" dirty="0">
+                <a:solidFill>
+                  <a:srgbClr val="734126"/>
+                </a:solidFill>
+                <a:effectLst/>
+                <a:latin typeface="Cambria" panose="02040503050406030204" pitchFamily="18" charset="0"/>
+              </a:rPr>
+              <a:t>Detection of the target genes</a:t>
+            </a:r>
+          </a:p>
+          <a:p>
+            <a:pPr algn="l">
+              <a:spcBef>
+                <a:spcPts val="2000"/>
+              </a:spcBef>
+              <a:spcAft>
+                <a:spcPts val="2000"/>
+              </a:spcAft>
+            </a:pPr>
+            <a:r>
+              <a:rPr lang="en-US" b="0" i="0" u="sng" strike="noStrike" dirty="0">
+                <a:solidFill>
+                  <a:srgbClr val="4C2C92"/>
+                </a:solidFill>
+                <a:effectLst/>
+                <a:latin typeface="Cambria" panose="02040503050406030204" pitchFamily="18" charset="0"/>
+                <a:hlinkClick r:id="rId3"/>
+              </a:rPr>
+              <a:t>Fig. 1B</a:t>
+            </a:r>
+            <a:r>
+              <a:rPr lang="en-US" b="0" i="0" u="none" strike="noStrike" dirty="0">
+                <a:solidFill>
+                  <a:srgbClr val="212121"/>
+                </a:solidFill>
+                <a:effectLst/>
+                <a:latin typeface="Cambria" panose="02040503050406030204" pitchFamily="18" charset="0"/>
+              </a:rPr>
+              <a:t>. The target gene recovery is plotted along the whole-genome ranking for a given motif (blue curve) and compared to the average recovery + (2× standard deviation) (red curve) for all motifs in the collection. The leading edge corresponds to the rank where the difference between the signal (blue curve) and the background (red curve) is maximal within the top ranked genes (the latter is defined by the Rank Threshold parameter). The input genes that have a better ranking than the rank at the leading edge are predicted as target genes for the given motif or track.</a:t>
+            </a:r>
+          </a:p>
+          <a:p>
+            <a:endParaRPr lang="en-US" dirty="0"/>
+          </a:p>
+          <a:p>
+            <a:endParaRPr lang="en-IL" dirty="0"/>
           </a:p>
         </p:txBody>
       </p:sp>
@@ -4064,7 +4186,7 @@
           <a:p>
             <a:fld id="{86AFD4FA-721D-0140-967B-1B04101EA7BE}" type="slidenum">
               <a:rPr lang="en-IL" smtClean="0"/>
-              <a:t>26</a:t>
+              <a:t>22</a:t>
             </a:fld>
             <a:endParaRPr lang="en-IL"/>
           </a:p>
@@ -4073,7 +4195,7 @@
     </p:spTree>
     <p:extLst>
       <p:ext uri="{BB962C8B-B14F-4D97-AF65-F5344CB8AC3E}">
-        <p14:creationId xmlns:p14="http://schemas.microsoft.com/office/powerpoint/2010/main" val="4079525344"/>
+        <p14:creationId xmlns:p14="http://schemas.microsoft.com/office/powerpoint/2010/main" val="3588214473"/>
       </p:ext>
     </p:extLst>
   </p:cSld>
@@ -4127,21 +4249,9 @@
           <a:bodyPr/>
           <a:lstStyle/>
           <a:p>
-            <a:pPr marL="0" algn="l" defTabSz="914400" rtl="0" eaLnBrk="1" latinLnBrk="0" hangingPunct="1"/>
             <a:r>
               <a:rPr lang="en-IL" dirty="0"/>
-              <a:t>(+) / (-) : activator / suppressor </a:t>
-            </a:r>
-          </a:p>
-          <a:p>
-            <a:pPr marL="0" algn="l" defTabSz="914400" rtl="0" eaLnBrk="1" latinLnBrk="0" hangingPunct="1"/>
-            <a:r>
-              <a:rPr lang="en-US" dirty="0"/>
-              <a:t>V</a:t>
-            </a:r>
-            <a:r>
-              <a:rPr lang="en-IL" dirty="0"/>
-              <a:t>alue: </a:t>
+              <a:t># TO DO -&gt; check if RNA-seq analysis (fold change) exists in validation</a:t>
             </a:r>
           </a:p>
         </p:txBody>
@@ -4163,7 +4273,7 @@
           <a:p>
             <a:fld id="{86AFD4FA-721D-0140-967B-1B04101EA7BE}" type="slidenum">
               <a:rPr lang="en-IL" smtClean="0"/>
-              <a:t>27</a:t>
+              <a:t>26</a:t>
             </a:fld>
             <a:endParaRPr lang="en-IL"/>
           </a:p>
@@ -4172,7 +4282,7 @@
     </p:spTree>
     <p:extLst>
       <p:ext uri="{BB962C8B-B14F-4D97-AF65-F5344CB8AC3E}">
-        <p14:creationId xmlns:p14="http://schemas.microsoft.com/office/powerpoint/2010/main" val="3669540211"/>
+        <p14:creationId xmlns:p14="http://schemas.microsoft.com/office/powerpoint/2010/main" val="4079525344"/>
       </p:ext>
     </p:extLst>
   </p:cSld>
@@ -4226,19 +4336,22 @@
           <a:bodyPr/>
           <a:lstStyle/>
           <a:p>
+            <a:pPr marL="0" algn="l" defTabSz="914400" rtl="0" eaLnBrk="1" latinLnBrk="0" hangingPunct="1"/>
+            <a:r>
+              <a:rPr lang="en-IL" dirty="0"/>
+              <a:t>(+) / (-) : activator / suppressor </a:t>
+            </a:r>
+          </a:p>
+          <a:p>
+            <a:pPr marL="0" algn="l" defTabSz="914400" rtl="0" eaLnBrk="1" latinLnBrk="0" hangingPunct="1"/>
             <a:r>
               <a:rPr lang="en-US" dirty="0"/>
-              <a:t>https://</a:t>
-            </a:r>
-            <a:r>
-              <a:rPr lang="en-US" dirty="0" err="1"/>
-              <a:t>www.nature.com</a:t>
-            </a:r>
-            <a:r>
-              <a:rPr lang="en-US" dirty="0"/>
-              <a:t>/articles/s41596-020-0336-2</a:t>
-            </a:r>
-            <a:endParaRPr lang="en-IL" dirty="0"/>
+              <a:t>V</a:t>
+            </a:r>
+            <a:r>
+              <a:rPr lang="en-IL" dirty="0"/>
+              <a:t>alue: </a:t>
+            </a:r>
           </a:p>
         </p:txBody>
       </p:sp>
@@ -4259,7 +4372,7 @@
           <a:p>
             <a:fld id="{86AFD4FA-721D-0140-967B-1B04101EA7BE}" type="slidenum">
               <a:rPr lang="en-IL" smtClean="0"/>
-              <a:t>28</a:t>
+              <a:t>27</a:t>
             </a:fld>
             <a:endParaRPr lang="en-IL"/>
           </a:p>
@@ -4268,7 +4381,7 @@
     </p:spTree>
     <p:extLst>
       <p:ext uri="{BB962C8B-B14F-4D97-AF65-F5344CB8AC3E}">
-        <p14:creationId xmlns:p14="http://schemas.microsoft.com/office/powerpoint/2010/main" val="2273289122"/>
+        <p14:creationId xmlns:p14="http://schemas.microsoft.com/office/powerpoint/2010/main" val="3669540211"/>
       </p:ext>
     </p:extLst>
   </p:cSld>
@@ -4407,22 +4520,19 @@
           <a:bodyPr/>
           <a:lstStyle/>
           <a:p>
-            <a:pPr marL="0" algn="l" defTabSz="914400" rtl="0" eaLnBrk="1" latinLnBrk="0" hangingPunct="1"/>
-            <a:r>
-              <a:rPr lang="en-IL" dirty="0"/>
-              <a:t>(+) / (-) : activator / suppressor </a:t>
-            </a:r>
-          </a:p>
-          <a:p>
-            <a:pPr marL="0" algn="l" defTabSz="914400" rtl="0" eaLnBrk="1" latinLnBrk="0" hangingPunct="1"/>
             <a:r>
               <a:rPr lang="en-US" dirty="0"/>
-              <a:t>V</a:t>
-            </a:r>
-            <a:r>
-              <a:rPr lang="en-IL" dirty="0"/>
-              <a:t>alue: </a:t>
-            </a:r>
+              <a:t>https://</a:t>
+            </a:r>
+            <a:r>
+              <a:rPr lang="en-US" dirty="0" err="1"/>
+              <a:t>www.nature.com</a:t>
+            </a:r>
+            <a:r>
+              <a:rPr lang="en-US" dirty="0"/>
+              <a:t>/articles/s41596-020-0336-2</a:t>
+            </a:r>
+            <a:endParaRPr lang="en-IL" dirty="0"/>
           </a:p>
         </p:txBody>
       </p:sp>
@@ -4443,7 +4553,7 @@
           <a:p>
             <a:fld id="{86AFD4FA-721D-0140-967B-1B04101EA7BE}" type="slidenum">
               <a:rPr lang="en-IL" smtClean="0"/>
-              <a:t>31</a:t>
+              <a:t>28</a:t>
             </a:fld>
             <a:endParaRPr lang="en-IL"/>
           </a:p>
@@ -4452,7 +4562,7 @@
     </p:spTree>
     <p:extLst>
       <p:ext uri="{BB962C8B-B14F-4D97-AF65-F5344CB8AC3E}">
-        <p14:creationId xmlns:p14="http://schemas.microsoft.com/office/powerpoint/2010/main" val="915191090"/>
+        <p14:creationId xmlns:p14="http://schemas.microsoft.com/office/powerpoint/2010/main" val="2273289122"/>
       </p:ext>
     </p:extLst>
   </p:cSld>
@@ -4506,37 +4616,22 @@
           <a:bodyPr/>
           <a:lstStyle/>
           <a:p>
+            <a:pPr marL="0" algn="l" defTabSz="914400" rtl="0" eaLnBrk="1" latinLnBrk="0" hangingPunct="1"/>
+            <a:r>
+              <a:rPr lang="en-IL" dirty="0"/>
+              <a:t>(+) / (-) : activator / suppressor </a:t>
+            </a:r>
+          </a:p>
+          <a:p>
+            <a:pPr marL="0" algn="l" defTabSz="914400" rtl="0" eaLnBrk="1" latinLnBrk="0" hangingPunct="1"/>
             <a:r>
               <a:rPr lang="en-US" dirty="0"/>
-              <a:t>https://</a:t>
-            </a:r>
-            <a:r>
-              <a:rPr lang="en-US" dirty="0" err="1"/>
-              <a:t>pyscenic.readthedocs.io</a:t>
-            </a:r>
-            <a:r>
-              <a:rPr lang="en-US" dirty="0"/>
-              <a:t>/</a:t>
-            </a:r>
-            <a:r>
-              <a:rPr lang="en-US" dirty="0" err="1"/>
-              <a:t>en</a:t>
-            </a:r>
-            <a:r>
-              <a:rPr lang="en-US" dirty="0"/>
-              <a:t>/stable/</a:t>
-            </a:r>
-            <a:r>
-              <a:rPr lang="en-US" dirty="0" err="1"/>
-              <a:t>faq.html</a:t>
-            </a:r>
-            <a:endParaRPr lang="en-US" dirty="0"/>
-          </a:p>
-          <a:p>
-            <a:endParaRPr lang="en-US" dirty="0"/>
-          </a:p>
-          <a:p>
-            <a:endParaRPr lang="en-IL" dirty="0"/>
+              <a:t>V</a:t>
+            </a:r>
+            <a:r>
+              <a:rPr lang="en-IL" dirty="0"/>
+              <a:t>alue: </a:t>
+            </a:r>
           </a:p>
         </p:txBody>
       </p:sp>
@@ -4557,7 +4652,7 @@
           <a:p>
             <a:fld id="{86AFD4FA-721D-0140-967B-1B04101EA7BE}" type="slidenum">
               <a:rPr lang="en-IL" smtClean="0"/>
-              <a:t>32</a:t>
+              <a:t>31</a:t>
             </a:fld>
             <a:endParaRPr lang="en-IL"/>
           </a:p>
@@ -4566,7 +4661,7 @@
     </p:spTree>
     <p:extLst>
       <p:ext uri="{BB962C8B-B14F-4D97-AF65-F5344CB8AC3E}">
-        <p14:creationId xmlns:p14="http://schemas.microsoft.com/office/powerpoint/2010/main" val="156342503"/>
+        <p14:creationId xmlns:p14="http://schemas.microsoft.com/office/powerpoint/2010/main" val="915191090"/>
       </p:ext>
     </p:extLst>
   </p:cSld>
@@ -4620,6 +4715,120 @@
           <a:bodyPr/>
           <a:lstStyle/>
           <a:p>
+            <a:r>
+              <a:rPr lang="en-US" dirty="0"/>
+              <a:t>https://</a:t>
+            </a:r>
+            <a:r>
+              <a:rPr lang="en-US" dirty="0" err="1"/>
+              <a:t>pyscenic.readthedocs.io</a:t>
+            </a:r>
+            <a:r>
+              <a:rPr lang="en-US" dirty="0"/>
+              <a:t>/</a:t>
+            </a:r>
+            <a:r>
+              <a:rPr lang="en-US" dirty="0" err="1"/>
+              <a:t>en</a:t>
+            </a:r>
+            <a:r>
+              <a:rPr lang="en-US" dirty="0"/>
+              <a:t>/stable/</a:t>
+            </a:r>
+            <a:r>
+              <a:rPr lang="en-US" dirty="0" err="1"/>
+              <a:t>faq.html</a:t>
+            </a:r>
+            <a:endParaRPr lang="en-US" dirty="0"/>
+          </a:p>
+          <a:p>
+            <a:endParaRPr lang="en-US" dirty="0"/>
+          </a:p>
+          <a:p>
+            <a:endParaRPr lang="en-IL" dirty="0"/>
+          </a:p>
+        </p:txBody>
+      </p:sp>
+      <p:sp>
+        <p:nvSpPr>
+          <p:cNvPr id="4" name="Slide Number Placeholder 3"/>
+          <p:cNvSpPr>
+            <a:spLocks noGrp="1"/>
+          </p:cNvSpPr>
+          <p:nvPr>
+            <p:ph type="sldNum" sz="quarter" idx="5"/>
+          </p:nvPr>
+        </p:nvSpPr>
+        <p:spPr/>
+        <p:txBody>
+          <a:bodyPr/>
+          <a:lstStyle/>
+          <a:p>
+            <a:fld id="{86AFD4FA-721D-0140-967B-1B04101EA7BE}" type="slidenum">
+              <a:rPr lang="en-IL" smtClean="0"/>
+              <a:t>32</a:t>
+            </a:fld>
+            <a:endParaRPr lang="en-IL"/>
+          </a:p>
+        </p:txBody>
+      </p:sp>
+    </p:spTree>
+    <p:extLst>
+      <p:ext uri="{BB962C8B-B14F-4D97-AF65-F5344CB8AC3E}">
+        <p14:creationId xmlns:p14="http://schemas.microsoft.com/office/powerpoint/2010/main" val="156342503"/>
+      </p:ext>
+    </p:extLst>
+  </p:cSld>
+  <p:clrMapOvr>
+    <a:masterClrMapping/>
+  </p:clrMapOvr>
+</p:notes>
+</file>
+
+<file path=ppt/notesSlides/notesSlide23.xml><?xml version="1.0" encoding="utf-8"?>
+<p:notes xmlns:a="http://schemas.openxmlformats.org/drawingml/2006/main" xmlns:r="http://schemas.openxmlformats.org/officeDocument/2006/relationships" xmlns:p="http://schemas.openxmlformats.org/presentationml/2006/main">
+  <p:cSld>
+    <p:spTree>
+      <p:nvGrpSpPr>
+        <p:cNvPr id="1" name=""/>
+        <p:cNvGrpSpPr/>
+        <p:nvPr/>
+      </p:nvGrpSpPr>
+      <p:grpSpPr>
+        <a:xfrm>
+          <a:off x="0" y="0"/>
+          <a:ext cx="0" cy="0"/>
+          <a:chOff x="0" y="0"/>
+          <a:chExt cx="0" cy="0"/>
+        </a:xfrm>
+      </p:grpSpPr>
+      <p:sp>
+        <p:nvSpPr>
+          <p:cNvPr id="2" name="Slide Image Placeholder 1"/>
+          <p:cNvSpPr>
+            <a:spLocks noGrp="1" noRot="1" noChangeAspect="1"/>
+          </p:cNvSpPr>
+          <p:nvPr>
+            <p:ph type="sldImg"/>
+          </p:nvPr>
+        </p:nvSpPr>
+        <p:spPr/>
+      </p:sp>
+      <p:sp>
+        <p:nvSpPr>
+          <p:cNvPr id="3" name="Notes Placeholder 2"/>
+          <p:cNvSpPr>
+            <a:spLocks noGrp="1"/>
+          </p:cNvSpPr>
+          <p:nvPr>
+            <p:ph type="body" idx="1"/>
+          </p:nvPr>
+        </p:nvSpPr>
+        <p:spPr/>
+        <p:txBody>
+          <a:bodyPr/>
+          <a:lstStyle/>
+          <a:p>
             <a:pPr marL="0" algn="l" defTabSz="914400" rtl="1" eaLnBrk="1" latinLnBrk="0" hangingPunct="1"/>
             <a:r>
               <a:rPr lang="en-US" dirty="0"/>
@@ -4731,7 +4940,7 @@
 </p:notes>
 </file>
 
-<file path=ppt/notesSlides/notesSlide23.xml><?xml version="1.0" encoding="utf-8"?>
+<file path=ppt/notesSlides/notesSlide24.xml><?xml version="1.0" encoding="utf-8"?>
 <p:notes xmlns:a="http://schemas.openxmlformats.org/drawingml/2006/main" xmlns:r="http://schemas.openxmlformats.org/officeDocument/2006/relationships" xmlns:p="http://schemas.openxmlformats.org/presentationml/2006/main">
   <p:cSld>
     <p:spTree>
@@ -5090,54 +5299,90 @@
           <a:bodyPr/>
           <a:lstStyle/>
           <a:p>
-            <a:pPr marL="0" algn="l" defTabSz="914400" rtl="1" eaLnBrk="1" latinLnBrk="0" hangingPunct="1"/>
-            <a:r>
-              <a:rPr lang="en-US" dirty="0"/>
-              <a:t>For j=1 to p:</a:t>
+            <a:r>
+              <a:rPr lang="en-US" b="0" i="0" u="none" strike="noStrike" dirty="0">
+                <a:solidFill>
+                  <a:srgbClr val="202020"/>
+                </a:solidFill>
+                <a:effectLst/>
+                <a:latin typeface="Helvetica" pitchFamily="2" charset="0"/>
+              </a:rPr>
+              <a:t>In a Random Forests ensemble, </a:t>
+            </a:r>
+          </a:p>
+          <a:p>
+            <a:r>
+              <a:rPr lang="en-US" b="0" i="0" u="none" strike="noStrike" dirty="0">
+                <a:solidFill>
+                  <a:srgbClr val="202020"/>
+                </a:solidFill>
+                <a:effectLst/>
+                <a:latin typeface="Helvetica" pitchFamily="2" charset="0"/>
+              </a:rPr>
+              <a:t>each tree is built on a bootstrap sample from the original learning sample and, at each test node, </a:t>
+            </a:r>
+            <a:r>
+              <a:rPr lang="en-US" b="0" i="1" u="none" strike="noStrike" dirty="0">
+                <a:solidFill>
+                  <a:srgbClr val="202020"/>
+                </a:solidFill>
+                <a:effectLst/>
+                <a:latin typeface="Helvetica" pitchFamily="2" charset="0"/>
+              </a:rPr>
+              <a:t>K</a:t>
+            </a:r>
+            <a:r>
+              <a:rPr lang="en-US" b="0" i="0" u="none" strike="noStrike" dirty="0">
+                <a:solidFill>
+                  <a:srgbClr val="202020"/>
+                </a:solidFill>
+                <a:effectLst/>
+                <a:latin typeface="Helvetica" pitchFamily="2" charset="0"/>
+              </a:rPr>
+              <a:t> attributes are selected at random among all candidate attributes before determining the best split. </a:t>
+            </a:r>
+          </a:p>
+          <a:p>
+            <a:endParaRPr lang="en-US" b="0" i="0" u="none" strike="noStrike" dirty="0">
+              <a:solidFill>
+                <a:srgbClr val="202020"/>
+              </a:solidFill>
+              <a:effectLst/>
+              <a:latin typeface="Helvetica" pitchFamily="2" charset="0"/>
+            </a:endParaRPr>
+          </a:p>
+          <a:p>
+            <a:r>
+              <a:rPr lang="en-US" b="0" i="0" u="none" strike="noStrike" dirty="0">
+                <a:solidFill>
+                  <a:srgbClr val="202020"/>
+                </a:solidFill>
+                <a:effectLst/>
+                <a:latin typeface="Helvetica" pitchFamily="2" charset="0"/>
+              </a:rPr>
+              <a:t>* There is also Extra-Trees (instead of RF): the best split is determined among </a:t>
+            </a:r>
+            <a:r>
+              <a:rPr lang="en-US" b="0" i="1" u="none" strike="noStrike" dirty="0">
+                <a:solidFill>
+                  <a:srgbClr val="202020"/>
+                </a:solidFill>
+                <a:effectLst/>
+                <a:latin typeface="Helvetica" pitchFamily="2" charset="0"/>
+              </a:rPr>
+              <a:t>K</a:t>
+            </a:r>
+            <a:r>
+              <a:rPr lang="en-US" b="0" i="0" u="none" strike="noStrike" dirty="0">
+                <a:solidFill>
+                  <a:srgbClr val="202020"/>
+                </a:solidFill>
+                <a:effectLst/>
+                <a:latin typeface="Helvetica" pitchFamily="2" charset="0"/>
+              </a:rPr>
+              <a:t> random splits, each determined by randomly selecting one input (without replacement) and a threshold.</a:t>
             </a:r>
             <a:endParaRPr lang="en-IL" dirty="0"/>
-          </a:p>
-          <a:p>
-            <a:pPr marL="0" algn="l" defTabSz="914400" rtl="0" eaLnBrk="1" latinLnBrk="0" hangingPunct="1"/>
-            <a:r>
-              <a:rPr lang="en-IL" dirty="0"/>
-              <a:t>	- generate the learning sample of input-ouput pairs for gene j (LS</a:t>
-            </a:r>
-            <a:r>
-              <a:rPr lang="en-IL" baseline="30000" dirty="0"/>
-              <a:t>j</a:t>
-            </a:r>
-            <a:r>
-              <a:rPr lang="en-IL" dirty="0"/>
-              <a:t>)</a:t>
-            </a:r>
-          </a:p>
-          <a:p>
-            <a:pPr marL="0" algn="l" defTabSz="914400" rtl="0" eaLnBrk="1" latinLnBrk="0" hangingPunct="1"/>
-            <a:r>
-              <a:rPr lang="en-IL" dirty="0"/>
-              <a:t>	- use feature selection technique on LS</a:t>
-            </a:r>
-            <a:r>
-              <a:rPr lang="en-IL" baseline="30000" dirty="0"/>
-              <a:t>j</a:t>
-            </a:r>
-            <a:r>
-              <a:rPr lang="en-IL" baseline="0" dirty="0"/>
-              <a:t> to get a global ranking of all regulatory links </a:t>
-            </a:r>
-          </a:p>
-          <a:p>
-            <a:pPr marL="0" algn="l" defTabSz="914400" rtl="0" eaLnBrk="1" latinLnBrk="0" hangingPunct="1"/>
-            <a:endParaRPr lang="en-IL" baseline="0" dirty="0"/>
-          </a:p>
-          <a:p>
-            <a:pPr marL="0" algn="l" defTabSz="914400" rtl="0" eaLnBrk="1" latinLnBrk="0" hangingPunct="1"/>
-            <a:endParaRPr lang="en-IL" dirty="0"/>
-          </a:p>
-          <a:p>
-            <a:pPr marL="0" algn="l" defTabSz="914400" rtl="0" eaLnBrk="1" latinLnBrk="0" hangingPunct="1"/>
-            <a:endParaRPr lang="en-US" baseline="0" dirty="0"/>
           </a:p>
         </p:txBody>
       </p:sp>
@@ -5158,7 +5403,7 @@
           <a:p>
             <a:fld id="{86AFD4FA-721D-0140-967B-1B04101EA7BE}" type="slidenum">
               <a:rPr lang="en-IL" smtClean="0"/>
-              <a:t>7</a:t>
+              <a:t>6</a:t>
             </a:fld>
             <a:endParaRPr lang="en-IL"/>
           </a:p>
@@ -5167,7 +5412,7 @@
     </p:spTree>
     <p:extLst>
       <p:ext uri="{BB962C8B-B14F-4D97-AF65-F5344CB8AC3E}">
-        <p14:creationId xmlns:p14="http://schemas.microsoft.com/office/powerpoint/2010/main" val="2540973028"/>
+        <p14:creationId xmlns:p14="http://schemas.microsoft.com/office/powerpoint/2010/main" val="516709247"/>
       </p:ext>
     </p:extLst>
   </p:cSld>
@@ -5221,11 +5466,54 @@
           <a:bodyPr/>
           <a:lstStyle/>
           <a:p>
-            <a:pPr marL="171450" indent="-171450">
-              <a:buFont typeface="Arial" panose="020B0604020202020204" pitchFamily="34" charset="0"/>
-              <a:buChar char="•"/>
-            </a:pPr>
+            <a:pPr marL="0" algn="l" defTabSz="914400" rtl="1" eaLnBrk="1" latinLnBrk="0" hangingPunct="1"/>
+            <a:r>
+              <a:rPr lang="en-US" dirty="0"/>
+              <a:t>For j=1 to p:</a:t>
+            </a:r>
             <a:endParaRPr lang="en-IL" dirty="0"/>
+          </a:p>
+          <a:p>
+            <a:pPr marL="0" algn="l" defTabSz="914400" rtl="0" eaLnBrk="1" latinLnBrk="0" hangingPunct="1"/>
+            <a:r>
+              <a:rPr lang="en-IL" dirty="0"/>
+              <a:t>	- generate the learning sample of input-ouput pairs for gene j (LS</a:t>
+            </a:r>
+            <a:r>
+              <a:rPr lang="en-IL" baseline="30000" dirty="0"/>
+              <a:t>j</a:t>
+            </a:r>
+            <a:r>
+              <a:rPr lang="en-IL" dirty="0"/>
+              <a:t>)</a:t>
+            </a:r>
+          </a:p>
+          <a:p>
+            <a:pPr marL="0" algn="l" defTabSz="914400" rtl="0" eaLnBrk="1" latinLnBrk="0" hangingPunct="1"/>
+            <a:r>
+              <a:rPr lang="en-IL" dirty="0"/>
+              <a:t>	- use feature selection technique on LS</a:t>
+            </a:r>
+            <a:r>
+              <a:rPr lang="en-IL" baseline="30000" dirty="0"/>
+              <a:t>j</a:t>
+            </a:r>
+            <a:r>
+              <a:rPr lang="en-IL" baseline="0" dirty="0"/>
+              <a:t> to get a global ranking of all regulatory links </a:t>
+            </a:r>
+          </a:p>
+          <a:p>
+            <a:pPr marL="0" algn="l" defTabSz="914400" rtl="0" eaLnBrk="1" latinLnBrk="0" hangingPunct="1"/>
+            <a:endParaRPr lang="en-IL" baseline="0" dirty="0"/>
+          </a:p>
+          <a:p>
+            <a:pPr marL="0" algn="l" defTabSz="914400" rtl="0" eaLnBrk="1" latinLnBrk="0" hangingPunct="1"/>
+            <a:endParaRPr lang="en-IL" dirty="0"/>
+          </a:p>
+          <a:p>
+            <a:pPr marL="0" algn="l" defTabSz="914400" rtl="0" eaLnBrk="1" latinLnBrk="0" hangingPunct="1"/>
+            <a:endParaRPr lang="en-US" baseline="0" dirty="0"/>
           </a:p>
         </p:txBody>
       </p:sp>
@@ -5246,7 +5534,7 @@
           <a:p>
             <a:fld id="{86AFD4FA-721D-0140-967B-1B04101EA7BE}" type="slidenum">
               <a:rPr lang="en-IL" smtClean="0"/>
-              <a:t>8</a:t>
+              <a:t>7</a:t>
             </a:fld>
             <a:endParaRPr lang="en-IL"/>
           </a:p>
@@ -5255,7 +5543,7 @@
     </p:spTree>
     <p:extLst>
       <p:ext uri="{BB962C8B-B14F-4D97-AF65-F5344CB8AC3E}">
-        <p14:creationId xmlns:p14="http://schemas.microsoft.com/office/powerpoint/2010/main" val="93059014"/>
+        <p14:creationId xmlns:p14="http://schemas.microsoft.com/office/powerpoint/2010/main" val="2540973028"/>
       </p:ext>
     </p:extLst>
   </p:cSld>
@@ -5309,33 +5597,11 @@
           <a:bodyPr/>
           <a:lstStyle/>
           <a:p>
-            <a:r>
-              <a:rPr lang="en-US" dirty="0"/>
-              <a:t>https://</a:t>
-            </a:r>
-            <a:r>
-              <a:rPr lang="en-US" dirty="0" err="1"/>
-              <a:t>academic.oup.com</a:t>
-            </a:r>
-            <a:r>
-              <a:rPr lang="en-US" dirty="0"/>
-              <a:t>/bioinformatics/article/35/12/2159/5184284</a:t>
-            </a:r>
-          </a:p>
-          <a:p>
+            <a:pPr marL="171450" indent="-171450">
+              <a:buFont typeface="Arial" panose="020B0604020202020204" pitchFamily="34" charset="0"/>
+              <a:buChar char="•"/>
+            </a:pPr>
             <a:endParaRPr lang="en-IL" dirty="0"/>
-          </a:p>
-          <a:p>
-            <a:r>
-              <a:rPr lang="en-IL" dirty="0"/>
-              <a:t>GENIE3 -&gt; Bagging</a:t>
-            </a:r>
-          </a:p>
-          <a:p>
-            <a:r>
-              <a:rPr lang="en-IL" dirty="0"/>
-              <a:t>GRNBoost2 -&gt; Boosting</a:t>
-            </a:r>
           </a:p>
         </p:txBody>
       </p:sp>
@@ -5356,7 +5622,7 @@
           <a:p>
             <a:fld id="{86AFD4FA-721D-0140-967B-1B04101EA7BE}" type="slidenum">
               <a:rPr lang="en-IL" smtClean="0"/>
-              <a:t>9</a:t>
+              <a:t>8</a:t>
             </a:fld>
             <a:endParaRPr lang="en-IL"/>
           </a:p>
@@ -5365,7 +5631,7 @@
     </p:spTree>
     <p:extLst>
       <p:ext uri="{BB962C8B-B14F-4D97-AF65-F5344CB8AC3E}">
-        <p14:creationId xmlns:p14="http://schemas.microsoft.com/office/powerpoint/2010/main" val="3267131942"/>
+        <p14:creationId xmlns:p14="http://schemas.microsoft.com/office/powerpoint/2010/main" val="93059014"/>
       </p:ext>
     </p:extLst>
   </p:cSld>
@@ -5419,46 +5685,6 @@
           <a:bodyPr/>
           <a:lstStyle/>
           <a:p>
-            <a:pPr marL="0" marR="0" lvl="0" indent="0" algn="l" defTabSz="914400" rtl="0" eaLnBrk="1" fontAlgn="auto" latinLnBrk="0" hangingPunct="1">
-              <a:lnSpc>
-                <a:spcPct val="100000"/>
-              </a:lnSpc>
-              <a:spcBef>
-                <a:spcPts val="0"/>
-              </a:spcBef>
-              <a:spcAft>
-                <a:spcPts val="0"/>
-              </a:spcAft>
-              <a:buClrTx/>
-              <a:buSzTx/>
-              <a:buFontTx/>
-              <a:buNone/>
-              <a:tabLst/>
-              <a:defRPr/>
-            </a:pPr>
-            <a:r>
-              <a:rPr lang="en-IL" dirty="0"/>
-              <a:t>Note: check for memory boundries on server, can decrease partitions of algorithm as needed.</a:t>
-            </a:r>
-          </a:p>
-          <a:p>
-            <a:pPr marL="0" marR="0" lvl="0" indent="0" algn="l" defTabSz="914400" rtl="0" eaLnBrk="1" fontAlgn="auto" latinLnBrk="0" hangingPunct="1">
-              <a:lnSpc>
-                <a:spcPct val="100000"/>
-              </a:lnSpc>
-              <a:spcBef>
-                <a:spcPts val="0"/>
-              </a:spcBef>
-              <a:spcAft>
-                <a:spcPts val="0"/>
-              </a:spcAft>
-              <a:buClrTx/>
-              <a:buSzTx/>
-              <a:buFontTx/>
-              <a:buNone/>
-              <a:tabLst/>
-              <a:defRPr/>
-            </a:pPr>
             <a:r>
               <a:rPr lang="en-US" dirty="0"/>
               <a:t>https://</a:t>
@@ -5471,80 +5697,21 @@
               <a:rPr lang="en-US" dirty="0"/>
               <a:t>/bioinformatics/article/35/12/2159/5184284</a:t>
             </a:r>
+          </a:p>
+          <a:p>
             <a:endParaRPr lang="en-IL" dirty="0"/>
           </a:p>
           <a:p>
-            <a:pPr marL="0" marR="0" lvl="0" indent="0" algn="l" defTabSz="914400" rtl="0" eaLnBrk="1" fontAlgn="auto" latinLnBrk="0" hangingPunct="1">
-              <a:lnSpc>
-                <a:spcPct val="100000"/>
-              </a:lnSpc>
-              <a:spcBef>
-                <a:spcPts val="0"/>
-              </a:spcBef>
-              <a:spcAft>
-                <a:spcPts val="0"/>
-              </a:spcAft>
-              <a:buClrTx/>
-              <a:buSzTx/>
-              <a:buFontTx/>
-              <a:buNone/>
-              <a:tabLst/>
-              <a:defRPr/>
-            </a:pPr>
-            <a:endParaRPr lang="en-IL" dirty="0"/>
-          </a:p>
-          <a:p>
-            <a:pPr marL="0" marR="0" lvl="0" indent="0" algn="l" defTabSz="914400" rtl="0" eaLnBrk="1" fontAlgn="auto" latinLnBrk="0" hangingPunct="1">
-              <a:lnSpc>
-                <a:spcPct val="100000"/>
-              </a:lnSpc>
-              <a:spcBef>
-                <a:spcPts val="0"/>
-              </a:spcBef>
-              <a:spcAft>
-                <a:spcPts val="0"/>
-              </a:spcAft>
-              <a:buClrTx/>
-              <a:buSzTx/>
-              <a:buFontTx/>
-              <a:buNone/>
-              <a:tabLst/>
-              <a:defRPr/>
-            </a:pPr>
-            <a:r>
-              <a:rPr lang="en-US" dirty="0"/>
-              <a:t>H</a:t>
-            </a:r>
             <a:r>
               <a:rPr lang="en-IL" dirty="0"/>
-              <a:t>yper parameter default values:  </a:t>
-            </a:r>
-          </a:p>
-          <a:p>
-            <a:pPr marL="0" marR="0" lvl="0" indent="0" algn="l" defTabSz="914400" rtl="0" eaLnBrk="1" fontAlgn="auto" latinLnBrk="0" hangingPunct="1">
-              <a:lnSpc>
-                <a:spcPct val="100000"/>
-              </a:lnSpc>
-              <a:spcBef>
-                <a:spcPts val="0"/>
-              </a:spcBef>
-              <a:spcAft>
-                <a:spcPts val="0"/>
-              </a:spcAft>
-              <a:buClrTx/>
-              <a:buSzTx/>
-              <a:buFontTx/>
-              <a:buNone/>
-              <a:tabLst/>
-              <a:defRPr/>
-            </a:pPr>
+              <a:t>GENIE3 -&gt; Bagging</a:t>
+            </a:r>
+          </a:p>
+          <a:p>
             <a:r>
               <a:rPr lang="en-IL" dirty="0"/>
-              <a:t>Learning rate: 0.01 (small, in order to encourage large ensembles (hunderds of trees)) -&gt; </a:t>
-            </a:r>
-          </a:p>
-          <a:p>
-            <a:endParaRPr lang="en-IL" dirty="0"/>
+              <a:t>GRNBoost2 -&gt; Boosting</a:t>
+            </a:r>
           </a:p>
         </p:txBody>
       </p:sp>
@@ -5565,7 +5732,7 @@
           <a:p>
             <a:fld id="{86AFD4FA-721D-0140-967B-1B04101EA7BE}" type="slidenum">
               <a:rPr lang="en-IL" smtClean="0"/>
-              <a:t>10</a:t>
+              <a:t>9</a:t>
             </a:fld>
             <a:endParaRPr lang="en-IL"/>
           </a:p>
@@ -5574,7 +5741,7 @@
     </p:spTree>
     <p:extLst>
       <p:ext uri="{BB962C8B-B14F-4D97-AF65-F5344CB8AC3E}">
-        <p14:creationId xmlns:p14="http://schemas.microsoft.com/office/powerpoint/2010/main" val="1091672898"/>
+        <p14:creationId xmlns:p14="http://schemas.microsoft.com/office/powerpoint/2010/main" val="3267131942"/>
       </p:ext>
     </p:extLst>
   </p:cSld>
@@ -5628,7 +5795,131 @@
           <a:bodyPr/>
           <a:lstStyle/>
           <a:p>
-            <a:pPr marL="0" algn="r" defTabSz="914400" rtl="1" eaLnBrk="1" latinLnBrk="0" hangingPunct="1"/>
+            <a:pPr marL="0" marR="0" lvl="0" indent="0" algn="l" defTabSz="914400" rtl="0" eaLnBrk="1" fontAlgn="auto" latinLnBrk="0" hangingPunct="1">
+              <a:lnSpc>
+                <a:spcPct val="100000"/>
+              </a:lnSpc>
+              <a:spcBef>
+                <a:spcPts val="0"/>
+              </a:spcBef>
+              <a:spcAft>
+                <a:spcPts val="0"/>
+              </a:spcAft>
+              <a:buClrTx/>
+              <a:buSzTx/>
+              <a:buFontTx/>
+              <a:buNone/>
+              <a:tabLst/>
+              <a:defRPr/>
+            </a:pPr>
+            <a:r>
+              <a:rPr lang="en-IL" dirty="0"/>
+              <a:t>Note: check for memory boundries on server, can decrease partitions of algorithm as needed.</a:t>
+            </a:r>
+          </a:p>
+          <a:p>
+            <a:pPr marL="0" marR="0" lvl="0" indent="0" algn="l" defTabSz="914400" rtl="0" eaLnBrk="1" fontAlgn="auto" latinLnBrk="0" hangingPunct="1">
+              <a:lnSpc>
+                <a:spcPct val="100000"/>
+              </a:lnSpc>
+              <a:spcBef>
+                <a:spcPts val="0"/>
+              </a:spcBef>
+              <a:spcAft>
+                <a:spcPts val="0"/>
+              </a:spcAft>
+              <a:buClrTx/>
+              <a:buSzTx/>
+              <a:buFontTx/>
+              <a:buNone/>
+              <a:tabLst/>
+              <a:defRPr/>
+            </a:pPr>
+            <a:r>
+              <a:rPr lang="en-US" dirty="0"/>
+              <a:t>https://</a:t>
+            </a:r>
+            <a:r>
+              <a:rPr lang="en-US" dirty="0" err="1"/>
+              <a:t>academic.oup.com</a:t>
+            </a:r>
+            <a:r>
+              <a:rPr lang="en-US" dirty="0"/>
+              <a:t>/bioinformatics/article/35/12/2159/5184284</a:t>
+            </a:r>
+            <a:endParaRPr lang="en-IL" dirty="0"/>
+          </a:p>
+          <a:p>
+            <a:pPr marL="0" marR="0" lvl="0" indent="0" algn="l" defTabSz="914400" rtl="0" eaLnBrk="1" fontAlgn="auto" latinLnBrk="0" hangingPunct="1">
+              <a:lnSpc>
+                <a:spcPct val="100000"/>
+              </a:lnSpc>
+              <a:spcBef>
+                <a:spcPts val="0"/>
+              </a:spcBef>
+              <a:spcAft>
+                <a:spcPts val="0"/>
+              </a:spcAft>
+              <a:buClrTx/>
+              <a:buSzTx/>
+              <a:buFontTx/>
+              <a:buNone/>
+              <a:tabLst/>
+              <a:defRPr/>
+            </a:pPr>
+            <a:endParaRPr lang="en-IL" dirty="0"/>
+          </a:p>
+          <a:p>
+            <a:pPr marL="0" marR="0" lvl="0" indent="0" algn="l" defTabSz="914400" rtl="0" eaLnBrk="1" fontAlgn="auto" latinLnBrk="0" hangingPunct="1">
+              <a:lnSpc>
+                <a:spcPct val="100000"/>
+              </a:lnSpc>
+              <a:spcBef>
+                <a:spcPts val="0"/>
+              </a:spcBef>
+              <a:spcAft>
+                <a:spcPts val="0"/>
+              </a:spcAft>
+              <a:buClrTx/>
+              <a:buSzTx/>
+              <a:buFontTx/>
+              <a:buNone/>
+              <a:tabLst/>
+              <a:defRPr/>
+            </a:pPr>
+            <a:r>
+              <a:rPr lang="en-US" dirty="0"/>
+              <a:t>H</a:t>
+            </a:r>
+            <a:r>
+              <a:rPr lang="en-IL" dirty="0"/>
+              <a:t>yper parameter default values:  </a:t>
+            </a:r>
+          </a:p>
+          <a:p>
+            <a:pPr marL="0" marR="0" lvl="0" indent="0" algn="l" defTabSz="914400" rtl="0" eaLnBrk="1" fontAlgn="auto" latinLnBrk="0" hangingPunct="1">
+              <a:lnSpc>
+                <a:spcPct val="100000"/>
+              </a:lnSpc>
+              <a:spcBef>
+                <a:spcPts val="0"/>
+              </a:spcBef>
+              <a:spcAft>
+                <a:spcPts val="0"/>
+              </a:spcAft>
+              <a:buClrTx/>
+              <a:buSzTx/>
+              <a:buFontTx/>
+              <a:buNone/>
+              <a:tabLst/>
+              <a:defRPr/>
+            </a:pPr>
+            <a:r>
+              <a:rPr lang="en-IL" dirty="0"/>
+              <a:t>Learning rate: 0.01 (small, in order to encourage large ensembles (hunderds of trees)) -&gt; </a:t>
+            </a:r>
+          </a:p>
+          <a:p>
             <a:endParaRPr lang="en-IL" dirty="0"/>
           </a:p>
         </p:txBody>
@@ -5650,7 +5941,7 @@
           <a:p>
             <a:fld id="{86AFD4FA-721D-0140-967B-1B04101EA7BE}" type="slidenum">
               <a:rPr lang="en-IL" smtClean="0"/>
-              <a:t>11</a:t>
+              <a:t>10</a:t>
             </a:fld>
             <a:endParaRPr lang="en-IL"/>
           </a:p>
@@ -5659,7 +5950,7 @@
     </p:spTree>
     <p:extLst>
       <p:ext uri="{BB962C8B-B14F-4D97-AF65-F5344CB8AC3E}">
-        <p14:creationId xmlns:p14="http://schemas.microsoft.com/office/powerpoint/2010/main" val="2440908482"/>
+        <p14:creationId xmlns:p14="http://schemas.microsoft.com/office/powerpoint/2010/main" val="1091672898"/>
       </p:ext>
     </p:extLst>
   </p:cSld>
@@ -5713,119 +6004,7 @@
           <a:bodyPr/>
           <a:lstStyle/>
           <a:p>
-            <a:r>
-              <a:rPr lang="en-IL" dirty="0"/>
-              <a:t>Is there a difference between regulons and modules?</a:t>
-            </a:r>
-          </a:p>
-          <a:p>
-            <a:r>
-              <a:rPr lang="en-US" dirty="0"/>
-              <a:t>C</a:t>
-            </a:r>
-            <a:r>
-              <a:rPr lang="en-IL" dirty="0"/>
-              <a:t>orrelation:</a:t>
-            </a:r>
-            <a:r>
-              <a:rPr lang="en-IL" sz="1200" dirty="0"/>
-              <a:t> Pearson product-moment correlation coeficient. Low threshold to avoid exessive filtering. </a:t>
-            </a:r>
-            <a:endParaRPr lang="en-IL" dirty="0"/>
-          </a:p>
-          <a:p>
-            <a:endParaRPr lang="en-IL" dirty="0"/>
-          </a:p>
-          <a:p>
-            <a:pPr marL="171450" indent="-171450">
-              <a:buFont typeface="Arial" panose="020B0604020202020204" pitchFamily="34" charset="0"/>
-              <a:buChar char="•"/>
-            </a:pPr>
-            <a:r>
-              <a:rPr lang="en-US" b="0" i="0" u="none" strike="noStrike" dirty="0">
-                <a:solidFill>
-                  <a:srgbClr val="222222"/>
-                </a:solidFill>
-                <a:effectLst/>
-                <a:latin typeface="Harding"/>
-              </a:rPr>
-              <a:t>By default, only positively correlated modules are used in the subsequent steps because these negatively correlated modules are less numerous, their regulatory interaction weights are lower and the resulting regulons show overall less motif enrichment. (https://</a:t>
-            </a:r>
-            <a:r>
-              <a:rPr lang="en-US" b="0" i="0" u="none" strike="noStrike" dirty="0" err="1">
-                <a:solidFill>
-                  <a:srgbClr val="222222"/>
-                </a:solidFill>
-                <a:effectLst/>
-                <a:latin typeface="Harding"/>
-              </a:rPr>
-              <a:t>www.nature.com</a:t>
-            </a:r>
-            <a:r>
-              <a:rPr lang="en-US" b="0" i="0" u="none" strike="noStrike" dirty="0">
-                <a:solidFill>
-                  <a:srgbClr val="222222"/>
-                </a:solidFill>
-                <a:effectLst/>
-                <a:latin typeface="Harding"/>
-              </a:rPr>
-              <a:t>/articles/s41596-020-0336-2, module generation, step 6)</a:t>
-            </a:r>
-          </a:p>
-          <a:p>
-            <a:pPr marL="171450" indent="-171450">
-              <a:buFont typeface="Arial" panose="020B0604020202020204" pitchFamily="34" charset="0"/>
-              <a:buChar char="•"/>
-            </a:pPr>
-            <a:endParaRPr lang="en-US" b="0" i="0" u="none" strike="noStrike" dirty="0">
-              <a:solidFill>
-                <a:srgbClr val="222222"/>
-              </a:solidFill>
-              <a:effectLst/>
-              <a:latin typeface="Harding"/>
-            </a:endParaRPr>
-          </a:p>
-          <a:p>
-            <a:pPr marL="171450" indent="-171450">
-              <a:buFont typeface="Arial" panose="020B0604020202020204" pitchFamily="34" charset="0"/>
-              <a:buChar char="•"/>
-            </a:pPr>
-            <a:r>
-              <a:rPr lang="en-US" b="0" i="0" u="none" strike="noStrike" dirty="0">
-                <a:solidFill>
-                  <a:srgbClr val="222222"/>
-                </a:solidFill>
-                <a:effectLst/>
-                <a:latin typeface="Harding"/>
-              </a:rPr>
-              <a:t>correlation coefficient is calculated using the entire expression matrix</a:t>
-            </a:r>
-            <a:r>
-              <a:rPr lang="en-US" b="1" i="0" u="none" strike="noStrike" dirty="0">
-                <a:solidFill>
-                  <a:srgbClr val="222222"/>
-                </a:solidFill>
-                <a:effectLst/>
-                <a:latin typeface="Harding"/>
-              </a:rPr>
-              <a:t>, including dropouts</a:t>
-            </a:r>
-            <a:r>
-              <a:rPr lang="en-US" b="0" i="0" u="none" strike="noStrike" dirty="0">
-                <a:solidFill>
-                  <a:srgbClr val="222222"/>
-                </a:solidFill>
-                <a:effectLst/>
-                <a:latin typeface="Harding"/>
-              </a:rPr>
-              <a:t>. This avoids situations in which the correlation coefficient is determined by a small subset of cells with positive expression in the two genes being assessed. However, it is also possible to mask the cells that are involved in a dropout event for any of the two genes.</a:t>
-            </a:r>
-            <a:endParaRPr lang="en-IL" dirty="0"/>
-          </a:p>
-          <a:p>
-            <a:endParaRPr lang="en-IL" dirty="0"/>
-          </a:p>
-          <a:p>
+            <a:pPr marL="0" algn="r" defTabSz="914400" rtl="1" eaLnBrk="1" latinLnBrk="0" hangingPunct="1"/>
             <a:endParaRPr lang="en-IL" dirty="0"/>
           </a:p>
         </p:txBody>
@@ -5847,7 +6026,7 @@
           <a:p>
             <a:fld id="{86AFD4FA-721D-0140-967B-1B04101EA7BE}" type="slidenum">
               <a:rPr lang="en-IL" smtClean="0"/>
-              <a:t>13</a:t>
+              <a:t>11</a:t>
             </a:fld>
             <a:endParaRPr lang="en-IL"/>
           </a:p>
@@ -5856,7 +6035,7 @@
     </p:spTree>
     <p:extLst>
       <p:ext uri="{BB962C8B-B14F-4D97-AF65-F5344CB8AC3E}">
-        <p14:creationId xmlns:p14="http://schemas.microsoft.com/office/powerpoint/2010/main" val="1119978345"/>
+        <p14:creationId xmlns:p14="http://schemas.microsoft.com/office/powerpoint/2010/main" val="2440908482"/>
       </p:ext>
     </p:extLst>
   </p:cSld>
@@ -6015,7 +6194,7 @@
           <a:p>
             <a:fld id="{EA38F353-CEFF-2A41-859E-747C5F5B5087}" type="datetimeFigureOut">
               <a:rPr lang="en-IL" smtClean="0"/>
-              <a:t>21/04/2023</a:t>
+              <a:t>22/05/2023</a:t>
             </a:fld>
             <a:endParaRPr lang="en-IL"/>
           </a:p>
@@ -6215,7 +6394,7 @@
           <a:p>
             <a:fld id="{EA38F353-CEFF-2A41-859E-747C5F5B5087}" type="datetimeFigureOut">
               <a:rPr lang="en-IL" smtClean="0"/>
-              <a:t>21/04/2023</a:t>
+              <a:t>22/05/2023</a:t>
             </a:fld>
             <a:endParaRPr lang="en-IL"/>
           </a:p>
@@ -6425,7 +6604,7 @@
           <a:p>
             <a:fld id="{EA38F353-CEFF-2A41-859E-747C5F5B5087}" type="datetimeFigureOut">
               <a:rPr lang="en-IL" smtClean="0"/>
-              <a:t>21/04/2023</a:t>
+              <a:t>22/05/2023</a:t>
             </a:fld>
             <a:endParaRPr lang="en-IL"/>
           </a:p>
@@ -6625,7 +6804,7 @@
           <a:p>
             <a:fld id="{EA38F353-CEFF-2A41-859E-747C5F5B5087}" type="datetimeFigureOut">
               <a:rPr lang="en-IL" smtClean="0"/>
-              <a:t>21/04/2023</a:t>
+              <a:t>22/05/2023</a:t>
             </a:fld>
             <a:endParaRPr lang="en-IL"/>
           </a:p>
@@ -6901,7 +7080,7 @@
           <a:p>
             <a:fld id="{EA38F353-CEFF-2A41-859E-747C5F5B5087}" type="datetimeFigureOut">
               <a:rPr lang="en-IL" smtClean="0"/>
-              <a:t>21/04/2023</a:t>
+              <a:t>22/05/2023</a:t>
             </a:fld>
             <a:endParaRPr lang="en-IL"/>
           </a:p>
@@ -7169,7 +7348,7 @@
           <a:p>
             <a:fld id="{EA38F353-CEFF-2A41-859E-747C5F5B5087}" type="datetimeFigureOut">
               <a:rPr lang="en-IL" smtClean="0"/>
-              <a:t>21/04/2023</a:t>
+              <a:t>22/05/2023</a:t>
             </a:fld>
             <a:endParaRPr lang="en-IL"/>
           </a:p>
@@ -7584,7 +7763,7 @@
           <a:p>
             <a:fld id="{EA38F353-CEFF-2A41-859E-747C5F5B5087}" type="datetimeFigureOut">
               <a:rPr lang="en-IL" smtClean="0"/>
-              <a:t>21/04/2023</a:t>
+              <a:t>22/05/2023</a:t>
             </a:fld>
             <a:endParaRPr lang="en-IL"/>
           </a:p>
@@ -7726,7 +7905,7 @@
           <a:p>
             <a:fld id="{EA38F353-CEFF-2A41-859E-747C5F5B5087}" type="datetimeFigureOut">
               <a:rPr lang="en-IL" smtClean="0"/>
-              <a:t>21/04/2023</a:t>
+              <a:t>22/05/2023</a:t>
             </a:fld>
             <a:endParaRPr lang="en-IL"/>
           </a:p>
@@ -7839,7 +8018,7 @@
           <a:p>
             <a:fld id="{EA38F353-CEFF-2A41-859E-747C5F5B5087}" type="datetimeFigureOut">
               <a:rPr lang="en-IL" smtClean="0"/>
-              <a:t>21/04/2023</a:t>
+              <a:t>22/05/2023</a:t>
             </a:fld>
             <a:endParaRPr lang="en-IL"/>
           </a:p>
@@ -8152,7 +8331,7 @@
           <a:p>
             <a:fld id="{EA38F353-CEFF-2A41-859E-747C5F5B5087}" type="datetimeFigureOut">
               <a:rPr lang="en-IL" smtClean="0"/>
-              <a:t>21/04/2023</a:t>
+              <a:t>22/05/2023</a:t>
             </a:fld>
             <a:endParaRPr lang="en-IL"/>
           </a:p>
@@ -8441,7 +8620,7 @@
           <a:p>
             <a:fld id="{EA38F353-CEFF-2A41-859E-747C5F5B5087}" type="datetimeFigureOut">
               <a:rPr lang="en-IL" smtClean="0"/>
-              <a:t>21/04/2023</a:t>
+              <a:t>22/05/2023</a:t>
             </a:fld>
             <a:endParaRPr lang="en-IL"/>
           </a:p>
@@ -8684,7 +8863,7 @@
           <a:p>
             <a:fld id="{EA38F353-CEFF-2A41-859E-747C5F5B5087}" type="datetimeFigureOut">
               <a:rPr lang="en-IL" smtClean="0"/>
-              <a:t>21/04/2023</a:t>
+              <a:t>22/05/2023</a:t>
             </a:fld>
             <a:endParaRPr lang="en-IL"/>
           </a:p>
@@ -9129,31 +9308,6 @@
           </a:p>
         </p:txBody>
       </p:sp>
-      <p:sp>
-        <p:nvSpPr>
-          <p:cNvPr id="3" name="Subtitle 2">
-            <a:extLst>
-              <a:ext uri="{FF2B5EF4-FFF2-40B4-BE49-F238E27FC236}">
-                <a16:creationId xmlns:a16="http://schemas.microsoft.com/office/drawing/2014/main" id="{B8271572-13C8-4440-0079-AAEFBA5FF1A9}"/>
-              </a:ext>
-            </a:extLst>
-          </p:cNvPr>
-          <p:cNvSpPr>
-            <a:spLocks noGrp="1"/>
-          </p:cNvSpPr>
-          <p:nvPr>
-            <p:ph type="subTitle" idx="1"/>
-          </p:nvPr>
-        </p:nvSpPr>
-        <p:spPr/>
-        <p:txBody>
-          <a:bodyPr/>
-          <a:lstStyle/>
-          <a:p>
-            <a:endParaRPr lang="en-IL" dirty="0"/>
-          </a:p>
-        </p:txBody>
-      </p:sp>
     </p:spTree>
     <p:extLst>
       <p:ext uri="{BB962C8B-B14F-4D97-AF65-F5344CB8AC3E}">
@@ -10400,7 +10554,15 @@
             </a:r>
             <a:r>
               <a:rPr lang="en-IL" dirty="0"/>
-              <a:t>ank all genes in the genome for their likelyhood of being a target gene of a certain input motif</a:t>
+              <a:t>ank all genes in the genome </a:t>
+            </a:r>
+            <a:r>
+              <a:rPr lang="en-IL" dirty="0">
+                <a:highlight>
+                  <a:srgbClr val="FFFF00"/>
+                </a:highlight>
+              </a:rPr>
+              <a:t>for their likelyhood of being a target gene of a certain input motif (pre-calculated)</a:t>
             </a:r>
           </a:p>
           <a:p>
@@ -10411,6 +10573,18 @@
             <a:r>
               <a:rPr lang="en-IL" dirty="0"/>
               <a:t>Recovery: Genomic ranks of a set of coexpressed genes are plotted in a cumulative recovery curve -&gt; X: motifs by ranks, Y: recovered from data</a:t>
+            </a:r>
+            <a:r>
+              <a:rPr lang="en-IL" dirty="0">
+                <a:solidFill>
+                  <a:srgbClr val="FF0000"/>
+                </a:solidFill>
+              </a:rPr>
+              <a:t>**</a:t>
+            </a:r>
+            <a:r>
+              <a:rPr lang="en-IL" dirty="0"/>
+              <a:t> </a:t>
             </a:r>
           </a:p>
           <a:p>
@@ -14189,7 +14363,7 @@
           <a:p>
             <a:r>
               <a:rPr lang="en-US" dirty="0"/>
-              <a:t>Namely Random Forest </a:t>
+              <a:t>Namely Random Forest *</a:t>
             </a:r>
           </a:p>
           <a:p>

--- a/my_notes.pptx
+++ b/my_notes.pptx
@@ -5,45 +5,49 @@
     <p:sldMasterId id="2147483648" r:id="rId1"/>
   </p:sldMasterIdLst>
   <p:notesMasterIdLst>
-    <p:notesMasterId r:id="rId38"/>
+    <p:notesMasterId r:id="rId42"/>
   </p:notesMasterIdLst>
   <p:sldIdLst>
-    <p:sldId id="256" r:id="rId2"/>
-    <p:sldId id="258" r:id="rId3"/>
-    <p:sldId id="265" r:id="rId4"/>
-    <p:sldId id="269" r:id="rId5"/>
-    <p:sldId id="259" r:id="rId6"/>
-    <p:sldId id="261" r:id="rId7"/>
-    <p:sldId id="262" r:id="rId8"/>
-    <p:sldId id="260" r:id="rId9"/>
-    <p:sldId id="264" r:id="rId10"/>
-    <p:sldId id="276" r:id="rId11"/>
-    <p:sldId id="263" r:id="rId12"/>
-    <p:sldId id="277" r:id="rId13"/>
-    <p:sldId id="266" r:id="rId14"/>
-    <p:sldId id="267" r:id="rId15"/>
-    <p:sldId id="270" r:id="rId16"/>
-    <p:sldId id="293" r:id="rId17"/>
-    <p:sldId id="286" r:id="rId18"/>
-    <p:sldId id="292" r:id="rId19"/>
-    <p:sldId id="294" r:id="rId20"/>
-    <p:sldId id="281" r:id="rId21"/>
-    <p:sldId id="295" r:id="rId22"/>
-    <p:sldId id="272" r:id="rId23"/>
-    <p:sldId id="278" r:id="rId24"/>
-    <p:sldId id="273" r:id="rId25"/>
-    <p:sldId id="274" r:id="rId26"/>
-    <p:sldId id="280" r:id="rId27"/>
-    <p:sldId id="275" r:id="rId28"/>
-    <p:sldId id="291" r:id="rId29"/>
-    <p:sldId id="288" r:id="rId30"/>
-    <p:sldId id="279" r:id="rId31"/>
-    <p:sldId id="283" r:id="rId32"/>
-    <p:sldId id="284" r:id="rId33"/>
-    <p:sldId id="285" r:id="rId34"/>
-    <p:sldId id="289" r:id="rId35"/>
-    <p:sldId id="290" r:id="rId36"/>
-    <p:sldId id="296" r:id="rId37"/>
+    <p:sldId id="300" r:id="rId2"/>
+    <p:sldId id="301" r:id="rId3"/>
+    <p:sldId id="298" r:id="rId4"/>
+    <p:sldId id="299" r:id="rId5"/>
+    <p:sldId id="256" r:id="rId6"/>
+    <p:sldId id="258" r:id="rId7"/>
+    <p:sldId id="265" r:id="rId8"/>
+    <p:sldId id="269" r:id="rId9"/>
+    <p:sldId id="259" r:id="rId10"/>
+    <p:sldId id="261" r:id="rId11"/>
+    <p:sldId id="262" r:id="rId12"/>
+    <p:sldId id="260" r:id="rId13"/>
+    <p:sldId id="264" r:id="rId14"/>
+    <p:sldId id="276" r:id="rId15"/>
+    <p:sldId id="263" r:id="rId16"/>
+    <p:sldId id="277" r:id="rId17"/>
+    <p:sldId id="266" r:id="rId18"/>
+    <p:sldId id="267" r:id="rId19"/>
+    <p:sldId id="270" r:id="rId20"/>
+    <p:sldId id="293" r:id="rId21"/>
+    <p:sldId id="286" r:id="rId22"/>
+    <p:sldId id="292" r:id="rId23"/>
+    <p:sldId id="294" r:id="rId24"/>
+    <p:sldId id="281" r:id="rId25"/>
+    <p:sldId id="295" r:id="rId26"/>
+    <p:sldId id="272" r:id="rId27"/>
+    <p:sldId id="278" r:id="rId28"/>
+    <p:sldId id="273" r:id="rId29"/>
+    <p:sldId id="274" r:id="rId30"/>
+    <p:sldId id="280" r:id="rId31"/>
+    <p:sldId id="275" r:id="rId32"/>
+    <p:sldId id="291" r:id="rId33"/>
+    <p:sldId id="288" r:id="rId34"/>
+    <p:sldId id="279" r:id="rId35"/>
+    <p:sldId id="283" r:id="rId36"/>
+    <p:sldId id="284" r:id="rId37"/>
+    <p:sldId id="285" r:id="rId38"/>
+    <p:sldId id="289" r:id="rId39"/>
+    <p:sldId id="290" r:id="rId40"/>
+    <p:sldId id="296" r:id="rId41"/>
   </p:sldIdLst>
   <p:sldSz cx="12192000" cy="6858000"/>
   <p:notesSz cx="6858000" cy="9144000"/>
@@ -2751,7 +2755,7 @@
           <a:p>
             <a:fld id="{388B1555-F4E9-5F41-9F32-9C0D89BD75B5}" type="datetimeFigureOut">
               <a:rPr lang="en-IL" smtClean="0"/>
-              <a:t>22/05/2023</a:t>
+              <a:t>24/07/2023</a:t>
             </a:fld>
             <a:endParaRPr lang="en-IL"/>
           </a:p>
@@ -3063,10 +3067,47 @@
           <a:bodyPr/>
           <a:lstStyle/>
           <a:p>
-            <a:r>
-              <a:rPr lang="en-IL" dirty="0"/>
-              <a:t>TO DO -&gt; create a simplified verseion</a:t>
-            </a:r>
+            <a:pPr marL="0" marR="0" lvl="0" indent="0" algn="l" defTabSz="914400" rtl="0" eaLnBrk="1" fontAlgn="auto" latinLnBrk="0" hangingPunct="1">
+              <a:lnSpc>
+                <a:spcPct val="100000"/>
+              </a:lnSpc>
+              <a:spcBef>
+                <a:spcPts val="0"/>
+              </a:spcBef>
+              <a:spcAft>
+                <a:spcPts val="0"/>
+              </a:spcAft>
+              <a:buClrTx/>
+              <a:buSzTx/>
+              <a:buFontTx/>
+              <a:buNone/>
+              <a:tabLst/>
+              <a:defRPr/>
+            </a:pPr>
+            <a:r>
+              <a:rPr lang="en-US" i="1" dirty="0" err="1">
+                <a:effectLst/>
+                <a:latin typeface="Helvetica" pitchFamily="2" charset="0"/>
+              </a:rPr>
+              <a:t>BioEssays</a:t>
+            </a:r>
+            <a:r>
+              <a:rPr lang="en-US" i="1" dirty="0">
+                <a:effectLst/>
+                <a:latin typeface="Helvetica" pitchFamily="2" charset="0"/>
+              </a:rPr>
+              <a:t> 1999;21:922–931. r 1999 John Wiley &amp; Sons, Inc.</a:t>
+            </a:r>
+            <a:endParaRPr lang="en-US" dirty="0">
+              <a:effectLst/>
+              <a:latin typeface="Helvetica" pitchFamily="2" charset="0"/>
+            </a:endParaRPr>
+          </a:p>
+          <a:p>
+            <a:endParaRPr lang="en-IL" dirty="0"/>
+          </a:p>
+          <a:p>
+            <a:endParaRPr lang="en-IL" dirty="0"/>
           </a:p>
         </p:txBody>
       </p:sp>
@@ -3096,7 +3137,7 @@
     </p:spTree>
     <p:extLst>
       <p:ext uri="{BB962C8B-B14F-4D97-AF65-F5344CB8AC3E}">
-        <p14:creationId xmlns:p14="http://schemas.microsoft.com/office/powerpoint/2010/main" val="1507173918"/>
+        <p14:creationId xmlns:p14="http://schemas.microsoft.com/office/powerpoint/2010/main" val="920513107"/>
       </p:ext>
     </p:extLst>
   </p:cSld>
@@ -3150,119 +3191,7 @@
           <a:bodyPr/>
           <a:lstStyle/>
           <a:p>
-            <a:r>
-              <a:rPr lang="en-IL" dirty="0"/>
-              <a:t>Is there a difference between regulons and modules?</a:t>
-            </a:r>
-          </a:p>
-          <a:p>
-            <a:r>
-              <a:rPr lang="en-US" dirty="0"/>
-              <a:t>C</a:t>
-            </a:r>
-            <a:r>
-              <a:rPr lang="en-IL" dirty="0"/>
-              <a:t>orrelation:</a:t>
-            </a:r>
-            <a:r>
-              <a:rPr lang="en-IL" sz="1200" dirty="0"/>
-              <a:t> Pearson product-moment correlation coeficient. Low threshold to avoid exessive filtering. </a:t>
-            </a:r>
-            <a:endParaRPr lang="en-IL" dirty="0"/>
-          </a:p>
-          <a:p>
-            <a:endParaRPr lang="en-IL" dirty="0"/>
-          </a:p>
-          <a:p>
-            <a:pPr marL="171450" indent="-171450">
-              <a:buFont typeface="Arial" panose="020B0604020202020204" pitchFamily="34" charset="0"/>
-              <a:buChar char="•"/>
-            </a:pPr>
-            <a:r>
-              <a:rPr lang="en-US" b="0" i="0" u="none" strike="noStrike" dirty="0">
-                <a:solidFill>
-                  <a:srgbClr val="222222"/>
-                </a:solidFill>
-                <a:effectLst/>
-                <a:latin typeface="Harding"/>
-              </a:rPr>
-              <a:t>By default, only positively correlated modules are used in the subsequent steps because these negatively correlated modules are less numerous, their regulatory interaction weights are lower and the resulting regulons show overall less motif enrichment. (https://</a:t>
-            </a:r>
-            <a:r>
-              <a:rPr lang="en-US" b="0" i="0" u="none" strike="noStrike" dirty="0" err="1">
-                <a:solidFill>
-                  <a:srgbClr val="222222"/>
-                </a:solidFill>
-                <a:effectLst/>
-                <a:latin typeface="Harding"/>
-              </a:rPr>
-              <a:t>www.nature.com</a:t>
-            </a:r>
-            <a:r>
-              <a:rPr lang="en-US" b="0" i="0" u="none" strike="noStrike" dirty="0">
-                <a:solidFill>
-                  <a:srgbClr val="222222"/>
-                </a:solidFill>
-                <a:effectLst/>
-                <a:latin typeface="Harding"/>
-              </a:rPr>
-              <a:t>/articles/s41596-020-0336-2, module generation, step 6)</a:t>
-            </a:r>
-          </a:p>
-          <a:p>
-            <a:pPr marL="171450" indent="-171450">
-              <a:buFont typeface="Arial" panose="020B0604020202020204" pitchFamily="34" charset="0"/>
-              <a:buChar char="•"/>
-            </a:pPr>
-            <a:endParaRPr lang="en-US" b="0" i="0" u="none" strike="noStrike" dirty="0">
-              <a:solidFill>
-                <a:srgbClr val="222222"/>
-              </a:solidFill>
-              <a:effectLst/>
-              <a:latin typeface="Harding"/>
-            </a:endParaRPr>
-          </a:p>
-          <a:p>
-            <a:pPr marL="171450" indent="-171450">
-              <a:buFont typeface="Arial" panose="020B0604020202020204" pitchFamily="34" charset="0"/>
-              <a:buChar char="•"/>
-            </a:pPr>
-            <a:r>
-              <a:rPr lang="en-US" b="0" i="0" u="none" strike="noStrike" dirty="0">
-                <a:solidFill>
-                  <a:srgbClr val="222222"/>
-                </a:solidFill>
-                <a:effectLst/>
-                <a:latin typeface="Harding"/>
-              </a:rPr>
-              <a:t>correlation coefficient is calculated using the entire expression matrix</a:t>
-            </a:r>
-            <a:r>
-              <a:rPr lang="en-US" b="1" i="0" u="none" strike="noStrike" dirty="0">
-                <a:solidFill>
-                  <a:srgbClr val="222222"/>
-                </a:solidFill>
-                <a:effectLst/>
-                <a:latin typeface="Harding"/>
-              </a:rPr>
-              <a:t>, including dropouts</a:t>
-            </a:r>
-            <a:r>
-              <a:rPr lang="en-US" b="0" i="0" u="none" strike="noStrike" dirty="0">
-                <a:solidFill>
-                  <a:srgbClr val="222222"/>
-                </a:solidFill>
-                <a:effectLst/>
-                <a:latin typeface="Harding"/>
-              </a:rPr>
-              <a:t>. This avoids situations in which the correlation coefficient is determined by a small subset of cells with positive expression in the two genes being assessed. However, it is also possible to mask the cells that are involved in a dropout event for any of the two genes.</a:t>
-            </a:r>
-            <a:endParaRPr lang="en-IL" dirty="0"/>
-          </a:p>
-          <a:p>
-            <a:endParaRPr lang="en-IL" dirty="0"/>
-          </a:p>
-          <a:p>
+            <a:pPr marL="0" algn="r" defTabSz="914400" rtl="1" eaLnBrk="1" latinLnBrk="0" hangingPunct="1"/>
             <a:endParaRPr lang="en-IL" dirty="0"/>
           </a:p>
         </p:txBody>
@@ -3284,7 +3213,7 @@
           <a:p>
             <a:fld id="{86AFD4FA-721D-0140-967B-1B04101EA7BE}" type="slidenum">
               <a:rPr lang="en-IL" smtClean="0"/>
-              <a:t>13</a:t>
+              <a:t>15</a:t>
             </a:fld>
             <a:endParaRPr lang="en-IL"/>
           </a:p>
@@ -3293,7 +3222,7 @@
     </p:spTree>
     <p:extLst>
       <p:ext uri="{BB962C8B-B14F-4D97-AF65-F5344CB8AC3E}">
-        <p14:creationId xmlns:p14="http://schemas.microsoft.com/office/powerpoint/2010/main" val="1119978345"/>
+        <p14:creationId xmlns:p14="http://schemas.microsoft.com/office/powerpoint/2010/main" val="2440908482"/>
       </p:ext>
     </p:extLst>
   </p:cSld>
@@ -3347,6 +3276,119 @@
           <a:bodyPr/>
           <a:lstStyle/>
           <a:p>
+            <a:r>
+              <a:rPr lang="en-IL" dirty="0"/>
+              <a:t>Is there a difference between regulons and modules?</a:t>
+            </a:r>
+          </a:p>
+          <a:p>
+            <a:r>
+              <a:rPr lang="en-US" dirty="0"/>
+              <a:t>C</a:t>
+            </a:r>
+            <a:r>
+              <a:rPr lang="en-IL" dirty="0"/>
+              <a:t>orrelation:</a:t>
+            </a:r>
+            <a:r>
+              <a:rPr lang="en-IL" sz="1200" dirty="0"/>
+              <a:t> Pearson product-moment correlation coeficient. Low threshold to avoid exessive filtering. </a:t>
+            </a:r>
+            <a:endParaRPr lang="en-IL" dirty="0"/>
+          </a:p>
+          <a:p>
+            <a:endParaRPr lang="en-IL" dirty="0"/>
+          </a:p>
+          <a:p>
+            <a:pPr marL="171450" indent="-171450">
+              <a:buFont typeface="Arial" panose="020B0604020202020204" pitchFamily="34" charset="0"/>
+              <a:buChar char="•"/>
+            </a:pPr>
+            <a:r>
+              <a:rPr lang="en-US" b="0" i="0" u="none" strike="noStrike" dirty="0">
+                <a:solidFill>
+                  <a:srgbClr val="222222"/>
+                </a:solidFill>
+                <a:effectLst/>
+                <a:latin typeface="Harding"/>
+              </a:rPr>
+              <a:t>By default, only positively correlated modules are used in the subsequent steps because these negatively correlated modules are less numerous, their regulatory interaction weights are lower and the resulting regulons show overall less motif enrichment. (https://</a:t>
+            </a:r>
+            <a:r>
+              <a:rPr lang="en-US" b="0" i="0" u="none" strike="noStrike" dirty="0" err="1">
+                <a:solidFill>
+                  <a:srgbClr val="222222"/>
+                </a:solidFill>
+                <a:effectLst/>
+                <a:latin typeface="Harding"/>
+              </a:rPr>
+              <a:t>www.nature.com</a:t>
+            </a:r>
+            <a:r>
+              <a:rPr lang="en-US" b="0" i="0" u="none" strike="noStrike" dirty="0">
+                <a:solidFill>
+                  <a:srgbClr val="222222"/>
+                </a:solidFill>
+                <a:effectLst/>
+                <a:latin typeface="Harding"/>
+              </a:rPr>
+              <a:t>/articles/s41596-020-0336-2, module generation, step 6)</a:t>
+            </a:r>
+          </a:p>
+          <a:p>
+            <a:pPr marL="171450" indent="-171450">
+              <a:buFont typeface="Arial" panose="020B0604020202020204" pitchFamily="34" charset="0"/>
+              <a:buChar char="•"/>
+            </a:pPr>
+            <a:endParaRPr lang="en-US" b="0" i="0" u="none" strike="noStrike" dirty="0">
+              <a:solidFill>
+                <a:srgbClr val="222222"/>
+              </a:solidFill>
+              <a:effectLst/>
+              <a:latin typeface="Harding"/>
+            </a:endParaRPr>
+          </a:p>
+          <a:p>
+            <a:pPr marL="171450" indent="-171450">
+              <a:buFont typeface="Arial" panose="020B0604020202020204" pitchFamily="34" charset="0"/>
+              <a:buChar char="•"/>
+            </a:pPr>
+            <a:r>
+              <a:rPr lang="en-US" b="0" i="0" u="none" strike="noStrike" dirty="0">
+                <a:solidFill>
+                  <a:srgbClr val="222222"/>
+                </a:solidFill>
+                <a:effectLst/>
+                <a:latin typeface="Harding"/>
+              </a:rPr>
+              <a:t>correlation coefficient is calculated using the entire expression matrix</a:t>
+            </a:r>
+            <a:r>
+              <a:rPr lang="en-US" b="1" i="0" u="none" strike="noStrike" dirty="0">
+                <a:solidFill>
+                  <a:srgbClr val="222222"/>
+                </a:solidFill>
+                <a:effectLst/>
+                <a:latin typeface="Harding"/>
+              </a:rPr>
+              <a:t>, including dropouts</a:t>
+            </a:r>
+            <a:r>
+              <a:rPr lang="en-US" b="0" i="0" u="none" strike="noStrike" dirty="0">
+                <a:solidFill>
+                  <a:srgbClr val="222222"/>
+                </a:solidFill>
+                <a:effectLst/>
+                <a:latin typeface="Harding"/>
+              </a:rPr>
+              <a:t>. This avoids situations in which the correlation coefficient is determined by a small subset of cells with positive expression in the two genes being assessed. However, it is also possible to mask the cells that are involved in a dropout event for any of the two genes.</a:t>
+            </a:r>
+            <a:endParaRPr lang="en-IL" dirty="0"/>
+          </a:p>
+          <a:p>
+            <a:endParaRPr lang="en-IL" dirty="0"/>
+          </a:p>
+          <a:p>
             <a:endParaRPr lang="en-IL" dirty="0"/>
           </a:p>
         </p:txBody>
@@ -3368,7 +3410,7 @@
           <a:p>
             <a:fld id="{86AFD4FA-721D-0140-967B-1B04101EA7BE}" type="slidenum">
               <a:rPr lang="en-IL" smtClean="0"/>
-              <a:t>14</a:t>
+              <a:t>17</a:t>
             </a:fld>
             <a:endParaRPr lang="en-IL"/>
           </a:p>
@@ -3377,7 +3419,7 @@
     </p:spTree>
     <p:extLst>
       <p:ext uri="{BB962C8B-B14F-4D97-AF65-F5344CB8AC3E}">
-        <p14:creationId xmlns:p14="http://schemas.microsoft.com/office/powerpoint/2010/main" val="971656060"/>
+        <p14:creationId xmlns:p14="http://schemas.microsoft.com/office/powerpoint/2010/main" val="1119978345"/>
       </p:ext>
     </p:extLst>
   </p:cSld>
@@ -3431,42 +3473,7 @@
           <a:bodyPr/>
           <a:lstStyle/>
           <a:p>
-            <a:r>
-              <a:rPr lang="en-IL" dirty="0"/>
-              <a:t>Genome rankings are pre-computed for all motifs in our collection that are linked to a known TF.</a:t>
-            </a:r>
-          </a:p>
-          <a:p>
             <a:endParaRPr lang="en-IL" dirty="0"/>
-          </a:p>
-          <a:p>
-            <a:r>
-              <a:rPr lang="en-US" dirty="0"/>
-              <a:t>https://</a:t>
-            </a:r>
-            <a:r>
-              <a:rPr lang="en-US" dirty="0" err="1"/>
-              <a:t>www.ncbi.nlm.nih.gov</a:t>
-            </a:r>
-            <a:r>
-              <a:rPr lang="en-US" dirty="0"/>
-              <a:t>/</a:t>
-            </a:r>
-            <a:r>
-              <a:rPr lang="en-US" dirty="0" err="1"/>
-              <a:t>pmc</a:t>
-            </a:r>
-            <a:r>
-              <a:rPr lang="en-US" dirty="0"/>
-              <a:t>/articles/PMC2910651/</a:t>
-            </a:r>
-            <a:endParaRPr lang="en-IL" dirty="0"/>
-          </a:p>
-          <a:p>
-            <a:r>
-              <a:rPr lang="en-IL" dirty="0"/>
-              <a:t> </a:t>
-            </a:r>
           </a:p>
         </p:txBody>
       </p:sp>
@@ -3487,7 +3494,7 @@
           <a:p>
             <a:fld id="{86AFD4FA-721D-0140-967B-1B04101EA7BE}" type="slidenum">
               <a:rPr lang="en-IL" smtClean="0"/>
-              <a:t>16</a:t>
+              <a:t>18</a:t>
             </a:fld>
             <a:endParaRPr lang="en-IL"/>
           </a:p>
@@ -3496,7 +3503,7 @@
     </p:spTree>
     <p:extLst>
       <p:ext uri="{BB962C8B-B14F-4D97-AF65-F5344CB8AC3E}">
-        <p14:creationId xmlns:p14="http://schemas.microsoft.com/office/powerpoint/2010/main" val="2057926619"/>
+        <p14:creationId xmlns:p14="http://schemas.microsoft.com/office/powerpoint/2010/main" val="971656060"/>
       </p:ext>
     </p:extLst>
   </p:cSld>
@@ -3587,15 +3594,6 @@
               <a:t> </a:t>
             </a:r>
           </a:p>
-          <a:p>
-            <a:r>
-              <a:rPr lang="en-IL" dirty="0"/>
-              <a:t>*each TF may have multiple motifs! </a:t>
-            </a:r>
-          </a:p>
-          <a:p>
-            <a:endParaRPr lang="en-IL" dirty="0"/>
-          </a:p>
         </p:txBody>
       </p:sp>
       <p:sp>
@@ -3615,7 +3613,7 @@
           <a:p>
             <a:fld id="{86AFD4FA-721D-0140-967B-1B04101EA7BE}" type="slidenum">
               <a:rPr lang="en-IL" smtClean="0"/>
-              <a:t>17</a:t>
+              <a:t>20</a:t>
             </a:fld>
             <a:endParaRPr lang="en-IL"/>
           </a:p>
@@ -3624,7 +3622,7 @@
     </p:spTree>
     <p:extLst>
       <p:ext uri="{BB962C8B-B14F-4D97-AF65-F5344CB8AC3E}">
-        <p14:creationId xmlns:p14="http://schemas.microsoft.com/office/powerpoint/2010/main" val="802723121"/>
+        <p14:creationId xmlns:p14="http://schemas.microsoft.com/office/powerpoint/2010/main" val="2057926619"/>
       </p:ext>
     </p:extLst>
   </p:cSld>
@@ -3679,13 +3677,14 @@
           <a:lstStyle/>
           <a:p>
             <a:r>
-              <a:rPr lang="en-US" dirty="0"/>
-              <a:t>C</a:t>
-            </a:r>
-            <a:r>
               <a:rPr lang="en-IL" dirty="0"/>
-              <a:t>luster-Buster </a:t>
-            </a:r>
+              <a:t>Genome rankings are pre-computed for all motifs in our collection that are linked to a known TF.</a:t>
+            </a:r>
+          </a:p>
+          <a:p>
+            <a:endParaRPr lang="en-IL" dirty="0"/>
+          </a:p>
+          <a:p>
             <a:r>
               <a:rPr lang="en-US" dirty="0"/>
               <a:t>https://</a:t>
@@ -3704,56 +3703,23 @@
             </a:r>
             <a:r>
               <a:rPr lang="en-US" dirty="0"/>
-              <a:t>/articles/PMC168947/ </a:t>
-            </a:r>
-          </a:p>
-          <a:p>
+              <a:t>/articles/PMC2910651/</a:t>
+            </a:r>
             <a:endParaRPr lang="en-IL" dirty="0"/>
           </a:p>
           <a:p>
-            <a:endParaRPr lang="en-IL" dirty="0"/>
-          </a:p>
-          <a:p>
-            <a:r>
-              <a:rPr lang="en-US" b="0" i="1" u="none" strike="noStrike" dirty="0">
-                <a:solidFill>
-                  <a:srgbClr val="4D5156"/>
-                </a:solidFill>
-                <a:effectLst/>
-                <a:latin typeface="Google Sans"/>
-              </a:rPr>
-              <a:t>Cis-regulatory modules (CRMs) - </a:t>
-            </a:r>
-            <a:r>
-              <a:rPr lang="en-US" b="0" i="0" u="none" strike="noStrike" dirty="0">
-                <a:solidFill>
-                  <a:srgbClr val="4D5156"/>
-                </a:solidFill>
-                <a:effectLst/>
-                <a:latin typeface="Google Sans"/>
-              </a:rPr>
-              <a:t> </a:t>
-            </a:r>
-            <a:r>
-              <a:rPr lang="en-US" b="0" i="0" u="none" strike="noStrike" dirty="0">
-                <a:solidFill>
-                  <a:srgbClr val="040C28"/>
-                </a:solidFill>
-                <a:effectLst/>
-                <a:latin typeface="Google Sans"/>
-              </a:rPr>
-              <a:t>DNA sequence elements that have transcriptional regulatory activity</a:t>
-            </a:r>
-            <a:r>
-              <a:rPr lang="en-US" b="0" i="0" u="none" strike="noStrike" dirty="0">
-                <a:solidFill>
-                  <a:srgbClr val="4D5156"/>
-                </a:solidFill>
-                <a:effectLst/>
-                <a:latin typeface="Google Sans"/>
-              </a:rPr>
-              <a:t>. (promoters, enhancers, silencers)</a:t>
-            </a:r>
+            <a:r>
+              <a:rPr lang="en-IL" dirty="0"/>
+              <a:t> </a:t>
+            </a:r>
+          </a:p>
+          <a:p>
+            <a:r>
+              <a:rPr lang="en-IL" dirty="0"/>
+              <a:t>*each TF may have multiple motifs! </a:t>
+            </a:r>
+          </a:p>
+          <a:p>
             <a:endParaRPr lang="en-IL" dirty="0"/>
           </a:p>
         </p:txBody>
@@ -3775,7 +3741,7 @@
           <a:p>
             <a:fld id="{86AFD4FA-721D-0140-967B-1B04101EA7BE}" type="slidenum">
               <a:rPr lang="en-IL" smtClean="0"/>
-              <a:t>18</a:t>
+              <a:t>21</a:t>
             </a:fld>
             <a:endParaRPr lang="en-IL"/>
           </a:p>
@@ -3784,7 +3750,7 @@
     </p:spTree>
     <p:extLst>
       <p:ext uri="{BB962C8B-B14F-4D97-AF65-F5344CB8AC3E}">
-        <p14:creationId xmlns:p14="http://schemas.microsoft.com/office/powerpoint/2010/main" val="2692109332"/>
+        <p14:creationId xmlns:p14="http://schemas.microsoft.com/office/powerpoint/2010/main" val="802723121"/>
       </p:ext>
     </p:extLst>
   </p:cSld>
@@ -3839,22 +3805,82 @@
           <a:lstStyle/>
           <a:p>
             <a:r>
+              <a:rPr lang="en-US" dirty="0"/>
+              <a:t>C</a:t>
+            </a:r>
+            <a:r>
               <a:rPr lang="en-IL" dirty="0"/>
-              <a:t>Leading edge: </a:t>
+              <a:t>luster-Buster </a:t>
+            </a:r>
+            <a:r>
+              <a:rPr lang="en-US" dirty="0"/>
+              <a:t>https://</a:t>
+            </a:r>
+            <a:r>
+              <a:rPr lang="en-US" dirty="0" err="1"/>
+              <a:t>www.ncbi.nlm.nih.gov</a:t>
+            </a:r>
+            <a:r>
+              <a:rPr lang="en-US" dirty="0"/>
+              <a:t>/</a:t>
+            </a:r>
+            <a:r>
+              <a:rPr lang="en-US" dirty="0" err="1"/>
+              <a:t>pmc</a:t>
+            </a:r>
+            <a:r>
+              <a:rPr lang="en-US" dirty="0"/>
+              <a:t>/articles/PMC168947/ </a:t>
             </a:r>
           </a:p>
           <a:p>
             <a:endParaRPr lang="en-IL" dirty="0"/>
           </a:p>
           <a:p>
-            <a:r>
-              <a:rPr lang="en-US" dirty="0"/>
-              <a:t>M</a:t>
-            </a:r>
-            <a:r>
-              <a:rPr lang="en-IL" dirty="0"/>
-              <a:t>ethods part of the first SCENIC paper</a:t>
-            </a:r>
+            <a:endParaRPr lang="en-IL" dirty="0"/>
+          </a:p>
+          <a:p>
+            <a:r>
+              <a:rPr lang="en-US" b="0" i="1" u="none" strike="noStrike" dirty="0">
+                <a:solidFill>
+                  <a:srgbClr val="4D5156"/>
+                </a:solidFill>
+                <a:effectLst/>
+                <a:latin typeface="Google Sans"/>
+              </a:rPr>
+              <a:t>Cis-regulatory modules (CRMs) - </a:t>
+            </a:r>
+            <a:r>
+              <a:rPr lang="en-US" b="0" i="0" u="none" strike="noStrike" dirty="0">
+                <a:solidFill>
+                  <a:srgbClr val="4D5156"/>
+                </a:solidFill>
+                <a:effectLst/>
+                <a:latin typeface="Google Sans"/>
+              </a:rPr>
+              <a:t> </a:t>
+            </a:r>
+            <a:r>
+              <a:rPr lang="en-US" b="0" i="0" u="none" strike="noStrike" dirty="0">
+                <a:solidFill>
+                  <a:srgbClr val="040C28"/>
+                </a:solidFill>
+                <a:effectLst/>
+                <a:latin typeface="Google Sans"/>
+              </a:rPr>
+              <a:t>DNA sequence elements that have transcriptional regulatory activity</a:t>
+            </a:r>
+            <a:r>
+              <a:rPr lang="en-US" b="0" i="0" u="none" strike="noStrike" dirty="0">
+                <a:solidFill>
+                  <a:srgbClr val="4D5156"/>
+                </a:solidFill>
+                <a:effectLst/>
+                <a:latin typeface="Google Sans"/>
+              </a:rPr>
+              <a:t>. (promoters, enhancers, silencers)</a:t>
+            </a:r>
+            <a:endParaRPr lang="en-IL" dirty="0"/>
           </a:p>
         </p:txBody>
       </p:sp>
@@ -3875,7 +3901,7 @@
           <a:p>
             <a:fld id="{86AFD4FA-721D-0140-967B-1B04101EA7BE}" type="slidenum">
               <a:rPr lang="en-IL" smtClean="0"/>
-              <a:t>20</a:t>
+              <a:t>22</a:t>
             </a:fld>
             <a:endParaRPr lang="en-IL"/>
           </a:p>
@@ -3884,7 +3910,7 @@
     </p:spTree>
     <p:extLst>
       <p:ext uri="{BB962C8B-B14F-4D97-AF65-F5344CB8AC3E}">
-        <p14:creationId xmlns:p14="http://schemas.microsoft.com/office/powerpoint/2010/main" val="2811168132"/>
+        <p14:creationId xmlns:p14="http://schemas.microsoft.com/office/powerpoint/2010/main" val="2692109332"/>
       </p:ext>
     </p:extLst>
   </p:cSld>
@@ -3939,42 +3965,22 @@
           <a:lstStyle/>
           <a:p>
             <a:r>
+              <a:rPr lang="en-IL" dirty="0"/>
+              <a:t>Leading edge: </a:t>
+            </a:r>
+          </a:p>
+          <a:p>
+            <a:endParaRPr lang="en-IL" dirty="0"/>
+          </a:p>
+          <a:p>
+            <a:r>
               <a:rPr lang="en-US" dirty="0"/>
-              <a:t>https://</a:t>
-            </a:r>
-            <a:r>
-              <a:rPr lang="en-US" dirty="0" err="1"/>
-              <a:t>journals.plos.org</a:t>
-            </a:r>
-            <a:r>
-              <a:rPr lang="en-US" dirty="0"/>
-              <a:t>/</a:t>
-            </a:r>
-            <a:r>
-              <a:rPr lang="en-US" dirty="0" err="1"/>
-              <a:t>ploscompbiol</a:t>
-            </a:r>
-            <a:r>
-              <a:rPr lang="en-US" dirty="0"/>
-              <a:t>/</a:t>
-            </a:r>
-            <a:r>
-              <a:rPr lang="en-US" dirty="0" err="1"/>
-              <a:t>article?id</a:t>
-            </a:r>
-            <a:r>
-              <a:rPr lang="en-US" dirty="0"/>
-              <a:t>=10.1371/journal.pcbi.1003731 </a:t>
-            </a:r>
-          </a:p>
-          <a:p>
-            <a:r>
-              <a:rPr lang="en-US" dirty="0"/>
-              <a:t>I am not sure weather this step is done in between ranking and recovery! </a:t>
-            </a:r>
-          </a:p>
-          <a:p>
-            <a:endParaRPr lang="en-IL" dirty="0"/>
+              <a:t>M</a:t>
+            </a:r>
+            <a:r>
+              <a:rPr lang="en-IL" dirty="0"/>
+              <a:t>ethods part of the first SCENIC paper</a:t>
+            </a:r>
           </a:p>
         </p:txBody>
       </p:sp>
@@ -3995,7 +4001,7 @@
           <a:p>
             <a:fld id="{86AFD4FA-721D-0140-967B-1B04101EA7BE}" type="slidenum">
               <a:rPr lang="en-IL" smtClean="0"/>
-              <a:t>21</a:t>
+              <a:t>24</a:t>
             </a:fld>
             <a:endParaRPr lang="en-IL"/>
           </a:p>
@@ -4004,7 +4010,7 @@
     </p:spTree>
     <p:extLst>
       <p:ext uri="{BB962C8B-B14F-4D97-AF65-F5344CB8AC3E}">
-        <p14:creationId xmlns:p14="http://schemas.microsoft.com/office/powerpoint/2010/main" val="2840657789"/>
+        <p14:creationId xmlns:p14="http://schemas.microsoft.com/office/powerpoint/2010/main" val="2811168132"/>
       </p:ext>
     </p:extLst>
   </p:cSld>
@@ -4059,23 +4065,6 @@
           <a:lstStyle/>
           <a:p>
             <a:r>
-              <a:rPr lang="en-IL" dirty="0"/>
-              <a:t>iRegulon  (= </a:t>
-            </a:r>
-            <a:r>
-              <a:rPr lang="en-US" dirty="0" err="1"/>
-              <a:t>cisTarget</a:t>
-            </a:r>
-            <a:r>
-              <a:rPr lang="en-US" dirty="0"/>
-              <a:t>) </a:t>
-            </a:r>
-          </a:p>
-          <a:p>
-            <a:endParaRPr lang="en-US" dirty="0"/>
-          </a:p>
-          <a:p>
-            <a:r>
               <a:rPr lang="en-US" dirty="0"/>
               <a:t>https://</a:t>
             </a:r>
@@ -4101,68 +4090,14 @@
             </a:r>
             <a:r>
               <a:rPr lang="en-US" dirty="0"/>
-              <a:t>=10.1371/journal.pcbi.1003731</a:t>
-            </a:r>
-          </a:p>
-          <a:p>
-            <a:endParaRPr lang="en-US" dirty="0"/>
-          </a:p>
-          <a:p>
-            <a:pPr algn="l">
-              <a:lnSpc>
-                <a:spcPts val="2250"/>
-              </a:lnSpc>
-              <a:spcBef>
-                <a:spcPts val="2000"/>
-              </a:spcBef>
-              <a:spcAft>
-                <a:spcPts val="1000"/>
-              </a:spcAft>
-            </a:pPr>
-            <a:r>
-              <a:rPr lang="en-US" sz="1800" b="0" i="0" u="none" strike="noStrike" dirty="0">
-                <a:solidFill>
-                  <a:srgbClr val="734126"/>
-                </a:solidFill>
-                <a:effectLst/>
-                <a:latin typeface="Cambria" panose="02040503050406030204" pitchFamily="18" charset="0"/>
-              </a:rPr>
-              <a:t>Detection of the target genes</a:t>
-            </a:r>
-          </a:p>
-          <a:p>
-            <a:pPr algn="l">
-              <a:spcBef>
-                <a:spcPts val="2000"/>
-              </a:spcBef>
-              <a:spcAft>
-                <a:spcPts val="2000"/>
-              </a:spcAft>
-            </a:pPr>
-            <a:r>
-              <a:rPr lang="en-US" b="0" i="0" u="sng" strike="noStrike" dirty="0">
-                <a:solidFill>
-                  <a:srgbClr val="4C2C92"/>
-                </a:solidFill>
-                <a:effectLst/>
-                <a:latin typeface="Cambria" panose="02040503050406030204" pitchFamily="18" charset="0"/>
-                <a:hlinkClick r:id="rId3"/>
-              </a:rPr>
-              <a:t>Fig. 1B</a:t>
-            </a:r>
-            <a:r>
-              <a:rPr lang="en-US" b="0" i="0" u="none" strike="noStrike" dirty="0">
-                <a:solidFill>
-                  <a:srgbClr val="212121"/>
-                </a:solidFill>
-                <a:effectLst/>
-                <a:latin typeface="Cambria" panose="02040503050406030204" pitchFamily="18" charset="0"/>
-              </a:rPr>
-              <a:t>. The target gene recovery is plotted along the whole-genome ranking for a given motif (blue curve) and compared to the average recovery + (2× standard deviation) (red curve) for all motifs in the collection. The leading edge corresponds to the rank where the difference between the signal (blue curve) and the background (red curve) is maximal within the top ranked genes (the latter is defined by the Rank Threshold parameter). The input genes that have a better ranking than the rank at the leading edge are predicted as target genes for the given motif or track.</a:t>
-            </a:r>
-          </a:p>
-          <a:p>
-            <a:endParaRPr lang="en-US" dirty="0"/>
+              <a:t>=10.1371/journal.pcbi.1003731 </a:t>
+            </a:r>
+          </a:p>
+          <a:p>
+            <a:r>
+              <a:rPr lang="en-US" dirty="0"/>
+              <a:t>I am not sure weather this step is done in between ranking and recovery! </a:t>
+            </a:r>
           </a:p>
           <a:p>
             <a:endParaRPr lang="en-IL" dirty="0"/>
@@ -4186,7 +4121,7 @@
           <a:p>
             <a:fld id="{86AFD4FA-721D-0140-967B-1B04101EA7BE}" type="slidenum">
               <a:rPr lang="en-IL" smtClean="0"/>
-              <a:t>22</a:t>
+              <a:t>25</a:t>
             </a:fld>
             <a:endParaRPr lang="en-IL"/>
           </a:p>
@@ -4195,7 +4130,7 @@
     </p:spTree>
     <p:extLst>
       <p:ext uri="{BB962C8B-B14F-4D97-AF65-F5344CB8AC3E}">
-        <p14:creationId xmlns:p14="http://schemas.microsoft.com/office/powerpoint/2010/main" val="3588214473"/>
+        <p14:creationId xmlns:p14="http://schemas.microsoft.com/office/powerpoint/2010/main" val="2840657789"/>
       </p:ext>
     </p:extLst>
   </p:cSld>
@@ -4251,8 +4186,112 @@
           <a:p>
             <a:r>
               <a:rPr lang="en-IL" dirty="0"/>
-              <a:t># TO DO -&gt; check if RNA-seq analysis (fold change) exists in validation</a:t>
-            </a:r>
+              <a:t>iRegulon  (= </a:t>
+            </a:r>
+            <a:r>
+              <a:rPr lang="en-US" dirty="0" err="1"/>
+              <a:t>cisTarget</a:t>
+            </a:r>
+            <a:r>
+              <a:rPr lang="en-US" dirty="0"/>
+              <a:t>) </a:t>
+            </a:r>
+          </a:p>
+          <a:p>
+            <a:endParaRPr lang="en-US" dirty="0"/>
+          </a:p>
+          <a:p>
+            <a:r>
+              <a:rPr lang="en-US" dirty="0"/>
+              <a:t>https://</a:t>
+            </a:r>
+            <a:r>
+              <a:rPr lang="en-US" dirty="0" err="1"/>
+              <a:t>journals.plos.org</a:t>
+            </a:r>
+            <a:r>
+              <a:rPr lang="en-US" dirty="0"/>
+              <a:t>/</a:t>
+            </a:r>
+            <a:r>
+              <a:rPr lang="en-US" dirty="0" err="1"/>
+              <a:t>ploscompbiol</a:t>
+            </a:r>
+            <a:r>
+              <a:rPr lang="en-US" dirty="0"/>
+              <a:t>/</a:t>
+            </a:r>
+            <a:r>
+              <a:rPr lang="en-US" dirty="0" err="1"/>
+              <a:t>article?id</a:t>
+            </a:r>
+            <a:r>
+              <a:rPr lang="en-US" dirty="0"/>
+              <a:t>=10.1371/journal.pcbi.1003731</a:t>
+            </a:r>
+          </a:p>
+          <a:p>
+            <a:endParaRPr lang="en-US" dirty="0"/>
+          </a:p>
+          <a:p>
+            <a:pPr algn="l">
+              <a:lnSpc>
+                <a:spcPts val="2250"/>
+              </a:lnSpc>
+              <a:spcBef>
+                <a:spcPts val="2000"/>
+              </a:spcBef>
+              <a:spcAft>
+                <a:spcPts val="1000"/>
+              </a:spcAft>
+            </a:pPr>
+            <a:r>
+              <a:rPr lang="en-US" sz="1800" b="0" i="0" u="none" strike="noStrike" dirty="0">
+                <a:solidFill>
+                  <a:srgbClr val="734126"/>
+                </a:solidFill>
+                <a:effectLst/>
+                <a:latin typeface="Cambria" panose="02040503050406030204" pitchFamily="18" charset="0"/>
+              </a:rPr>
+              <a:t>Detection of the target genes</a:t>
+            </a:r>
+          </a:p>
+          <a:p>
+            <a:pPr algn="l">
+              <a:spcBef>
+                <a:spcPts val="2000"/>
+              </a:spcBef>
+              <a:spcAft>
+                <a:spcPts val="2000"/>
+              </a:spcAft>
+            </a:pPr>
+            <a:r>
+              <a:rPr lang="en-US" b="0" i="0" u="sng" strike="noStrike" dirty="0">
+                <a:solidFill>
+                  <a:srgbClr val="4C2C92"/>
+                </a:solidFill>
+                <a:effectLst/>
+                <a:latin typeface="Cambria" panose="02040503050406030204" pitchFamily="18" charset="0"/>
+                <a:hlinkClick r:id="rId3"/>
+              </a:rPr>
+              <a:t>Fig. 1B</a:t>
+            </a:r>
+            <a:r>
+              <a:rPr lang="en-US" b="0" i="0" u="none" strike="noStrike" dirty="0">
+                <a:solidFill>
+                  <a:srgbClr val="212121"/>
+                </a:solidFill>
+                <a:effectLst/>
+                <a:latin typeface="Cambria" panose="02040503050406030204" pitchFamily="18" charset="0"/>
+              </a:rPr>
+              <a:t>. The target gene recovery is plotted along the whole-genome ranking for a given motif (blue curve) and compared to the average recovery + (2× standard deviation) (red curve) for all motifs in the collection. The leading edge corresponds to the rank where the difference between the signal (blue curve) and the background (red curve) is maximal within the top ranked genes (the latter is defined by the Rank Threshold parameter). The input genes that have a better ranking than the rank at the leading edge are predicted as target genes for the given motif or track.</a:t>
+            </a:r>
+          </a:p>
+          <a:p>
+            <a:endParaRPr lang="en-US" dirty="0"/>
+          </a:p>
+          <a:p>
+            <a:endParaRPr lang="en-IL" dirty="0"/>
           </a:p>
         </p:txBody>
       </p:sp>
@@ -4282,7 +4321,7 @@
     </p:spTree>
     <p:extLst>
       <p:ext uri="{BB962C8B-B14F-4D97-AF65-F5344CB8AC3E}">
-        <p14:creationId xmlns:p14="http://schemas.microsoft.com/office/powerpoint/2010/main" val="4079525344"/>
+        <p14:creationId xmlns:p14="http://schemas.microsoft.com/office/powerpoint/2010/main" val="3588214473"/>
       </p:ext>
     </p:extLst>
   </p:cSld>
@@ -4336,21 +4375,9 @@
           <a:bodyPr/>
           <a:lstStyle/>
           <a:p>
-            <a:pPr marL="0" algn="l" defTabSz="914400" rtl="0" eaLnBrk="1" latinLnBrk="0" hangingPunct="1"/>
             <a:r>
               <a:rPr lang="en-IL" dirty="0"/>
-              <a:t>(+) / (-) : activator / suppressor </a:t>
-            </a:r>
-          </a:p>
-          <a:p>
-            <a:pPr marL="0" algn="l" defTabSz="914400" rtl="0" eaLnBrk="1" latinLnBrk="0" hangingPunct="1"/>
-            <a:r>
-              <a:rPr lang="en-US" dirty="0"/>
-              <a:t>V</a:t>
-            </a:r>
-            <a:r>
-              <a:rPr lang="en-IL" dirty="0"/>
-              <a:t>alue: </a:t>
+              <a:t># TO DO -&gt; check if RNA-seq analysis (fold change) exists in validation</a:t>
             </a:r>
           </a:p>
         </p:txBody>
@@ -4372,7 +4399,7 @@
           <a:p>
             <a:fld id="{86AFD4FA-721D-0140-967B-1B04101EA7BE}" type="slidenum">
               <a:rPr lang="en-IL" smtClean="0"/>
-              <a:t>27</a:t>
+              <a:t>30</a:t>
             </a:fld>
             <a:endParaRPr lang="en-IL"/>
           </a:p>
@@ -4381,7 +4408,7 @@
     </p:spTree>
     <p:extLst>
       <p:ext uri="{BB962C8B-B14F-4D97-AF65-F5344CB8AC3E}">
-        <p14:creationId xmlns:p14="http://schemas.microsoft.com/office/powerpoint/2010/main" val="3669540211"/>
+        <p14:creationId xmlns:p14="http://schemas.microsoft.com/office/powerpoint/2010/main" val="4079525344"/>
       </p:ext>
     </p:extLst>
   </p:cSld>
@@ -4435,8 +4462,10 @@
           <a:bodyPr/>
           <a:lstStyle/>
           <a:p>
-            <a:pPr marL="0" algn="r" defTabSz="914400" rtl="1" eaLnBrk="1" latinLnBrk="0" hangingPunct="1"/>
-            <a:endParaRPr lang="en-IL" dirty="0"/>
+            <a:r>
+              <a:rPr lang="en-IL" dirty="0"/>
+              <a:t>TO DO -&gt; create a simplified verseion</a:t>
+            </a:r>
           </a:p>
         </p:txBody>
       </p:sp>
@@ -4457,7 +4486,7 @@
           <a:p>
             <a:fld id="{86AFD4FA-721D-0140-967B-1B04101EA7BE}" type="slidenum">
               <a:rPr lang="en-IL" smtClean="0"/>
-              <a:t>3</a:t>
+              <a:t>5</a:t>
             </a:fld>
             <a:endParaRPr lang="en-IL"/>
           </a:p>
@@ -4466,7 +4495,7 @@
     </p:spTree>
     <p:extLst>
       <p:ext uri="{BB962C8B-B14F-4D97-AF65-F5344CB8AC3E}">
-        <p14:creationId xmlns:p14="http://schemas.microsoft.com/office/powerpoint/2010/main" val="2784492710"/>
+        <p14:creationId xmlns:p14="http://schemas.microsoft.com/office/powerpoint/2010/main" val="1507173918"/>
       </p:ext>
     </p:extLst>
   </p:cSld>
@@ -4520,19 +4549,22 @@
           <a:bodyPr/>
           <a:lstStyle/>
           <a:p>
+            <a:pPr marL="0" algn="l" defTabSz="914400" rtl="0" eaLnBrk="1" latinLnBrk="0" hangingPunct="1"/>
+            <a:r>
+              <a:rPr lang="en-IL" dirty="0"/>
+              <a:t>(+) / (-) : activator / suppressor </a:t>
+            </a:r>
+          </a:p>
+          <a:p>
+            <a:pPr marL="0" algn="l" defTabSz="914400" rtl="0" eaLnBrk="1" latinLnBrk="0" hangingPunct="1"/>
             <a:r>
               <a:rPr lang="en-US" dirty="0"/>
-              <a:t>https://</a:t>
-            </a:r>
-            <a:r>
-              <a:rPr lang="en-US" dirty="0" err="1"/>
-              <a:t>www.nature.com</a:t>
-            </a:r>
-            <a:r>
-              <a:rPr lang="en-US" dirty="0"/>
-              <a:t>/articles/s41596-020-0336-2</a:t>
-            </a:r>
-            <a:endParaRPr lang="en-IL" dirty="0"/>
+              <a:t>V</a:t>
+            </a:r>
+            <a:r>
+              <a:rPr lang="en-IL" dirty="0"/>
+              <a:t>alue: </a:t>
+            </a:r>
           </a:p>
         </p:txBody>
       </p:sp>
@@ -4553,7 +4585,7 @@
           <a:p>
             <a:fld id="{86AFD4FA-721D-0140-967B-1B04101EA7BE}" type="slidenum">
               <a:rPr lang="en-IL" smtClean="0"/>
-              <a:t>28</a:t>
+              <a:t>31</a:t>
             </a:fld>
             <a:endParaRPr lang="en-IL"/>
           </a:p>
@@ -4562,7 +4594,7 @@
     </p:spTree>
     <p:extLst>
       <p:ext uri="{BB962C8B-B14F-4D97-AF65-F5344CB8AC3E}">
-        <p14:creationId xmlns:p14="http://schemas.microsoft.com/office/powerpoint/2010/main" val="2273289122"/>
+        <p14:creationId xmlns:p14="http://schemas.microsoft.com/office/powerpoint/2010/main" val="3669540211"/>
       </p:ext>
     </p:extLst>
   </p:cSld>
@@ -4616,22 +4648,19 @@
           <a:bodyPr/>
           <a:lstStyle/>
           <a:p>
-            <a:pPr marL="0" algn="l" defTabSz="914400" rtl="0" eaLnBrk="1" latinLnBrk="0" hangingPunct="1"/>
-            <a:r>
-              <a:rPr lang="en-IL" dirty="0"/>
-              <a:t>(+) / (-) : activator / suppressor </a:t>
-            </a:r>
-          </a:p>
-          <a:p>
-            <a:pPr marL="0" algn="l" defTabSz="914400" rtl="0" eaLnBrk="1" latinLnBrk="0" hangingPunct="1"/>
             <a:r>
               <a:rPr lang="en-US" dirty="0"/>
-              <a:t>V</a:t>
-            </a:r>
-            <a:r>
-              <a:rPr lang="en-IL" dirty="0"/>
-              <a:t>alue: </a:t>
-            </a:r>
+              <a:t>https://</a:t>
+            </a:r>
+            <a:r>
+              <a:rPr lang="en-US" dirty="0" err="1"/>
+              <a:t>www.nature.com</a:t>
+            </a:r>
+            <a:r>
+              <a:rPr lang="en-US" dirty="0"/>
+              <a:t>/articles/s41596-020-0336-2</a:t>
+            </a:r>
+            <a:endParaRPr lang="en-IL" dirty="0"/>
           </a:p>
         </p:txBody>
       </p:sp>
@@ -4652,7 +4681,7 @@
           <a:p>
             <a:fld id="{86AFD4FA-721D-0140-967B-1B04101EA7BE}" type="slidenum">
               <a:rPr lang="en-IL" smtClean="0"/>
-              <a:t>31</a:t>
+              <a:t>32</a:t>
             </a:fld>
             <a:endParaRPr lang="en-IL"/>
           </a:p>
@@ -4661,7 +4690,7 @@
     </p:spTree>
     <p:extLst>
       <p:ext uri="{BB962C8B-B14F-4D97-AF65-F5344CB8AC3E}">
-        <p14:creationId xmlns:p14="http://schemas.microsoft.com/office/powerpoint/2010/main" val="915191090"/>
+        <p14:creationId xmlns:p14="http://schemas.microsoft.com/office/powerpoint/2010/main" val="2273289122"/>
       </p:ext>
     </p:extLst>
   </p:cSld>
@@ -4715,37 +4744,22 @@
           <a:bodyPr/>
           <a:lstStyle/>
           <a:p>
+            <a:pPr marL="0" algn="l" defTabSz="914400" rtl="0" eaLnBrk="1" latinLnBrk="0" hangingPunct="1"/>
+            <a:r>
+              <a:rPr lang="en-IL" dirty="0"/>
+              <a:t>(+) / (-) : activator / suppressor </a:t>
+            </a:r>
+          </a:p>
+          <a:p>
+            <a:pPr marL="0" algn="l" defTabSz="914400" rtl="0" eaLnBrk="1" latinLnBrk="0" hangingPunct="1"/>
             <a:r>
               <a:rPr lang="en-US" dirty="0"/>
-              <a:t>https://</a:t>
-            </a:r>
-            <a:r>
-              <a:rPr lang="en-US" dirty="0" err="1"/>
-              <a:t>pyscenic.readthedocs.io</a:t>
-            </a:r>
-            <a:r>
-              <a:rPr lang="en-US" dirty="0"/>
-              <a:t>/</a:t>
-            </a:r>
-            <a:r>
-              <a:rPr lang="en-US" dirty="0" err="1"/>
-              <a:t>en</a:t>
-            </a:r>
-            <a:r>
-              <a:rPr lang="en-US" dirty="0"/>
-              <a:t>/stable/</a:t>
-            </a:r>
-            <a:r>
-              <a:rPr lang="en-US" dirty="0" err="1"/>
-              <a:t>faq.html</a:t>
-            </a:r>
-            <a:endParaRPr lang="en-US" dirty="0"/>
-          </a:p>
-          <a:p>
-            <a:endParaRPr lang="en-US" dirty="0"/>
-          </a:p>
-          <a:p>
-            <a:endParaRPr lang="en-IL" dirty="0"/>
+              <a:t>V</a:t>
+            </a:r>
+            <a:r>
+              <a:rPr lang="en-IL" dirty="0"/>
+              <a:t>alue: </a:t>
+            </a:r>
           </a:p>
         </p:txBody>
       </p:sp>
@@ -4766,7 +4780,7 @@
           <a:p>
             <a:fld id="{86AFD4FA-721D-0140-967B-1B04101EA7BE}" type="slidenum">
               <a:rPr lang="en-IL" smtClean="0"/>
-              <a:t>32</a:t>
+              <a:t>35</a:t>
             </a:fld>
             <a:endParaRPr lang="en-IL"/>
           </a:p>
@@ -4775,7 +4789,7 @@
     </p:spTree>
     <p:extLst>
       <p:ext uri="{BB962C8B-B14F-4D97-AF65-F5344CB8AC3E}">
-        <p14:creationId xmlns:p14="http://schemas.microsoft.com/office/powerpoint/2010/main" val="156342503"/>
+        <p14:creationId xmlns:p14="http://schemas.microsoft.com/office/powerpoint/2010/main" val="915191090"/>
       </p:ext>
     </p:extLst>
   </p:cSld>
@@ -4829,77 +4843,36 @@
           <a:bodyPr/>
           <a:lstStyle/>
           <a:p>
-            <a:pPr marL="0" algn="l" defTabSz="914400" rtl="1" eaLnBrk="1" latinLnBrk="0" hangingPunct="1"/>
             <a:r>
               <a:rPr lang="en-US" dirty="0"/>
-              <a:t>Jensen-Shannon divergence: </a:t>
-            </a:r>
-            <a:r>
-              <a:rPr lang="en-US" b="0" i="0" u="none" strike="noStrike" dirty="0">
-                <a:solidFill>
-                  <a:srgbClr val="202122"/>
-                </a:solidFill>
-                <a:effectLst/>
-                <a:latin typeface="Arial" panose="020B0604020202020204" pitchFamily="34" charset="0"/>
-              </a:rPr>
-              <a:t>method of measuring the similarity between two probability distributions.</a:t>
-            </a:r>
-          </a:p>
-          <a:p>
-            <a:pPr marL="0" algn="l" defTabSz="914400" rtl="1" eaLnBrk="1" latinLnBrk="0" hangingPunct="1"/>
-            <a:endParaRPr lang="en-US" b="0" i="0" u="none" strike="noStrike" dirty="0">
-              <a:solidFill>
-                <a:srgbClr val="202122"/>
-              </a:solidFill>
-              <a:effectLst/>
-              <a:latin typeface="Arial" panose="020B0604020202020204" pitchFamily="34" charset="0"/>
-            </a:endParaRPr>
-          </a:p>
-          <a:p>
-            <a:pPr marL="0" algn="l" defTabSz="914400" rtl="1" eaLnBrk="1" latinLnBrk="0" hangingPunct="1"/>
-            <a:r>
-              <a:rPr lang="en-US" b="0" i="0" u="none" strike="noStrike" dirty="0">
-                <a:solidFill>
-                  <a:srgbClr val="202122"/>
-                </a:solidFill>
-                <a:effectLst/>
-                <a:latin typeface="Arial" panose="020B0604020202020204" pitchFamily="34" charset="0"/>
-              </a:rPr>
               <a:t>https://</a:t>
             </a:r>
             <a:r>
-              <a:rPr lang="en-US" b="0" i="0" u="none" strike="noStrike" dirty="0" err="1">
-                <a:solidFill>
-                  <a:srgbClr val="202122"/>
-                </a:solidFill>
-                <a:effectLst/>
-                <a:latin typeface="Arial" panose="020B0604020202020204" pitchFamily="34" charset="0"/>
-              </a:rPr>
-              <a:t>www.nature.com</a:t>
-            </a:r>
-            <a:r>
-              <a:rPr lang="en-US" b="0" i="0" u="none" strike="noStrike" dirty="0">
-                <a:solidFill>
-                  <a:srgbClr val="202122"/>
-                </a:solidFill>
-                <a:effectLst/>
-                <a:latin typeface="Arial" panose="020B0604020202020204" pitchFamily="34" charset="0"/>
-              </a:rPr>
-              <a:t>/articles/s41596-020-0336-2</a:t>
-            </a:r>
-          </a:p>
-          <a:p>
-            <a:pPr marL="0" algn="l" defTabSz="914400" rtl="1" eaLnBrk="1" latinLnBrk="0" hangingPunct="1"/>
-            <a:r>
-              <a:rPr lang="en-US" b="0" i="0" u="none" strike="noStrike" dirty="0">
-                <a:solidFill>
-                  <a:srgbClr val="202122"/>
-                </a:solidFill>
-                <a:effectLst/>
-                <a:latin typeface="Arial" panose="020B0604020202020204" pitchFamily="34" charset="0"/>
-              </a:rPr>
-              <a:t> </a:t>
-            </a:r>
+              <a:rPr lang="en-US" dirty="0" err="1"/>
+              <a:t>pyscenic.readthedocs.io</a:t>
+            </a:r>
+            <a:r>
+              <a:rPr lang="en-US" dirty="0"/>
+              <a:t>/</a:t>
+            </a:r>
+            <a:r>
+              <a:rPr lang="en-US" dirty="0" err="1"/>
+              <a:t>en</a:t>
+            </a:r>
+            <a:r>
+              <a:rPr lang="en-US" dirty="0"/>
+              <a:t>/stable/</a:t>
+            </a:r>
+            <a:r>
+              <a:rPr lang="en-US" dirty="0" err="1"/>
+              <a:t>faq.html</a:t>
+            </a:r>
+            <a:endParaRPr lang="en-US" dirty="0"/>
+          </a:p>
+          <a:p>
+            <a:endParaRPr lang="en-US" dirty="0"/>
+          </a:p>
+          <a:p>
             <a:endParaRPr lang="en-IL" dirty="0"/>
           </a:p>
         </p:txBody>
@@ -4921,7 +4894,7 @@
           <a:p>
             <a:fld id="{86AFD4FA-721D-0140-967B-1B04101EA7BE}" type="slidenum">
               <a:rPr lang="en-IL" smtClean="0"/>
-              <a:t>35</a:t>
+              <a:t>36</a:t>
             </a:fld>
             <a:endParaRPr lang="en-IL"/>
           </a:p>
@@ -4930,7 +4903,7 @@
     </p:spTree>
     <p:extLst>
       <p:ext uri="{BB962C8B-B14F-4D97-AF65-F5344CB8AC3E}">
-        <p14:creationId xmlns:p14="http://schemas.microsoft.com/office/powerpoint/2010/main" val="3234677798"/>
+        <p14:creationId xmlns:p14="http://schemas.microsoft.com/office/powerpoint/2010/main" val="156342503"/>
       </p:ext>
     </p:extLst>
   </p:cSld>
@@ -4984,6 +4957,77 @@
           <a:bodyPr/>
           <a:lstStyle/>
           <a:p>
+            <a:pPr marL="0" algn="l" defTabSz="914400" rtl="1" eaLnBrk="1" latinLnBrk="0" hangingPunct="1"/>
+            <a:r>
+              <a:rPr lang="en-US" dirty="0"/>
+              <a:t>Jensen-Shannon divergence: </a:t>
+            </a:r>
+            <a:r>
+              <a:rPr lang="en-US" b="0" i="0" u="none" strike="noStrike" dirty="0">
+                <a:solidFill>
+                  <a:srgbClr val="202122"/>
+                </a:solidFill>
+                <a:effectLst/>
+                <a:latin typeface="Arial" panose="020B0604020202020204" pitchFamily="34" charset="0"/>
+              </a:rPr>
+              <a:t>method of measuring the similarity between two probability distributions.</a:t>
+            </a:r>
+          </a:p>
+          <a:p>
+            <a:pPr marL="0" algn="l" defTabSz="914400" rtl="1" eaLnBrk="1" latinLnBrk="0" hangingPunct="1"/>
+            <a:endParaRPr lang="en-US" b="0" i="0" u="none" strike="noStrike" dirty="0">
+              <a:solidFill>
+                <a:srgbClr val="202122"/>
+              </a:solidFill>
+              <a:effectLst/>
+              <a:latin typeface="Arial" panose="020B0604020202020204" pitchFamily="34" charset="0"/>
+            </a:endParaRPr>
+          </a:p>
+          <a:p>
+            <a:pPr marL="0" algn="l" defTabSz="914400" rtl="1" eaLnBrk="1" latinLnBrk="0" hangingPunct="1"/>
+            <a:r>
+              <a:rPr lang="en-US" b="0" i="0" u="none" strike="noStrike" dirty="0">
+                <a:solidFill>
+                  <a:srgbClr val="202122"/>
+                </a:solidFill>
+                <a:effectLst/>
+                <a:latin typeface="Arial" panose="020B0604020202020204" pitchFamily="34" charset="0"/>
+              </a:rPr>
+              <a:t>https://</a:t>
+            </a:r>
+            <a:r>
+              <a:rPr lang="en-US" b="0" i="0" u="none" strike="noStrike" dirty="0" err="1">
+                <a:solidFill>
+                  <a:srgbClr val="202122"/>
+                </a:solidFill>
+                <a:effectLst/>
+                <a:latin typeface="Arial" panose="020B0604020202020204" pitchFamily="34" charset="0"/>
+              </a:rPr>
+              <a:t>www.nature.com</a:t>
+            </a:r>
+            <a:r>
+              <a:rPr lang="en-US" b="0" i="0" u="none" strike="noStrike" dirty="0">
+                <a:solidFill>
+                  <a:srgbClr val="202122"/>
+                </a:solidFill>
+                <a:effectLst/>
+                <a:latin typeface="Arial" panose="020B0604020202020204" pitchFamily="34" charset="0"/>
+              </a:rPr>
+              <a:t>/articles/s41596-020-0336-2</a:t>
+            </a:r>
+          </a:p>
+          <a:p>
+            <a:pPr marL="0" algn="l" defTabSz="914400" rtl="1" eaLnBrk="1" latinLnBrk="0" hangingPunct="1"/>
+            <a:r>
+              <a:rPr lang="en-US" b="0" i="0" u="none" strike="noStrike" dirty="0">
+                <a:solidFill>
+                  <a:srgbClr val="202122"/>
+                </a:solidFill>
+                <a:effectLst/>
+                <a:latin typeface="Arial" panose="020B0604020202020204" pitchFamily="34" charset="0"/>
+              </a:rPr>
+              <a:t> </a:t>
+            </a:r>
             <a:endParaRPr lang="en-IL" dirty="0"/>
           </a:p>
         </p:txBody>
@@ -5005,7 +5049,91 @@
           <a:p>
             <a:fld id="{86AFD4FA-721D-0140-967B-1B04101EA7BE}" type="slidenum">
               <a:rPr lang="en-IL" smtClean="0"/>
-              <a:t>36</a:t>
+              <a:t>39</a:t>
+            </a:fld>
+            <a:endParaRPr lang="en-IL"/>
+          </a:p>
+        </p:txBody>
+      </p:sp>
+    </p:spTree>
+    <p:extLst>
+      <p:ext uri="{BB962C8B-B14F-4D97-AF65-F5344CB8AC3E}">
+        <p14:creationId xmlns:p14="http://schemas.microsoft.com/office/powerpoint/2010/main" val="3234677798"/>
+      </p:ext>
+    </p:extLst>
+  </p:cSld>
+  <p:clrMapOvr>
+    <a:masterClrMapping/>
+  </p:clrMapOvr>
+</p:notes>
+</file>
+
+<file path=ppt/notesSlides/notesSlide25.xml><?xml version="1.0" encoding="utf-8"?>
+<p:notes xmlns:a="http://schemas.openxmlformats.org/drawingml/2006/main" xmlns:r="http://schemas.openxmlformats.org/officeDocument/2006/relationships" xmlns:p="http://schemas.openxmlformats.org/presentationml/2006/main">
+  <p:cSld>
+    <p:spTree>
+      <p:nvGrpSpPr>
+        <p:cNvPr id="1" name=""/>
+        <p:cNvGrpSpPr/>
+        <p:nvPr/>
+      </p:nvGrpSpPr>
+      <p:grpSpPr>
+        <a:xfrm>
+          <a:off x="0" y="0"/>
+          <a:ext cx="0" cy="0"/>
+          <a:chOff x="0" y="0"/>
+          <a:chExt cx="0" cy="0"/>
+        </a:xfrm>
+      </p:grpSpPr>
+      <p:sp>
+        <p:nvSpPr>
+          <p:cNvPr id="2" name="Slide Image Placeholder 1"/>
+          <p:cNvSpPr>
+            <a:spLocks noGrp="1" noRot="1" noChangeAspect="1"/>
+          </p:cNvSpPr>
+          <p:nvPr>
+            <p:ph type="sldImg"/>
+          </p:nvPr>
+        </p:nvSpPr>
+        <p:spPr/>
+      </p:sp>
+      <p:sp>
+        <p:nvSpPr>
+          <p:cNvPr id="3" name="Notes Placeholder 2"/>
+          <p:cNvSpPr>
+            <a:spLocks noGrp="1"/>
+          </p:cNvSpPr>
+          <p:nvPr>
+            <p:ph type="body" idx="1"/>
+          </p:nvPr>
+        </p:nvSpPr>
+        <p:spPr/>
+        <p:txBody>
+          <a:bodyPr/>
+          <a:lstStyle/>
+          <a:p>
+            <a:endParaRPr lang="en-IL" dirty="0"/>
+          </a:p>
+        </p:txBody>
+      </p:sp>
+      <p:sp>
+        <p:nvSpPr>
+          <p:cNvPr id="4" name="Slide Number Placeholder 3"/>
+          <p:cNvSpPr>
+            <a:spLocks noGrp="1"/>
+          </p:cNvSpPr>
+          <p:nvPr>
+            <p:ph type="sldNum" sz="quarter" idx="5"/>
+          </p:nvPr>
+        </p:nvSpPr>
+        <p:spPr/>
+        <p:txBody>
+          <a:bodyPr/>
+          <a:lstStyle/>
+          <a:p>
+            <a:fld id="{86AFD4FA-721D-0140-967B-1B04101EA7BE}" type="slidenum">
+              <a:rPr lang="en-IL" smtClean="0"/>
+              <a:t>40</a:t>
             </a:fld>
             <a:endParaRPr lang="en-IL"/>
           </a:p>
@@ -5068,153 +5196,7 @@
           <a:bodyPr/>
           <a:lstStyle/>
           <a:p>
-            <a:r>
-              <a:rPr lang="en-US" b="0" i="0" u="none" strike="noStrike" dirty="0">
-                <a:solidFill>
-                  <a:srgbClr val="333333"/>
-                </a:solidFill>
-                <a:effectLst/>
-                <a:latin typeface="Arial" panose="020B0604020202020204" pitchFamily="34" charset="0"/>
-              </a:rPr>
-              <a:t>GENIE3 paper: Huynh-Thu V. A., </a:t>
-            </a:r>
-            <a:r>
-              <a:rPr lang="en-US" b="0" i="0" u="none" strike="noStrike" dirty="0" err="1">
-                <a:solidFill>
-                  <a:srgbClr val="333333"/>
-                </a:solidFill>
-                <a:effectLst/>
-                <a:latin typeface="Arial" panose="020B0604020202020204" pitchFamily="34" charset="0"/>
-              </a:rPr>
-              <a:t>Irrthum</a:t>
-            </a:r>
-            <a:r>
-              <a:rPr lang="en-US" b="0" i="0" u="none" strike="noStrike" dirty="0">
-                <a:solidFill>
-                  <a:srgbClr val="333333"/>
-                </a:solidFill>
-                <a:effectLst/>
-                <a:latin typeface="Arial" panose="020B0604020202020204" pitchFamily="34" charset="0"/>
-              </a:rPr>
-              <a:t> A., </a:t>
-            </a:r>
-            <a:r>
-              <a:rPr lang="en-US" b="0" i="0" u="none" strike="noStrike" dirty="0" err="1">
-                <a:solidFill>
-                  <a:srgbClr val="333333"/>
-                </a:solidFill>
-                <a:effectLst/>
-                <a:latin typeface="Arial" panose="020B0604020202020204" pitchFamily="34" charset="0"/>
-              </a:rPr>
-              <a:t>Wehenkel</a:t>
-            </a:r>
-            <a:r>
-              <a:rPr lang="en-US" b="0" i="0" u="none" strike="noStrike" dirty="0">
-                <a:solidFill>
-                  <a:srgbClr val="333333"/>
-                </a:solidFill>
-                <a:effectLst/>
-                <a:latin typeface="Arial" panose="020B0604020202020204" pitchFamily="34" charset="0"/>
-              </a:rPr>
-              <a:t> L., and </a:t>
-            </a:r>
-            <a:r>
-              <a:rPr lang="en-US" b="0" i="0" u="none" strike="noStrike" dirty="0" err="1">
-                <a:solidFill>
-                  <a:srgbClr val="333333"/>
-                </a:solidFill>
-                <a:effectLst/>
-                <a:latin typeface="Arial" panose="020B0604020202020204" pitchFamily="34" charset="0"/>
-              </a:rPr>
-              <a:t>Geurts</a:t>
-            </a:r>
-            <a:r>
-              <a:rPr lang="en-US" b="0" i="0" u="none" strike="noStrike" dirty="0">
-                <a:solidFill>
-                  <a:srgbClr val="333333"/>
-                </a:solidFill>
-                <a:effectLst/>
-                <a:latin typeface="Arial" panose="020B0604020202020204" pitchFamily="34" charset="0"/>
-              </a:rPr>
-              <a:t> P. (2010) Inferring regulatory networks from expression data using tree-based methods. </a:t>
-            </a:r>
-            <a:r>
-              <a:rPr lang="en-US" b="0" i="1" u="none" strike="noStrike" dirty="0" err="1">
-                <a:solidFill>
-                  <a:srgbClr val="333333"/>
-                </a:solidFill>
-                <a:effectLst/>
-                <a:latin typeface="Arial" panose="020B0604020202020204" pitchFamily="34" charset="0"/>
-              </a:rPr>
-              <a:t>PLoS</a:t>
-            </a:r>
-            <a:r>
-              <a:rPr lang="en-US" b="0" i="1" u="none" strike="noStrike" dirty="0">
-                <a:solidFill>
-                  <a:srgbClr val="333333"/>
-                </a:solidFill>
-                <a:effectLst/>
-                <a:latin typeface="Arial" panose="020B0604020202020204" pitchFamily="34" charset="0"/>
-              </a:rPr>
-              <a:t> ONE</a:t>
-            </a:r>
-            <a:r>
-              <a:rPr lang="en-US" b="0" i="0" u="none" strike="noStrike" dirty="0">
-                <a:solidFill>
-                  <a:srgbClr val="333333"/>
-                </a:solidFill>
-                <a:effectLst/>
-                <a:latin typeface="Arial" panose="020B0604020202020204" pitchFamily="34" charset="0"/>
-              </a:rPr>
-              <a:t>, 5(9):e12776.</a:t>
-            </a:r>
-          </a:p>
-          <a:p>
-            <a:r>
-              <a:rPr lang="en-US" dirty="0"/>
-              <a:t>https://</a:t>
-            </a:r>
-            <a:r>
-              <a:rPr lang="en-US" dirty="0" err="1"/>
-              <a:t>pubmed.ncbi.nlm.nih.gov</a:t>
-            </a:r>
-            <a:r>
-              <a:rPr lang="en-US" dirty="0"/>
-              <a:t>/20927193/</a:t>
-            </a:r>
-            <a:r>
-              <a:rPr lang="en-US" b="0" i="0" u="none" strike="noStrike" dirty="0">
-                <a:solidFill>
-                  <a:srgbClr val="333333"/>
-                </a:solidFill>
-                <a:effectLst/>
-                <a:latin typeface="Arial" panose="020B0604020202020204" pitchFamily="34" charset="0"/>
-              </a:rPr>
-              <a:t> </a:t>
-            </a:r>
-          </a:p>
-          <a:p>
-            <a:endParaRPr lang="en-US" b="0" i="0" u="none" strike="noStrike" dirty="0">
-              <a:solidFill>
-                <a:srgbClr val="333333"/>
-              </a:solidFill>
-              <a:effectLst/>
-              <a:latin typeface="Arial" panose="020B0604020202020204" pitchFamily="34" charset="0"/>
-            </a:endParaRPr>
-          </a:p>
-          <a:p>
-            <a:r>
-              <a:rPr lang="en-US" b="0" i="0" u="none" strike="noStrike" dirty="0">
-                <a:solidFill>
-                  <a:srgbClr val="333333"/>
-                </a:solidFill>
-                <a:effectLst/>
-                <a:latin typeface="Arial" panose="020B0604020202020204" pitchFamily="34" charset="0"/>
-              </a:rPr>
-              <a:t>GENIE = Gene Network Inference with Ensemble of trees </a:t>
-            </a:r>
-          </a:p>
-          <a:p>
+            <a:pPr marL="0" algn="r" defTabSz="914400" rtl="1" eaLnBrk="1" latinLnBrk="0" hangingPunct="1"/>
             <a:endParaRPr lang="en-IL" dirty="0"/>
           </a:p>
         </p:txBody>
@@ -5236,7 +5218,7 @@
           <a:p>
             <a:fld id="{86AFD4FA-721D-0140-967B-1B04101EA7BE}" type="slidenum">
               <a:rPr lang="en-IL" smtClean="0"/>
-              <a:t>5</a:t>
+              <a:t>7</a:t>
             </a:fld>
             <a:endParaRPr lang="en-IL"/>
           </a:p>
@@ -5245,7 +5227,7 @@
     </p:spTree>
     <p:extLst>
       <p:ext uri="{BB962C8B-B14F-4D97-AF65-F5344CB8AC3E}">
-        <p14:creationId xmlns:p14="http://schemas.microsoft.com/office/powerpoint/2010/main" val="1224717014"/>
+        <p14:creationId xmlns:p14="http://schemas.microsoft.com/office/powerpoint/2010/main" val="2784492710"/>
       </p:ext>
     </p:extLst>
   </p:cSld>
@@ -5302,86 +5284,150 @@
             <a:r>
               <a:rPr lang="en-US" b="0" i="0" u="none" strike="noStrike" dirty="0">
                 <a:solidFill>
-                  <a:srgbClr val="202020"/>
-                </a:solidFill>
-                <a:effectLst/>
-                <a:latin typeface="Helvetica" pitchFamily="2" charset="0"/>
-              </a:rPr>
-              <a:t>In a Random Forests ensemble, </a:t>
-            </a:r>
-          </a:p>
-          <a:p>
+                  <a:srgbClr val="333333"/>
+                </a:solidFill>
+                <a:effectLst/>
+                <a:latin typeface="Arial" panose="020B0604020202020204" pitchFamily="34" charset="0"/>
+              </a:rPr>
+              <a:t>GENIE3 paper: Huynh-Thu V. A., </a:t>
+            </a:r>
+            <a:r>
+              <a:rPr lang="en-US" b="0" i="0" u="none" strike="noStrike" dirty="0" err="1">
+                <a:solidFill>
+                  <a:srgbClr val="333333"/>
+                </a:solidFill>
+                <a:effectLst/>
+                <a:latin typeface="Arial" panose="020B0604020202020204" pitchFamily="34" charset="0"/>
+              </a:rPr>
+              <a:t>Irrthum</a:t>
+            </a:r>
             <a:r>
               <a:rPr lang="en-US" b="0" i="0" u="none" strike="noStrike" dirty="0">
                 <a:solidFill>
-                  <a:srgbClr val="202020"/>
-                </a:solidFill>
-                <a:effectLst/>
-                <a:latin typeface="Helvetica" pitchFamily="2" charset="0"/>
-              </a:rPr>
-              <a:t>each tree is built on a bootstrap sample from the original learning sample and, at each test node, </a:t>
+                  <a:srgbClr val="333333"/>
+                </a:solidFill>
+                <a:effectLst/>
+                <a:latin typeface="Arial" panose="020B0604020202020204" pitchFamily="34" charset="0"/>
+              </a:rPr>
+              <a:t> A., </a:t>
+            </a:r>
+            <a:r>
+              <a:rPr lang="en-US" b="0" i="0" u="none" strike="noStrike" dirty="0" err="1">
+                <a:solidFill>
+                  <a:srgbClr val="333333"/>
+                </a:solidFill>
+                <a:effectLst/>
+                <a:latin typeface="Arial" panose="020B0604020202020204" pitchFamily="34" charset="0"/>
+              </a:rPr>
+              <a:t>Wehenkel</a:t>
+            </a:r>
+            <a:r>
+              <a:rPr lang="en-US" b="0" i="0" u="none" strike="noStrike" dirty="0">
+                <a:solidFill>
+                  <a:srgbClr val="333333"/>
+                </a:solidFill>
+                <a:effectLst/>
+                <a:latin typeface="Arial" panose="020B0604020202020204" pitchFamily="34" charset="0"/>
+              </a:rPr>
+              <a:t> L., and </a:t>
+            </a:r>
+            <a:r>
+              <a:rPr lang="en-US" b="0" i="0" u="none" strike="noStrike" dirty="0" err="1">
+                <a:solidFill>
+                  <a:srgbClr val="333333"/>
+                </a:solidFill>
+                <a:effectLst/>
+                <a:latin typeface="Arial" panose="020B0604020202020204" pitchFamily="34" charset="0"/>
+              </a:rPr>
+              <a:t>Geurts</a:t>
+            </a:r>
+            <a:r>
+              <a:rPr lang="en-US" b="0" i="0" u="none" strike="noStrike" dirty="0">
+                <a:solidFill>
+                  <a:srgbClr val="333333"/>
+                </a:solidFill>
+                <a:effectLst/>
+                <a:latin typeface="Arial" panose="020B0604020202020204" pitchFamily="34" charset="0"/>
+              </a:rPr>
+              <a:t> P. (2010) Inferring regulatory networks from expression data using tree-based methods. </a:t>
+            </a:r>
+            <a:r>
+              <a:rPr lang="en-US" b="0" i="1" u="none" strike="noStrike" dirty="0" err="1">
+                <a:solidFill>
+                  <a:srgbClr val="333333"/>
+                </a:solidFill>
+                <a:effectLst/>
+                <a:latin typeface="Arial" panose="020B0604020202020204" pitchFamily="34" charset="0"/>
+              </a:rPr>
+              <a:t>PLoS</a:t>
             </a:r>
             <a:r>
               <a:rPr lang="en-US" b="0" i="1" u="none" strike="noStrike" dirty="0">
                 <a:solidFill>
-                  <a:srgbClr val="202020"/>
-                </a:solidFill>
-                <a:effectLst/>
-                <a:latin typeface="Helvetica" pitchFamily="2" charset="0"/>
-              </a:rPr>
-              <a:t>K</a:t>
+                  <a:srgbClr val="333333"/>
+                </a:solidFill>
+                <a:effectLst/>
+                <a:latin typeface="Arial" panose="020B0604020202020204" pitchFamily="34" charset="0"/>
+              </a:rPr>
+              <a:t> ONE</a:t>
             </a:r>
             <a:r>
               <a:rPr lang="en-US" b="0" i="0" u="none" strike="noStrike" dirty="0">
                 <a:solidFill>
-                  <a:srgbClr val="202020"/>
-                </a:solidFill>
-                <a:effectLst/>
-                <a:latin typeface="Helvetica" pitchFamily="2" charset="0"/>
-              </a:rPr>
-              <a:t> attributes are selected at random among all candidate attributes before determining the best split. </a:t>
+                  <a:srgbClr val="333333"/>
+                </a:solidFill>
+                <a:effectLst/>
+                <a:latin typeface="Arial" panose="020B0604020202020204" pitchFamily="34" charset="0"/>
+              </a:rPr>
+              <a:t>, 5(9):e12776.</a:t>
+            </a:r>
+          </a:p>
+          <a:p>
+            <a:r>
+              <a:rPr lang="en-US" dirty="0"/>
+              <a:t>https://</a:t>
+            </a:r>
+            <a:r>
+              <a:rPr lang="en-US" dirty="0" err="1"/>
+              <a:t>pubmed.ncbi.nlm.nih.gov</a:t>
+            </a:r>
+            <a:r>
+              <a:rPr lang="en-US" dirty="0"/>
+              <a:t>/20927193/</a:t>
+            </a:r>
+            <a:r>
+              <a:rPr lang="en-US" b="0" i="0" u="none" strike="noStrike" dirty="0">
+                <a:solidFill>
+                  <a:srgbClr val="333333"/>
+                </a:solidFill>
+                <a:effectLst/>
+                <a:latin typeface="Arial" panose="020B0604020202020204" pitchFamily="34" charset="0"/>
+              </a:rPr>
+              <a:t> </a:t>
             </a:r>
           </a:p>
           <a:p>
             <a:endParaRPr lang="en-US" b="0" i="0" u="none" strike="noStrike" dirty="0">
               <a:solidFill>
-                <a:srgbClr val="202020"/>
+                <a:srgbClr val="333333"/>
               </a:solidFill>
               <a:effectLst/>
-              <a:latin typeface="Helvetica" pitchFamily="2" charset="0"/>
+              <a:latin typeface="Arial" panose="020B0604020202020204" pitchFamily="34" charset="0"/>
             </a:endParaRPr>
           </a:p>
           <a:p>
             <a:r>
               <a:rPr lang="en-US" b="0" i="0" u="none" strike="noStrike" dirty="0">
                 <a:solidFill>
-                  <a:srgbClr val="202020"/>
-                </a:solidFill>
-                <a:effectLst/>
-                <a:latin typeface="Helvetica" pitchFamily="2" charset="0"/>
-              </a:rPr>
-              <a:t>* There is also Extra-Trees (instead of RF): the best split is determined among </a:t>
-            </a:r>
-            <a:r>
-              <a:rPr lang="en-US" b="0" i="1" u="none" strike="noStrike" dirty="0">
-                <a:solidFill>
-                  <a:srgbClr val="202020"/>
-                </a:solidFill>
-                <a:effectLst/>
-                <a:latin typeface="Helvetica" pitchFamily="2" charset="0"/>
-              </a:rPr>
-              <a:t>K</a:t>
-            </a:r>
-            <a:r>
-              <a:rPr lang="en-US" b="0" i="0" u="none" strike="noStrike" dirty="0">
-                <a:solidFill>
-                  <a:srgbClr val="202020"/>
-                </a:solidFill>
-                <a:effectLst/>
-                <a:latin typeface="Helvetica" pitchFamily="2" charset="0"/>
-              </a:rPr>
-              <a:t> random splits, each determined by randomly selecting one input (without replacement) and a threshold.</a:t>
-            </a:r>
+                  <a:srgbClr val="333333"/>
+                </a:solidFill>
+                <a:effectLst/>
+                <a:latin typeface="Arial" panose="020B0604020202020204" pitchFamily="34" charset="0"/>
+              </a:rPr>
+              <a:t>GENIE = Gene Network Inference with Ensemble of trees </a:t>
+            </a:r>
+          </a:p>
+          <a:p>
             <a:endParaRPr lang="en-IL" dirty="0"/>
           </a:p>
         </p:txBody>
@@ -5403,7 +5449,7 @@
           <a:p>
             <a:fld id="{86AFD4FA-721D-0140-967B-1B04101EA7BE}" type="slidenum">
               <a:rPr lang="en-IL" smtClean="0"/>
-              <a:t>6</a:t>
+              <a:t>9</a:t>
             </a:fld>
             <a:endParaRPr lang="en-IL"/>
           </a:p>
@@ -5412,7 +5458,7 @@
     </p:spTree>
     <p:extLst>
       <p:ext uri="{BB962C8B-B14F-4D97-AF65-F5344CB8AC3E}">
-        <p14:creationId xmlns:p14="http://schemas.microsoft.com/office/powerpoint/2010/main" val="516709247"/>
+        <p14:creationId xmlns:p14="http://schemas.microsoft.com/office/powerpoint/2010/main" val="1224717014"/>
       </p:ext>
     </p:extLst>
   </p:cSld>
@@ -5466,54 +5512,90 @@
           <a:bodyPr/>
           <a:lstStyle/>
           <a:p>
-            <a:pPr marL="0" algn="l" defTabSz="914400" rtl="1" eaLnBrk="1" latinLnBrk="0" hangingPunct="1"/>
-            <a:r>
-              <a:rPr lang="en-US" dirty="0"/>
-              <a:t>For j=1 to p:</a:t>
+            <a:r>
+              <a:rPr lang="en-US" b="0" i="0" u="none" strike="noStrike" dirty="0">
+                <a:solidFill>
+                  <a:srgbClr val="202020"/>
+                </a:solidFill>
+                <a:effectLst/>
+                <a:latin typeface="Helvetica" pitchFamily="2" charset="0"/>
+              </a:rPr>
+              <a:t>In a Random Forests ensemble, </a:t>
+            </a:r>
+          </a:p>
+          <a:p>
+            <a:r>
+              <a:rPr lang="en-US" b="0" i="0" u="none" strike="noStrike" dirty="0">
+                <a:solidFill>
+                  <a:srgbClr val="202020"/>
+                </a:solidFill>
+                <a:effectLst/>
+                <a:latin typeface="Helvetica" pitchFamily="2" charset="0"/>
+              </a:rPr>
+              <a:t>each tree is built on a bootstrap sample from the original learning sample and, at each test node, </a:t>
+            </a:r>
+            <a:r>
+              <a:rPr lang="en-US" b="0" i="1" u="none" strike="noStrike" dirty="0">
+                <a:solidFill>
+                  <a:srgbClr val="202020"/>
+                </a:solidFill>
+                <a:effectLst/>
+                <a:latin typeface="Helvetica" pitchFamily="2" charset="0"/>
+              </a:rPr>
+              <a:t>K</a:t>
+            </a:r>
+            <a:r>
+              <a:rPr lang="en-US" b="0" i="0" u="none" strike="noStrike" dirty="0">
+                <a:solidFill>
+                  <a:srgbClr val="202020"/>
+                </a:solidFill>
+                <a:effectLst/>
+                <a:latin typeface="Helvetica" pitchFamily="2" charset="0"/>
+              </a:rPr>
+              <a:t> attributes are selected at random among all candidate attributes before determining the best split. </a:t>
+            </a:r>
+          </a:p>
+          <a:p>
+            <a:endParaRPr lang="en-US" b="0" i="0" u="none" strike="noStrike" dirty="0">
+              <a:solidFill>
+                <a:srgbClr val="202020"/>
+              </a:solidFill>
+              <a:effectLst/>
+              <a:latin typeface="Helvetica" pitchFamily="2" charset="0"/>
+            </a:endParaRPr>
+          </a:p>
+          <a:p>
+            <a:r>
+              <a:rPr lang="en-US" b="0" i="0" u="none" strike="noStrike" dirty="0">
+                <a:solidFill>
+                  <a:srgbClr val="202020"/>
+                </a:solidFill>
+                <a:effectLst/>
+                <a:latin typeface="Helvetica" pitchFamily="2" charset="0"/>
+              </a:rPr>
+              <a:t>* There is also Extra-Trees (instead of RF): the best split is determined among </a:t>
+            </a:r>
+            <a:r>
+              <a:rPr lang="en-US" b="0" i="1" u="none" strike="noStrike" dirty="0">
+                <a:solidFill>
+                  <a:srgbClr val="202020"/>
+                </a:solidFill>
+                <a:effectLst/>
+                <a:latin typeface="Helvetica" pitchFamily="2" charset="0"/>
+              </a:rPr>
+              <a:t>K</a:t>
+            </a:r>
+            <a:r>
+              <a:rPr lang="en-US" b="0" i="0" u="none" strike="noStrike" dirty="0">
+                <a:solidFill>
+                  <a:srgbClr val="202020"/>
+                </a:solidFill>
+                <a:effectLst/>
+                <a:latin typeface="Helvetica" pitchFamily="2" charset="0"/>
+              </a:rPr>
+              <a:t> random splits, each determined by randomly selecting one input (without replacement) and a threshold.</a:t>
             </a:r>
             <a:endParaRPr lang="en-IL" dirty="0"/>
-          </a:p>
-          <a:p>
-            <a:pPr marL="0" algn="l" defTabSz="914400" rtl="0" eaLnBrk="1" latinLnBrk="0" hangingPunct="1"/>
-            <a:r>
-              <a:rPr lang="en-IL" dirty="0"/>
-              <a:t>	- generate the learning sample of input-ouput pairs for gene j (LS</a:t>
-            </a:r>
-            <a:r>
-              <a:rPr lang="en-IL" baseline="30000" dirty="0"/>
-              <a:t>j</a:t>
-            </a:r>
-            <a:r>
-              <a:rPr lang="en-IL" dirty="0"/>
-              <a:t>)</a:t>
-            </a:r>
-          </a:p>
-          <a:p>
-            <a:pPr marL="0" algn="l" defTabSz="914400" rtl="0" eaLnBrk="1" latinLnBrk="0" hangingPunct="1"/>
-            <a:r>
-              <a:rPr lang="en-IL" dirty="0"/>
-              <a:t>	- use feature selection technique on LS</a:t>
-            </a:r>
-            <a:r>
-              <a:rPr lang="en-IL" baseline="30000" dirty="0"/>
-              <a:t>j</a:t>
-            </a:r>
-            <a:r>
-              <a:rPr lang="en-IL" baseline="0" dirty="0"/>
-              <a:t> to get a global ranking of all regulatory links </a:t>
-            </a:r>
-          </a:p>
-          <a:p>
-            <a:pPr marL="0" algn="l" defTabSz="914400" rtl="0" eaLnBrk="1" latinLnBrk="0" hangingPunct="1"/>
-            <a:endParaRPr lang="en-IL" baseline="0" dirty="0"/>
-          </a:p>
-          <a:p>
-            <a:pPr marL="0" algn="l" defTabSz="914400" rtl="0" eaLnBrk="1" latinLnBrk="0" hangingPunct="1"/>
-            <a:endParaRPr lang="en-IL" dirty="0"/>
-          </a:p>
-          <a:p>
-            <a:pPr marL="0" algn="l" defTabSz="914400" rtl="0" eaLnBrk="1" latinLnBrk="0" hangingPunct="1"/>
-            <a:endParaRPr lang="en-US" baseline="0" dirty="0"/>
           </a:p>
         </p:txBody>
       </p:sp>
@@ -5534,7 +5616,7 @@
           <a:p>
             <a:fld id="{86AFD4FA-721D-0140-967B-1B04101EA7BE}" type="slidenum">
               <a:rPr lang="en-IL" smtClean="0"/>
-              <a:t>7</a:t>
+              <a:t>10</a:t>
             </a:fld>
             <a:endParaRPr lang="en-IL"/>
           </a:p>
@@ -5543,7 +5625,7 @@
     </p:spTree>
     <p:extLst>
       <p:ext uri="{BB962C8B-B14F-4D97-AF65-F5344CB8AC3E}">
-        <p14:creationId xmlns:p14="http://schemas.microsoft.com/office/powerpoint/2010/main" val="2540973028"/>
+        <p14:creationId xmlns:p14="http://schemas.microsoft.com/office/powerpoint/2010/main" val="516709247"/>
       </p:ext>
     </p:extLst>
   </p:cSld>
@@ -5597,11 +5679,61 @@
           <a:bodyPr/>
           <a:lstStyle/>
           <a:p>
-            <a:pPr marL="171450" indent="-171450">
-              <a:buFont typeface="Arial" panose="020B0604020202020204" pitchFamily="34" charset="0"/>
-              <a:buChar char="•"/>
-            </a:pPr>
+            <a:pPr marL="0" algn="l" defTabSz="914400" rtl="1" eaLnBrk="1" latinLnBrk="0" hangingPunct="1"/>
+            <a:r>
+              <a:rPr lang="en-US" dirty="0"/>
+              <a:t>For j=1 to p:</a:t>
+            </a:r>
             <a:endParaRPr lang="en-IL" dirty="0"/>
+          </a:p>
+          <a:p>
+            <a:pPr marL="0" algn="l" defTabSz="914400" rtl="0" eaLnBrk="1" latinLnBrk="0" hangingPunct="1"/>
+            <a:r>
+              <a:rPr lang="en-IL" dirty="0"/>
+              <a:t>	- generate the learning sample of input-ouput pairs for gene j (LS</a:t>
+            </a:r>
+            <a:r>
+              <a:rPr lang="en-IL" baseline="30000" dirty="0"/>
+              <a:t>j</a:t>
+            </a:r>
+            <a:r>
+              <a:rPr lang="en-IL" dirty="0"/>
+              <a:t>)</a:t>
+            </a:r>
+          </a:p>
+          <a:p>
+            <a:pPr marL="0" algn="l" defTabSz="914400" rtl="0" eaLnBrk="1" latinLnBrk="0" hangingPunct="1"/>
+            <a:r>
+              <a:rPr lang="en-IL" dirty="0"/>
+              <a:t>	- use feature selection technique on LS</a:t>
+            </a:r>
+            <a:r>
+              <a:rPr lang="en-IL" baseline="30000" dirty="0"/>
+              <a:t>j</a:t>
+            </a:r>
+            <a:r>
+              <a:rPr lang="en-IL" baseline="0" dirty="0"/>
+              <a:t> to get a global ranking of all regulatory links </a:t>
+            </a:r>
+          </a:p>
+          <a:p>
+            <a:pPr marL="0" algn="l" defTabSz="914400" rtl="0" eaLnBrk="1" latinLnBrk="0" hangingPunct="1"/>
+            <a:endParaRPr lang="en-IL" baseline="0" dirty="0"/>
+          </a:p>
+          <a:p>
+            <a:pPr marL="0" algn="l" defTabSz="914400" rtl="0" eaLnBrk="1" latinLnBrk="0" hangingPunct="1"/>
+            <a:r>
+              <a:rPr lang="en-IL" baseline="0" dirty="0"/>
+              <a:t>For each gene (j) a learning sample (LS) is generated with expression levels of j as output values. </a:t>
+            </a:r>
+          </a:p>
+          <a:p>
+            <a:pPr marL="0" algn="l" defTabSz="914400" rtl="0" eaLnBrk="1" latinLnBrk="0" hangingPunct="1"/>
+            <a:endParaRPr lang="en-IL" dirty="0"/>
+          </a:p>
+          <a:p>
+            <a:pPr marL="0" algn="l" defTabSz="914400" rtl="0" eaLnBrk="1" latinLnBrk="0" hangingPunct="1"/>
+            <a:endParaRPr lang="en-US" baseline="0" dirty="0"/>
           </a:p>
         </p:txBody>
       </p:sp>
@@ -5622,7 +5754,7 @@
           <a:p>
             <a:fld id="{86AFD4FA-721D-0140-967B-1B04101EA7BE}" type="slidenum">
               <a:rPr lang="en-IL" smtClean="0"/>
-              <a:t>8</a:t>
+              <a:t>11</a:t>
             </a:fld>
             <a:endParaRPr lang="en-IL"/>
           </a:p>
@@ -5631,7 +5763,7 @@
     </p:spTree>
     <p:extLst>
       <p:ext uri="{BB962C8B-B14F-4D97-AF65-F5344CB8AC3E}">
-        <p14:creationId xmlns:p14="http://schemas.microsoft.com/office/powerpoint/2010/main" val="93059014"/>
+        <p14:creationId xmlns:p14="http://schemas.microsoft.com/office/powerpoint/2010/main" val="2540973028"/>
       </p:ext>
     </p:extLst>
   </p:cSld>
@@ -5685,33 +5817,11 @@
           <a:bodyPr/>
           <a:lstStyle/>
           <a:p>
-            <a:r>
-              <a:rPr lang="en-US" dirty="0"/>
-              <a:t>https://</a:t>
-            </a:r>
-            <a:r>
-              <a:rPr lang="en-US" dirty="0" err="1"/>
-              <a:t>academic.oup.com</a:t>
-            </a:r>
-            <a:r>
-              <a:rPr lang="en-US" dirty="0"/>
-              <a:t>/bioinformatics/article/35/12/2159/5184284</a:t>
-            </a:r>
-          </a:p>
-          <a:p>
+            <a:pPr marL="171450" indent="-171450">
+              <a:buFont typeface="Arial" panose="020B0604020202020204" pitchFamily="34" charset="0"/>
+              <a:buChar char="•"/>
+            </a:pPr>
             <a:endParaRPr lang="en-IL" dirty="0"/>
-          </a:p>
-          <a:p>
-            <a:r>
-              <a:rPr lang="en-IL" dirty="0"/>
-              <a:t>GENIE3 -&gt; Bagging</a:t>
-            </a:r>
-          </a:p>
-          <a:p>
-            <a:r>
-              <a:rPr lang="en-IL" dirty="0"/>
-              <a:t>GRNBoost2 -&gt; Boosting</a:t>
-            </a:r>
           </a:p>
         </p:txBody>
       </p:sp>
@@ -5732,7 +5842,7 @@
           <a:p>
             <a:fld id="{86AFD4FA-721D-0140-967B-1B04101EA7BE}" type="slidenum">
               <a:rPr lang="en-IL" smtClean="0"/>
-              <a:t>9</a:t>
+              <a:t>12</a:t>
             </a:fld>
             <a:endParaRPr lang="en-IL"/>
           </a:p>
@@ -5741,7 +5851,7 @@
     </p:spTree>
     <p:extLst>
       <p:ext uri="{BB962C8B-B14F-4D97-AF65-F5344CB8AC3E}">
-        <p14:creationId xmlns:p14="http://schemas.microsoft.com/office/powerpoint/2010/main" val="3267131942"/>
+        <p14:creationId xmlns:p14="http://schemas.microsoft.com/office/powerpoint/2010/main" val="93059014"/>
       </p:ext>
     </p:extLst>
   </p:cSld>
@@ -5795,46 +5905,6 @@
           <a:bodyPr/>
           <a:lstStyle/>
           <a:p>
-            <a:pPr marL="0" marR="0" lvl="0" indent="0" algn="l" defTabSz="914400" rtl="0" eaLnBrk="1" fontAlgn="auto" latinLnBrk="0" hangingPunct="1">
-              <a:lnSpc>
-                <a:spcPct val="100000"/>
-              </a:lnSpc>
-              <a:spcBef>
-                <a:spcPts val="0"/>
-              </a:spcBef>
-              <a:spcAft>
-                <a:spcPts val="0"/>
-              </a:spcAft>
-              <a:buClrTx/>
-              <a:buSzTx/>
-              <a:buFontTx/>
-              <a:buNone/>
-              <a:tabLst/>
-              <a:defRPr/>
-            </a:pPr>
-            <a:r>
-              <a:rPr lang="en-IL" dirty="0"/>
-              <a:t>Note: check for memory boundries on server, can decrease partitions of algorithm as needed.</a:t>
-            </a:r>
-          </a:p>
-          <a:p>
-            <a:pPr marL="0" marR="0" lvl="0" indent="0" algn="l" defTabSz="914400" rtl="0" eaLnBrk="1" fontAlgn="auto" latinLnBrk="0" hangingPunct="1">
-              <a:lnSpc>
-                <a:spcPct val="100000"/>
-              </a:lnSpc>
-              <a:spcBef>
-                <a:spcPts val="0"/>
-              </a:spcBef>
-              <a:spcAft>
-                <a:spcPts val="0"/>
-              </a:spcAft>
-              <a:buClrTx/>
-              <a:buSzTx/>
-              <a:buFontTx/>
-              <a:buNone/>
-              <a:tabLst/>
-              <a:defRPr/>
-            </a:pPr>
             <a:r>
               <a:rPr lang="en-US" dirty="0"/>
               <a:t>https://</a:t>
@@ -5847,80 +5917,21 @@
               <a:rPr lang="en-US" dirty="0"/>
               <a:t>/bioinformatics/article/35/12/2159/5184284</a:t>
             </a:r>
+          </a:p>
+          <a:p>
             <a:endParaRPr lang="en-IL" dirty="0"/>
           </a:p>
           <a:p>
-            <a:pPr marL="0" marR="0" lvl="0" indent="0" algn="l" defTabSz="914400" rtl="0" eaLnBrk="1" fontAlgn="auto" latinLnBrk="0" hangingPunct="1">
-              <a:lnSpc>
-                <a:spcPct val="100000"/>
-              </a:lnSpc>
-              <a:spcBef>
-                <a:spcPts val="0"/>
-              </a:spcBef>
-              <a:spcAft>
-                <a:spcPts val="0"/>
-              </a:spcAft>
-              <a:buClrTx/>
-              <a:buSzTx/>
-              <a:buFontTx/>
-              <a:buNone/>
-              <a:tabLst/>
-              <a:defRPr/>
-            </a:pPr>
-            <a:endParaRPr lang="en-IL" dirty="0"/>
-          </a:p>
-          <a:p>
-            <a:pPr marL="0" marR="0" lvl="0" indent="0" algn="l" defTabSz="914400" rtl="0" eaLnBrk="1" fontAlgn="auto" latinLnBrk="0" hangingPunct="1">
-              <a:lnSpc>
-                <a:spcPct val="100000"/>
-              </a:lnSpc>
-              <a:spcBef>
-                <a:spcPts val="0"/>
-              </a:spcBef>
-              <a:spcAft>
-                <a:spcPts val="0"/>
-              </a:spcAft>
-              <a:buClrTx/>
-              <a:buSzTx/>
-              <a:buFontTx/>
-              <a:buNone/>
-              <a:tabLst/>
-              <a:defRPr/>
-            </a:pPr>
-            <a:r>
-              <a:rPr lang="en-US" dirty="0"/>
-              <a:t>H</a:t>
-            </a:r>
             <a:r>
               <a:rPr lang="en-IL" dirty="0"/>
-              <a:t>yper parameter default values:  </a:t>
-            </a:r>
-          </a:p>
-          <a:p>
-            <a:pPr marL="0" marR="0" lvl="0" indent="0" algn="l" defTabSz="914400" rtl="0" eaLnBrk="1" fontAlgn="auto" latinLnBrk="0" hangingPunct="1">
-              <a:lnSpc>
-                <a:spcPct val="100000"/>
-              </a:lnSpc>
-              <a:spcBef>
-                <a:spcPts val="0"/>
-              </a:spcBef>
-              <a:spcAft>
-                <a:spcPts val="0"/>
-              </a:spcAft>
-              <a:buClrTx/>
-              <a:buSzTx/>
-              <a:buFontTx/>
-              <a:buNone/>
-              <a:tabLst/>
-              <a:defRPr/>
-            </a:pPr>
+              <a:t>GENIE3 -&gt; Bagging</a:t>
+            </a:r>
+          </a:p>
+          <a:p>
             <a:r>
               <a:rPr lang="en-IL" dirty="0"/>
-              <a:t>Learning rate: 0.01 (small, in order to encourage large ensembles (hunderds of trees)) -&gt; </a:t>
-            </a:r>
-          </a:p>
-          <a:p>
-            <a:endParaRPr lang="en-IL" dirty="0"/>
+              <a:t>GRNBoost2 -&gt; Boosting</a:t>
+            </a:r>
           </a:p>
         </p:txBody>
       </p:sp>
@@ -5941,7 +5952,7 @@
           <a:p>
             <a:fld id="{86AFD4FA-721D-0140-967B-1B04101EA7BE}" type="slidenum">
               <a:rPr lang="en-IL" smtClean="0"/>
-              <a:t>10</a:t>
+              <a:t>13</a:t>
             </a:fld>
             <a:endParaRPr lang="en-IL"/>
           </a:p>
@@ -5950,7 +5961,7 @@
     </p:spTree>
     <p:extLst>
       <p:ext uri="{BB962C8B-B14F-4D97-AF65-F5344CB8AC3E}">
-        <p14:creationId xmlns:p14="http://schemas.microsoft.com/office/powerpoint/2010/main" val="1091672898"/>
+        <p14:creationId xmlns:p14="http://schemas.microsoft.com/office/powerpoint/2010/main" val="3267131942"/>
       </p:ext>
     </p:extLst>
   </p:cSld>
@@ -6004,7 +6015,131 @@
           <a:bodyPr/>
           <a:lstStyle/>
           <a:p>
-            <a:pPr marL="0" algn="r" defTabSz="914400" rtl="1" eaLnBrk="1" latinLnBrk="0" hangingPunct="1"/>
+            <a:pPr marL="0" marR="0" lvl="0" indent="0" algn="l" defTabSz="914400" rtl="0" eaLnBrk="1" fontAlgn="auto" latinLnBrk="0" hangingPunct="1">
+              <a:lnSpc>
+                <a:spcPct val="100000"/>
+              </a:lnSpc>
+              <a:spcBef>
+                <a:spcPts val="0"/>
+              </a:spcBef>
+              <a:spcAft>
+                <a:spcPts val="0"/>
+              </a:spcAft>
+              <a:buClrTx/>
+              <a:buSzTx/>
+              <a:buFontTx/>
+              <a:buNone/>
+              <a:tabLst/>
+              <a:defRPr/>
+            </a:pPr>
+            <a:r>
+              <a:rPr lang="en-IL" dirty="0"/>
+              <a:t>Note: check for memory boundries on server, can decrease partitions of algorithm as needed.</a:t>
+            </a:r>
+          </a:p>
+          <a:p>
+            <a:pPr marL="0" marR="0" lvl="0" indent="0" algn="l" defTabSz="914400" rtl="0" eaLnBrk="1" fontAlgn="auto" latinLnBrk="0" hangingPunct="1">
+              <a:lnSpc>
+                <a:spcPct val="100000"/>
+              </a:lnSpc>
+              <a:spcBef>
+                <a:spcPts val="0"/>
+              </a:spcBef>
+              <a:spcAft>
+                <a:spcPts val="0"/>
+              </a:spcAft>
+              <a:buClrTx/>
+              <a:buSzTx/>
+              <a:buFontTx/>
+              <a:buNone/>
+              <a:tabLst/>
+              <a:defRPr/>
+            </a:pPr>
+            <a:r>
+              <a:rPr lang="en-US" dirty="0"/>
+              <a:t>https://</a:t>
+            </a:r>
+            <a:r>
+              <a:rPr lang="en-US" dirty="0" err="1"/>
+              <a:t>academic.oup.com</a:t>
+            </a:r>
+            <a:r>
+              <a:rPr lang="en-US" dirty="0"/>
+              <a:t>/bioinformatics/article/35/12/2159/5184284</a:t>
+            </a:r>
+            <a:endParaRPr lang="en-IL" dirty="0"/>
+          </a:p>
+          <a:p>
+            <a:pPr marL="0" marR="0" lvl="0" indent="0" algn="l" defTabSz="914400" rtl="0" eaLnBrk="1" fontAlgn="auto" latinLnBrk="0" hangingPunct="1">
+              <a:lnSpc>
+                <a:spcPct val="100000"/>
+              </a:lnSpc>
+              <a:spcBef>
+                <a:spcPts val="0"/>
+              </a:spcBef>
+              <a:spcAft>
+                <a:spcPts val="0"/>
+              </a:spcAft>
+              <a:buClrTx/>
+              <a:buSzTx/>
+              <a:buFontTx/>
+              <a:buNone/>
+              <a:tabLst/>
+              <a:defRPr/>
+            </a:pPr>
+            <a:endParaRPr lang="en-IL" dirty="0"/>
+          </a:p>
+          <a:p>
+            <a:pPr marL="0" marR="0" lvl="0" indent="0" algn="l" defTabSz="914400" rtl="0" eaLnBrk="1" fontAlgn="auto" latinLnBrk="0" hangingPunct="1">
+              <a:lnSpc>
+                <a:spcPct val="100000"/>
+              </a:lnSpc>
+              <a:spcBef>
+                <a:spcPts val="0"/>
+              </a:spcBef>
+              <a:spcAft>
+                <a:spcPts val="0"/>
+              </a:spcAft>
+              <a:buClrTx/>
+              <a:buSzTx/>
+              <a:buFontTx/>
+              <a:buNone/>
+              <a:tabLst/>
+              <a:defRPr/>
+            </a:pPr>
+            <a:r>
+              <a:rPr lang="en-US" dirty="0"/>
+              <a:t>H</a:t>
+            </a:r>
+            <a:r>
+              <a:rPr lang="en-IL" dirty="0"/>
+              <a:t>yper parameter default values:  </a:t>
+            </a:r>
+          </a:p>
+          <a:p>
+            <a:pPr marL="0" marR="0" lvl="0" indent="0" algn="l" defTabSz="914400" rtl="0" eaLnBrk="1" fontAlgn="auto" latinLnBrk="0" hangingPunct="1">
+              <a:lnSpc>
+                <a:spcPct val="100000"/>
+              </a:lnSpc>
+              <a:spcBef>
+                <a:spcPts val="0"/>
+              </a:spcBef>
+              <a:spcAft>
+                <a:spcPts val="0"/>
+              </a:spcAft>
+              <a:buClrTx/>
+              <a:buSzTx/>
+              <a:buFontTx/>
+              <a:buNone/>
+              <a:tabLst/>
+              <a:defRPr/>
+            </a:pPr>
+            <a:r>
+              <a:rPr lang="en-IL" dirty="0"/>
+              <a:t>Learning rate: 0.01 (small, in order to encourage large ensembles (hunderds of trees)) -&gt; </a:t>
+            </a:r>
+          </a:p>
+          <a:p>
             <a:endParaRPr lang="en-IL" dirty="0"/>
           </a:p>
         </p:txBody>
@@ -6026,7 +6161,7 @@
           <a:p>
             <a:fld id="{86AFD4FA-721D-0140-967B-1B04101EA7BE}" type="slidenum">
               <a:rPr lang="en-IL" smtClean="0"/>
-              <a:t>11</a:t>
+              <a:t>14</a:t>
             </a:fld>
             <a:endParaRPr lang="en-IL"/>
           </a:p>
@@ -6035,7 +6170,7 @@
     </p:spTree>
     <p:extLst>
       <p:ext uri="{BB962C8B-B14F-4D97-AF65-F5344CB8AC3E}">
-        <p14:creationId xmlns:p14="http://schemas.microsoft.com/office/powerpoint/2010/main" val="2440908482"/>
+        <p14:creationId xmlns:p14="http://schemas.microsoft.com/office/powerpoint/2010/main" val="1091672898"/>
       </p:ext>
     </p:extLst>
   </p:cSld>
@@ -6194,7 +6329,7 @@
           <a:p>
             <a:fld id="{EA38F353-CEFF-2A41-859E-747C5F5B5087}" type="datetimeFigureOut">
               <a:rPr lang="en-IL" smtClean="0"/>
-              <a:t>22/05/2023</a:t>
+              <a:t>24/07/2023</a:t>
             </a:fld>
             <a:endParaRPr lang="en-IL"/>
           </a:p>
@@ -6394,7 +6529,7 @@
           <a:p>
             <a:fld id="{EA38F353-CEFF-2A41-859E-747C5F5B5087}" type="datetimeFigureOut">
               <a:rPr lang="en-IL" smtClean="0"/>
-              <a:t>22/05/2023</a:t>
+              <a:t>24/07/2023</a:t>
             </a:fld>
             <a:endParaRPr lang="en-IL"/>
           </a:p>
@@ -6604,7 +6739,7 @@
           <a:p>
             <a:fld id="{EA38F353-CEFF-2A41-859E-747C5F5B5087}" type="datetimeFigureOut">
               <a:rPr lang="en-IL" smtClean="0"/>
-              <a:t>22/05/2023</a:t>
+              <a:t>24/07/2023</a:t>
             </a:fld>
             <a:endParaRPr lang="en-IL"/>
           </a:p>
@@ -6804,7 +6939,7 @@
           <a:p>
             <a:fld id="{EA38F353-CEFF-2A41-859E-747C5F5B5087}" type="datetimeFigureOut">
               <a:rPr lang="en-IL" smtClean="0"/>
-              <a:t>22/05/2023</a:t>
+              <a:t>24/07/2023</a:t>
             </a:fld>
             <a:endParaRPr lang="en-IL"/>
           </a:p>
@@ -7080,7 +7215,7 @@
           <a:p>
             <a:fld id="{EA38F353-CEFF-2A41-859E-747C5F5B5087}" type="datetimeFigureOut">
               <a:rPr lang="en-IL" smtClean="0"/>
-              <a:t>22/05/2023</a:t>
+              <a:t>24/07/2023</a:t>
             </a:fld>
             <a:endParaRPr lang="en-IL"/>
           </a:p>
@@ -7348,7 +7483,7 @@
           <a:p>
             <a:fld id="{EA38F353-CEFF-2A41-859E-747C5F5B5087}" type="datetimeFigureOut">
               <a:rPr lang="en-IL" smtClean="0"/>
-              <a:t>22/05/2023</a:t>
+              <a:t>24/07/2023</a:t>
             </a:fld>
             <a:endParaRPr lang="en-IL"/>
           </a:p>
@@ -7763,7 +7898,7 @@
           <a:p>
             <a:fld id="{EA38F353-CEFF-2A41-859E-747C5F5B5087}" type="datetimeFigureOut">
               <a:rPr lang="en-IL" smtClean="0"/>
-              <a:t>22/05/2023</a:t>
+              <a:t>24/07/2023</a:t>
             </a:fld>
             <a:endParaRPr lang="en-IL"/>
           </a:p>
@@ -7905,7 +8040,7 @@
           <a:p>
             <a:fld id="{EA38F353-CEFF-2A41-859E-747C5F5B5087}" type="datetimeFigureOut">
               <a:rPr lang="en-IL" smtClean="0"/>
-              <a:t>22/05/2023</a:t>
+              <a:t>24/07/2023</a:t>
             </a:fld>
             <a:endParaRPr lang="en-IL"/>
           </a:p>
@@ -8018,7 +8153,7 @@
           <a:p>
             <a:fld id="{EA38F353-CEFF-2A41-859E-747C5F5B5087}" type="datetimeFigureOut">
               <a:rPr lang="en-IL" smtClean="0"/>
-              <a:t>22/05/2023</a:t>
+              <a:t>24/07/2023</a:t>
             </a:fld>
             <a:endParaRPr lang="en-IL"/>
           </a:p>
@@ -8331,7 +8466,7 @@
           <a:p>
             <a:fld id="{EA38F353-CEFF-2A41-859E-747C5F5B5087}" type="datetimeFigureOut">
               <a:rPr lang="en-IL" smtClean="0"/>
-              <a:t>22/05/2023</a:t>
+              <a:t>24/07/2023</a:t>
             </a:fld>
             <a:endParaRPr lang="en-IL"/>
           </a:p>
@@ -8620,7 +8755,7 @@
           <a:p>
             <a:fld id="{EA38F353-CEFF-2A41-859E-747C5F5B5087}" type="datetimeFigureOut">
               <a:rPr lang="en-IL" smtClean="0"/>
-              <a:t>22/05/2023</a:t>
+              <a:t>24/07/2023</a:t>
             </a:fld>
             <a:endParaRPr lang="en-IL"/>
           </a:p>
@@ -8863,7 +8998,7 @@
           <a:p>
             <a:fld id="{EA38F353-CEFF-2A41-859E-747C5F5B5087}" type="datetimeFigureOut">
               <a:rPr lang="en-IL" smtClean="0"/>
-              <a:t>22/05/2023</a:t>
+              <a:t>24/07/2023</a:t>
             </a:fld>
             <a:endParaRPr lang="en-IL"/>
           </a:p>
@@ -9285,7 +9420,7 @@
           <p:cNvPr id="2" name="Title 1">
             <a:extLst>
               <a:ext uri="{FF2B5EF4-FFF2-40B4-BE49-F238E27FC236}">
-                <a16:creationId xmlns:a16="http://schemas.microsoft.com/office/drawing/2014/main" id="{1327ADC2-920E-ED41-E9A8-A98C7E45C718}"/>
+                <a16:creationId xmlns:a16="http://schemas.microsoft.com/office/drawing/2014/main" id="{D604E764-8C83-1E84-7235-424C20779F4A}"/>
               </a:ext>
             </a:extLst>
           </p:cNvPr>
@@ -9293,7 +9428,7 @@
             <a:spLocks noGrp="1"/>
           </p:cNvSpPr>
           <p:nvPr>
-            <p:ph type="ctrTitle"/>
+            <p:ph type="title"/>
           </p:nvPr>
         </p:nvSpPr>
         <p:spPr/>
@@ -9302,16 +9437,322 @@
           <a:lstStyle/>
           <a:p>
             <a:r>
+              <a:rPr lang="en-US" dirty="0"/>
+              <a:t>Abstract - S</a:t>
+            </a:r>
+            <a:r>
               <a:rPr lang="en-IL" dirty="0"/>
-              <a:t>SCENIC</a:t>
-            </a:r>
+              <a:t>traight from the paper</a:t>
+            </a:r>
+          </a:p>
+        </p:txBody>
+      </p:sp>
+      <p:sp>
+        <p:nvSpPr>
+          <p:cNvPr id="3" name="Content Placeholder 2">
+            <a:extLst>
+              <a:ext uri="{FF2B5EF4-FFF2-40B4-BE49-F238E27FC236}">
+                <a16:creationId xmlns:a16="http://schemas.microsoft.com/office/drawing/2014/main" id="{7BD834E3-4A52-9154-2601-5BCE75290975}"/>
+              </a:ext>
+            </a:extLst>
+          </p:cNvPr>
+          <p:cNvSpPr>
+            <a:spLocks noGrp="1"/>
+          </p:cNvSpPr>
+          <p:nvPr>
+            <p:ph idx="1"/>
+          </p:nvPr>
+        </p:nvSpPr>
+        <p:spPr/>
+        <p:txBody>
+          <a:bodyPr>
+            <a:normAutofit fontScale="40000" lnSpcReduction="20000"/>
+          </a:bodyPr>
+          <a:lstStyle/>
+          <a:p>
+            <a:pPr marL="0" indent="0">
+              <a:buNone/>
+            </a:pPr>
+            <a:r>
+              <a:rPr lang="en-US" i="1" dirty="0">
+                <a:effectLst/>
+                <a:latin typeface="Helvetica" pitchFamily="2" charset="0"/>
+              </a:rPr>
+              <a:t>The specification of specific and often unique fates to individual cells as a function</a:t>
+            </a:r>
+            <a:endParaRPr lang="en-US" dirty="0">
+              <a:effectLst/>
+              <a:latin typeface="Helvetica" pitchFamily="2" charset="0"/>
+            </a:endParaRPr>
+          </a:p>
+          <a:p>
+            <a:pPr marL="0" indent="0">
+              <a:buNone/>
+            </a:pPr>
+            <a:r>
+              <a:rPr lang="en-US" i="1" dirty="0">
+                <a:effectLst/>
+                <a:latin typeface="Helvetica" pitchFamily="2" charset="0"/>
+              </a:rPr>
+              <a:t>of their position within a developing organism is a fundamental process during the</a:t>
+            </a:r>
+            <a:endParaRPr lang="en-US" dirty="0">
+              <a:effectLst/>
+              <a:latin typeface="Helvetica" pitchFamily="2" charset="0"/>
+            </a:endParaRPr>
+          </a:p>
+          <a:p>
+            <a:pPr marL="0" indent="0">
+              <a:buNone/>
+            </a:pPr>
+            <a:r>
+              <a:rPr lang="en-US" i="1" dirty="0">
+                <a:effectLst/>
+                <a:latin typeface="Helvetica" pitchFamily="2" charset="0"/>
+              </a:rPr>
+              <a:t>development of multicellular organisms. The development of the Drosophila</a:t>
+            </a:r>
+            <a:endParaRPr lang="en-US" dirty="0">
+              <a:effectLst/>
+              <a:latin typeface="Helvetica" pitchFamily="2" charset="0"/>
+            </a:endParaRPr>
+          </a:p>
+          <a:p>
+            <a:pPr marL="0" indent="0">
+              <a:buNone/>
+            </a:pPr>
+            <a:r>
+              <a:rPr lang="en-US" i="1" dirty="0">
+                <a:effectLst/>
+                <a:latin typeface="Helvetica" pitchFamily="2" charset="0"/>
+              </a:rPr>
+              <a:t>embryonic central nervous system serves as an excellent model system in which</a:t>
+            </a:r>
+            <a:endParaRPr lang="en-US" dirty="0">
+              <a:effectLst/>
+              <a:latin typeface="Helvetica" pitchFamily="2" charset="0"/>
+            </a:endParaRPr>
+          </a:p>
+          <a:p>
+            <a:pPr marL="0" indent="0">
+              <a:buNone/>
+            </a:pPr>
+            <a:r>
+              <a:rPr lang="en-US" i="1" dirty="0">
+                <a:effectLst/>
+                <a:latin typeface="Helvetica" pitchFamily="2" charset="0"/>
+              </a:rPr>
+              <a:t>to clarify the developmental mechanisms that link pattern formation to cell-type</a:t>
+            </a:r>
+            <a:endParaRPr lang="en-US" dirty="0">
+              <a:effectLst/>
+              <a:latin typeface="Helvetica" pitchFamily="2" charset="0"/>
+            </a:endParaRPr>
+          </a:p>
+          <a:p>
+            <a:pPr marL="0" indent="0">
+              <a:buNone/>
+            </a:pPr>
+            <a:r>
+              <a:rPr lang="en-US" i="1" dirty="0">
+                <a:effectLst/>
+                <a:latin typeface="Helvetica" pitchFamily="2" charset="0"/>
+              </a:rPr>
+              <a:t>specification. The Drosophila embryonic central nervous system develops from a</a:t>
+            </a:r>
+            <a:endParaRPr lang="en-US" dirty="0">
+              <a:effectLst/>
+              <a:latin typeface="Helvetica" pitchFamily="2" charset="0"/>
+            </a:endParaRPr>
+          </a:p>
+          <a:p>
+            <a:pPr marL="0" indent="0">
+              <a:buNone/>
+            </a:pPr>
+            <a:r>
+              <a:rPr lang="en-US" i="1" dirty="0">
+                <a:effectLst/>
+                <a:latin typeface="Helvetica" pitchFamily="2" charset="0"/>
+              </a:rPr>
+              <a:t>set of neural stem cells termed neuroblasts. Neuroblasts arise from the ectoderm</a:t>
+            </a:r>
+            <a:endParaRPr lang="en-US" dirty="0">
+              <a:effectLst/>
+              <a:latin typeface="Helvetica" pitchFamily="2" charset="0"/>
+            </a:endParaRPr>
+          </a:p>
+          <a:p>
+            <a:pPr marL="0" indent="0">
+              <a:buNone/>
+            </a:pPr>
+            <a:r>
+              <a:rPr lang="en-US" i="1" dirty="0">
+                <a:effectLst/>
+                <a:latin typeface="Helvetica" pitchFamily="2" charset="0"/>
+              </a:rPr>
+              <a:t>in an invariant pattern, and each neuroblast acquires a unique fate based on its</a:t>
+            </a:r>
+            <a:endParaRPr lang="en-US" dirty="0">
+              <a:effectLst/>
+              <a:latin typeface="Helvetica" pitchFamily="2" charset="0"/>
+            </a:endParaRPr>
+          </a:p>
+          <a:p>
+            <a:pPr marL="0" indent="0">
+              <a:buNone/>
+            </a:pPr>
+            <a:r>
+              <a:rPr lang="en-US" i="1" dirty="0">
+                <a:effectLst/>
+                <a:latin typeface="Helvetica" pitchFamily="2" charset="0"/>
+              </a:rPr>
+              <a:t>position within this pattern. Two groups of genes recently have been demonstrated</a:t>
+            </a:r>
+            <a:endParaRPr lang="en-US" dirty="0">
+              <a:effectLst/>
+              <a:latin typeface="Helvetica" pitchFamily="2" charset="0"/>
+            </a:endParaRPr>
+          </a:p>
+          <a:p>
+            <a:pPr marL="0" indent="0">
+              <a:buNone/>
+            </a:pPr>
+            <a:r>
+              <a:rPr lang="en-US" i="1" dirty="0">
+                <a:effectLst/>
+                <a:latin typeface="Helvetica" pitchFamily="2" charset="0"/>
+              </a:rPr>
+              <a:t>to govern the individual fate specification of neuroblasts. One group, the segment</a:t>
+            </a:r>
+            <a:endParaRPr lang="en-US" dirty="0">
+              <a:effectLst/>
+              <a:latin typeface="Helvetica" pitchFamily="2" charset="0"/>
+            </a:endParaRPr>
+          </a:p>
+          <a:p>
+            <a:pPr marL="0" indent="0">
+              <a:buNone/>
+            </a:pPr>
+            <a:r>
+              <a:rPr lang="en-US" i="1" dirty="0">
+                <a:effectLst/>
+                <a:latin typeface="Helvetica" pitchFamily="2" charset="0"/>
+              </a:rPr>
+              <a:t>polarity genes, enables neuroblasts that develop in different anteroposterior</a:t>
+            </a:r>
+            <a:endParaRPr lang="en-US" dirty="0">
+              <a:effectLst/>
+              <a:latin typeface="Helvetica" pitchFamily="2" charset="0"/>
+            </a:endParaRPr>
+          </a:p>
+          <a:p>
+            <a:pPr marL="0" indent="0">
+              <a:buNone/>
+            </a:pPr>
+            <a:r>
+              <a:rPr lang="en-US" i="1" dirty="0">
+                <a:effectLst/>
+                <a:latin typeface="Helvetica" pitchFamily="2" charset="0"/>
+              </a:rPr>
+              <a:t>positions to acquire different fates. The second group, referred to as the columnar</a:t>
+            </a:r>
+            <a:endParaRPr lang="en-US" dirty="0">
+              <a:effectLst/>
+              <a:latin typeface="Helvetica" pitchFamily="2" charset="0"/>
+            </a:endParaRPr>
+          </a:p>
+          <a:p>
+            <a:pPr marL="0" indent="0">
+              <a:buNone/>
+            </a:pPr>
+            <a:r>
+              <a:rPr lang="en-US" i="1" dirty="0">
+                <a:effectLst/>
+                <a:latin typeface="Helvetica" pitchFamily="2" charset="0"/>
+              </a:rPr>
+              <a:t>genes, ensures that neuroblasts that develop in different dorsoventral domains</a:t>
+            </a:r>
+            <a:endParaRPr lang="en-US" dirty="0">
+              <a:effectLst/>
+              <a:latin typeface="Helvetica" pitchFamily="2" charset="0"/>
+            </a:endParaRPr>
+          </a:p>
+          <a:p>
+            <a:pPr marL="0" indent="0">
+              <a:buNone/>
+            </a:pPr>
+            <a:r>
+              <a:rPr lang="en-US" i="1" dirty="0">
+                <a:effectLst/>
+                <a:latin typeface="Helvetica" pitchFamily="2" charset="0"/>
+              </a:rPr>
+              <a:t>assume different fates. When integrated, the activities of the segment polarity and</a:t>
+            </a:r>
+            <a:endParaRPr lang="en-US" dirty="0">
+              <a:effectLst/>
+              <a:latin typeface="Helvetica" pitchFamily="2" charset="0"/>
+            </a:endParaRPr>
+          </a:p>
+          <a:p>
+            <a:pPr marL="0" indent="0">
+              <a:buNone/>
+            </a:pPr>
+            <a:r>
+              <a:rPr lang="en-US" i="1" dirty="0">
+                <a:effectLst/>
+                <a:latin typeface="Helvetica" pitchFamily="2" charset="0"/>
+              </a:rPr>
+              <a:t>columnar genes create a Cartesian coordinate system that bestows unique fates</a:t>
+            </a:r>
+            <a:endParaRPr lang="en-US" dirty="0">
+              <a:effectLst/>
+              <a:latin typeface="Helvetica" pitchFamily="2" charset="0"/>
+            </a:endParaRPr>
+          </a:p>
+          <a:p>
+            <a:pPr marL="0" indent="0">
+              <a:buNone/>
+            </a:pPr>
+            <a:r>
+              <a:rPr lang="en-US" i="1" dirty="0">
+                <a:effectLst/>
+                <a:latin typeface="Helvetica" pitchFamily="2" charset="0"/>
+              </a:rPr>
+              <a:t>to individual neuroblasts as a function of their position of formation within the</a:t>
+            </a:r>
+            <a:endParaRPr lang="en-US" dirty="0">
+              <a:effectLst/>
+              <a:latin typeface="Helvetica" pitchFamily="2" charset="0"/>
+            </a:endParaRPr>
+          </a:p>
+          <a:p>
+            <a:pPr marL="0" indent="0">
+              <a:buNone/>
+            </a:pPr>
+            <a:r>
+              <a:rPr lang="en-US" i="1" dirty="0">
+                <a:effectLst/>
+                <a:latin typeface="Helvetica" pitchFamily="2" charset="0"/>
+              </a:rPr>
+              <a:t>ectoderm.</a:t>
+            </a:r>
+            <a:endParaRPr lang="en-US" dirty="0">
+              <a:effectLst/>
+              <a:latin typeface="Helvetica" pitchFamily="2" charset="0"/>
+            </a:endParaRPr>
+          </a:p>
+          <a:p>
+            <a:pPr marL="0" indent="0">
+              <a:buNone/>
+            </a:pPr>
+            <a:endParaRPr lang="en-IL" dirty="0"/>
           </a:p>
         </p:txBody>
       </p:sp>
     </p:spTree>
     <p:extLst>
       <p:ext uri="{BB962C8B-B14F-4D97-AF65-F5344CB8AC3E}">
-        <p14:creationId xmlns:p14="http://schemas.microsoft.com/office/powerpoint/2010/main" val="4070241102"/>
+        <p14:creationId xmlns:p14="http://schemas.microsoft.com/office/powerpoint/2010/main" val="1308057669"/>
       </p:ext>
     </p:extLst>
   </p:cSld>
@@ -9343,7 +9784,7 @@
           <p:cNvPr id="2" name="Title 1">
             <a:extLst>
               <a:ext uri="{FF2B5EF4-FFF2-40B4-BE49-F238E27FC236}">
-                <a16:creationId xmlns:a16="http://schemas.microsoft.com/office/drawing/2014/main" id="{323D4907-6D5E-3B6B-E7AB-8CC649E449B5}"/>
+                <a16:creationId xmlns:a16="http://schemas.microsoft.com/office/drawing/2014/main" id="{23EF4F2A-9490-0AE2-8627-FB65BDE605F9}"/>
               </a:ext>
             </a:extLst>
           </p:cNvPr>
@@ -9361,8 +9802,41 @@
           <a:p>
             <a:r>
               <a:rPr lang="en-IL" dirty="0"/>
-              <a:t>GRNBoost2</a:t>
-            </a:r>
+              <a:t>GENIE3 </a:t>
+            </a:r>
+            <a:r>
+              <a:rPr lang="en-IL" sz="1600" b="1" dirty="0"/>
+              <a:t>GE</a:t>
+            </a:r>
+            <a:r>
+              <a:rPr lang="en-IL" sz="1600" dirty="0"/>
+              <a:t>ne </a:t>
+            </a:r>
+            <a:r>
+              <a:rPr lang="en-IL" sz="1600" b="1" dirty="0"/>
+              <a:t>N</a:t>
+            </a:r>
+            <a:r>
+              <a:rPr lang="en-IL" sz="1600" dirty="0"/>
+              <a:t>etwork </a:t>
+            </a:r>
+            <a:r>
+              <a:rPr lang="en-IL" sz="1600" b="1" dirty="0"/>
+              <a:t>I</a:t>
+            </a:r>
+            <a:r>
+              <a:rPr lang="en-IL" sz="1600" dirty="0"/>
+              <a:t>nference with </a:t>
+            </a:r>
+            <a:r>
+              <a:rPr lang="en-IL" sz="1600" b="1" dirty="0"/>
+              <a:t>E</a:t>
+            </a:r>
+            <a:r>
+              <a:rPr lang="en-IL" sz="1600" dirty="0"/>
+              <a:t>nsemble of trees</a:t>
+            </a:r>
+            <a:endParaRPr lang="en-IL" dirty="0"/>
           </a:p>
         </p:txBody>
       </p:sp>
@@ -9371,7 +9845,7 @@
           <p:cNvPr id="3" name="Content Placeholder 2">
             <a:extLst>
               <a:ext uri="{FF2B5EF4-FFF2-40B4-BE49-F238E27FC236}">
-                <a16:creationId xmlns:a16="http://schemas.microsoft.com/office/drawing/2014/main" id="{3910E981-8A5D-D421-E6FA-3E96DD77DDC6}"/>
+                <a16:creationId xmlns:a16="http://schemas.microsoft.com/office/drawing/2014/main" id="{B873F824-A5EE-469E-916A-8BC9E57D5B87}"/>
               </a:ext>
             </a:extLst>
           </p:cNvPr>
@@ -9388,61 +9862,37 @@
           <a:lstStyle/>
           <a:p>
             <a:r>
-              <a:rPr lang="en-US" b="0" i="0" u="none" strike="noStrike" dirty="0">
-                <a:solidFill>
-                  <a:srgbClr val="374151"/>
-                </a:solidFill>
-                <a:effectLst/>
-                <a:latin typeface="Söhne"/>
-              </a:rPr>
-              <a:t>iteratively train decision trees that predict the regulatory interactions between pairs of genes</a:t>
-            </a:r>
-          </a:p>
-          <a:p>
-            <a:r>
-              <a:rPr lang="en-US" dirty="0">
-                <a:solidFill>
-                  <a:srgbClr val="374151"/>
-                </a:solidFill>
-                <a:latin typeface="Söhne"/>
-              </a:rPr>
-              <a:t>Each new decision tree is trained in function of a random subset of observations (90%, hence stochastic)</a:t>
-            </a:r>
-          </a:p>
-          <a:p>
-            <a:r>
-              <a:rPr lang="en-US" dirty="0">
-                <a:solidFill>
-                  <a:srgbClr val="374151"/>
-                </a:solidFill>
-                <a:latin typeface="Söhne"/>
-              </a:rPr>
-              <a:t>The remaining observations are used to calculate an estimate of the loss function improvement entailed by adding that tree to the ensemble</a:t>
-            </a:r>
-          </a:p>
-          <a:p>
-            <a:r>
-              <a:rPr lang="en-US" dirty="0">
-                <a:solidFill>
-                  <a:srgbClr val="374151"/>
-                </a:solidFill>
-                <a:latin typeface="Söhne"/>
-              </a:rPr>
-              <a:t>When the average of the last n(=25) improvement values drops below 0, the early-stopping criterion is met and no more trees are added to the ensemble</a:t>
-            </a:r>
-            <a:endParaRPr lang="en-IL" dirty="0">
-              <a:solidFill>
-                <a:srgbClr val="374151"/>
-              </a:solidFill>
-              <a:latin typeface="Söhne"/>
-            </a:endParaRPr>
+              <a:rPr lang="en-US" dirty="0"/>
+              <a:t>Each gene is a subproblem – to determining the subset of genes whose expression directly influences or is predictive of the expression of the target gene</a:t>
+            </a:r>
+          </a:p>
+          <a:p>
+            <a:r>
+              <a:rPr lang="en-US" dirty="0"/>
+              <a:t>This is equivalent to feature selection problem</a:t>
+            </a:r>
+          </a:p>
+          <a:p>
+            <a:r>
+              <a:rPr lang="en-US" dirty="0"/>
+              <a:t>Use ranking mechanism of tree-based ensemble methods to solve the feature selection problem</a:t>
+            </a:r>
+          </a:p>
+          <a:p>
+            <a:r>
+              <a:rPr lang="en-US" dirty="0"/>
+              <a:t>Namely Random Forest *</a:t>
+            </a:r>
+          </a:p>
+          <a:p>
+            <a:endParaRPr lang="en-US" dirty="0"/>
           </a:p>
         </p:txBody>
       </p:sp>
     </p:spTree>
     <p:extLst>
       <p:ext uri="{BB962C8B-B14F-4D97-AF65-F5344CB8AC3E}">
-        <p14:creationId xmlns:p14="http://schemas.microsoft.com/office/powerpoint/2010/main" val="2666033113"/>
+        <p14:creationId xmlns:p14="http://schemas.microsoft.com/office/powerpoint/2010/main" val="2366976709"/>
       </p:ext>
     </p:extLst>
   </p:cSld>
@@ -9474,7 +9924,7 @@
           <p:cNvPr id="2" name="Title 1">
             <a:extLst>
               <a:ext uri="{FF2B5EF4-FFF2-40B4-BE49-F238E27FC236}">
-                <a16:creationId xmlns:a16="http://schemas.microsoft.com/office/drawing/2014/main" id="{191760E7-D421-6840-49A6-4DB12812CE38}"/>
+                <a16:creationId xmlns:a16="http://schemas.microsoft.com/office/drawing/2014/main" id="{CDD9ADCC-57A0-11CD-EA15-ED49FD63B578}"/>
               </a:ext>
             </a:extLst>
           </p:cNvPr>
@@ -9487,15 +9937,14 @@
         </p:nvSpPr>
         <p:spPr/>
         <p:txBody>
-          <a:bodyPr>
-            <a:normAutofit/>
-          </a:bodyPr>
-          <a:lstStyle/>
-          <a:p>
-            <a:r>
-              <a:rPr lang="en-IL" dirty="0"/>
-              <a:t>Speed comparison of complete SCENIC workflow</a:t>
-            </a:r>
+          <a:bodyPr/>
+          <a:lstStyle/>
+          <a:p>
+            <a:r>
+              <a:rPr lang="en-IL"/>
+              <a:t>GENIE3</a:t>
+            </a:r>
+            <a:endParaRPr lang="en-IL" dirty="0"/>
           </a:p>
         </p:txBody>
       </p:sp>
@@ -9504,7 +9953,7 @@
           <p:cNvPr id="4" name="Content Placeholder 3">
             <a:extLst>
               <a:ext uri="{FF2B5EF4-FFF2-40B4-BE49-F238E27FC236}">
-                <a16:creationId xmlns:a16="http://schemas.microsoft.com/office/drawing/2014/main" id="{A0E66755-2721-CE16-32B7-643BC9CC9C6E}"/>
+                <a16:creationId xmlns:a16="http://schemas.microsoft.com/office/drawing/2014/main" id="{B734467B-DB14-7DD9-7EEA-9B7393061D53}"/>
               </a:ext>
             </a:extLst>
           </p:cNvPr>
@@ -9515,16 +9964,15 @@
             <p:ph idx="1"/>
           </p:nvPr>
         </p:nvPicPr>
-        <p:blipFill>
+        <p:blipFill rotWithShape="1">
           <a:blip r:embed="rId3"/>
-          <a:stretch>
-            <a:fillRect/>
-          </a:stretch>
+          <a:srcRect l="596" t="1074"/>
+          <a:stretch/>
         </p:blipFill>
         <p:spPr>
           <a:xfrm>
-            <a:off x="905996" y="1825625"/>
-            <a:ext cx="10380007" cy="4351338"/>
+            <a:off x="1625599" y="1571401"/>
+            <a:ext cx="8994699" cy="4304619"/>
           </a:xfrm>
           <a:prstGeom prst="rect">
             <a:avLst/>
@@ -9533,10 +9981,10 @@
       </p:pic>
       <p:sp>
         <p:nvSpPr>
-          <p:cNvPr id="5" name="TextBox 4">
+          <p:cNvPr id="6" name="TextBox 5">
             <a:extLst>
               <a:ext uri="{FF2B5EF4-FFF2-40B4-BE49-F238E27FC236}">
-                <a16:creationId xmlns:a16="http://schemas.microsoft.com/office/drawing/2014/main" id="{F8E926EE-415D-7F15-D460-FAC1DB9D26CF}"/>
+                <a16:creationId xmlns:a16="http://schemas.microsoft.com/office/drawing/2014/main" id="{D237B5FE-CD12-C903-C452-4A94E6588E37}"/>
               </a:ext>
             </a:extLst>
           </p:cNvPr>
@@ -9545,8 +9993,8 @@
         </p:nvSpPr>
         <p:spPr>
           <a:xfrm>
-            <a:off x="479685" y="6415790"/>
-            <a:ext cx="6132128" cy="369332"/>
+            <a:off x="1625599" y="6215876"/>
+            <a:ext cx="2161041" cy="276999"/>
           </a:xfrm>
           <a:prstGeom prst="rect">
             <a:avLst/>
@@ -9560,25 +10008,31 @@
           <a:lstStyle/>
           <a:p>
             <a:r>
-              <a:rPr lang="en-US" dirty="0"/>
-              <a:t>https://</a:t>
-            </a:r>
-            <a:r>
-              <a:rPr lang="en-US" dirty="0" err="1"/>
-              <a:t>www.nature.com</a:t>
-            </a:r>
-            <a:r>
-              <a:rPr lang="en-US" dirty="0"/>
-              <a:t>/articles/s41596-020-0336-2/figures/2</a:t>
-            </a:r>
-            <a:endParaRPr lang="en-IL" dirty="0"/>
+              <a:rPr lang="en-US" sz="1200" b="0" i="0" u="none" strike="noStrike" dirty="0">
+                <a:solidFill>
+                  <a:schemeClr val="bg2">
+                    <a:lumMod val="75000"/>
+                  </a:schemeClr>
+                </a:solidFill>
+                <a:effectLst/>
+                <a:latin typeface="Arial" panose="020B0604020202020204" pitchFamily="34" charset="0"/>
+              </a:rPr>
+              <a:t>Huynh-Thu V. A. et al. (2010)</a:t>
+            </a:r>
+            <a:endParaRPr lang="en-IL" sz="1200" dirty="0">
+              <a:solidFill>
+                <a:schemeClr val="bg2">
+                  <a:lumMod val="75000"/>
+                </a:schemeClr>
+              </a:solidFill>
+            </a:endParaRPr>
           </a:p>
         </p:txBody>
       </p:sp>
     </p:spTree>
     <p:extLst>
       <p:ext uri="{BB962C8B-B14F-4D97-AF65-F5344CB8AC3E}">
-        <p14:creationId xmlns:p14="http://schemas.microsoft.com/office/powerpoint/2010/main" val="3546886637"/>
+        <p14:creationId xmlns:p14="http://schemas.microsoft.com/office/powerpoint/2010/main" val="4031754239"/>
       </p:ext>
     </p:extLst>
   </p:cSld>
@@ -9610,6 +10064,508 @@
           <p:cNvPr id="2" name="Title 1">
             <a:extLst>
               <a:ext uri="{FF2B5EF4-FFF2-40B4-BE49-F238E27FC236}">
+                <a16:creationId xmlns:a16="http://schemas.microsoft.com/office/drawing/2014/main" id="{6DE493F4-77B0-7E4E-4D6C-2AB1202AC858}"/>
+              </a:ext>
+            </a:extLst>
+          </p:cNvPr>
+          <p:cNvSpPr>
+            <a:spLocks noGrp="1"/>
+          </p:cNvSpPr>
+          <p:nvPr>
+            <p:ph type="title"/>
+          </p:nvPr>
+        </p:nvSpPr>
+        <p:spPr/>
+        <p:txBody>
+          <a:bodyPr/>
+          <a:lstStyle/>
+          <a:p>
+            <a:r>
+              <a:rPr lang="en-IL" dirty="0"/>
+              <a:t>Advantages of Regression Trees</a:t>
+            </a:r>
+          </a:p>
+        </p:txBody>
+      </p:sp>
+      <p:sp>
+        <p:nvSpPr>
+          <p:cNvPr id="3" name="Content Placeholder 2">
+            <a:extLst>
+              <a:ext uri="{FF2B5EF4-FFF2-40B4-BE49-F238E27FC236}">
+                <a16:creationId xmlns:a16="http://schemas.microsoft.com/office/drawing/2014/main" id="{9790FBCD-82C8-FB31-3F10-C076E368EEB4}"/>
+              </a:ext>
+            </a:extLst>
+          </p:cNvPr>
+          <p:cNvSpPr>
+            <a:spLocks noGrp="1"/>
+          </p:cNvSpPr>
+          <p:nvPr>
+            <p:ph idx="1"/>
+          </p:nvPr>
+        </p:nvSpPr>
+        <p:spPr/>
+        <p:txBody>
+          <a:bodyPr/>
+          <a:lstStyle/>
+          <a:p>
+            <a:r>
+              <a:rPr lang="en-IL" dirty="0"/>
+              <a:t>No assumptions about the nature of gene regulation  </a:t>
+            </a:r>
+          </a:p>
+          <a:p>
+            <a:r>
+              <a:rPr lang="en-US" dirty="0"/>
+              <a:t>C</a:t>
+            </a:r>
+            <a:r>
+              <a:rPr lang="en-IL" dirty="0"/>
+              <a:t>an deal with combinatorial and non-linear interactions</a:t>
+            </a:r>
+          </a:p>
+          <a:p>
+            <a:r>
+              <a:rPr lang="en-US" dirty="0"/>
+              <a:t>P</a:t>
+            </a:r>
+            <a:r>
+              <a:rPr lang="en-IL" dirty="0"/>
+              <a:t>roduces direct GRNs, allows feedback loops</a:t>
+            </a:r>
+          </a:p>
+          <a:p>
+            <a:r>
+              <a:rPr lang="en-US" dirty="0"/>
+              <a:t>S</a:t>
+            </a:r>
+            <a:r>
+              <a:rPr lang="en-IL" dirty="0"/>
+              <a:t>imple implementation</a:t>
+            </a:r>
+          </a:p>
+          <a:p>
+            <a:pPr marL="0" indent="0">
+              <a:buNone/>
+            </a:pPr>
+            <a:endParaRPr lang="en-IL" dirty="0"/>
+          </a:p>
+        </p:txBody>
+      </p:sp>
+    </p:spTree>
+    <p:extLst>
+      <p:ext uri="{BB962C8B-B14F-4D97-AF65-F5344CB8AC3E}">
+        <p14:creationId xmlns:p14="http://schemas.microsoft.com/office/powerpoint/2010/main" val="3679090716"/>
+      </p:ext>
+    </p:extLst>
+  </p:cSld>
+  <p:clrMapOvr>
+    <a:masterClrMapping/>
+  </p:clrMapOvr>
+</p:sld>
+</file>
+
+<file path=ppt/slides/slide13.xml><?xml version="1.0" encoding="utf-8"?>
+<p:sld xmlns:a="http://schemas.openxmlformats.org/drawingml/2006/main" xmlns:r="http://schemas.openxmlformats.org/officeDocument/2006/relationships" xmlns:p="http://schemas.openxmlformats.org/presentationml/2006/main">
+  <p:cSld>
+    <p:spTree>
+      <p:nvGrpSpPr>
+        <p:cNvPr id="1" name=""/>
+        <p:cNvGrpSpPr/>
+        <p:nvPr/>
+      </p:nvGrpSpPr>
+      <p:grpSpPr>
+        <a:xfrm>
+          <a:off x="0" y="0"/>
+          <a:ext cx="0" cy="0"/>
+          <a:chOff x="0" y="0"/>
+          <a:chExt cx="0" cy="0"/>
+        </a:xfrm>
+      </p:grpSpPr>
+      <p:sp>
+        <p:nvSpPr>
+          <p:cNvPr id="2" name="Title 1">
+            <a:extLst>
+              <a:ext uri="{FF2B5EF4-FFF2-40B4-BE49-F238E27FC236}">
+                <a16:creationId xmlns:a16="http://schemas.microsoft.com/office/drawing/2014/main" id="{323D4907-6D5E-3B6B-E7AB-8CC649E449B5}"/>
+              </a:ext>
+            </a:extLst>
+          </p:cNvPr>
+          <p:cNvSpPr>
+            <a:spLocks noGrp="1"/>
+          </p:cNvSpPr>
+          <p:nvPr>
+            <p:ph type="title"/>
+          </p:nvPr>
+        </p:nvSpPr>
+        <p:spPr/>
+        <p:txBody>
+          <a:bodyPr/>
+          <a:lstStyle/>
+          <a:p>
+            <a:r>
+              <a:rPr lang="en-IL" dirty="0"/>
+              <a:t>GRNBoost2</a:t>
+            </a:r>
+          </a:p>
+        </p:txBody>
+      </p:sp>
+      <p:sp>
+        <p:nvSpPr>
+          <p:cNvPr id="3" name="Content Placeholder 2">
+            <a:extLst>
+              <a:ext uri="{FF2B5EF4-FFF2-40B4-BE49-F238E27FC236}">
+                <a16:creationId xmlns:a16="http://schemas.microsoft.com/office/drawing/2014/main" id="{3910E981-8A5D-D421-E6FA-3E96DD77DDC6}"/>
+              </a:ext>
+            </a:extLst>
+          </p:cNvPr>
+          <p:cNvSpPr>
+            <a:spLocks noGrp="1"/>
+          </p:cNvSpPr>
+          <p:nvPr>
+            <p:ph idx="1"/>
+          </p:nvPr>
+        </p:nvSpPr>
+        <p:spPr/>
+        <p:txBody>
+          <a:bodyPr/>
+          <a:lstStyle/>
+          <a:p>
+            <a:r>
+              <a:rPr lang="en-IL" dirty="0"/>
+              <a:t>Gradient Boosting machine regression instead of Random Forest</a:t>
+            </a:r>
+          </a:p>
+          <a:p>
+            <a:r>
+              <a:rPr lang="en-US" dirty="0"/>
+              <a:t>highly parallelizable</a:t>
+            </a:r>
+          </a:p>
+          <a:p>
+            <a:r>
+              <a:rPr lang="en-IL" dirty="0"/>
+              <a:t>Stochastic </a:t>
+            </a:r>
+          </a:p>
+          <a:p>
+            <a:r>
+              <a:rPr lang="en-IL" dirty="0"/>
+              <a:t>Faster alternative to GENIE3 </a:t>
+            </a:r>
+          </a:p>
+          <a:p>
+            <a:r>
+              <a:rPr lang="en-IL" dirty="0"/>
+              <a:t>For robustness – run multiple times, and keep the most consistent results</a:t>
+            </a:r>
+          </a:p>
+          <a:p>
+            <a:endParaRPr lang="en-IL" dirty="0"/>
+          </a:p>
+        </p:txBody>
+      </p:sp>
+    </p:spTree>
+    <p:extLst>
+      <p:ext uri="{BB962C8B-B14F-4D97-AF65-F5344CB8AC3E}">
+        <p14:creationId xmlns:p14="http://schemas.microsoft.com/office/powerpoint/2010/main" val="218498019"/>
+      </p:ext>
+    </p:extLst>
+  </p:cSld>
+  <p:clrMapOvr>
+    <a:masterClrMapping/>
+  </p:clrMapOvr>
+</p:sld>
+</file>
+
+<file path=ppt/slides/slide14.xml><?xml version="1.0" encoding="utf-8"?>
+<p:sld xmlns:a="http://schemas.openxmlformats.org/drawingml/2006/main" xmlns:r="http://schemas.openxmlformats.org/officeDocument/2006/relationships" xmlns:p="http://schemas.openxmlformats.org/presentationml/2006/main">
+  <p:cSld>
+    <p:spTree>
+      <p:nvGrpSpPr>
+        <p:cNvPr id="1" name=""/>
+        <p:cNvGrpSpPr/>
+        <p:nvPr/>
+      </p:nvGrpSpPr>
+      <p:grpSpPr>
+        <a:xfrm>
+          <a:off x="0" y="0"/>
+          <a:ext cx="0" cy="0"/>
+          <a:chOff x="0" y="0"/>
+          <a:chExt cx="0" cy="0"/>
+        </a:xfrm>
+      </p:grpSpPr>
+      <p:sp>
+        <p:nvSpPr>
+          <p:cNvPr id="2" name="Title 1">
+            <a:extLst>
+              <a:ext uri="{FF2B5EF4-FFF2-40B4-BE49-F238E27FC236}">
+                <a16:creationId xmlns:a16="http://schemas.microsoft.com/office/drawing/2014/main" id="{323D4907-6D5E-3B6B-E7AB-8CC649E449B5}"/>
+              </a:ext>
+            </a:extLst>
+          </p:cNvPr>
+          <p:cNvSpPr>
+            <a:spLocks noGrp="1"/>
+          </p:cNvSpPr>
+          <p:nvPr>
+            <p:ph type="title"/>
+          </p:nvPr>
+        </p:nvSpPr>
+        <p:spPr/>
+        <p:txBody>
+          <a:bodyPr/>
+          <a:lstStyle/>
+          <a:p>
+            <a:r>
+              <a:rPr lang="en-IL" dirty="0"/>
+              <a:t>GRNBoost2</a:t>
+            </a:r>
+          </a:p>
+        </p:txBody>
+      </p:sp>
+      <p:sp>
+        <p:nvSpPr>
+          <p:cNvPr id="3" name="Content Placeholder 2">
+            <a:extLst>
+              <a:ext uri="{FF2B5EF4-FFF2-40B4-BE49-F238E27FC236}">
+                <a16:creationId xmlns:a16="http://schemas.microsoft.com/office/drawing/2014/main" id="{3910E981-8A5D-D421-E6FA-3E96DD77DDC6}"/>
+              </a:ext>
+            </a:extLst>
+          </p:cNvPr>
+          <p:cNvSpPr>
+            <a:spLocks noGrp="1"/>
+          </p:cNvSpPr>
+          <p:nvPr>
+            <p:ph idx="1"/>
+          </p:nvPr>
+        </p:nvSpPr>
+        <p:spPr/>
+        <p:txBody>
+          <a:bodyPr/>
+          <a:lstStyle/>
+          <a:p>
+            <a:r>
+              <a:rPr lang="en-US" b="0" i="0" u="none" strike="noStrike" dirty="0">
+                <a:solidFill>
+                  <a:srgbClr val="374151"/>
+                </a:solidFill>
+                <a:effectLst/>
+                <a:latin typeface="Söhne"/>
+              </a:rPr>
+              <a:t>iteratively train decision trees that predict the regulatory interactions between pairs of genes</a:t>
+            </a:r>
+          </a:p>
+          <a:p>
+            <a:r>
+              <a:rPr lang="en-US" dirty="0">
+                <a:solidFill>
+                  <a:srgbClr val="374151"/>
+                </a:solidFill>
+                <a:latin typeface="Söhne"/>
+              </a:rPr>
+              <a:t>Each new decision tree is trained in function of a random subset of observations (90%, hence stochastic)</a:t>
+            </a:r>
+          </a:p>
+          <a:p>
+            <a:r>
+              <a:rPr lang="en-US" dirty="0">
+                <a:solidFill>
+                  <a:srgbClr val="374151"/>
+                </a:solidFill>
+                <a:latin typeface="Söhne"/>
+              </a:rPr>
+              <a:t>The remaining observations are used to calculate an estimate of the loss function improvement entailed by adding that tree to the ensemble</a:t>
+            </a:r>
+          </a:p>
+          <a:p>
+            <a:r>
+              <a:rPr lang="en-US" dirty="0">
+                <a:solidFill>
+                  <a:srgbClr val="374151"/>
+                </a:solidFill>
+                <a:latin typeface="Söhne"/>
+              </a:rPr>
+              <a:t>When the average of the last n(=25) improvement values drops below 0, the early-stopping criterion is met and no more trees are added to the ensemble</a:t>
+            </a:r>
+            <a:endParaRPr lang="en-IL" dirty="0">
+              <a:solidFill>
+                <a:srgbClr val="374151"/>
+              </a:solidFill>
+              <a:latin typeface="Söhne"/>
+            </a:endParaRPr>
+          </a:p>
+        </p:txBody>
+      </p:sp>
+    </p:spTree>
+    <p:extLst>
+      <p:ext uri="{BB962C8B-B14F-4D97-AF65-F5344CB8AC3E}">
+        <p14:creationId xmlns:p14="http://schemas.microsoft.com/office/powerpoint/2010/main" val="2666033113"/>
+      </p:ext>
+    </p:extLst>
+  </p:cSld>
+  <p:clrMapOvr>
+    <a:masterClrMapping/>
+  </p:clrMapOvr>
+</p:sld>
+</file>
+
+<file path=ppt/slides/slide15.xml><?xml version="1.0" encoding="utf-8"?>
+<p:sld xmlns:a="http://schemas.openxmlformats.org/drawingml/2006/main" xmlns:r="http://schemas.openxmlformats.org/officeDocument/2006/relationships" xmlns:p="http://schemas.openxmlformats.org/presentationml/2006/main">
+  <p:cSld>
+    <p:spTree>
+      <p:nvGrpSpPr>
+        <p:cNvPr id="1" name=""/>
+        <p:cNvGrpSpPr/>
+        <p:nvPr/>
+      </p:nvGrpSpPr>
+      <p:grpSpPr>
+        <a:xfrm>
+          <a:off x="0" y="0"/>
+          <a:ext cx="0" cy="0"/>
+          <a:chOff x="0" y="0"/>
+          <a:chExt cx="0" cy="0"/>
+        </a:xfrm>
+      </p:grpSpPr>
+      <p:sp>
+        <p:nvSpPr>
+          <p:cNvPr id="2" name="Title 1">
+            <a:extLst>
+              <a:ext uri="{FF2B5EF4-FFF2-40B4-BE49-F238E27FC236}">
+                <a16:creationId xmlns:a16="http://schemas.microsoft.com/office/drawing/2014/main" id="{191760E7-D421-6840-49A6-4DB12812CE38}"/>
+              </a:ext>
+            </a:extLst>
+          </p:cNvPr>
+          <p:cNvSpPr>
+            <a:spLocks noGrp="1"/>
+          </p:cNvSpPr>
+          <p:nvPr>
+            <p:ph type="title"/>
+          </p:nvPr>
+        </p:nvSpPr>
+        <p:spPr/>
+        <p:txBody>
+          <a:bodyPr>
+            <a:normAutofit/>
+          </a:bodyPr>
+          <a:lstStyle/>
+          <a:p>
+            <a:r>
+              <a:rPr lang="en-IL" dirty="0"/>
+              <a:t>Speed comparison of complete SCENIC workflow</a:t>
+            </a:r>
+          </a:p>
+        </p:txBody>
+      </p:sp>
+      <p:pic>
+        <p:nvPicPr>
+          <p:cNvPr id="4" name="Content Placeholder 3">
+            <a:extLst>
+              <a:ext uri="{FF2B5EF4-FFF2-40B4-BE49-F238E27FC236}">
+                <a16:creationId xmlns:a16="http://schemas.microsoft.com/office/drawing/2014/main" id="{A0E66755-2721-CE16-32B7-643BC9CC9C6E}"/>
+              </a:ext>
+            </a:extLst>
+          </p:cNvPr>
+          <p:cNvPicPr>
+            <a:picLocks noGrp="1" noChangeAspect="1"/>
+          </p:cNvPicPr>
+          <p:nvPr>
+            <p:ph idx="1"/>
+          </p:nvPr>
+        </p:nvPicPr>
+        <p:blipFill>
+          <a:blip r:embed="rId3"/>
+          <a:stretch>
+            <a:fillRect/>
+          </a:stretch>
+        </p:blipFill>
+        <p:spPr>
+          <a:xfrm>
+            <a:off x="905996" y="1825625"/>
+            <a:ext cx="10380007" cy="4351338"/>
+          </a:xfrm>
+          <a:prstGeom prst="rect">
+            <a:avLst/>
+          </a:prstGeom>
+        </p:spPr>
+      </p:pic>
+      <p:sp>
+        <p:nvSpPr>
+          <p:cNvPr id="5" name="TextBox 4">
+            <a:extLst>
+              <a:ext uri="{FF2B5EF4-FFF2-40B4-BE49-F238E27FC236}">
+                <a16:creationId xmlns:a16="http://schemas.microsoft.com/office/drawing/2014/main" id="{F8E926EE-415D-7F15-D460-FAC1DB9D26CF}"/>
+              </a:ext>
+            </a:extLst>
+          </p:cNvPr>
+          <p:cNvSpPr txBox="1"/>
+          <p:nvPr/>
+        </p:nvSpPr>
+        <p:spPr>
+          <a:xfrm>
+            <a:off x="479685" y="6415790"/>
+            <a:ext cx="6132128" cy="369332"/>
+          </a:xfrm>
+          <a:prstGeom prst="rect">
+            <a:avLst/>
+          </a:prstGeom>
+          <a:noFill/>
+        </p:spPr>
+        <p:txBody>
+          <a:bodyPr wrap="none" rtlCol="0">
+            <a:spAutoFit/>
+          </a:bodyPr>
+          <a:lstStyle/>
+          <a:p>
+            <a:r>
+              <a:rPr lang="en-US" dirty="0"/>
+              <a:t>https://</a:t>
+            </a:r>
+            <a:r>
+              <a:rPr lang="en-US" dirty="0" err="1"/>
+              <a:t>www.nature.com</a:t>
+            </a:r>
+            <a:r>
+              <a:rPr lang="en-US" dirty="0"/>
+              <a:t>/articles/s41596-020-0336-2/figures/2</a:t>
+            </a:r>
+            <a:endParaRPr lang="en-IL" dirty="0"/>
+          </a:p>
+        </p:txBody>
+      </p:sp>
+    </p:spTree>
+    <p:extLst>
+      <p:ext uri="{BB962C8B-B14F-4D97-AF65-F5344CB8AC3E}">
+        <p14:creationId xmlns:p14="http://schemas.microsoft.com/office/powerpoint/2010/main" val="3546886637"/>
+      </p:ext>
+    </p:extLst>
+  </p:cSld>
+  <p:clrMapOvr>
+    <a:masterClrMapping/>
+  </p:clrMapOvr>
+</p:sld>
+</file>
+
+<file path=ppt/slides/slide16.xml><?xml version="1.0" encoding="utf-8"?>
+<p:sld xmlns:a="http://schemas.openxmlformats.org/drawingml/2006/main" xmlns:r="http://schemas.openxmlformats.org/officeDocument/2006/relationships" xmlns:p="http://schemas.openxmlformats.org/presentationml/2006/main">
+  <p:cSld>
+    <p:spTree>
+      <p:nvGrpSpPr>
+        <p:cNvPr id="1" name=""/>
+        <p:cNvGrpSpPr/>
+        <p:nvPr/>
+      </p:nvGrpSpPr>
+      <p:grpSpPr>
+        <a:xfrm>
+          <a:off x="0" y="0"/>
+          <a:ext cx="0" cy="0"/>
+          <a:chOff x="0" y="0"/>
+          <a:chExt cx="0" cy="0"/>
+        </a:xfrm>
+      </p:grpSpPr>
+      <p:sp>
+        <p:nvSpPr>
+          <p:cNvPr id="2" name="Title 1">
+            <a:extLst>
+              <a:ext uri="{FF2B5EF4-FFF2-40B4-BE49-F238E27FC236}">
                 <a16:creationId xmlns:a16="http://schemas.microsoft.com/office/drawing/2014/main" id="{2079D134-3BDE-30C6-AAE0-FA41532C6D30}"/>
               </a:ext>
             </a:extLst>
@@ -9662,7 +10618,7 @@
               <a:buNone/>
             </a:pPr>
             <a:r>
-              <a:rPr lang="en-US" sz="2000" b="0">
+              <a:rPr lang="en-US" sz="2000" b="0" dirty="0">
                 <a:solidFill>
                   <a:srgbClr val="9CDCFE"/>
                 </a:solidFill>
@@ -9672,7 +10628,7 @@
               <a:t>adjacencies</a:t>
             </a:r>
             <a:r>
-              <a:rPr lang="en-US" sz="2000" b="0">
+              <a:rPr lang="en-US" sz="2000" b="0" dirty="0">
                 <a:solidFill>
                   <a:srgbClr val="D4D4D4"/>
                 </a:solidFill>
@@ -9682,7 +10638,7 @@
               <a:t> = grnboost2(</a:t>
             </a:r>
             <a:r>
-              <a:rPr lang="en-US" sz="2000" b="0">
+              <a:rPr lang="en-US" sz="2000" b="0" dirty="0" err="1">
                 <a:solidFill>
                   <a:srgbClr val="9CDCFE"/>
                 </a:solidFill>
@@ -9692,7 +10648,7 @@
               <a:t>ex_matrix</a:t>
             </a:r>
             <a:r>
-              <a:rPr lang="en-US" sz="2000" b="0">
+              <a:rPr lang="en-US" sz="2000" b="0" dirty="0">
                 <a:solidFill>
                   <a:srgbClr val="D4D4D4"/>
                 </a:solidFill>
@@ -9702,7 +10658,7 @@
               <a:t>, </a:t>
             </a:r>
             <a:r>
-              <a:rPr lang="en-US" sz="2000" b="0">
+              <a:rPr lang="en-US" sz="2000" b="0" dirty="0" err="1">
                 <a:solidFill>
                   <a:srgbClr val="9CDCFE"/>
                 </a:solidFill>
@@ -9712,7 +10668,7 @@
               <a:t>tf_names</a:t>
             </a:r>
             <a:r>
-              <a:rPr lang="en-US" sz="2000" b="0">
+              <a:rPr lang="en-US" sz="2000" b="0" dirty="0">
                 <a:solidFill>
                   <a:srgbClr val="D4D4D4"/>
                 </a:solidFill>
@@ -9722,7 +10678,7 @@
               <a:t>, </a:t>
             </a:r>
             <a:r>
-              <a:rPr lang="en-US" sz="2000" b="0">
+              <a:rPr lang="en-US" sz="2000" b="0" dirty="0">
                 <a:solidFill>
                   <a:srgbClr val="9CDCFE"/>
                 </a:solidFill>
@@ -9732,7 +10688,7 @@
               <a:t>verbose</a:t>
             </a:r>
             <a:r>
-              <a:rPr lang="en-US" sz="2000" b="0">
+              <a:rPr lang="en-US" sz="2000" b="0" dirty="0">
                 <a:solidFill>
                   <a:srgbClr val="D4D4D4"/>
                 </a:solidFill>
@@ -9742,7 +10698,7 @@
               <a:t>=</a:t>
             </a:r>
             <a:r>
-              <a:rPr lang="en-US" sz="2000" b="0">
+              <a:rPr lang="en-US" sz="2000" b="0" dirty="0">
                 <a:solidFill>
                   <a:srgbClr val="569CD6"/>
                 </a:solidFill>
@@ -9752,7 +10708,7 @@
               <a:t>True</a:t>
             </a:r>
             <a:r>
-              <a:rPr lang="en-US" sz="2000" b="0">
+              <a:rPr lang="en-US" sz="2000" b="0" dirty="0">
                 <a:solidFill>
                   <a:srgbClr val="D4D4D4"/>
                 </a:solidFill>
@@ -9813,7 +10769,7 @@
 </p:sld>
 </file>
 
-<file path=ppt/slides/slide13.xml><?xml version="1.0" encoding="utf-8"?>
+<file path=ppt/slides/slide17.xml><?xml version="1.0" encoding="utf-8"?>
 <p:sld xmlns:a="http://schemas.openxmlformats.org/drawingml/2006/main" xmlns:r="http://schemas.openxmlformats.org/officeDocument/2006/relationships" xmlns:p="http://schemas.openxmlformats.org/presentationml/2006/main">
   <p:cSld>
     <p:spTree>
@@ -9981,7 +10937,7 @@
 </p:sld>
 </file>
 
-<file path=ppt/slides/slide14.xml><?xml version="1.0" encoding="utf-8"?>
+<file path=ppt/slides/slide18.xml><?xml version="1.0" encoding="utf-8"?>
 <p:sld xmlns:a="http://schemas.openxmlformats.org/drawingml/2006/main" xmlns:r="http://schemas.openxmlformats.org/officeDocument/2006/relationships" xmlns:p="http://schemas.openxmlformats.org/presentationml/2006/main">
   <p:cSld>
     <p:spTree>
@@ -10259,504 +11215,6 @@
 </p:sld>
 </file>
 
-<file path=ppt/slides/slide15.xml><?xml version="1.0" encoding="utf-8"?>
-<p:sld xmlns:a="http://schemas.openxmlformats.org/drawingml/2006/main" xmlns:r="http://schemas.openxmlformats.org/officeDocument/2006/relationships" xmlns:p="http://schemas.openxmlformats.org/presentationml/2006/main">
-  <p:cSld>
-    <p:spTree>
-      <p:nvGrpSpPr>
-        <p:cNvPr id="1" name=""/>
-        <p:cNvGrpSpPr/>
-        <p:nvPr/>
-      </p:nvGrpSpPr>
-      <p:grpSpPr>
-        <a:xfrm>
-          <a:off x="0" y="0"/>
-          <a:ext cx="0" cy="0"/>
-          <a:chOff x="0" y="0"/>
-          <a:chExt cx="0" cy="0"/>
-        </a:xfrm>
-      </p:grpSpPr>
-      <p:sp>
-        <p:nvSpPr>
-          <p:cNvPr id="2" name="Title 1">
-            <a:extLst>
-              <a:ext uri="{FF2B5EF4-FFF2-40B4-BE49-F238E27FC236}">
-                <a16:creationId xmlns:a16="http://schemas.microsoft.com/office/drawing/2014/main" id="{BB1296EA-E2E5-3006-EBB0-87DD92C1CA09}"/>
-              </a:ext>
-            </a:extLst>
-          </p:cNvPr>
-          <p:cNvSpPr>
-            <a:spLocks noGrp="1"/>
-          </p:cNvSpPr>
-          <p:nvPr>
-            <p:ph type="title"/>
-          </p:nvPr>
-        </p:nvSpPr>
-        <p:spPr/>
-        <p:txBody>
-          <a:bodyPr/>
-          <a:lstStyle/>
-          <a:p>
-            <a:pPr marL="0" indent="0">
-              <a:buNone/>
-            </a:pPr>
-            <a:r>
-              <a:rPr lang="en-IL" dirty="0"/>
-              <a:t>Steps 2+3</a:t>
-            </a:r>
-          </a:p>
-        </p:txBody>
-      </p:sp>
-      <p:sp>
-        <p:nvSpPr>
-          <p:cNvPr id="3" name="Text Placeholder 2">
-            <a:extLst>
-              <a:ext uri="{FF2B5EF4-FFF2-40B4-BE49-F238E27FC236}">
-                <a16:creationId xmlns:a16="http://schemas.microsoft.com/office/drawing/2014/main" id="{8EA09FDE-D469-321F-81B9-9F7513986866}"/>
-              </a:ext>
-            </a:extLst>
-          </p:cNvPr>
-          <p:cNvSpPr>
-            <a:spLocks noGrp="1"/>
-          </p:cNvSpPr>
-          <p:nvPr>
-            <p:ph type="body" idx="1"/>
-          </p:nvPr>
-        </p:nvSpPr>
-        <p:spPr/>
-        <p:txBody>
-          <a:bodyPr/>
-          <a:lstStyle/>
-          <a:p>
-            <a:r>
-              <a:rPr lang="en-IL" dirty="0"/>
-              <a:t>Regulon prediction (cisTarget)</a:t>
-            </a:r>
-          </a:p>
-        </p:txBody>
-      </p:sp>
-    </p:spTree>
-    <p:extLst>
-      <p:ext uri="{BB962C8B-B14F-4D97-AF65-F5344CB8AC3E}">
-        <p14:creationId xmlns:p14="http://schemas.microsoft.com/office/powerpoint/2010/main" val="2935484245"/>
-      </p:ext>
-    </p:extLst>
-  </p:cSld>
-  <p:clrMapOvr>
-    <a:masterClrMapping/>
-  </p:clrMapOvr>
-</p:sld>
-</file>
-
-<file path=ppt/slides/slide16.xml><?xml version="1.0" encoding="utf-8"?>
-<p:sld xmlns:a="http://schemas.openxmlformats.org/drawingml/2006/main" xmlns:r="http://schemas.openxmlformats.org/officeDocument/2006/relationships" xmlns:p="http://schemas.openxmlformats.org/presentationml/2006/main">
-  <p:cSld>
-    <p:spTree>
-      <p:nvGrpSpPr>
-        <p:cNvPr id="1" name=""/>
-        <p:cNvGrpSpPr/>
-        <p:nvPr/>
-      </p:nvGrpSpPr>
-      <p:grpSpPr>
-        <a:xfrm>
-          <a:off x="0" y="0"/>
-          <a:ext cx="0" cy="0"/>
-          <a:chOff x="0" y="0"/>
-          <a:chExt cx="0" cy="0"/>
-        </a:xfrm>
-      </p:grpSpPr>
-      <p:sp>
-        <p:nvSpPr>
-          <p:cNvPr id="4" name="Title 3">
-            <a:extLst>
-              <a:ext uri="{FF2B5EF4-FFF2-40B4-BE49-F238E27FC236}">
-                <a16:creationId xmlns:a16="http://schemas.microsoft.com/office/drawing/2014/main" id="{26DC96BC-DD0F-E295-9955-6EE7A823A3B4}"/>
-              </a:ext>
-            </a:extLst>
-          </p:cNvPr>
-          <p:cNvSpPr>
-            <a:spLocks noGrp="1"/>
-          </p:cNvSpPr>
-          <p:nvPr>
-            <p:ph type="title"/>
-          </p:nvPr>
-        </p:nvSpPr>
-        <p:spPr/>
-        <p:txBody>
-          <a:bodyPr/>
-          <a:lstStyle/>
-          <a:p>
-            <a:r>
-              <a:rPr lang="en-IL" dirty="0"/>
-              <a:t>Motif Enrichment</a:t>
-            </a:r>
-          </a:p>
-        </p:txBody>
-      </p:sp>
-      <p:sp>
-        <p:nvSpPr>
-          <p:cNvPr id="5" name="Content Placeholder 4">
-            <a:extLst>
-              <a:ext uri="{FF2B5EF4-FFF2-40B4-BE49-F238E27FC236}">
-                <a16:creationId xmlns:a16="http://schemas.microsoft.com/office/drawing/2014/main" id="{7DAC1950-16CF-9202-D23B-4F779C3BDB71}"/>
-              </a:ext>
-            </a:extLst>
-          </p:cNvPr>
-          <p:cNvSpPr>
-            <a:spLocks noGrp="1"/>
-          </p:cNvSpPr>
-          <p:nvPr>
-            <p:ph idx="1"/>
-          </p:nvPr>
-        </p:nvSpPr>
-        <p:spPr/>
-        <p:txBody>
-          <a:bodyPr/>
-          <a:lstStyle/>
-          <a:p>
-            <a:r>
-              <a:rPr lang="en-IL" dirty="0"/>
-              <a:t>Modules contain both direct and indirect targets (only based on coexpression) </a:t>
-            </a:r>
-          </a:p>
-          <a:p>
-            <a:r>
-              <a:rPr lang="en-US" dirty="0"/>
-              <a:t>T</a:t>
-            </a:r>
-            <a:r>
-              <a:rPr lang="en-IL" dirty="0"/>
-              <a:t>herefor – putative regulatory regions of the target genes are searched for enriched motifs </a:t>
-            </a:r>
-          </a:p>
-          <a:p>
-            <a:pPr lvl="1"/>
-            <a:r>
-              <a:rPr lang="en-US" dirty="0"/>
-              <a:t>C</a:t>
-            </a:r>
-            <a:r>
-              <a:rPr lang="en-IL" dirty="0"/>
-              <a:t>omparing scores of cis-regulatory modules (CRMs) near the genes in the module with the remaining genes in the genome </a:t>
-            </a:r>
-          </a:p>
-          <a:p>
-            <a:pPr lvl="1"/>
-            <a:r>
-              <a:rPr lang="en-IL" dirty="0"/>
-              <a:t>CRM calculated with HMM</a:t>
-            </a:r>
-          </a:p>
-          <a:p>
-            <a:r>
-              <a:rPr lang="en-US" dirty="0"/>
-              <a:t>R</a:t>
-            </a:r>
-            <a:r>
-              <a:rPr lang="en-IL" dirty="0"/>
-              <a:t>etaining regulons in which the TF’s motif is significanlty enriched</a:t>
-            </a:r>
-          </a:p>
-          <a:p>
-            <a:pPr marL="457200" lvl="1" indent="0">
-              <a:buNone/>
-            </a:pPr>
-            <a:endParaRPr lang="en-IL" dirty="0"/>
-          </a:p>
-        </p:txBody>
-      </p:sp>
-    </p:spTree>
-    <p:extLst>
-      <p:ext uri="{BB962C8B-B14F-4D97-AF65-F5344CB8AC3E}">
-        <p14:creationId xmlns:p14="http://schemas.microsoft.com/office/powerpoint/2010/main" val="78533185"/>
-      </p:ext>
-    </p:extLst>
-  </p:cSld>
-  <p:clrMapOvr>
-    <a:masterClrMapping/>
-  </p:clrMapOvr>
-</p:sld>
-</file>
-
-<file path=ppt/slides/slide17.xml><?xml version="1.0" encoding="utf-8"?>
-<p:sld xmlns:a="http://schemas.openxmlformats.org/drawingml/2006/main" xmlns:r="http://schemas.openxmlformats.org/officeDocument/2006/relationships" xmlns:p="http://schemas.openxmlformats.org/presentationml/2006/main">
-  <p:cSld>
-    <p:spTree>
-      <p:nvGrpSpPr>
-        <p:cNvPr id="1" name=""/>
-        <p:cNvGrpSpPr/>
-        <p:nvPr/>
-      </p:nvGrpSpPr>
-      <p:grpSpPr>
-        <a:xfrm>
-          <a:off x="0" y="0"/>
-          <a:ext cx="0" cy="0"/>
-          <a:chOff x="0" y="0"/>
-          <a:chExt cx="0" cy="0"/>
-        </a:xfrm>
-      </p:grpSpPr>
-      <p:sp>
-        <p:nvSpPr>
-          <p:cNvPr id="2" name="Title 1">
-            <a:extLst>
-              <a:ext uri="{FF2B5EF4-FFF2-40B4-BE49-F238E27FC236}">
-                <a16:creationId xmlns:a16="http://schemas.microsoft.com/office/drawing/2014/main" id="{912B36CD-F51F-F194-10DA-409BAB1BEBC9}"/>
-              </a:ext>
-            </a:extLst>
-          </p:cNvPr>
-          <p:cNvSpPr>
-            <a:spLocks noGrp="1"/>
-          </p:cNvSpPr>
-          <p:nvPr>
-            <p:ph type="title"/>
-          </p:nvPr>
-        </p:nvSpPr>
-        <p:spPr/>
-        <p:txBody>
-          <a:bodyPr/>
-          <a:lstStyle/>
-          <a:p>
-            <a:r>
-              <a:rPr lang="en-IL" dirty="0"/>
-              <a:t>iRegulon (&amp; i-cisTarget)</a:t>
-            </a:r>
-          </a:p>
-        </p:txBody>
-      </p:sp>
-      <p:sp>
-        <p:nvSpPr>
-          <p:cNvPr id="3" name="Content Placeholder 2">
-            <a:extLst>
-              <a:ext uri="{FF2B5EF4-FFF2-40B4-BE49-F238E27FC236}">
-                <a16:creationId xmlns:a16="http://schemas.microsoft.com/office/drawing/2014/main" id="{3D134900-47B4-01F1-AC4C-2E81118AE39B}"/>
-              </a:ext>
-            </a:extLst>
-          </p:cNvPr>
-          <p:cNvSpPr>
-            <a:spLocks noGrp="1"/>
-          </p:cNvSpPr>
-          <p:nvPr>
-            <p:ph idx="1"/>
-          </p:nvPr>
-        </p:nvSpPr>
-        <p:spPr/>
-        <p:txBody>
-          <a:bodyPr/>
-          <a:lstStyle/>
-          <a:p>
-            <a:pPr marL="514350" indent="-514350">
-              <a:buFont typeface="+mj-lt"/>
-              <a:buAutoNum type="arabicPeriod"/>
-            </a:pPr>
-            <a:r>
-              <a:rPr lang="en-US" dirty="0"/>
-              <a:t>Ranking: R</a:t>
-            </a:r>
-            <a:r>
-              <a:rPr lang="en-IL" dirty="0"/>
-              <a:t>ank all genes in the genome </a:t>
-            </a:r>
-            <a:r>
-              <a:rPr lang="en-IL" dirty="0">
-                <a:highlight>
-                  <a:srgbClr val="FFFF00"/>
-                </a:highlight>
-              </a:rPr>
-              <a:t>for their likelyhood of being a target gene of a certain input motif (pre-calculated)</a:t>
-            </a:r>
-          </a:p>
-          <a:p>
-            <a:pPr marL="514350" indent="-514350">
-              <a:buFont typeface="+mj-lt"/>
-              <a:buAutoNum type="arabicPeriod"/>
-            </a:pPr>
-            <a:r>
-              <a:rPr lang="en-IL" dirty="0"/>
-              <a:t>Recovery: Genomic ranks of a set of coexpressed genes are plotted in a cumulative recovery curve -&gt; X: motifs by ranks, Y: recovered from data</a:t>
-            </a:r>
-            <a:r>
-              <a:rPr lang="en-IL" dirty="0">
-                <a:solidFill>
-                  <a:srgbClr val="FF0000"/>
-                </a:solidFill>
-              </a:rPr>
-              <a:t>**</a:t>
-            </a:r>
-            <a:r>
-              <a:rPr lang="en-IL" dirty="0"/>
-              <a:t> </a:t>
-            </a:r>
-          </a:p>
-          <a:p>
-            <a:pPr marL="514350" indent="-514350">
-              <a:buFont typeface="+mj-lt"/>
-              <a:buAutoNum type="arabicPeriod"/>
-            </a:pPr>
-            <a:r>
-              <a:rPr lang="en-IL" dirty="0"/>
-              <a:t>Calclate AUC, threshold is the first 3% of the ranked genes</a:t>
-            </a:r>
-          </a:p>
-          <a:p>
-            <a:pPr marL="514350" indent="-514350">
-              <a:buFont typeface="+mj-lt"/>
-              <a:buAutoNum type="arabicPeriod"/>
-            </a:pPr>
-            <a:endParaRPr lang="en-IL" dirty="0"/>
-          </a:p>
-          <a:p>
-            <a:pPr marL="0" indent="0">
-              <a:buNone/>
-            </a:pPr>
-            <a:endParaRPr lang="en-IL" dirty="0"/>
-          </a:p>
-        </p:txBody>
-      </p:sp>
-    </p:spTree>
-    <p:extLst>
-      <p:ext uri="{BB962C8B-B14F-4D97-AF65-F5344CB8AC3E}">
-        <p14:creationId xmlns:p14="http://schemas.microsoft.com/office/powerpoint/2010/main" val="1811413860"/>
-      </p:ext>
-    </p:extLst>
-  </p:cSld>
-  <p:clrMapOvr>
-    <a:masterClrMapping/>
-  </p:clrMapOvr>
-</p:sld>
-</file>
-
-<file path=ppt/slides/slide18.xml><?xml version="1.0" encoding="utf-8"?>
-<p:sld xmlns:a="http://schemas.openxmlformats.org/drawingml/2006/main" xmlns:r="http://schemas.openxmlformats.org/officeDocument/2006/relationships" xmlns:p="http://schemas.openxmlformats.org/presentationml/2006/main">
-  <p:cSld>
-    <p:spTree>
-      <p:nvGrpSpPr>
-        <p:cNvPr id="1" name=""/>
-        <p:cNvGrpSpPr/>
-        <p:nvPr/>
-      </p:nvGrpSpPr>
-      <p:grpSpPr>
-        <a:xfrm>
-          <a:off x="0" y="0"/>
-          <a:ext cx="0" cy="0"/>
-          <a:chOff x="0" y="0"/>
-          <a:chExt cx="0" cy="0"/>
-        </a:xfrm>
-      </p:grpSpPr>
-      <p:sp>
-        <p:nvSpPr>
-          <p:cNvPr id="2" name="Title 1">
-            <a:extLst>
-              <a:ext uri="{FF2B5EF4-FFF2-40B4-BE49-F238E27FC236}">
-                <a16:creationId xmlns:a16="http://schemas.microsoft.com/office/drawing/2014/main" id="{2E874509-CBA4-B08B-8E70-3C644AB44488}"/>
-              </a:ext>
-            </a:extLst>
-          </p:cNvPr>
-          <p:cNvSpPr>
-            <a:spLocks noGrp="1"/>
-          </p:cNvSpPr>
-          <p:nvPr>
-            <p:ph type="title"/>
-          </p:nvPr>
-        </p:nvSpPr>
-        <p:spPr>
-          <a:xfrm>
-            <a:off x="838200" y="365125"/>
-            <a:ext cx="10515600" cy="2047875"/>
-          </a:xfrm>
-        </p:spPr>
-        <p:txBody>
-          <a:bodyPr>
-            <a:normAutofit/>
-          </a:bodyPr>
-          <a:lstStyle/>
-          <a:p>
-            <a:r>
-              <a:rPr lang="en-IL" dirty="0"/>
-              <a:t>Ranking</a:t>
-            </a:r>
-            <a:br>
-              <a:rPr lang="en-IL" dirty="0"/>
-            </a:br>
-            <a:endParaRPr lang="en-IL" dirty="0"/>
-          </a:p>
-        </p:txBody>
-      </p:sp>
-      <p:sp>
-        <p:nvSpPr>
-          <p:cNvPr id="3" name="Content Placeholder 2">
-            <a:extLst>
-              <a:ext uri="{FF2B5EF4-FFF2-40B4-BE49-F238E27FC236}">
-                <a16:creationId xmlns:a16="http://schemas.microsoft.com/office/drawing/2014/main" id="{85531072-8CEA-4F4A-C3A6-22F79DFBCC08}"/>
-              </a:ext>
-            </a:extLst>
-          </p:cNvPr>
-          <p:cNvSpPr>
-            <a:spLocks noGrp="1"/>
-          </p:cNvSpPr>
-          <p:nvPr>
-            <p:ph idx="1"/>
-          </p:nvPr>
-        </p:nvSpPr>
-        <p:spPr/>
-        <p:txBody>
-          <a:bodyPr/>
-          <a:lstStyle/>
-          <a:p>
-            <a:r>
-              <a:rPr lang="en-US" dirty="0"/>
-              <a:t>F</a:t>
-            </a:r>
-            <a:r>
-              <a:rPr lang="en-IL" dirty="0"/>
-              <a:t>or each gene, a regulatory search space is scanned for homotypic CRMs using a Hidden Markov Model (Cluster-Buster)</a:t>
-            </a:r>
-          </a:p>
-          <a:p>
-            <a:r>
-              <a:rPr lang="en-US" dirty="0"/>
-              <a:t>F</a:t>
-            </a:r>
-            <a:r>
-              <a:rPr lang="en-IL" dirty="0"/>
-              <a:t>or N PWMs (number of motifs), N ranked lists of genes sorted by likelyhood of being a target gene are generated </a:t>
-            </a:r>
-          </a:p>
-          <a:p>
-            <a:r>
-              <a:rPr lang="en-IL" dirty="0"/>
-              <a:t>Orthologous search spaces in X other species are determined (UCSC listover tool), and scanned with the same PWMs.</a:t>
-            </a:r>
-          </a:p>
-          <a:p>
-            <a:r>
-              <a:rPr lang="en-IL" dirty="0"/>
-              <a:t>Rank aggregation (original refseq + other species) - OrderStatistics</a:t>
-            </a:r>
-          </a:p>
-          <a:p>
-            <a:pPr marL="0" indent="0">
-              <a:buNone/>
-            </a:pPr>
-            <a:endParaRPr lang="en-IL" dirty="0"/>
-          </a:p>
-          <a:p>
-            <a:endParaRPr lang="en-IL" dirty="0"/>
-          </a:p>
-        </p:txBody>
-      </p:sp>
-    </p:spTree>
-    <p:extLst>
-      <p:ext uri="{BB962C8B-B14F-4D97-AF65-F5344CB8AC3E}">
-        <p14:creationId xmlns:p14="http://schemas.microsoft.com/office/powerpoint/2010/main" val="1935667341"/>
-      </p:ext>
-    </p:extLst>
-  </p:cSld>
-  <p:clrMapOvr>
-    <a:masterClrMapping/>
-  </p:clrMapOvr>
-</p:sld>
-</file>
-
 <file path=ppt/slides/slide19.xml><?xml version="1.0" encoding="utf-8"?>
 <p:sld xmlns:a="http://schemas.openxmlformats.org/drawingml/2006/main" xmlns:r="http://schemas.openxmlformats.org/officeDocument/2006/relationships" xmlns:p="http://schemas.openxmlformats.org/presentationml/2006/main">
   <p:cSld>
@@ -10779,7 +11237,7 @@
           <p:cNvPr id="2" name="Title 1">
             <a:extLst>
               <a:ext uri="{FF2B5EF4-FFF2-40B4-BE49-F238E27FC236}">
-                <a16:creationId xmlns:a16="http://schemas.microsoft.com/office/drawing/2014/main" id="{4465E1E2-99DB-A5DD-F6FB-A2BE40625B29}"/>
+                <a16:creationId xmlns:a16="http://schemas.microsoft.com/office/drawing/2014/main" id="{BB1296EA-E2E5-3006-EBB0-87DD92C1CA09}"/>
               </a:ext>
             </a:extLst>
           </p:cNvPr>
@@ -10795,19 +11253,22 @@
           <a:bodyPr/>
           <a:lstStyle/>
           <a:p>
+            <a:pPr marL="0" indent="0">
+              <a:buNone/>
+            </a:pPr>
             <a:r>
               <a:rPr lang="en-IL" dirty="0"/>
-              <a:t>2. Recovery </a:t>
-            </a:r>
-          </a:p>
-        </p:txBody>
-      </p:sp>
-      <p:sp>
-        <p:nvSpPr>
-          <p:cNvPr id="3" name="Content Placeholder 2">
+              <a:t>Steps 2+3</a:t>
+            </a:r>
+          </a:p>
+        </p:txBody>
+      </p:sp>
+      <p:sp>
+        <p:nvSpPr>
+          <p:cNvPr id="3" name="Text Placeholder 2">
             <a:extLst>
               <a:ext uri="{FF2B5EF4-FFF2-40B4-BE49-F238E27FC236}">
-                <a16:creationId xmlns:a16="http://schemas.microsoft.com/office/drawing/2014/main" id="{040CA855-8D03-7A0A-01EF-C1D1ECE95001}"/>
+                <a16:creationId xmlns:a16="http://schemas.microsoft.com/office/drawing/2014/main" id="{8EA09FDE-D469-321F-81B9-9F7513986866}"/>
               </a:ext>
             </a:extLst>
           </p:cNvPr>
@@ -10815,7 +11276,7 @@
             <a:spLocks noGrp="1"/>
           </p:cNvSpPr>
           <p:nvPr>
-            <p:ph idx="1"/>
+            <p:ph type="body" idx="1"/>
           </p:nvPr>
         </p:nvSpPr>
         <p:spPr/>
@@ -10824,61 +11285,16 @@
           <a:lstStyle/>
           <a:p>
             <a:r>
-              <a:rPr lang="en-US" dirty="0"/>
-              <a:t>I</a:t>
-            </a:r>
-            <a:r>
               <a:rPr lang="en-IL" dirty="0"/>
-              <a:t>nput: set of coexpressed genes</a:t>
-            </a:r>
-          </a:p>
-          <a:p>
-            <a:r>
-              <a:rPr lang="en-IL" dirty="0"/>
-              <a:t>A</a:t>
-            </a:r>
-            <a:r>
-              <a:rPr lang="en-US" dirty="0"/>
-              <a:t>UC is computed in the top 3% of the ranking from the last step</a:t>
-            </a:r>
-          </a:p>
-          <a:p>
-            <a:r>
-              <a:rPr lang="en-IL" dirty="0"/>
-              <a:t>AUC values are normalized (Normalized Enrichment Score) </a:t>
-            </a:r>
-          </a:p>
-          <a:p>
-            <a:r>
-              <a:rPr lang="en-US" dirty="0"/>
-              <a:t>NES C</a:t>
-            </a:r>
-            <a:r>
-              <a:rPr lang="en-IL" dirty="0"/>
-              <a:t>utoff: 3, corresponding to a False Discovery Rate (FDR) between 3%-9% </a:t>
-            </a:r>
-          </a:p>
-          <a:p>
-            <a:r>
-              <a:rPr lang="en-US" dirty="0"/>
-              <a:t>For each motif and gene set - predict candidate target genes (genes that are ranked above the </a:t>
-            </a:r>
-            <a:r>
-              <a:rPr lang="en-US" i="1" dirty="0"/>
-              <a:t>leading edge</a:t>
-            </a:r>
-            <a:r>
-              <a:rPr lang="en-US" dirty="0"/>
-              <a:t>)</a:t>
-            </a:r>
-            <a:endParaRPr lang="en-IL" dirty="0"/>
+              <a:t>Regulon prediction (cisTarget)</a:t>
+            </a:r>
           </a:p>
         </p:txBody>
       </p:sp>
     </p:spTree>
     <p:extLst>
       <p:ext uri="{BB962C8B-B14F-4D97-AF65-F5344CB8AC3E}">
-        <p14:creationId xmlns:p14="http://schemas.microsoft.com/office/powerpoint/2010/main" val="3994226368"/>
+        <p14:creationId xmlns:p14="http://schemas.microsoft.com/office/powerpoint/2010/main" val="2935484245"/>
       </p:ext>
     </p:extLst>
   </p:cSld>
@@ -10910,7 +11326,7 @@
           <p:cNvPr id="2" name="Title 1">
             <a:extLst>
               <a:ext uri="{FF2B5EF4-FFF2-40B4-BE49-F238E27FC236}">
-                <a16:creationId xmlns:a16="http://schemas.microsoft.com/office/drawing/2014/main" id="{59791B7E-C078-EF16-B7D3-0773F8CF578F}"/>
+                <a16:creationId xmlns:a16="http://schemas.microsoft.com/office/drawing/2014/main" id="{D3F284B4-331E-7519-34BA-93C6C3EEC44E}"/>
               </a:ext>
             </a:extLst>
           </p:cNvPr>
@@ -10927,44 +11343,260 @@
           <a:lstStyle/>
           <a:p>
             <a:r>
+              <a:rPr lang="en-US" dirty="0"/>
+              <a:t>Q</a:t>
+            </a:r>
+            <a:r>
               <a:rPr lang="en-IL" dirty="0"/>
-              <a:t>3 steps</a:t>
-            </a:r>
-          </a:p>
-        </p:txBody>
-      </p:sp>
-      <p:graphicFrame>
-        <p:nvGraphicFramePr>
-          <p:cNvPr id="7" name="Diagram 6">
+              <a:t>uotes from the text</a:t>
+            </a:r>
+          </a:p>
+        </p:txBody>
+      </p:sp>
+      <p:sp>
+        <p:nvSpPr>
+          <p:cNvPr id="3" name="Content Placeholder 2">
             <a:extLst>
               <a:ext uri="{FF2B5EF4-FFF2-40B4-BE49-F238E27FC236}">
-                <a16:creationId xmlns:a16="http://schemas.microsoft.com/office/drawing/2014/main" id="{8565DAA2-A4C6-5FD0-DAE8-55BA41E6A1A2}"/>
+                <a16:creationId xmlns:a16="http://schemas.microsoft.com/office/drawing/2014/main" id="{8F07E0AA-8F81-1C2B-9E9F-544DF613D1A8}"/>
               </a:ext>
             </a:extLst>
           </p:cNvPr>
-          <p:cNvGraphicFramePr/>
-          <p:nvPr>
-            <p:extLst>
-              <p:ext uri="{D42A27DB-BD31-4B8C-83A1-F6EECF244321}">
-                <p14:modId xmlns:p14="http://schemas.microsoft.com/office/powerpoint/2010/main" val="1457138898"/>
-              </p:ext>
-            </p:extLst>
-          </p:nvPr>
-        </p:nvGraphicFramePr>
-        <p:xfrm>
-          <a:off x="1264920" y="769620"/>
-          <a:ext cx="9555480" cy="5448300"/>
-        </p:xfrm>
-        <a:graphic>
-          <a:graphicData uri="http://schemas.openxmlformats.org/drawingml/2006/diagram">
-            <dgm:relIds xmlns:dgm="http://schemas.openxmlformats.org/drawingml/2006/diagram" xmlns:r="http://schemas.openxmlformats.org/officeDocument/2006/relationships" r:dm="rId2" r:lo="rId3" r:qs="rId4" r:cs="rId5"/>
-          </a:graphicData>
-        </a:graphic>
-      </p:graphicFrame>
+          <p:cNvSpPr>
+            <a:spLocks noGrp="1"/>
+          </p:cNvSpPr>
+          <p:nvPr>
+            <p:ph idx="1"/>
+          </p:nvPr>
+        </p:nvSpPr>
+        <p:spPr/>
+        <p:txBody>
+          <a:bodyPr>
+            <a:normAutofit fontScale="77500" lnSpcReduction="20000"/>
+          </a:bodyPr>
+          <a:lstStyle/>
+          <a:p>
+            <a:pPr marL="0" indent="0">
+              <a:buNone/>
+            </a:pPr>
+            <a:r>
+              <a:rPr lang="en-US" i="1" dirty="0">
+                <a:effectLst/>
+                <a:latin typeface="Helvetica" pitchFamily="2" charset="0"/>
+              </a:rPr>
+              <a:t>Most animals are composed of a vast array of different cell types, tissues, and organs and larger structures such as</a:t>
+            </a:r>
+            <a:r>
+              <a:rPr lang="en-US" dirty="0">
+                <a:latin typeface="Helvetica" pitchFamily="2" charset="0"/>
+              </a:rPr>
+              <a:t> </a:t>
+            </a:r>
+            <a:r>
+              <a:rPr lang="en-US" i="1" dirty="0">
+                <a:effectLst/>
+                <a:latin typeface="Helvetica" pitchFamily="2" charset="0"/>
+              </a:rPr>
+              <a:t>appendages, that are themselves composed of many different</a:t>
+            </a:r>
+            <a:r>
+              <a:rPr lang="en-US" dirty="0">
+                <a:latin typeface="Helvetica" pitchFamily="2" charset="0"/>
+              </a:rPr>
+              <a:t> </a:t>
+            </a:r>
+            <a:r>
+              <a:rPr lang="en-US" i="1" dirty="0">
+                <a:effectLst/>
+                <a:latin typeface="Helvetica" pitchFamily="2" charset="0"/>
+              </a:rPr>
+              <a:t>cell types and tissues. </a:t>
+            </a:r>
+          </a:p>
+          <a:p>
+            <a:pPr marL="0" indent="0">
+              <a:buNone/>
+            </a:pPr>
+            <a:r>
+              <a:rPr lang="en-US" i="1" dirty="0">
+                <a:effectLst/>
+                <a:latin typeface="Helvetica" pitchFamily="2" charset="0"/>
+              </a:rPr>
+              <a:t>The development of a functional</a:t>
+            </a:r>
+            <a:r>
+              <a:rPr lang="en-US" dirty="0">
+                <a:latin typeface="Helvetica" pitchFamily="2" charset="0"/>
+              </a:rPr>
+              <a:t> </a:t>
+            </a:r>
+            <a:r>
+              <a:rPr lang="en-US" i="1" dirty="0">
+                <a:effectLst/>
+                <a:latin typeface="Helvetica" pitchFamily="2" charset="0"/>
+              </a:rPr>
+              <a:t>organism, or even appendage, requires the development of</a:t>
+            </a:r>
+            <a:r>
+              <a:rPr lang="en-US" dirty="0">
+                <a:latin typeface="Helvetica" pitchFamily="2" charset="0"/>
+              </a:rPr>
+              <a:t> </a:t>
+            </a:r>
+            <a:r>
+              <a:rPr lang="en-US" i="1" dirty="0">
+                <a:effectLst/>
+                <a:latin typeface="Helvetica" pitchFamily="2" charset="0"/>
+              </a:rPr>
+              <a:t>the correct number of each different cell type and that these</a:t>
+            </a:r>
+            <a:endParaRPr lang="en-US" dirty="0">
+              <a:effectLst/>
+              <a:latin typeface="Helvetica" pitchFamily="2" charset="0"/>
+            </a:endParaRPr>
+          </a:p>
+          <a:p>
+            <a:pPr marL="0" indent="0">
+              <a:buNone/>
+            </a:pPr>
+            <a:r>
+              <a:rPr lang="en-US" i="1" dirty="0">
+                <a:effectLst/>
+                <a:latin typeface="Helvetica" pitchFamily="2" charset="0"/>
+              </a:rPr>
+              <a:t>differently fated cells develop in a specific and largely invariant</a:t>
+            </a:r>
+            <a:r>
+              <a:rPr lang="en-US" dirty="0">
+                <a:latin typeface="Helvetica" pitchFamily="2" charset="0"/>
+              </a:rPr>
+              <a:t> </a:t>
+            </a:r>
+            <a:r>
+              <a:rPr lang="en-US" i="1" dirty="0">
+                <a:effectLst/>
+                <a:latin typeface="Helvetica" pitchFamily="2" charset="0"/>
+              </a:rPr>
+              <a:t>pattern within the organism. </a:t>
+            </a:r>
+          </a:p>
+          <a:p>
+            <a:pPr marL="0" indent="0">
+              <a:buNone/>
+            </a:pPr>
+            <a:r>
+              <a:rPr lang="en-US" i="1" dirty="0">
+                <a:effectLst/>
+                <a:latin typeface="Helvetica" pitchFamily="2" charset="0"/>
+              </a:rPr>
+              <a:t>A central issue of developmental</a:t>
+            </a:r>
+            <a:r>
+              <a:rPr lang="en-US" dirty="0">
+                <a:latin typeface="Helvetica" pitchFamily="2" charset="0"/>
+              </a:rPr>
+              <a:t> </a:t>
+            </a:r>
+            <a:r>
+              <a:rPr lang="en-US" i="1" dirty="0">
+                <a:effectLst/>
+                <a:latin typeface="Helvetica" pitchFamily="2" charset="0"/>
+              </a:rPr>
+              <a:t>biology, thus, revolves around the elucidation of the</a:t>
+            </a:r>
+            <a:r>
+              <a:rPr lang="en-US" dirty="0">
+                <a:latin typeface="Helvetica" pitchFamily="2" charset="0"/>
+              </a:rPr>
+              <a:t> </a:t>
+            </a:r>
+            <a:r>
+              <a:rPr lang="en-US" i="1" dirty="0">
+                <a:effectLst/>
+                <a:latin typeface="Helvetica" pitchFamily="2" charset="0"/>
+              </a:rPr>
+              <a:t>genetic regulatory mechanisms that integrate the processes</a:t>
+            </a:r>
+            <a:r>
+              <a:rPr lang="en-US" dirty="0">
+                <a:latin typeface="Helvetica" pitchFamily="2" charset="0"/>
+              </a:rPr>
+              <a:t> </a:t>
+            </a:r>
+            <a:r>
+              <a:rPr lang="en-US" i="1" dirty="0">
+                <a:effectLst/>
+                <a:latin typeface="Helvetica" pitchFamily="2" charset="0"/>
+              </a:rPr>
+              <a:t>of cell-type specification with those that position where and determine when different cell types form in a developing</a:t>
+            </a:r>
+            <a:r>
+              <a:rPr lang="en-US" dirty="0">
+                <a:latin typeface="Helvetica" pitchFamily="2" charset="0"/>
+              </a:rPr>
+              <a:t> </a:t>
+            </a:r>
+            <a:r>
+              <a:rPr lang="en-US" i="1" dirty="0">
+                <a:effectLst/>
+                <a:latin typeface="Helvetica" pitchFamily="2" charset="0"/>
+              </a:rPr>
+              <a:t>animal (pattern formation). </a:t>
+            </a:r>
+          </a:p>
+          <a:p>
+            <a:pPr marL="0" indent="0">
+              <a:buNone/>
+            </a:pPr>
+            <a:r>
+              <a:rPr lang="en-US" i="1" dirty="0">
+                <a:effectLst/>
+                <a:latin typeface="Helvetica" pitchFamily="2" charset="0"/>
+              </a:rPr>
+              <a:t>The development of the </a:t>
+            </a:r>
+            <a:r>
+              <a:rPr lang="en-US" i="1" dirty="0" err="1">
+                <a:effectLst/>
+                <a:latin typeface="Helvetica" pitchFamily="2" charset="0"/>
+              </a:rPr>
+              <a:t>Drosophilacentral</a:t>
+            </a:r>
+            <a:r>
+              <a:rPr lang="en-US" i="1" dirty="0">
+                <a:effectLst/>
+                <a:latin typeface="Helvetica" pitchFamily="2" charset="0"/>
+              </a:rPr>
+              <a:t> nervous system (CNS) serves as an ideal model system through which to illuminate the </a:t>
+            </a:r>
+            <a:r>
+              <a:rPr lang="en-US" i="1" dirty="0" err="1">
+                <a:effectLst/>
+                <a:latin typeface="Helvetica" pitchFamily="2" charset="0"/>
+              </a:rPr>
+              <a:t>developmentalprocesses</a:t>
+            </a:r>
+            <a:r>
+              <a:rPr lang="en-US" i="1" dirty="0">
+                <a:effectLst/>
+                <a:latin typeface="Helvetica" pitchFamily="2" charset="0"/>
+              </a:rPr>
+              <a:t> that link pattern formation with cell-type specification.</a:t>
+            </a:r>
+            <a:endParaRPr lang="en-US" dirty="0">
+              <a:effectLst/>
+              <a:latin typeface="Helvetica" pitchFamily="2" charset="0"/>
+            </a:endParaRPr>
+          </a:p>
+          <a:p>
+            <a:endParaRPr lang="en-IL" dirty="0"/>
+          </a:p>
+        </p:txBody>
+      </p:sp>
     </p:spTree>
     <p:extLst>
       <p:ext uri="{BB962C8B-B14F-4D97-AF65-F5344CB8AC3E}">
-        <p14:creationId xmlns:p14="http://schemas.microsoft.com/office/powerpoint/2010/main" val="160187237"/>
+        <p14:creationId xmlns:p14="http://schemas.microsoft.com/office/powerpoint/2010/main" val="2636162710"/>
       </p:ext>
     </p:extLst>
   </p:cSld>
@@ -10975,7 +11607,7 @@
 </file>
 
 <file path=ppt/slides/slide20.xml><?xml version="1.0" encoding="utf-8"?>
-<p:sld xmlns:a="http://schemas.openxmlformats.org/drawingml/2006/main" xmlns:r="http://schemas.openxmlformats.org/officeDocument/2006/relationships" xmlns:p="http://schemas.openxmlformats.org/presentationml/2006/main" show="0">
+<p:sld xmlns:a="http://schemas.openxmlformats.org/drawingml/2006/main" xmlns:r="http://schemas.openxmlformats.org/officeDocument/2006/relationships" xmlns:p="http://schemas.openxmlformats.org/presentationml/2006/main">
   <p:cSld>
     <p:spTree>
       <p:nvGrpSpPr>
@@ -10993,10 +11625,10 @@
       </p:grpSpPr>
       <p:sp>
         <p:nvSpPr>
-          <p:cNvPr id="2" name="Title 1">
+          <p:cNvPr id="4" name="Title 3">
             <a:extLst>
               <a:ext uri="{FF2B5EF4-FFF2-40B4-BE49-F238E27FC236}">
-                <a16:creationId xmlns:a16="http://schemas.microsoft.com/office/drawing/2014/main" id="{EA8796E3-5897-6BCF-3BD5-9EDB0FC79002}"/>
+                <a16:creationId xmlns:a16="http://schemas.microsoft.com/office/drawing/2014/main" id="{26DC96BC-DD0F-E295-9955-6EE7A823A3B4}"/>
               </a:ext>
             </a:extLst>
           </p:cNvPr>
@@ -11014,17 +11646,17 @@
           <a:p>
             <a:r>
               <a:rPr lang="en-IL" dirty="0"/>
-              <a:t>RcisTarget</a:t>
-            </a:r>
-          </a:p>
-        </p:txBody>
-      </p:sp>
-      <p:sp>
-        <p:nvSpPr>
-          <p:cNvPr id="3" name="Content Placeholder 2">
+              <a:t>Motif Enrichment</a:t>
+            </a:r>
+          </a:p>
+        </p:txBody>
+      </p:sp>
+      <p:sp>
+        <p:nvSpPr>
+          <p:cNvPr id="5" name="Content Placeholder 4">
             <a:extLst>
               <a:ext uri="{FF2B5EF4-FFF2-40B4-BE49-F238E27FC236}">
-                <a16:creationId xmlns:a16="http://schemas.microsoft.com/office/drawing/2014/main" id="{81A9A288-F27E-AC34-9132-4BEDF27D7671}"/>
+                <a16:creationId xmlns:a16="http://schemas.microsoft.com/office/drawing/2014/main" id="{7DAC1950-16CF-9202-D23B-4F779C3BDB71}"/>
               </a:ext>
             </a:extLst>
           </p:cNvPr>
@@ -11041,101 +11673,52 @@
           <a:lstStyle/>
           <a:p>
             <a:r>
-              <a:rPr lang="en-US" b="0" i="0" u="none" strike="noStrike" dirty="0">
-                <a:solidFill>
-                  <a:srgbClr val="212121"/>
-                </a:solidFill>
-                <a:effectLst/>
-                <a:latin typeface="Cambria" panose="02040503050406030204" pitchFamily="18" charset="0"/>
-              </a:rPr>
-              <a:t>Selects DNA motifs that are significantly over-represented in the surroundings of the transcription start site (TSS) of the genes in the gene-set </a:t>
+              <a:rPr lang="en-IL" dirty="0"/>
+              <a:t>Modules contain both direct and indirect targets (only based on coexpression) </a:t>
+            </a:r>
+          </a:p>
+          <a:p>
+            <a:r>
+              <a:rPr lang="en-US" dirty="0"/>
+              <a:t>T</a:t>
+            </a:r>
+            <a:r>
+              <a:rPr lang="en-IL" dirty="0"/>
+              <a:t>herefor – putative regulatory regions of the target genes are searched for enriched motifs </a:t>
             </a:r>
           </a:p>
           <a:p>
             <a:pPr lvl="1"/>
             <a:r>
-              <a:rPr lang="en-US" b="0" i="0" u="none" strike="noStrike" dirty="0">
-                <a:solidFill>
-                  <a:srgbClr val="212121"/>
-                </a:solidFill>
-                <a:effectLst/>
-                <a:latin typeface="Cambria" panose="02040503050406030204" pitchFamily="18" charset="0"/>
-              </a:rPr>
-              <a:t>a recovery-based method on a database that contains genome-wide </a:t>
-            </a:r>
-            <a:r>
-              <a:rPr lang="en-US" b="0" i="1" u="none" strike="noStrike" dirty="0">
-                <a:solidFill>
-                  <a:srgbClr val="212121"/>
-                </a:solidFill>
-                <a:effectLst/>
-                <a:latin typeface="Cambria" panose="02040503050406030204" pitchFamily="18" charset="0"/>
-              </a:rPr>
-              <a:t>cross-species</a:t>
-            </a:r>
-            <a:r>
-              <a:rPr lang="en-US" b="0" i="0" u="none" strike="noStrike" dirty="0">
-                <a:solidFill>
-                  <a:srgbClr val="212121"/>
-                </a:solidFill>
-                <a:effectLst/>
-                <a:latin typeface="Cambria" panose="02040503050406030204" pitchFamily="18" charset="0"/>
-              </a:rPr>
-              <a:t> rankings for each motif</a:t>
-            </a:r>
-          </a:p>
-          <a:p>
-            <a:r>
-              <a:rPr lang="en-US" b="0" i="0" u="none" strike="noStrike" dirty="0">
-                <a:solidFill>
-                  <a:srgbClr val="212121"/>
-                </a:solidFill>
-                <a:effectLst/>
-                <a:latin typeface="Cambria" panose="02040503050406030204" pitchFamily="18" charset="0"/>
-              </a:rPr>
-              <a:t> The motifs that are annotated to the corresponding TF and obtain a Normalized Enrichment Score (NES) &gt; 3.0 are retained</a:t>
-            </a:r>
-          </a:p>
-          <a:p>
-            <a:r>
-              <a:rPr lang="en-US" dirty="0">
-                <a:solidFill>
-                  <a:srgbClr val="212121"/>
-                </a:solidFill>
-                <a:latin typeface="Cambria" panose="02040503050406030204" pitchFamily="18" charset="0"/>
-              </a:rPr>
-              <a:t>For each motif and gene set - predict candidate target genes (</a:t>
-            </a:r>
-            <a:r>
-              <a:rPr lang="en-US" b="0" i="0" u="none" strike="noStrike" dirty="0">
-                <a:solidFill>
-                  <a:srgbClr val="222222"/>
-                </a:solidFill>
-                <a:effectLst/>
-                <a:latin typeface="Harding"/>
-              </a:rPr>
-              <a:t>genes that are ranked above the </a:t>
-            </a:r>
-            <a:r>
-              <a:rPr lang="en-US" b="0" i="1" u="none" strike="noStrike" dirty="0">
-                <a:solidFill>
-                  <a:srgbClr val="222222"/>
-                </a:solidFill>
-                <a:effectLst/>
-                <a:latin typeface="Harding"/>
-              </a:rPr>
-              <a:t>leading edge</a:t>
-            </a:r>
-            <a:r>
-              <a:rPr lang="en-US" b="0" i="0" u="none" strike="noStrike" dirty="0">
-                <a:solidFill>
-                  <a:srgbClr val="222222"/>
-                </a:solidFill>
-                <a:effectLst/>
-                <a:latin typeface="Harding"/>
-              </a:rPr>
-              <a:t>)</a:t>
-            </a:r>
+              <a:rPr lang="en-US" dirty="0"/>
+              <a:t>C</a:t>
+            </a:r>
+            <a:r>
+              <a:rPr lang="en-IL" dirty="0"/>
+              <a:t>omparing scores of cis-regulatory modules (CRMs) near the genes in the module with the remaining genes in the genome </a:t>
+            </a:r>
+          </a:p>
+          <a:p>
+            <a:pPr lvl="1"/>
+            <a:r>
+              <a:rPr lang="en-IL" dirty="0"/>
+              <a:t>CRM calculated with HMM</a:t>
+            </a:r>
+          </a:p>
+          <a:p>
+            <a:r>
+              <a:rPr lang="en-US" dirty="0"/>
+              <a:t>R</a:t>
+            </a:r>
+            <a:r>
+              <a:rPr lang="en-IL" dirty="0"/>
+              <a:t>etaining regulons in which the TF’s motif is significanlty enriched</a:t>
+            </a:r>
+          </a:p>
+          <a:p>
+            <a:pPr marL="457200" lvl="1" indent="0">
+              <a:buNone/>
+            </a:pPr>
             <a:endParaRPr lang="en-IL" dirty="0"/>
           </a:p>
         </p:txBody>
@@ -11143,7 +11726,7 @@
     </p:spTree>
     <p:extLst>
       <p:ext uri="{BB962C8B-B14F-4D97-AF65-F5344CB8AC3E}">
-        <p14:creationId xmlns:p14="http://schemas.microsoft.com/office/powerpoint/2010/main" val="577999599"/>
+        <p14:creationId xmlns:p14="http://schemas.microsoft.com/office/powerpoint/2010/main" val="78533185"/>
       </p:ext>
     </p:extLst>
   </p:cSld>
@@ -11175,6 +11758,598 @@
           <p:cNvPr id="2" name="Title 1">
             <a:extLst>
               <a:ext uri="{FF2B5EF4-FFF2-40B4-BE49-F238E27FC236}">
+                <a16:creationId xmlns:a16="http://schemas.microsoft.com/office/drawing/2014/main" id="{912B36CD-F51F-F194-10DA-409BAB1BEBC9}"/>
+              </a:ext>
+            </a:extLst>
+          </p:cNvPr>
+          <p:cNvSpPr>
+            <a:spLocks noGrp="1"/>
+          </p:cNvSpPr>
+          <p:nvPr>
+            <p:ph type="title"/>
+          </p:nvPr>
+        </p:nvSpPr>
+        <p:spPr/>
+        <p:txBody>
+          <a:bodyPr/>
+          <a:lstStyle/>
+          <a:p>
+            <a:r>
+              <a:rPr lang="en-IL" dirty="0"/>
+              <a:t>iRegulon (&amp; i-cisTarget)</a:t>
+            </a:r>
+          </a:p>
+        </p:txBody>
+      </p:sp>
+      <p:sp>
+        <p:nvSpPr>
+          <p:cNvPr id="3" name="Content Placeholder 2">
+            <a:extLst>
+              <a:ext uri="{FF2B5EF4-FFF2-40B4-BE49-F238E27FC236}">
+                <a16:creationId xmlns:a16="http://schemas.microsoft.com/office/drawing/2014/main" id="{3D134900-47B4-01F1-AC4C-2E81118AE39B}"/>
+              </a:ext>
+            </a:extLst>
+          </p:cNvPr>
+          <p:cNvSpPr>
+            <a:spLocks noGrp="1"/>
+          </p:cNvSpPr>
+          <p:nvPr>
+            <p:ph idx="1"/>
+          </p:nvPr>
+        </p:nvSpPr>
+        <p:spPr/>
+        <p:txBody>
+          <a:bodyPr/>
+          <a:lstStyle/>
+          <a:p>
+            <a:pPr marL="514350" indent="-514350">
+              <a:buFont typeface="+mj-lt"/>
+              <a:buAutoNum type="arabicPeriod"/>
+            </a:pPr>
+            <a:r>
+              <a:rPr lang="en-US" dirty="0"/>
+              <a:t>Ranking: R</a:t>
+            </a:r>
+            <a:r>
+              <a:rPr lang="en-IL" dirty="0"/>
+              <a:t>ank all genes in the genome </a:t>
+            </a:r>
+            <a:r>
+              <a:rPr lang="en-IL" dirty="0">
+                <a:highlight>
+                  <a:srgbClr val="FFFF00"/>
+                </a:highlight>
+              </a:rPr>
+              <a:t>for their likelyhood of being a target gene of a certain input motif (pre-calculated)</a:t>
+            </a:r>
+          </a:p>
+          <a:p>
+            <a:pPr marL="514350" indent="-514350">
+              <a:buFont typeface="+mj-lt"/>
+              <a:buAutoNum type="arabicPeriod"/>
+            </a:pPr>
+            <a:r>
+              <a:rPr lang="en-IL" dirty="0"/>
+              <a:t>Recovery: Genomic ranks of a set of coexpressed genes are plotted in a cumulative recovery curve -&gt; X: motifs by ranks, Y: recovered from data</a:t>
+            </a:r>
+            <a:r>
+              <a:rPr lang="en-IL" dirty="0">
+                <a:solidFill>
+                  <a:srgbClr val="FF0000"/>
+                </a:solidFill>
+              </a:rPr>
+              <a:t>**</a:t>
+            </a:r>
+            <a:r>
+              <a:rPr lang="en-IL" dirty="0"/>
+              <a:t> </a:t>
+            </a:r>
+          </a:p>
+          <a:p>
+            <a:pPr marL="514350" indent="-514350">
+              <a:buFont typeface="+mj-lt"/>
+              <a:buAutoNum type="arabicPeriod"/>
+            </a:pPr>
+            <a:r>
+              <a:rPr lang="en-IL" dirty="0"/>
+              <a:t>Calclate AUC, threshold is the first 3% of the ranked genes</a:t>
+            </a:r>
+          </a:p>
+          <a:p>
+            <a:pPr marL="514350" indent="-514350">
+              <a:buFont typeface="+mj-lt"/>
+              <a:buAutoNum type="arabicPeriod"/>
+            </a:pPr>
+            <a:endParaRPr lang="en-IL" dirty="0"/>
+          </a:p>
+          <a:p>
+            <a:pPr marL="0" indent="0">
+              <a:buNone/>
+            </a:pPr>
+            <a:endParaRPr lang="en-IL" dirty="0"/>
+          </a:p>
+        </p:txBody>
+      </p:sp>
+    </p:spTree>
+    <p:extLst>
+      <p:ext uri="{BB962C8B-B14F-4D97-AF65-F5344CB8AC3E}">
+        <p14:creationId xmlns:p14="http://schemas.microsoft.com/office/powerpoint/2010/main" val="1811413860"/>
+      </p:ext>
+    </p:extLst>
+  </p:cSld>
+  <p:clrMapOvr>
+    <a:masterClrMapping/>
+  </p:clrMapOvr>
+</p:sld>
+</file>
+
+<file path=ppt/slides/slide22.xml><?xml version="1.0" encoding="utf-8"?>
+<p:sld xmlns:a="http://schemas.openxmlformats.org/drawingml/2006/main" xmlns:r="http://schemas.openxmlformats.org/officeDocument/2006/relationships" xmlns:p="http://schemas.openxmlformats.org/presentationml/2006/main">
+  <p:cSld>
+    <p:spTree>
+      <p:nvGrpSpPr>
+        <p:cNvPr id="1" name=""/>
+        <p:cNvGrpSpPr/>
+        <p:nvPr/>
+      </p:nvGrpSpPr>
+      <p:grpSpPr>
+        <a:xfrm>
+          <a:off x="0" y="0"/>
+          <a:ext cx="0" cy="0"/>
+          <a:chOff x="0" y="0"/>
+          <a:chExt cx="0" cy="0"/>
+        </a:xfrm>
+      </p:grpSpPr>
+      <p:sp>
+        <p:nvSpPr>
+          <p:cNvPr id="2" name="Title 1">
+            <a:extLst>
+              <a:ext uri="{FF2B5EF4-FFF2-40B4-BE49-F238E27FC236}">
+                <a16:creationId xmlns:a16="http://schemas.microsoft.com/office/drawing/2014/main" id="{2E874509-CBA4-B08B-8E70-3C644AB44488}"/>
+              </a:ext>
+            </a:extLst>
+          </p:cNvPr>
+          <p:cNvSpPr>
+            <a:spLocks noGrp="1"/>
+          </p:cNvSpPr>
+          <p:nvPr>
+            <p:ph type="title"/>
+          </p:nvPr>
+        </p:nvSpPr>
+        <p:spPr>
+          <a:xfrm>
+            <a:off x="838200" y="365125"/>
+            <a:ext cx="10515600" cy="2047875"/>
+          </a:xfrm>
+        </p:spPr>
+        <p:txBody>
+          <a:bodyPr>
+            <a:normAutofit/>
+          </a:bodyPr>
+          <a:lstStyle/>
+          <a:p>
+            <a:r>
+              <a:rPr lang="en-IL" dirty="0"/>
+              <a:t>1. Ranking</a:t>
+            </a:r>
+            <a:br>
+              <a:rPr lang="en-IL" dirty="0"/>
+            </a:br>
+            <a:endParaRPr lang="en-IL" dirty="0"/>
+          </a:p>
+        </p:txBody>
+      </p:sp>
+      <p:sp>
+        <p:nvSpPr>
+          <p:cNvPr id="3" name="Content Placeholder 2">
+            <a:extLst>
+              <a:ext uri="{FF2B5EF4-FFF2-40B4-BE49-F238E27FC236}">
+                <a16:creationId xmlns:a16="http://schemas.microsoft.com/office/drawing/2014/main" id="{85531072-8CEA-4F4A-C3A6-22F79DFBCC08}"/>
+              </a:ext>
+            </a:extLst>
+          </p:cNvPr>
+          <p:cNvSpPr>
+            <a:spLocks noGrp="1"/>
+          </p:cNvSpPr>
+          <p:nvPr>
+            <p:ph idx="1"/>
+          </p:nvPr>
+        </p:nvSpPr>
+        <p:spPr/>
+        <p:txBody>
+          <a:bodyPr/>
+          <a:lstStyle/>
+          <a:p>
+            <a:r>
+              <a:rPr lang="en-US" dirty="0"/>
+              <a:t>F</a:t>
+            </a:r>
+            <a:r>
+              <a:rPr lang="en-IL" dirty="0"/>
+              <a:t>or each gene, a regulatory search space is scanned for homotypic CRMs using a Hidden Markov Model (Cluster-Buster)</a:t>
+            </a:r>
+          </a:p>
+          <a:p>
+            <a:r>
+              <a:rPr lang="en-US" dirty="0"/>
+              <a:t>F</a:t>
+            </a:r>
+            <a:r>
+              <a:rPr lang="en-IL" dirty="0"/>
+              <a:t>or N PWMs (number of motifs), N ranked lists of genes sorted by likelyhood of being a target gene are generated </a:t>
+            </a:r>
+          </a:p>
+          <a:p>
+            <a:r>
+              <a:rPr lang="en-IL" dirty="0"/>
+              <a:t>Orthologous search spaces in X other species are determined (UCSC listover tool), and scanned with the same PWMs.</a:t>
+            </a:r>
+          </a:p>
+          <a:p>
+            <a:r>
+              <a:rPr lang="en-IL" dirty="0"/>
+              <a:t>Rank aggregation (original refseq + other species) - OrderStatistics</a:t>
+            </a:r>
+          </a:p>
+          <a:p>
+            <a:pPr marL="0" indent="0">
+              <a:buNone/>
+            </a:pPr>
+            <a:endParaRPr lang="en-IL" dirty="0"/>
+          </a:p>
+          <a:p>
+            <a:endParaRPr lang="en-IL" dirty="0"/>
+          </a:p>
+        </p:txBody>
+      </p:sp>
+    </p:spTree>
+    <p:extLst>
+      <p:ext uri="{BB962C8B-B14F-4D97-AF65-F5344CB8AC3E}">
+        <p14:creationId xmlns:p14="http://schemas.microsoft.com/office/powerpoint/2010/main" val="1935667341"/>
+      </p:ext>
+    </p:extLst>
+  </p:cSld>
+  <p:clrMapOvr>
+    <a:masterClrMapping/>
+  </p:clrMapOvr>
+</p:sld>
+</file>
+
+<file path=ppt/slides/slide23.xml><?xml version="1.0" encoding="utf-8"?>
+<p:sld xmlns:a="http://schemas.openxmlformats.org/drawingml/2006/main" xmlns:r="http://schemas.openxmlformats.org/officeDocument/2006/relationships" xmlns:p="http://schemas.openxmlformats.org/presentationml/2006/main">
+  <p:cSld>
+    <p:spTree>
+      <p:nvGrpSpPr>
+        <p:cNvPr id="1" name=""/>
+        <p:cNvGrpSpPr/>
+        <p:nvPr/>
+      </p:nvGrpSpPr>
+      <p:grpSpPr>
+        <a:xfrm>
+          <a:off x="0" y="0"/>
+          <a:ext cx="0" cy="0"/>
+          <a:chOff x="0" y="0"/>
+          <a:chExt cx="0" cy="0"/>
+        </a:xfrm>
+      </p:grpSpPr>
+      <p:sp>
+        <p:nvSpPr>
+          <p:cNvPr id="2" name="Title 1">
+            <a:extLst>
+              <a:ext uri="{FF2B5EF4-FFF2-40B4-BE49-F238E27FC236}">
+                <a16:creationId xmlns:a16="http://schemas.microsoft.com/office/drawing/2014/main" id="{4465E1E2-99DB-A5DD-F6FB-A2BE40625B29}"/>
+              </a:ext>
+            </a:extLst>
+          </p:cNvPr>
+          <p:cNvSpPr>
+            <a:spLocks noGrp="1"/>
+          </p:cNvSpPr>
+          <p:nvPr>
+            <p:ph type="title"/>
+          </p:nvPr>
+        </p:nvSpPr>
+        <p:spPr/>
+        <p:txBody>
+          <a:bodyPr/>
+          <a:lstStyle/>
+          <a:p>
+            <a:r>
+              <a:rPr lang="en-IL" dirty="0"/>
+              <a:t>2. Recovery </a:t>
+            </a:r>
+          </a:p>
+        </p:txBody>
+      </p:sp>
+      <p:sp>
+        <p:nvSpPr>
+          <p:cNvPr id="3" name="Content Placeholder 2">
+            <a:extLst>
+              <a:ext uri="{FF2B5EF4-FFF2-40B4-BE49-F238E27FC236}">
+                <a16:creationId xmlns:a16="http://schemas.microsoft.com/office/drawing/2014/main" id="{040CA855-8D03-7A0A-01EF-C1D1ECE95001}"/>
+              </a:ext>
+            </a:extLst>
+          </p:cNvPr>
+          <p:cNvSpPr>
+            <a:spLocks noGrp="1"/>
+          </p:cNvSpPr>
+          <p:nvPr>
+            <p:ph idx="1"/>
+          </p:nvPr>
+        </p:nvSpPr>
+        <p:spPr/>
+        <p:txBody>
+          <a:bodyPr/>
+          <a:lstStyle/>
+          <a:p>
+            <a:r>
+              <a:rPr lang="en-US" dirty="0"/>
+              <a:t>I</a:t>
+            </a:r>
+            <a:r>
+              <a:rPr lang="en-IL" dirty="0"/>
+              <a:t>nput: set of coexpressed genes</a:t>
+            </a:r>
+          </a:p>
+          <a:p>
+            <a:r>
+              <a:rPr lang="en-IL" dirty="0"/>
+              <a:t>A</a:t>
+            </a:r>
+            <a:r>
+              <a:rPr lang="en-US" dirty="0"/>
+              <a:t>UC is computed in the top 3% of the ranking from the last step</a:t>
+            </a:r>
+          </a:p>
+          <a:p>
+            <a:r>
+              <a:rPr lang="en-IL" dirty="0"/>
+              <a:t>AUC values are normalized (Normalized Enrichment Score) </a:t>
+            </a:r>
+          </a:p>
+          <a:p>
+            <a:r>
+              <a:rPr lang="en-US" dirty="0"/>
+              <a:t>NES C</a:t>
+            </a:r>
+            <a:r>
+              <a:rPr lang="en-IL" dirty="0"/>
+              <a:t>utoff: 3, corresponding to a False Discovery Rate (FDR) between 3%-9% </a:t>
+            </a:r>
+          </a:p>
+          <a:p>
+            <a:r>
+              <a:rPr lang="en-US" dirty="0"/>
+              <a:t>For each motif and gene set - predict candidate target genes (genes that are ranked above the </a:t>
+            </a:r>
+            <a:r>
+              <a:rPr lang="en-US" i="1" dirty="0"/>
+              <a:t>leading edge</a:t>
+            </a:r>
+            <a:r>
+              <a:rPr lang="en-US" dirty="0"/>
+              <a:t>)</a:t>
+            </a:r>
+            <a:endParaRPr lang="en-IL" dirty="0"/>
+          </a:p>
+        </p:txBody>
+      </p:sp>
+    </p:spTree>
+    <p:extLst>
+      <p:ext uri="{BB962C8B-B14F-4D97-AF65-F5344CB8AC3E}">
+        <p14:creationId xmlns:p14="http://schemas.microsoft.com/office/powerpoint/2010/main" val="3994226368"/>
+      </p:ext>
+    </p:extLst>
+  </p:cSld>
+  <p:clrMapOvr>
+    <a:masterClrMapping/>
+  </p:clrMapOvr>
+</p:sld>
+</file>
+
+<file path=ppt/slides/slide24.xml><?xml version="1.0" encoding="utf-8"?>
+<p:sld xmlns:a="http://schemas.openxmlformats.org/drawingml/2006/main" xmlns:r="http://schemas.openxmlformats.org/officeDocument/2006/relationships" xmlns:p="http://schemas.openxmlformats.org/presentationml/2006/main" show="0">
+  <p:cSld>
+    <p:spTree>
+      <p:nvGrpSpPr>
+        <p:cNvPr id="1" name=""/>
+        <p:cNvGrpSpPr/>
+        <p:nvPr/>
+      </p:nvGrpSpPr>
+      <p:grpSpPr>
+        <a:xfrm>
+          <a:off x="0" y="0"/>
+          <a:ext cx="0" cy="0"/>
+          <a:chOff x="0" y="0"/>
+          <a:chExt cx="0" cy="0"/>
+        </a:xfrm>
+      </p:grpSpPr>
+      <p:sp>
+        <p:nvSpPr>
+          <p:cNvPr id="2" name="Title 1">
+            <a:extLst>
+              <a:ext uri="{FF2B5EF4-FFF2-40B4-BE49-F238E27FC236}">
+                <a16:creationId xmlns:a16="http://schemas.microsoft.com/office/drawing/2014/main" id="{EA8796E3-5897-6BCF-3BD5-9EDB0FC79002}"/>
+              </a:ext>
+            </a:extLst>
+          </p:cNvPr>
+          <p:cNvSpPr>
+            <a:spLocks noGrp="1"/>
+          </p:cNvSpPr>
+          <p:nvPr>
+            <p:ph type="title"/>
+          </p:nvPr>
+        </p:nvSpPr>
+        <p:spPr/>
+        <p:txBody>
+          <a:bodyPr/>
+          <a:lstStyle/>
+          <a:p>
+            <a:r>
+              <a:rPr lang="en-IL" dirty="0"/>
+              <a:t>RcisTarget</a:t>
+            </a:r>
+          </a:p>
+        </p:txBody>
+      </p:sp>
+      <p:sp>
+        <p:nvSpPr>
+          <p:cNvPr id="3" name="Content Placeholder 2">
+            <a:extLst>
+              <a:ext uri="{FF2B5EF4-FFF2-40B4-BE49-F238E27FC236}">
+                <a16:creationId xmlns:a16="http://schemas.microsoft.com/office/drawing/2014/main" id="{81A9A288-F27E-AC34-9132-4BEDF27D7671}"/>
+              </a:ext>
+            </a:extLst>
+          </p:cNvPr>
+          <p:cNvSpPr>
+            <a:spLocks noGrp="1"/>
+          </p:cNvSpPr>
+          <p:nvPr>
+            <p:ph idx="1"/>
+          </p:nvPr>
+        </p:nvSpPr>
+        <p:spPr/>
+        <p:txBody>
+          <a:bodyPr/>
+          <a:lstStyle/>
+          <a:p>
+            <a:r>
+              <a:rPr lang="en-US" b="0" i="0" u="none" strike="noStrike" dirty="0">
+                <a:solidFill>
+                  <a:srgbClr val="212121"/>
+                </a:solidFill>
+                <a:effectLst/>
+                <a:latin typeface="Cambria" panose="02040503050406030204" pitchFamily="18" charset="0"/>
+              </a:rPr>
+              <a:t>Selects DNA motifs that are significantly over-represented in the surroundings of the transcription start site (TSS) of the genes in the gene-set </a:t>
+            </a:r>
+          </a:p>
+          <a:p>
+            <a:pPr lvl="1"/>
+            <a:r>
+              <a:rPr lang="en-US" b="0" i="0" u="none" strike="noStrike" dirty="0">
+                <a:solidFill>
+                  <a:srgbClr val="212121"/>
+                </a:solidFill>
+                <a:effectLst/>
+                <a:latin typeface="Cambria" panose="02040503050406030204" pitchFamily="18" charset="0"/>
+              </a:rPr>
+              <a:t>a recovery-based method on a database that contains genome-wide </a:t>
+            </a:r>
+            <a:r>
+              <a:rPr lang="en-US" b="0" i="1" u="none" strike="noStrike" dirty="0">
+                <a:solidFill>
+                  <a:srgbClr val="212121"/>
+                </a:solidFill>
+                <a:effectLst/>
+                <a:latin typeface="Cambria" panose="02040503050406030204" pitchFamily="18" charset="0"/>
+              </a:rPr>
+              <a:t>cross-species</a:t>
+            </a:r>
+            <a:r>
+              <a:rPr lang="en-US" b="0" i="0" u="none" strike="noStrike" dirty="0">
+                <a:solidFill>
+                  <a:srgbClr val="212121"/>
+                </a:solidFill>
+                <a:effectLst/>
+                <a:latin typeface="Cambria" panose="02040503050406030204" pitchFamily="18" charset="0"/>
+              </a:rPr>
+              <a:t> rankings for each motif</a:t>
+            </a:r>
+          </a:p>
+          <a:p>
+            <a:pPr marL="0" indent="0">
+              <a:buNone/>
+            </a:pPr>
+            <a:r>
+              <a:rPr lang="en-US" b="0" i="0" u="none" strike="noStrike" dirty="0">
+                <a:solidFill>
+                  <a:srgbClr val="212121"/>
+                </a:solidFill>
+                <a:effectLst/>
+                <a:latin typeface="Cambria" panose="02040503050406030204" pitchFamily="18" charset="0"/>
+              </a:rPr>
+              <a:t> The motifs that are annotated to the corresponding TF and obtain a Normalized Enrichment Score (NES) &gt; 3.0 are retained</a:t>
+            </a:r>
+          </a:p>
+          <a:p>
+            <a:r>
+              <a:rPr lang="en-US" dirty="0">
+                <a:solidFill>
+                  <a:srgbClr val="212121"/>
+                </a:solidFill>
+                <a:latin typeface="Cambria" panose="02040503050406030204" pitchFamily="18" charset="0"/>
+              </a:rPr>
+              <a:t>For each motif and gene set - predict candidate target genes (</a:t>
+            </a:r>
+            <a:r>
+              <a:rPr lang="en-US" b="0" i="0" u="none" strike="noStrike" dirty="0">
+                <a:solidFill>
+                  <a:srgbClr val="222222"/>
+                </a:solidFill>
+                <a:effectLst/>
+                <a:latin typeface="Harding"/>
+              </a:rPr>
+              <a:t>genes that are ranked above the </a:t>
+            </a:r>
+            <a:r>
+              <a:rPr lang="en-US" b="0" i="1" u="none" strike="noStrike" dirty="0">
+                <a:solidFill>
+                  <a:srgbClr val="222222"/>
+                </a:solidFill>
+                <a:effectLst/>
+                <a:latin typeface="Harding"/>
+              </a:rPr>
+              <a:t>leading edge</a:t>
+            </a:r>
+            <a:r>
+              <a:rPr lang="en-US" b="0" i="0" u="none" strike="noStrike" dirty="0">
+                <a:solidFill>
+                  <a:srgbClr val="222222"/>
+                </a:solidFill>
+                <a:effectLst/>
+                <a:latin typeface="Harding"/>
+              </a:rPr>
+              <a:t>)</a:t>
+            </a:r>
+            <a:endParaRPr lang="en-IL" dirty="0"/>
+          </a:p>
+        </p:txBody>
+      </p:sp>
+    </p:spTree>
+    <p:extLst>
+      <p:ext uri="{BB962C8B-B14F-4D97-AF65-F5344CB8AC3E}">
+        <p14:creationId xmlns:p14="http://schemas.microsoft.com/office/powerpoint/2010/main" val="577999599"/>
+      </p:ext>
+    </p:extLst>
+  </p:cSld>
+  <p:clrMapOvr>
+    <a:masterClrMapping/>
+  </p:clrMapOvr>
+</p:sld>
+</file>
+
+<file path=ppt/slides/slide25.xml><?xml version="1.0" encoding="utf-8"?>
+<p:sld xmlns:a="http://schemas.openxmlformats.org/drawingml/2006/main" xmlns:r="http://schemas.openxmlformats.org/officeDocument/2006/relationships" xmlns:p="http://schemas.openxmlformats.org/presentationml/2006/main">
+  <p:cSld>
+    <p:spTree>
+      <p:nvGrpSpPr>
+        <p:cNvPr id="1" name=""/>
+        <p:cNvGrpSpPr/>
+        <p:nvPr/>
+      </p:nvGrpSpPr>
+      <p:grpSpPr>
+        <a:xfrm>
+          <a:off x="0" y="0"/>
+          <a:ext cx="0" cy="0"/>
+          <a:chOff x="0" y="0"/>
+          <a:chExt cx="0" cy="0"/>
+        </a:xfrm>
+      </p:grpSpPr>
+      <p:sp>
+        <p:nvSpPr>
+          <p:cNvPr id="2" name="Title 1">
+            <a:extLst>
+              <a:ext uri="{FF2B5EF4-FFF2-40B4-BE49-F238E27FC236}">
                 <a16:creationId xmlns:a16="http://schemas.microsoft.com/office/drawing/2014/main" id="{0AB845BB-4B37-6E8F-6D74-3D6A4BEA692E}"/>
               </a:ext>
             </a:extLst>
@@ -11258,7 +12433,7 @@
 </p:sld>
 </file>
 
-<file path=ppt/slides/slide22.xml><?xml version="1.0" encoding="utf-8"?>
+<file path=ppt/slides/slide26.xml><?xml version="1.0" encoding="utf-8"?>
 <p:sld xmlns:a="http://schemas.openxmlformats.org/drawingml/2006/main" xmlns:r="http://schemas.openxmlformats.org/officeDocument/2006/relationships" xmlns:p="http://schemas.openxmlformats.org/presentationml/2006/main">
   <p:cSld>
     <p:bg>
@@ -11313,7 +12488,7 @@
         </p:blipFill>
         <p:spPr bwMode="auto">
           <a:xfrm>
-            <a:off x="961376" y="643466"/>
+            <a:off x="961376" y="682655"/>
             <a:ext cx="10269247" cy="5571067"/>
           </a:xfrm>
           <a:prstGeom prst="rect">
@@ -11706,7 +12881,7 @@
 </p:sld>
 </file>
 
-<file path=ppt/slides/slide23.xml><?xml version="1.0" encoding="utf-8"?>
+<file path=ppt/slides/slide27.xml><?xml version="1.0" encoding="utf-8"?>
 <p:sld xmlns:a="http://schemas.openxmlformats.org/drawingml/2006/main" xmlns:r="http://schemas.openxmlformats.org/officeDocument/2006/relationships" xmlns:p="http://schemas.openxmlformats.org/presentationml/2006/main">
   <p:cSld>
     <p:spTree>
@@ -12028,7 +13203,7 @@
 </p:sld>
 </file>
 
-<file path=ppt/slides/slide24.xml><?xml version="1.0" encoding="utf-8"?>
+<file path=ppt/slides/slide28.xml><?xml version="1.0" encoding="utf-8"?>
 <p:sld xmlns:a="http://schemas.openxmlformats.org/drawingml/2006/main" xmlns:r="http://schemas.openxmlformats.org/officeDocument/2006/relationships" xmlns:p="http://schemas.openxmlformats.org/presentationml/2006/main">
   <p:cSld>
     <p:spTree>
@@ -12117,7 +13292,7 @@
 </p:sld>
 </file>
 
-<file path=ppt/slides/slide25.xml><?xml version="1.0" encoding="utf-8"?>
+<file path=ppt/slides/slide29.xml><?xml version="1.0" encoding="utf-8"?>
 <p:sld xmlns:a="http://schemas.openxmlformats.org/drawingml/2006/main" xmlns:r="http://schemas.openxmlformats.org/officeDocument/2006/relationships" xmlns:p="http://schemas.openxmlformats.org/presentationml/2006/main">
   <p:cSld>
     <p:spTree>
@@ -12237,7 +13412,7 @@
 </p:sld>
 </file>
 
-<file path=ppt/slides/slide26.xml><?xml version="1.0" encoding="utf-8"?>
+<file path=ppt/slides/slide3.xml><?xml version="1.0" encoding="utf-8"?>
 <p:sld xmlns:a="http://schemas.openxmlformats.org/drawingml/2006/main" xmlns:r="http://schemas.openxmlformats.org/officeDocument/2006/relationships" xmlns:p="http://schemas.openxmlformats.org/presentationml/2006/main">
   <p:cSld>
     <p:spTree>
@@ -12259,6 +13434,114 @@
           <p:cNvPr id="2" name="Title 1">
             <a:extLst>
               <a:ext uri="{FF2B5EF4-FFF2-40B4-BE49-F238E27FC236}">
+                <a16:creationId xmlns:a16="http://schemas.microsoft.com/office/drawing/2014/main" id="{99B67CB2-6778-D6AF-07B9-9D4B79CD9253}"/>
+              </a:ext>
+            </a:extLst>
+          </p:cNvPr>
+          <p:cNvSpPr>
+            <a:spLocks noGrp="1"/>
+          </p:cNvSpPr>
+          <p:nvPr>
+            <p:ph type="title"/>
+          </p:nvPr>
+        </p:nvSpPr>
+        <p:spPr/>
+        <p:txBody>
+          <a:bodyPr/>
+          <a:lstStyle/>
+          <a:p>
+            <a:endParaRPr lang="en-IL"/>
+          </a:p>
+        </p:txBody>
+      </p:sp>
+      <p:sp>
+        <p:nvSpPr>
+          <p:cNvPr id="3" name="Content Placeholder 2">
+            <a:extLst>
+              <a:ext uri="{FF2B5EF4-FFF2-40B4-BE49-F238E27FC236}">
+                <a16:creationId xmlns:a16="http://schemas.microsoft.com/office/drawing/2014/main" id="{24C931AD-7987-AFCE-49F7-41DD413D497D}"/>
+              </a:ext>
+            </a:extLst>
+          </p:cNvPr>
+          <p:cNvSpPr>
+            <a:spLocks noGrp="1"/>
+          </p:cNvSpPr>
+          <p:nvPr>
+            <p:ph idx="1"/>
+          </p:nvPr>
+        </p:nvSpPr>
+        <p:spPr/>
+        <p:txBody>
+          <a:bodyPr>
+            <a:normAutofit fontScale="92500" lnSpcReduction="10000"/>
+          </a:bodyPr>
+          <a:lstStyle/>
+          <a:p>
+            <a:pPr algn="l"/>
+            <a:r>
+              <a:rPr lang="en-US" b="0" i="0" u="none" strike="noStrike" dirty="0">
+                <a:solidFill>
+                  <a:srgbClr val="374151"/>
+                </a:solidFill>
+                <a:effectLst/>
+                <a:latin typeface="Söhne"/>
+              </a:rPr>
+              <a:t>The process of assigning specific and distinct fates to individual cells based on their position within a developing organism is crucial in the development of multicellular organisms. The embryonic central nervous system of Drosophila serves as an ideal model to study the mechanisms that connect pattern formation to cell-type specification. In this system, neural stem cells called neuroblasts are responsible for the development of the central nervous system. Neuroblasts arise in a consistent pattern from the outer layer of cells (ectoderm), and each neuroblast acquires a unique fate depending on its position within this pattern.</a:t>
+            </a:r>
+          </a:p>
+          <a:p>
+            <a:pPr algn="l"/>
+            <a:r>
+              <a:rPr lang="en-US" b="0" i="0" u="none" strike="noStrike" dirty="0">
+                <a:solidFill>
+                  <a:srgbClr val="374151"/>
+                </a:solidFill>
+                <a:effectLst/>
+                <a:latin typeface="Söhne"/>
+              </a:rPr>
+              <a:t>Overall, by understanding how pattern formation and cell-type specification are connected in the Drosophila embryonic central nervous system, researchers gain insights into the fundamental mechanisms underlying cell fate determination in development.</a:t>
+            </a:r>
+          </a:p>
+          <a:p>
+            <a:endParaRPr lang="en-IL" dirty="0"/>
+          </a:p>
+        </p:txBody>
+      </p:sp>
+    </p:spTree>
+    <p:extLst>
+      <p:ext uri="{BB962C8B-B14F-4D97-AF65-F5344CB8AC3E}">
+        <p14:creationId xmlns:p14="http://schemas.microsoft.com/office/powerpoint/2010/main" val="402999912"/>
+      </p:ext>
+    </p:extLst>
+  </p:cSld>
+  <p:clrMapOvr>
+    <a:masterClrMapping/>
+  </p:clrMapOvr>
+</p:sld>
+</file>
+
+<file path=ppt/slides/slide30.xml><?xml version="1.0" encoding="utf-8"?>
+<p:sld xmlns:a="http://schemas.openxmlformats.org/drawingml/2006/main" xmlns:r="http://schemas.openxmlformats.org/officeDocument/2006/relationships" xmlns:p="http://schemas.openxmlformats.org/presentationml/2006/main">
+  <p:cSld>
+    <p:spTree>
+      <p:nvGrpSpPr>
+        <p:cNvPr id="1" name=""/>
+        <p:cNvGrpSpPr/>
+        <p:nvPr/>
+      </p:nvGrpSpPr>
+      <p:grpSpPr>
+        <a:xfrm>
+          <a:off x="0" y="0"/>
+          <a:ext cx="0" cy="0"/>
+          <a:chOff x="0" y="0"/>
+          <a:chExt cx="0" cy="0"/>
+        </a:xfrm>
+      </p:grpSpPr>
+      <p:sp>
+        <p:nvSpPr>
+          <p:cNvPr id="2" name="Title 1">
+            <a:extLst>
+              <a:ext uri="{FF2B5EF4-FFF2-40B4-BE49-F238E27FC236}">
                 <a16:creationId xmlns:a16="http://schemas.microsoft.com/office/drawing/2014/main" id="{BB7609D9-7E83-87E5-2921-032BD756848A}"/>
               </a:ext>
             </a:extLst>
@@ -12391,7 +13674,7 @@
 </p:sld>
 </file>
 
-<file path=ppt/slides/slide27.xml><?xml version="1.0" encoding="utf-8"?>
+<file path=ppt/slides/slide31.xml><?xml version="1.0" encoding="utf-8"?>
 <p:sld xmlns:a="http://schemas.openxmlformats.org/drawingml/2006/main" xmlns:r="http://schemas.openxmlformats.org/officeDocument/2006/relationships" xmlns:p="http://schemas.openxmlformats.org/presentationml/2006/main">
   <p:cSld>
     <p:spTree>
@@ -12610,7 +13893,7 @@
 </p:sld>
 </file>
 
-<file path=ppt/slides/slide28.xml><?xml version="1.0" encoding="utf-8"?>
+<file path=ppt/slides/slide32.xml><?xml version="1.0" encoding="utf-8"?>
 <p:sld xmlns:a="http://schemas.openxmlformats.org/drawingml/2006/main" xmlns:r="http://schemas.openxmlformats.org/officeDocument/2006/relationships" xmlns:p="http://schemas.openxmlformats.org/presentationml/2006/main">
   <p:cSld>
     <p:spTree>
@@ -12826,7 +14109,7 @@
 </p:sld>
 </file>
 
-<file path=ppt/slides/slide29.xml><?xml version="1.0" encoding="utf-8"?>
+<file path=ppt/slides/slide33.xml><?xml version="1.0" encoding="utf-8"?>
 <p:sld xmlns:a="http://schemas.openxmlformats.org/drawingml/2006/main" xmlns:r="http://schemas.openxmlformats.org/officeDocument/2006/relationships" xmlns:p="http://schemas.openxmlformats.org/presentationml/2006/main">
   <p:cSld>
     <p:spTree>
@@ -12912,93 +14195,7 @@
 </p:sld>
 </file>
 
-<file path=ppt/slides/slide3.xml><?xml version="1.0" encoding="utf-8"?>
-<p:sld xmlns:a="http://schemas.openxmlformats.org/drawingml/2006/main" xmlns:r="http://schemas.openxmlformats.org/officeDocument/2006/relationships" xmlns:p="http://schemas.openxmlformats.org/presentationml/2006/main">
-  <p:cSld>
-    <p:bg>
-      <p:bgPr>
-        <a:solidFill>
-          <a:schemeClr val="bg1"/>
-        </a:solidFill>
-        <a:effectLst/>
-      </p:bgPr>
-    </p:bg>
-    <p:spTree>
-      <p:nvGrpSpPr>
-        <p:cNvPr id="1" name=""/>
-        <p:cNvGrpSpPr/>
-        <p:nvPr/>
-      </p:nvGrpSpPr>
-      <p:grpSpPr>
-        <a:xfrm>
-          <a:off x="0" y="0"/>
-          <a:ext cx="0" cy="0"/>
-          <a:chOff x="0" y="0"/>
-          <a:chExt cx="0" cy="0"/>
-        </a:xfrm>
-      </p:grpSpPr>
-      <p:pic>
-        <p:nvPicPr>
-          <p:cNvPr id="1026" name="Picture 2" descr="Fig. 1">
-            <a:extLst>
-              <a:ext uri="{FF2B5EF4-FFF2-40B4-BE49-F238E27FC236}">
-                <a16:creationId xmlns:a16="http://schemas.microsoft.com/office/drawing/2014/main" id="{7631059B-07DC-71CF-2A84-403D0F90A208}"/>
-              </a:ext>
-            </a:extLst>
-          </p:cNvPr>
-          <p:cNvPicPr>
-            <a:picLocks noGrp="1" noChangeAspect="1" noChangeArrowheads="1"/>
-          </p:cNvPicPr>
-          <p:nvPr>
-            <p:ph idx="1"/>
-          </p:nvPr>
-        </p:nvPicPr>
-        <p:blipFill>
-          <a:blip r:embed="rId3">
-            <a:extLst>
-              <a:ext uri="{28A0092B-C50C-407E-A947-70E740481C1C}">
-                <a14:useLocalDpi xmlns:a14="http://schemas.microsoft.com/office/drawing/2010/main" val="0"/>
-              </a:ext>
-            </a:extLst>
-          </a:blip>
-          <a:stretch>
-            <a:fillRect/>
-          </a:stretch>
-        </p:blipFill>
-        <p:spPr bwMode="auto">
-          <a:xfrm>
-            <a:off x="4317567" y="120288"/>
-            <a:ext cx="3556865" cy="6617424"/>
-          </a:xfrm>
-          <a:prstGeom prst="rect">
-            <a:avLst/>
-          </a:prstGeom>
-          <a:noFill/>
-          <a:extLst>
-            <a:ext uri="{909E8E84-426E-40DD-AFC4-6F175D3DCCD1}">
-              <a14:hiddenFill xmlns:a14="http://schemas.microsoft.com/office/drawing/2010/main">
-                <a:solidFill>
-                  <a:srgbClr val="FFFFFF"/>
-                </a:solidFill>
-              </a14:hiddenFill>
-            </a:ext>
-          </a:extLst>
-        </p:spPr>
-      </p:pic>
-    </p:spTree>
-    <p:extLst>
-      <p:ext uri="{BB962C8B-B14F-4D97-AF65-F5344CB8AC3E}">
-        <p14:creationId xmlns:p14="http://schemas.microsoft.com/office/powerpoint/2010/main" val="2586105846"/>
-      </p:ext>
-    </p:extLst>
-  </p:cSld>
-  <p:clrMapOvr>
-    <a:masterClrMapping/>
-  </p:clrMapOvr>
-</p:sld>
-</file>
-
-<file path=ppt/slides/slide30.xml><?xml version="1.0" encoding="utf-8"?>
+<file path=ppt/slides/slide34.xml><?xml version="1.0" encoding="utf-8"?>
 <p:sld xmlns:a="http://schemas.openxmlformats.org/drawingml/2006/main" xmlns:r="http://schemas.openxmlformats.org/officeDocument/2006/relationships" xmlns:p="http://schemas.openxmlformats.org/presentationml/2006/main">
   <p:cSld>
     <p:spTree>
@@ -13126,7 +14323,7 @@
 </p:sld>
 </file>
 
-<file path=ppt/slides/slide31.xml><?xml version="1.0" encoding="utf-8"?>
+<file path=ppt/slides/slide35.xml><?xml version="1.0" encoding="utf-8"?>
 <p:sld xmlns:a="http://schemas.openxmlformats.org/drawingml/2006/main" xmlns:r="http://schemas.openxmlformats.org/officeDocument/2006/relationships" xmlns:p="http://schemas.openxmlformats.org/presentationml/2006/main">
   <p:cSld>
     <p:spTree>
@@ -13400,7 +14597,7 @@
 </p:sld>
 </file>
 
-<file path=ppt/slides/slide32.xml><?xml version="1.0" encoding="utf-8"?>
+<file path=ppt/slides/slide36.xml><?xml version="1.0" encoding="utf-8"?>
 <p:sld xmlns:a="http://schemas.openxmlformats.org/drawingml/2006/main" xmlns:r="http://schemas.openxmlformats.org/officeDocument/2006/relationships" xmlns:p="http://schemas.openxmlformats.org/presentationml/2006/main">
   <p:cSld>
     <p:spTree>
@@ -13490,7 +14687,7 @@
 </p:sld>
 </file>
 
-<file path=ppt/slides/slide33.xml><?xml version="1.0" encoding="utf-8"?>
+<file path=ppt/slides/slide37.xml><?xml version="1.0" encoding="utf-8"?>
 <p:sld xmlns:a="http://schemas.openxmlformats.org/drawingml/2006/main" xmlns:r="http://schemas.openxmlformats.org/officeDocument/2006/relationships" xmlns:p="http://schemas.openxmlformats.org/presentationml/2006/main">
   <p:cSld>
     <p:bg>
@@ -13660,7 +14857,7 @@
 </p:sld>
 </file>
 
-<file path=ppt/slides/slide34.xml><?xml version="1.0" encoding="utf-8"?>
+<file path=ppt/slides/slide38.xml><?xml version="1.0" encoding="utf-8"?>
 <p:sld xmlns:a="http://schemas.openxmlformats.org/drawingml/2006/main" xmlns:r="http://schemas.openxmlformats.org/officeDocument/2006/relationships" xmlns:p="http://schemas.openxmlformats.org/presentationml/2006/main">
   <p:cSld>
     <p:spTree>
@@ -13793,7 +14990,7 @@
 </p:sld>
 </file>
 
-<file path=ppt/slides/slide35.xml><?xml version="1.0" encoding="utf-8"?>
+<file path=ppt/slides/slide39.xml><?xml version="1.0" encoding="utf-8"?>
 <p:sld xmlns:a="http://schemas.openxmlformats.org/drawingml/2006/main" xmlns:r="http://schemas.openxmlformats.org/officeDocument/2006/relationships" xmlns:p="http://schemas.openxmlformats.org/presentationml/2006/main">
   <p:cSld>
     <p:spTree>
@@ -13892,111 +15089,6 @@
     <p:extLst>
       <p:ext uri="{BB962C8B-B14F-4D97-AF65-F5344CB8AC3E}">
         <p14:creationId xmlns:p14="http://schemas.microsoft.com/office/powerpoint/2010/main" val="1972883681"/>
-      </p:ext>
-    </p:extLst>
-  </p:cSld>
-  <p:clrMapOvr>
-    <a:masterClrMapping/>
-  </p:clrMapOvr>
-</p:sld>
-</file>
-
-<file path=ppt/slides/slide36.xml><?xml version="1.0" encoding="utf-8"?>
-<p:sld xmlns:a="http://schemas.openxmlformats.org/drawingml/2006/main" xmlns:r="http://schemas.openxmlformats.org/officeDocument/2006/relationships" xmlns:p="http://schemas.openxmlformats.org/presentationml/2006/main">
-  <p:cSld>
-    <p:spTree>
-      <p:nvGrpSpPr>
-        <p:cNvPr id="1" name=""/>
-        <p:cNvGrpSpPr/>
-        <p:nvPr/>
-      </p:nvGrpSpPr>
-      <p:grpSpPr>
-        <a:xfrm>
-          <a:off x="0" y="0"/>
-          <a:ext cx="0" cy="0"/>
-          <a:chOff x="0" y="0"/>
-          <a:chExt cx="0" cy="0"/>
-        </a:xfrm>
-      </p:grpSpPr>
-      <p:sp>
-        <p:nvSpPr>
-          <p:cNvPr id="2" name="Title 1">
-            <a:extLst>
-              <a:ext uri="{FF2B5EF4-FFF2-40B4-BE49-F238E27FC236}">
-                <a16:creationId xmlns:a16="http://schemas.microsoft.com/office/drawing/2014/main" id="{B3907180-7290-B912-9BEF-5F3BB9403601}"/>
-              </a:ext>
-            </a:extLst>
-          </p:cNvPr>
-          <p:cNvSpPr>
-            <a:spLocks noGrp="1"/>
-          </p:cNvSpPr>
-          <p:nvPr>
-            <p:ph type="title"/>
-          </p:nvPr>
-        </p:nvSpPr>
-        <p:spPr/>
-        <p:txBody>
-          <a:bodyPr/>
-          <a:lstStyle/>
-          <a:p>
-            <a:r>
-              <a:rPr lang="en-IL" dirty="0"/>
-              <a:t>Clustering based on Regulon Activity</a:t>
-            </a:r>
-          </a:p>
-        </p:txBody>
-      </p:sp>
-      <p:sp>
-        <p:nvSpPr>
-          <p:cNvPr id="3" name="Content Placeholder 2">
-            <a:extLst>
-              <a:ext uri="{FF2B5EF4-FFF2-40B4-BE49-F238E27FC236}">
-                <a16:creationId xmlns:a16="http://schemas.microsoft.com/office/drawing/2014/main" id="{A629BB2C-A232-D158-FF4A-5B4FE7F887CF}"/>
-              </a:ext>
-            </a:extLst>
-          </p:cNvPr>
-          <p:cNvSpPr>
-            <a:spLocks noGrp="1"/>
-          </p:cNvSpPr>
-          <p:nvPr>
-            <p:ph idx="1"/>
-          </p:nvPr>
-        </p:nvSpPr>
-        <p:spPr/>
-        <p:txBody>
-          <a:bodyPr/>
-          <a:lstStyle/>
-          <a:p>
-            <a:r>
-              <a:rPr lang="en-IL" dirty="0"/>
-              <a:t>AUCell is a dimentional reduction – number of discovered regulons is typically much lower than the number of genes </a:t>
-            </a:r>
-          </a:p>
-          <a:p>
-            <a:r>
-              <a:rPr lang="en-IL" dirty="0"/>
-              <a:t>Instead of reducing dimentionality vis PCA/t-SNE etc..</a:t>
-            </a:r>
-          </a:p>
-          <a:p>
-            <a:r>
-              <a:rPr lang="en-US" b="0" i="0" u="none" strike="noStrike" dirty="0">
-                <a:solidFill>
-                  <a:srgbClr val="222222"/>
-                </a:solidFill>
-                <a:effectLst/>
-                <a:latin typeface="Harding"/>
-              </a:rPr>
-              <a:t>Scope – a tool for interactive visualization </a:t>
-            </a:r>
-            <a:endParaRPr lang="en-IL" dirty="0"/>
-          </a:p>
-        </p:txBody>
-      </p:sp>
-    </p:spTree>
-    <p:extLst>
-      <p:ext uri="{BB962C8B-B14F-4D97-AF65-F5344CB8AC3E}">
-        <p14:creationId xmlns:p14="http://schemas.microsoft.com/office/powerpoint/2010/main" val="1567679452"/>
       </p:ext>
     </p:extLst>
   </p:cSld>
@@ -14028,7 +15120,7 @@
           <p:cNvPr id="2" name="Title 1">
             <a:extLst>
               <a:ext uri="{FF2B5EF4-FFF2-40B4-BE49-F238E27FC236}">
-                <a16:creationId xmlns:a16="http://schemas.microsoft.com/office/drawing/2014/main" id="{1A7DF560-257C-B26B-388D-AA67E168B125}"/>
+                <a16:creationId xmlns:a16="http://schemas.microsoft.com/office/drawing/2014/main" id="{42F5249A-3E29-A452-A727-222846800C24}"/>
               </a:ext>
             </a:extLst>
           </p:cNvPr>
@@ -14044,19 +15136,16 @@
           <a:bodyPr/>
           <a:lstStyle/>
           <a:p>
-            <a:r>
-              <a:rPr lang="en-IL" dirty="0"/>
-              <a:t>Step 1</a:t>
-            </a:r>
-          </a:p>
-        </p:txBody>
-      </p:sp>
-      <p:sp>
-        <p:nvSpPr>
-          <p:cNvPr id="3" name="Text Placeholder 2">
+            <a:endParaRPr lang="en-IL"/>
+          </a:p>
+        </p:txBody>
+      </p:sp>
+      <p:sp>
+        <p:nvSpPr>
+          <p:cNvPr id="3" name="Content Placeholder 2">
             <a:extLst>
               <a:ext uri="{FF2B5EF4-FFF2-40B4-BE49-F238E27FC236}">
-                <a16:creationId xmlns:a16="http://schemas.microsoft.com/office/drawing/2014/main" id="{DF5AD2A9-71E9-D83C-6114-7F64A912EE8F}"/>
+                <a16:creationId xmlns:a16="http://schemas.microsoft.com/office/drawing/2014/main" id="{85601131-06A0-E44E-A684-EECD76F86A16}"/>
               </a:ext>
             </a:extLst>
           </p:cNvPr>
@@ -14064,29 +15153,166 @@
             <a:spLocks noGrp="1"/>
           </p:cNvSpPr>
           <p:nvPr>
-            <p:ph type="body" idx="1"/>
-          </p:nvPr>
-        </p:nvSpPr>
-        <p:spPr/>
-        <p:txBody>
-          <a:bodyPr/>
-          <a:lstStyle/>
-          <a:p>
-            <a:r>
-              <a:rPr lang="en-US" dirty="0"/>
-              <a:t>G</a:t>
-            </a:r>
-            <a:r>
-              <a:rPr lang="en-IL" dirty="0"/>
-              <a:t>RN inference</a:t>
-            </a:r>
+            <p:ph idx="1"/>
+          </p:nvPr>
+        </p:nvSpPr>
+        <p:spPr/>
+        <p:txBody>
+          <a:bodyPr>
+            <a:normAutofit fontScale="92500"/>
+          </a:bodyPr>
+          <a:lstStyle/>
+          <a:p>
+            <a:pPr algn="l"/>
+            <a:r>
+              <a:rPr lang="en-US" dirty="0">
+                <a:effectLst/>
+              </a:rPr>
+              <a:t>Pattern formation is the establishment of organized arrangements of cells or tissues during development. </a:t>
+            </a:r>
+            <a:r>
+              <a:rPr lang="en-US" b="0" i="0" u="none" strike="noStrike" dirty="0">
+                <a:solidFill>
+                  <a:srgbClr val="000000"/>
+                </a:solidFill>
+                <a:effectLst/>
+                <a:latin typeface="Söhne"/>
+              </a:rPr>
+              <a:t>The spatial positioning of cells plays a critical role in determining their specific fates in multicellular organisms.</a:t>
+            </a:r>
+          </a:p>
+          <a:p>
+            <a:r>
+              <a:rPr lang="en-US" dirty="0">
+                <a:effectLst/>
+              </a:rPr>
+              <a:t> The Drosophila embryonic central nervous system serves as a model to understand the connection between pattern formation and cell-type specification. It develops from neuroblasts, neural stem cells originating from the ectoderm. The fate of each neuroblast is determined by its position within the pattern, resulting in distinct cell types.</a:t>
+            </a:r>
+          </a:p>
+          <a:p>
+            <a:br>
+              <a:rPr lang="en-US" dirty="0">
+                <a:effectLst/>
+              </a:rPr>
+            </a:br>
+            <a:endParaRPr lang="en-US" dirty="0">
+              <a:effectLst/>
+            </a:endParaRPr>
+          </a:p>
+          <a:p>
+            <a:endParaRPr lang="en-IL" dirty="0"/>
           </a:p>
         </p:txBody>
       </p:sp>
     </p:spTree>
     <p:extLst>
       <p:ext uri="{BB962C8B-B14F-4D97-AF65-F5344CB8AC3E}">
-        <p14:creationId xmlns:p14="http://schemas.microsoft.com/office/powerpoint/2010/main" val="3836466535"/>
+        <p14:creationId xmlns:p14="http://schemas.microsoft.com/office/powerpoint/2010/main" val="3059161932"/>
+      </p:ext>
+    </p:extLst>
+  </p:cSld>
+  <p:clrMapOvr>
+    <a:masterClrMapping/>
+  </p:clrMapOvr>
+</p:sld>
+</file>
+
+<file path=ppt/slides/slide40.xml><?xml version="1.0" encoding="utf-8"?>
+<p:sld xmlns:a="http://schemas.openxmlformats.org/drawingml/2006/main" xmlns:r="http://schemas.openxmlformats.org/officeDocument/2006/relationships" xmlns:p="http://schemas.openxmlformats.org/presentationml/2006/main">
+  <p:cSld>
+    <p:spTree>
+      <p:nvGrpSpPr>
+        <p:cNvPr id="1" name=""/>
+        <p:cNvGrpSpPr/>
+        <p:nvPr/>
+      </p:nvGrpSpPr>
+      <p:grpSpPr>
+        <a:xfrm>
+          <a:off x="0" y="0"/>
+          <a:ext cx="0" cy="0"/>
+          <a:chOff x="0" y="0"/>
+          <a:chExt cx="0" cy="0"/>
+        </a:xfrm>
+      </p:grpSpPr>
+      <p:sp>
+        <p:nvSpPr>
+          <p:cNvPr id="2" name="Title 1">
+            <a:extLst>
+              <a:ext uri="{FF2B5EF4-FFF2-40B4-BE49-F238E27FC236}">
+                <a16:creationId xmlns:a16="http://schemas.microsoft.com/office/drawing/2014/main" id="{B3907180-7290-B912-9BEF-5F3BB9403601}"/>
+              </a:ext>
+            </a:extLst>
+          </p:cNvPr>
+          <p:cNvSpPr>
+            <a:spLocks noGrp="1"/>
+          </p:cNvSpPr>
+          <p:nvPr>
+            <p:ph type="title"/>
+          </p:nvPr>
+        </p:nvSpPr>
+        <p:spPr/>
+        <p:txBody>
+          <a:bodyPr/>
+          <a:lstStyle/>
+          <a:p>
+            <a:r>
+              <a:rPr lang="en-IL" dirty="0"/>
+              <a:t>Clustering based on Regulon Activity</a:t>
+            </a:r>
+          </a:p>
+        </p:txBody>
+      </p:sp>
+      <p:sp>
+        <p:nvSpPr>
+          <p:cNvPr id="3" name="Content Placeholder 2">
+            <a:extLst>
+              <a:ext uri="{FF2B5EF4-FFF2-40B4-BE49-F238E27FC236}">
+                <a16:creationId xmlns:a16="http://schemas.microsoft.com/office/drawing/2014/main" id="{A629BB2C-A232-D158-FF4A-5B4FE7F887CF}"/>
+              </a:ext>
+            </a:extLst>
+          </p:cNvPr>
+          <p:cNvSpPr>
+            <a:spLocks noGrp="1"/>
+          </p:cNvSpPr>
+          <p:nvPr>
+            <p:ph idx="1"/>
+          </p:nvPr>
+        </p:nvSpPr>
+        <p:spPr/>
+        <p:txBody>
+          <a:bodyPr/>
+          <a:lstStyle/>
+          <a:p>
+            <a:r>
+              <a:rPr lang="en-IL" dirty="0"/>
+              <a:t>AUCell is a dimentional reduction – number of discovered regulons is typically much lower than the number of genes </a:t>
+            </a:r>
+          </a:p>
+          <a:p>
+            <a:r>
+              <a:rPr lang="en-IL" dirty="0"/>
+              <a:t>Instead of reducing dimentionality vis PCA/t-SNE etc..</a:t>
+            </a:r>
+          </a:p>
+          <a:p>
+            <a:r>
+              <a:rPr lang="en-US" b="0" i="0" u="none" strike="noStrike" dirty="0">
+                <a:solidFill>
+                  <a:srgbClr val="222222"/>
+                </a:solidFill>
+                <a:effectLst/>
+                <a:latin typeface="Harding"/>
+              </a:rPr>
+              <a:t>Scope – a tool for interactive visualization </a:t>
+            </a:r>
+            <a:endParaRPr lang="en-IL" dirty="0"/>
+          </a:p>
+        </p:txBody>
+      </p:sp>
+    </p:spTree>
+    <p:extLst>
+      <p:ext uri="{BB962C8B-B14F-4D97-AF65-F5344CB8AC3E}">
+        <p14:creationId xmlns:p14="http://schemas.microsoft.com/office/powerpoint/2010/main" val="1567679452"/>
       </p:ext>
     </p:extLst>
   </p:cSld>
@@ -14118,7 +15344,7 @@
           <p:cNvPr id="2" name="Title 1">
             <a:extLst>
               <a:ext uri="{FF2B5EF4-FFF2-40B4-BE49-F238E27FC236}">
-                <a16:creationId xmlns:a16="http://schemas.microsoft.com/office/drawing/2014/main" id="{AB9DC830-4C9D-5E9D-0FA6-0AFDF9CD4B0A}"/>
+                <a16:creationId xmlns:a16="http://schemas.microsoft.com/office/drawing/2014/main" id="{1327ADC2-920E-ED41-E9A8-A98C7E45C718}"/>
               </a:ext>
             </a:extLst>
           </p:cNvPr>
@@ -14126,7 +15352,7 @@
             <a:spLocks noGrp="1"/>
           </p:cNvSpPr>
           <p:nvPr>
-            <p:ph type="title"/>
+            <p:ph type="ctrTitle"/>
           </p:nvPr>
         </p:nvSpPr>
         <p:spPr/>
@@ -14136,105 +15362,15 @@
           <a:p>
             <a:r>
               <a:rPr lang="en-IL" dirty="0"/>
-              <a:t>GRN Inference</a:t>
-            </a:r>
-          </a:p>
-        </p:txBody>
-      </p:sp>
-      <p:sp>
-        <p:nvSpPr>
-          <p:cNvPr id="3" name="Content Placeholder 2">
-            <a:extLst>
-              <a:ext uri="{FF2B5EF4-FFF2-40B4-BE49-F238E27FC236}">
-                <a16:creationId xmlns:a16="http://schemas.microsoft.com/office/drawing/2014/main" id="{EC548AC0-3FF6-BC23-AA90-DF1607378C04}"/>
-              </a:ext>
-            </a:extLst>
-          </p:cNvPr>
-          <p:cNvSpPr>
-            <a:spLocks noGrp="1"/>
-          </p:cNvSpPr>
-          <p:nvPr>
-            <p:ph idx="1"/>
-          </p:nvPr>
-        </p:nvSpPr>
-        <p:spPr/>
-        <p:txBody>
-          <a:bodyPr>
-            <a:normAutofit/>
-          </a:bodyPr>
-          <a:lstStyle/>
-          <a:p>
-            <a:r>
-              <a:rPr lang="en-US" dirty="0"/>
-              <a:t>Tree based regression model for every expressed gene</a:t>
-            </a:r>
-          </a:p>
-          <a:p>
-            <a:pPr lvl="1"/>
-            <a:r>
-              <a:rPr lang="en-US" b="1" dirty="0">
-                <a:solidFill>
-                  <a:schemeClr val="bg1">
-                    <a:lumMod val="75000"/>
-                  </a:schemeClr>
-                </a:solidFill>
-              </a:rPr>
-              <a:t>GRNBoost2, GENIE3</a:t>
-            </a:r>
-            <a:endParaRPr lang="en-IL" b="1" dirty="0">
-              <a:solidFill>
-                <a:schemeClr val="bg1">
-                  <a:lumMod val="75000"/>
-                </a:schemeClr>
-              </a:solidFill>
-            </a:endParaRPr>
-          </a:p>
-          <a:p>
-            <a:r>
-              <a:rPr lang="en-IL" dirty="0"/>
-              <a:t>The model predicts the expression of the gene across cells from the expression given TFs</a:t>
-            </a:r>
-          </a:p>
-          <a:p>
-            <a:r>
-              <a:rPr lang="en-IL" dirty="0"/>
-              <a:t>Regulatory interaction are infered based on TFs importance in the models</a:t>
-            </a:r>
-          </a:p>
-          <a:p>
-            <a:endParaRPr lang="en-IL" dirty="0"/>
-          </a:p>
-          <a:p>
-            <a:endParaRPr lang="en-IL" dirty="0"/>
-          </a:p>
-          <a:p>
-            <a:endParaRPr lang="en-IL" dirty="0"/>
-          </a:p>
-          <a:p>
-            <a:pPr marL="457200" lvl="1" indent="0">
-              <a:buNone/>
-            </a:pPr>
-            <a:endParaRPr lang="en-IL" dirty="0"/>
-          </a:p>
-          <a:p>
-            <a:pPr marL="457200" lvl="1" indent="0">
-              <a:buNone/>
-            </a:pPr>
-            <a:endParaRPr lang="en-IL" dirty="0"/>
-          </a:p>
-          <a:p>
-            <a:pPr lvl="1"/>
-            <a:endParaRPr lang="en-IL" dirty="0"/>
-          </a:p>
-          <a:p>
-            <a:endParaRPr lang="en-US" dirty="0"/>
+              <a:t>SCENIC</a:t>
+            </a:r>
           </a:p>
         </p:txBody>
       </p:sp>
     </p:spTree>
     <p:extLst>
       <p:ext uri="{BB962C8B-B14F-4D97-AF65-F5344CB8AC3E}">
-        <p14:creationId xmlns:p14="http://schemas.microsoft.com/office/powerpoint/2010/main" val="2894375264"/>
+        <p14:creationId xmlns:p14="http://schemas.microsoft.com/office/powerpoint/2010/main" val="4070241102"/>
       </p:ext>
     </p:extLst>
   </p:cSld>
@@ -14266,7 +15402,7 @@
           <p:cNvPr id="2" name="Title 1">
             <a:extLst>
               <a:ext uri="{FF2B5EF4-FFF2-40B4-BE49-F238E27FC236}">
-                <a16:creationId xmlns:a16="http://schemas.microsoft.com/office/drawing/2014/main" id="{23EF4F2A-9490-0AE2-8627-FB65BDE605F9}"/>
+                <a16:creationId xmlns:a16="http://schemas.microsoft.com/office/drawing/2014/main" id="{59791B7E-C078-EF16-B7D3-0773F8CF578F}"/>
               </a:ext>
             </a:extLst>
           </p:cNvPr>
@@ -14284,97 +15420,43 @@
           <a:p>
             <a:r>
               <a:rPr lang="en-IL" dirty="0"/>
-              <a:t>GENIE3 </a:t>
-            </a:r>
-            <a:r>
-              <a:rPr lang="en-IL" sz="1600" b="1" dirty="0"/>
-              <a:t>GE</a:t>
-            </a:r>
-            <a:r>
-              <a:rPr lang="en-IL" sz="1600" dirty="0"/>
-              <a:t>ne </a:t>
-            </a:r>
-            <a:r>
-              <a:rPr lang="en-IL" sz="1600" b="1" dirty="0"/>
-              <a:t>N</a:t>
-            </a:r>
-            <a:r>
-              <a:rPr lang="en-IL" sz="1600" dirty="0"/>
-              <a:t>etwork </a:t>
-            </a:r>
-            <a:r>
-              <a:rPr lang="en-IL" sz="1600" b="1" dirty="0"/>
-              <a:t>I</a:t>
-            </a:r>
-            <a:r>
-              <a:rPr lang="en-IL" sz="1600" dirty="0"/>
-              <a:t>nference with </a:t>
-            </a:r>
-            <a:r>
-              <a:rPr lang="en-IL" sz="1600" b="1" dirty="0"/>
-              <a:t>E</a:t>
-            </a:r>
-            <a:r>
-              <a:rPr lang="en-IL" sz="1600" dirty="0"/>
-              <a:t>nsemble of trees</a:t>
-            </a:r>
-            <a:endParaRPr lang="en-IL" dirty="0"/>
-          </a:p>
-        </p:txBody>
-      </p:sp>
-      <p:sp>
-        <p:nvSpPr>
-          <p:cNvPr id="3" name="Content Placeholder 2">
+              <a:t>3 steps</a:t>
+            </a:r>
+          </a:p>
+        </p:txBody>
+      </p:sp>
+      <p:graphicFrame>
+        <p:nvGraphicFramePr>
+          <p:cNvPr id="7" name="Diagram 6">
             <a:extLst>
               <a:ext uri="{FF2B5EF4-FFF2-40B4-BE49-F238E27FC236}">
-                <a16:creationId xmlns:a16="http://schemas.microsoft.com/office/drawing/2014/main" id="{B873F824-A5EE-469E-916A-8BC9E57D5B87}"/>
+                <a16:creationId xmlns:a16="http://schemas.microsoft.com/office/drawing/2014/main" id="{8565DAA2-A4C6-5FD0-DAE8-55BA41E6A1A2}"/>
               </a:ext>
             </a:extLst>
           </p:cNvPr>
-          <p:cNvSpPr>
-            <a:spLocks noGrp="1"/>
-          </p:cNvSpPr>
-          <p:nvPr>
-            <p:ph idx="1"/>
-          </p:nvPr>
-        </p:nvSpPr>
-        <p:spPr/>
-        <p:txBody>
-          <a:bodyPr/>
-          <a:lstStyle/>
-          <a:p>
-            <a:r>
-              <a:rPr lang="en-US" dirty="0"/>
-              <a:t>Each gene is a subproblem – to determining the subset of genes whose expression directly influences or is predictive of the expression of the target gene</a:t>
-            </a:r>
-          </a:p>
-          <a:p>
-            <a:r>
-              <a:rPr lang="en-US" dirty="0"/>
-              <a:t>This is equivalent to feature selection problem</a:t>
-            </a:r>
-          </a:p>
-          <a:p>
-            <a:r>
-              <a:rPr lang="en-US" dirty="0"/>
-              <a:t>Use ranking mechanism of tree-based ensemble methods to solve the feature selection problem</a:t>
-            </a:r>
-          </a:p>
-          <a:p>
-            <a:r>
-              <a:rPr lang="en-US" dirty="0"/>
-              <a:t>Namely Random Forest *</a:t>
-            </a:r>
-          </a:p>
-          <a:p>
-            <a:endParaRPr lang="en-US" dirty="0"/>
-          </a:p>
-        </p:txBody>
-      </p:sp>
+          <p:cNvGraphicFramePr/>
+          <p:nvPr>
+            <p:extLst>
+              <p:ext uri="{D42A27DB-BD31-4B8C-83A1-F6EECF244321}">
+                <p14:modId xmlns:p14="http://schemas.microsoft.com/office/powerpoint/2010/main" val="1457138898"/>
+              </p:ext>
+            </p:extLst>
+          </p:nvPr>
+        </p:nvGraphicFramePr>
+        <p:xfrm>
+          <a:off x="1264920" y="769620"/>
+          <a:ext cx="9555480" cy="5448300"/>
+        </p:xfrm>
+        <a:graphic>
+          <a:graphicData uri="http://schemas.openxmlformats.org/drawingml/2006/diagram">
+            <dgm:relIds xmlns:dgm="http://schemas.openxmlformats.org/drawingml/2006/diagram" xmlns:r="http://schemas.openxmlformats.org/officeDocument/2006/relationships" r:dm="rId2" r:lo="rId3" r:qs="rId4" r:cs="rId5"/>
+          </a:graphicData>
+        </a:graphic>
+      </p:graphicFrame>
     </p:spTree>
     <p:extLst>
       <p:ext uri="{BB962C8B-B14F-4D97-AF65-F5344CB8AC3E}">
-        <p14:creationId xmlns:p14="http://schemas.microsoft.com/office/powerpoint/2010/main" val="2366976709"/>
+        <p14:creationId xmlns:p14="http://schemas.microsoft.com/office/powerpoint/2010/main" val="160187237"/>
       </p:ext>
     </p:extLst>
   </p:cSld>
@@ -14387,6 +15469,14 @@
 <file path=ppt/slides/slide7.xml><?xml version="1.0" encoding="utf-8"?>
 <p:sld xmlns:a="http://schemas.openxmlformats.org/drawingml/2006/main" xmlns:r="http://schemas.openxmlformats.org/officeDocument/2006/relationships" xmlns:p="http://schemas.openxmlformats.org/presentationml/2006/main">
   <p:cSld>
+    <p:bg>
+      <p:bgPr>
+        <a:solidFill>
+          <a:schemeClr val="bg1"/>
+        </a:solidFill>
+        <a:effectLst/>
+      </p:bgPr>
+    </p:bg>
     <p:spTree>
       <p:nvGrpSpPr>
         <p:cNvPr id="1" name=""/>
@@ -14401,120 +15491,58 @@
           <a:chExt cx="0" cy="0"/>
         </a:xfrm>
       </p:grpSpPr>
-      <p:sp>
-        <p:nvSpPr>
-          <p:cNvPr id="2" name="Title 1">
+      <p:pic>
+        <p:nvPicPr>
+          <p:cNvPr id="1026" name="Picture 2" descr="Fig. 1">
             <a:extLst>
               <a:ext uri="{FF2B5EF4-FFF2-40B4-BE49-F238E27FC236}">
-                <a16:creationId xmlns:a16="http://schemas.microsoft.com/office/drawing/2014/main" id="{CDD9ADCC-57A0-11CD-EA15-ED49FD63B578}"/>
-              </a:ext>
-            </a:extLst>
-          </p:cNvPr>
-          <p:cNvSpPr>
-            <a:spLocks noGrp="1"/>
-          </p:cNvSpPr>
-          <p:nvPr>
-            <p:ph type="title"/>
-          </p:nvPr>
-        </p:nvSpPr>
-        <p:spPr/>
-        <p:txBody>
-          <a:bodyPr/>
-          <a:lstStyle/>
-          <a:p>
-            <a:r>
-              <a:rPr lang="en-IL"/>
-              <a:t>GENIE3</a:t>
-            </a:r>
-            <a:endParaRPr lang="en-IL" dirty="0"/>
-          </a:p>
-        </p:txBody>
-      </p:sp>
-      <p:pic>
-        <p:nvPicPr>
-          <p:cNvPr id="4" name="Content Placeholder 3">
-            <a:extLst>
-              <a:ext uri="{FF2B5EF4-FFF2-40B4-BE49-F238E27FC236}">
-                <a16:creationId xmlns:a16="http://schemas.microsoft.com/office/drawing/2014/main" id="{B734467B-DB14-7DD9-7EEA-9B7393061D53}"/>
+                <a16:creationId xmlns:a16="http://schemas.microsoft.com/office/drawing/2014/main" id="{7631059B-07DC-71CF-2A84-403D0F90A208}"/>
               </a:ext>
             </a:extLst>
           </p:cNvPr>
           <p:cNvPicPr>
-            <a:picLocks noGrp="1" noChangeAspect="1"/>
+            <a:picLocks noGrp="1" noChangeAspect="1" noChangeArrowheads="1"/>
           </p:cNvPicPr>
           <p:nvPr>
             <p:ph idx="1"/>
           </p:nvPr>
         </p:nvPicPr>
-        <p:blipFill rotWithShape="1">
-          <a:blip r:embed="rId3"/>
-          <a:srcRect l="596" t="1074"/>
-          <a:stretch/>
-        </p:blipFill>
-        <p:spPr>
-          <a:xfrm>
-            <a:off x="1625599" y="1571401"/>
-            <a:ext cx="8994699" cy="4304619"/>
-          </a:xfrm>
-          <a:prstGeom prst="rect">
-            <a:avLst/>
-          </a:prstGeom>
-        </p:spPr>
-      </p:pic>
-      <p:sp>
-        <p:nvSpPr>
-          <p:cNvPr id="6" name="TextBox 5">
+        <p:blipFill>
+          <a:blip r:embed="rId3">
             <a:extLst>
-              <a:ext uri="{FF2B5EF4-FFF2-40B4-BE49-F238E27FC236}">
-                <a16:creationId xmlns:a16="http://schemas.microsoft.com/office/drawing/2014/main" id="{D237B5FE-CD12-C903-C452-4A94E6588E37}"/>
+              <a:ext uri="{28A0092B-C50C-407E-A947-70E740481C1C}">
+                <a14:useLocalDpi xmlns:a14="http://schemas.microsoft.com/office/drawing/2010/main" val="0"/>
               </a:ext>
             </a:extLst>
-          </p:cNvPr>
-          <p:cNvSpPr txBox="1"/>
-          <p:nvPr/>
-        </p:nvSpPr>
-        <p:spPr>
+          </a:blip>
+          <a:stretch>
+            <a:fillRect/>
+          </a:stretch>
+        </p:blipFill>
+        <p:spPr bwMode="auto">
           <a:xfrm>
-            <a:off x="1625599" y="6215876"/>
-            <a:ext cx="2161041" cy="276999"/>
+            <a:off x="4317567" y="120288"/>
+            <a:ext cx="3556865" cy="6617424"/>
           </a:xfrm>
           <a:prstGeom prst="rect">
             <a:avLst/>
           </a:prstGeom>
           <a:noFill/>
+          <a:extLst>
+            <a:ext uri="{909E8E84-426E-40DD-AFC4-6F175D3DCCD1}">
+              <a14:hiddenFill xmlns:a14="http://schemas.microsoft.com/office/drawing/2010/main">
+                <a:solidFill>
+                  <a:srgbClr val="FFFFFF"/>
+                </a:solidFill>
+              </a14:hiddenFill>
+            </a:ext>
+          </a:extLst>
         </p:spPr>
-        <p:txBody>
-          <a:bodyPr wrap="none" rtlCol="0">
-            <a:spAutoFit/>
-          </a:bodyPr>
-          <a:lstStyle/>
-          <a:p>
-            <a:r>
-              <a:rPr lang="en-US" sz="1200" b="0" i="0" u="none" strike="noStrike" dirty="0">
-                <a:solidFill>
-                  <a:schemeClr val="bg2">
-                    <a:lumMod val="75000"/>
-                  </a:schemeClr>
-                </a:solidFill>
-                <a:effectLst/>
-                <a:latin typeface="Arial" panose="020B0604020202020204" pitchFamily="34" charset="0"/>
-              </a:rPr>
-              <a:t>Huynh-Thu V. A. et al. (2010)</a:t>
-            </a:r>
-            <a:endParaRPr lang="en-IL" sz="1200" dirty="0">
-              <a:solidFill>
-                <a:schemeClr val="bg2">
-                  <a:lumMod val="75000"/>
-                </a:schemeClr>
-              </a:solidFill>
-            </a:endParaRPr>
-          </a:p>
-        </p:txBody>
-      </p:sp>
+      </p:pic>
     </p:spTree>
     <p:extLst>
       <p:ext uri="{BB962C8B-B14F-4D97-AF65-F5344CB8AC3E}">
-        <p14:creationId xmlns:p14="http://schemas.microsoft.com/office/powerpoint/2010/main" val="4031754239"/>
+        <p14:creationId xmlns:p14="http://schemas.microsoft.com/office/powerpoint/2010/main" val="2586105846"/>
       </p:ext>
     </p:extLst>
   </p:cSld>
@@ -14546,7 +15574,7 @@
           <p:cNvPr id="2" name="Title 1">
             <a:extLst>
               <a:ext uri="{FF2B5EF4-FFF2-40B4-BE49-F238E27FC236}">
-                <a16:creationId xmlns:a16="http://schemas.microsoft.com/office/drawing/2014/main" id="{6DE493F4-77B0-7E4E-4D6C-2AB1202AC858}"/>
+                <a16:creationId xmlns:a16="http://schemas.microsoft.com/office/drawing/2014/main" id="{1A7DF560-257C-B26B-388D-AA67E168B125}"/>
               </a:ext>
             </a:extLst>
           </p:cNvPr>
@@ -14564,17 +15592,17 @@
           <a:p>
             <a:r>
               <a:rPr lang="en-IL" dirty="0"/>
-              <a:t>Advantages of Regression Trees</a:t>
-            </a:r>
-          </a:p>
-        </p:txBody>
-      </p:sp>
-      <p:sp>
-        <p:nvSpPr>
-          <p:cNvPr id="3" name="Content Placeholder 2">
+              <a:t>Step 1</a:t>
+            </a:r>
+          </a:p>
+        </p:txBody>
+      </p:sp>
+      <p:sp>
+        <p:nvSpPr>
+          <p:cNvPr id="3" name="Text Placeholder 2">
             <a:extLst>
               <a:ext uri="{FF2B5EF4-FFF2-40B4-BE49-F238E27FC236}">
-                <a16:creationId xmlns:a16="http://schemas.microsoft.com/office/drawing/2014/main" id="{9790FBCD-82C8-FB31-3F10-C076E368EEB4}"/>
+                <a16:creationId xmlns:a16="http://schemas.microsoft.com/office/drawing/2014/main" id="{DF5AD2A9-71E9-D83C-6114-7F64A912EE8F}"/>
               </a:ext>
             </a:extLst>
           </p:cNvPr>
@@ -14582,7 +15610,7 @@
             <a:spLocks noGrp="1"/>
           </p:cNvSpPr>
           <p:nvPr>
-            <p:ph idx="1"/>
+            <p:ph type="body" idx="1"/>
           </p:nvPr>
         </p:nvSpPr>
         <p:spPr/>
@@ -14591,52 +15619,20 @@
           <a:lstStyle/>
           <a:p>
             <a:r>
+              <a:rPr lang="en-US" dirty="0"/>
+              <a:t>G</a:t>
+            </a:r>
+            <a:r>
               <a:rPr lang="en-IL" dirty="0"/>
-              <a:t>No assumptions about the nature of gene regulation  </a:t>
-            </a:r>
-          </a:p>
-          <a:p>
-            <a:r>
-              <a:rPr lang="en-US" dirty="0"/>
-              <a:t>C</a:t>
-            </a:r>
-            <a:r>
-              <a:rPr lang="en-IL" dirty="0"/>
-              <a:t>an deal with combinatorial and non-linear interactions</a:t>
-            </a:r>
-          </a:p>
-          <a:p>
-            <a:r>
-              <a:rPr lang="en-US" dirty="0"/>
-              <a:t>P</a:t>
-            </a:r>
-            <a:r>
-              <a:rPr lang="en-IL" dirty="0"/>
-              <a:t>roduces direct GRNs, allows feedback loops</a:t>
-            </a:r>
-          </a:p>
-          <a:p>
-            <a:r>
-              <a:rPr lang="en-US" dirty="0"/>
-              <a:t>S</a:t>
-            </a:r>
-            <a:r>
-              <a:rPr lang="en-IL" dirty="0"/>
-              <a:t>imple implementation</a:t>
-            </a:r>
-          </a:p>
-          <a:p>
-            <a:pPr marL="0" indent="0">
-              <a:buNone/>
-            </a:pPr>
-            <a:endParaRPr lang="en-IL" dirty="0"/>
+              <a:t>RN inference</a:t>
+            </a:r>
           </a:p>
         </p:txBody>
       </p:sp>
     </p:spTree>
     <p:extLst>
       <p:ext uri="{BB962C8B-B14F-4D97-AF65-F5344CB8AC3E}">
-        <p14:creationId xmlns:p14="http://schemas.microsoft.com/office/powerpoint/2010/main" val="3679090716"/>
+        <p14:creationId xmlns:p14="http://schemas.microsoft.com/office/powerpoint/2010/main" val="3836466535"/>
       </p:ext>
     </p:extLst>
   </p:cSld>
@@ -14668,7 +15664,7 @@
           <p:cNvPr id="2" name="Title 1">
             <a:extLst>
               <a:ext uri="{FF2B5EF4-FFF2-40B4-BE49-F238E27FC236}">
-                <a16:creationId xmlns:a16="http://schemas.microsoft.com/office/drawing/2014/main" id="{323D4907-6D5E-3B6B-E7AB-8CC649E449B5}"/>
+                <a16:creationId xmlns:a16="http://schemas.microsoft.com/office/drawing/2014/main" id="{AB9DC830-4C9D-5E9D-0FA6-0AFDF9CD4B0A}"/>
               </a:ext>
             </a:extLst>
           </p:cNvPr>
@@ -14686,7 +15682,7 @@
           <a:p>
             <a:r>
               <a:rPr lang="en-IL" dirty="0"/>
-              <a:t>GRNBoost2</a:t>
+              <a:t>GRN Inference</a:t>
             </a:r>
           </a:p>
         </p:txBody>
@@ -14696,7 +15692,7 @@
           <p:cNvPr id="3" name="Content Placeholder 2">
             <a:extLst>
               <a:ext uri="{FF2B5EF4-FFF2-40B4-BE49-F238E27FC236}">
-                <a16:creationId xmlns:a16="http://schemas.microsoft.com/office/drawing/2014/main" id="{3910E981-8A5D-D421-E6FA-3E96DD77DDC6}"/>
+                <a16:creationId xmlns:a16="http://schemas.microsoft.com/office/drawing/2014/main" id="{EC548AC0-3FF6-BC23-AA90-DF1607378C04}"/>
               </a:ext>
             </a:extLst>
           </p:cNvPr>
@@ -14709,47 +15705,82 @@
         </p:nvSpPr>
         <p:spPr/>
         <p:txBody>
-          <a:bodyPr/>
-          <a:lstStyle/>
+          <a:bodyPr>
+            <a:normAutofit/>
+          </a:bodyPr>
+          <a:lstStyle/>
+          <a:p>
+            <a:r>
+              <a:rPr lang="en-US" dirty="0"/>
+              <a:t>Tree based regression model for every expressed gene</a:t>
+            </a:r>
+          </a:p>
+          <a:p>
+            <a:pPr lvl="1"/>
+            <a:r>
+              <a:rPr lang="en-US" b="1" dirty="0">
+                <a:solidFill>
+                  <a:schemeClr val="bg1">
+                    <a:lumMod val="75000"/>
+                  </a:schemeClr>
+                </a:solidFill>
+              </a:rPr>
+              <a:t>GRNBoost2, GENIE3</a:t>
+            </a:r>
+            <a:endParaRPr lang="en-IL" b="1" dirty="0">
+              <a:solidFill>
+                <a:schemeClr val="bg1">
+                  <a:lumMod val="75000"/>
+                </a:schemeClr>
+              </a:solidFill>
+            </a:endParaRPr>
+          </a:p>
           <a:p>
             <a:r>
               <a:rPr lang="en-IL" dirty="0"/>
-              <a:t>Gradient Boosting machine regression instead of Random Forest</a:t>
-            </a:r>
-          </a:p>
-          <a:p>
-            <a:r>
-              <a:rPr lang="en-US" dirty="0"/>
-              <a:t>highly parallelizable</a:t>
+              <a:t>The model predicts the expression of the gene across cells from the expression given TFs</a:t>
             </a:r>
           </a:p>
           <a:p>
             <a:r>
               <a:rPr lang="en-IL" dirty="0"/>
-              <a:t>Stochastic </a:t>
-            </a:r>
-          </a:p>
-          <a:p>
-            <a:r>
-              <a:rPr lang="en-IL" dirty="0"/>
-              <a:t>Faster alternative to GENIE3 </a:t>
-            </a:r>
-          </a:p>
-          <a:p>
-            <a:r>
-              <a:rPr lang="en-IL" dirty="0"/>
-              <a:t>For robustness – run multiple times, and keep the most consistent results</a:t>
+              <a:t>Regulatory interaction are infered based on TFs importance in the models</a:t>
             </a:r>
           </a:p>
           <a:p>
             <a:endParaRPr lang="en-IL" dirty="0"/>
+          </a:p>
+          <a:p>
+            <a:endParaRPr lang="en-IL" dirty="0"/>
+          </a:p>
+          <a:p>
+            <a:endParaRPr lang="en-IL" dirty="0"/>
+          </a:p>
+          <a:p>
+            <a:pPr marL="457200" lvl="1" indent="0">
+              <a:buNone/>
+            </a:pPr>
+            <a:endParaRPr lang="en-IL" dirty="0"/>
+          </a:p>
+          <a:p>
+            <a:pPr marL="457200" lvl="1" indent="0">
+              <a:buNone/>
+            </a:pPr>
+            <a:endParaRPr lang="en-IL" dirty="0"/>
+          </a:p>
+          <a:p>
+            <a:pPr lvl="1"/>
+            <a:endParaRPr lang="en-IL" dirty="0"/>
+          </a:p>
+          <a:p>
+            <a:endParaRPr lang="en-US" dirty="0"/>
           </a:p>
         </p:txBody>
       </p:sp>
     </p:spTree>
     <p:extLst>
       <p:ext uri="{BB962C8B-B14F-4D97-AF65-F5344CB8AC3E}">
-        <p14:creationId xmlns:p14="http://schemas.microsoft.com/office/powerpoint/2010/main" val="218498019"/>
+        <p14:creationId xmlns:p14="http://schemas.microsoft.com/office/powerpoint/2010/main" val="2894375264"/>
       </p:ext>
     </p:extLst>
   </p:cSld>

--- a/my_notes.pptx
+++ b/my_notes.pptx
@@ -5,7 +5,7 @@
     <p:sldMasterId id="2147483648" r:id="rId1"/>
   </p:sldMasterIdLst>
   <p:notesMasterIdLst>
-    <p:notesMasterId r:id="rId42"/>
+    <p:notesMasterId r:id="rId43"/>
   </p:notesMasterIdLst>
   <p:sldIdLst>
     <p:sldId id="300" r:id="rId2"/>
@@ -48,6 +48,7 @@
     <p:sldId id="289" r:id="rId39"/>
     <p:sldId id="290" r:id="rId40"/>
     <p:sldId id="296" r:id="rId41"/>
+    <p:sldId id="302" r:id="rId42"/>
   </p:sldIdLst>
   <p:sldSz cx="12192000" cy="6858000"/>
   <p:notesSz cx="6858000" cy="9144000"/>
@@ -2755,7 +2756,7 @@
           <a:p>
             <a:fld id="{388B1555-F4E9-5F41-9F32-9C0D89BD75B5}" type="datetimeFigureOut">
               <a:rPr lang="en-IL" smtClean="0"/>
-              <a:t>24/07/2023</a:t>
+              <a:t>14/09/2023</a:t>
             </a:fld>
             <a:endParaRPr lang="en-IL"/>
           </a:p>
@@ -6329,7 +6330,7 @@
           <a:p>
             <a:fld id="{EA38F353-CEFF-2A41-859E-747C5F5B5087}" type="datetimeFigureOut">
               <a:rPr lang="en-IL" smtClean="0"/>
-              <a:t>24/07/2023</a:t>
+              <a:t>14/09/2023</a:t>
             </a:fld>
             <a:endParaRPr lang="en-IL"/>
           </a:p>
@@ -6529,7 +6530,7 @@
           <a:p>
             <a:fld id="{EA38F353-CEFF-2A41-859E-747C5F5B5087}" type="datetimeFigureOut">
               <a:rPr lang="en-IL" smtClean="0"/>
-              <a:t>24/07/2023</a:t>
+              <a:t>14/09/2023</a:t>
             </a:fld>
             <a:endParaRPr lang="en-IL"/>
           </a:p>
@@ -6739,7 +6740,7 @@
           <a:p>
             <a:fld id="{EA38F353-CEFF-2A41-859E-747C5F5B5087}" type="datetimeFigureOut">
               <a:rPr lang="en-IL" smtClean="0"/>
-              <a:t>24/07/2023</a:t>
+              <a:t>14/09/2023</a:t>
             </a:fld>
             <a:endParaRPr lang="en-IL"/>
           </a:p>
@@ -6939,7 +6940,7 @@
           <a:p>
             <a:fld id="{EA38F353-CEFF-2A41-859E-747C5F5B5087}" type="datetimeFigureOut">
               <a:rPr lang="en-IL" smtClean="0"/>
-              <a:t>24/07/2023</a:t>
+              <a:t>14/09/2023</a:t>
             </a:fld>
             <a:endParaRPr lang="en-IL"/>
           </a:p>
@@ -7215,7 +7216,7 @@
           <a:p>
             <a:fld id="{EA38F353-CEFF-2A41-859E-747C5F5B5087}" type="datetimeFigureOut">
               <a:rPr lang="en-IL" smtClean="0"/>
-              <a:t>24/07/2023</a:t>
+              <a:t>14/09/2023</a:t>
             </a:fld>
             <a:endParaRPr lang="en-IL"/>
           </a:p>
@@ -7483,7 +7484,7 @@
           <a:p>
             <a:fld id="{EA38F353-CEFF-2A41-859E-747C5F5B5087}" type="datetimeFigureOut">
               <a:rPr lang="en-IL" smtClean="0"/>
-              <a:t>24/07/2023</a:t>
+              <a:t>14/09/2023</a:t>
             </a:fld>
             <a:endParaRPr lang="en-IL"/>
           </a:p>
@@ -7898,7 +7899,7 @@
           <a:p>
             <a:fld id="{EA38F353-CEFF-2A41-859E-747C5F5B5087}" type="datetimeFigureOut">
               <a:rPr lang="en-IL" smtClean="0"/>
-              <a:t>24/07/2023</a:t>
+              <a:t>14/09/2023</a:t>
             </a:fld>
             <a:endParaRPr lang="en-IL"/>
           </a:p>
@@ -8040,7 +8041,7 @@
           <a:p>
             <a:fld id="{EA38F353-CEFF-2A41-859E-747C5F5B5087}" type="datetimeFigureOut">
               <a:rPr lang="en-IL" smtClean="0"/>
-              <a:t>24/07/2023</a:t>
+              <a:t>14/09/2023</a:t>
             </a:fld>
             <a:endParaRPr lang="en-IL"/>
           </a:p>
@@ -8153,7 +8154,7 @@
           <a:p>
             <a:fld id="{EA38F353-CEFF-2A41-859E-747C5F5B5087}" type="datetimeFigureOut">
               <a:rPr lang="en-IL" smtClean="0"/>
-              <a:t>24/07/2023</a:t>
+              <a:t>14/09/2023</a:t>
             </a:fld>
             <a:endParaRPr lang="en-IL"/>
           </a:p>
@@ -8466,7 +8467,7 @@
           <a:p>
             <a:fld id="{EA38F353-CEFF-2A41-859E-747C5F5B5087}" type="datetimeFigureOut">
               <a:rPr lang="en-IL" smtClean="0"/>
-              <a:t>24/07/2023</a:t>
+              <a:t>14/09/2023</a:t>
             </a:fld>
             <a:endParaRPr lang="en-IL"/>
           </a:p>
@@ -8755,7 +8756,7 @@
           <a:p>
             <a:fld id="{EA38F353-CEFF-2A41-859E-747C5F5B5087}" type="datetimeFigureOut">
               <a:rPr lang="en-IL" smtClean="0"/>
-              <a:t>24/07/2023</a:t>
+              <a:t>14/09/2023</a:t>
             </a:fld>
             <a:endParaRPr lang="en-IL"/>
           </a:p>
@@ -8998,7 +8999,7 @@
           <a:p>
             <a:fld id="{EA38F353-CEFF-2A41-859E-747C5F5B5087}" type="datetimeFigureOut">
               <a:rPr lang="en-IL" smtClean="0"/>
-              <a:t>24/07/2023</a:t>
+              <a:t>14/09/2023</a:t>
             </a:fld>
             <a:endParaRPr lang="en-IL"/>
           </a:p>
@@ -15313,6 +15314,76 @@
     <p:extLst>
       <p:ext uri="{BB962C8B-B14F-4D97-AF65-F5344CB8AC3E}">
         <p14:creationId xmlns:p14="http://schemas.microsoft.com/office/powerpoint/2010/main" val="1567679452"/>
+      </p:ext>
+    </p:extLst>
+  </p:cSld>
+  <p:clrMapOvr>
+    <a:masterClrMapping/>
+  </p:clrMapOvr>
+</p:sld>
+</file>
+
+<file path=ppt/slides/slide41.xml><?xml version="1.0" encoding="utf-8"?>
+<p:sld xmlns:a="http://schemas.openxmlformats.org/drawingml/2006/main" xmlns:r="http://schemas.openxmlformats.org/officeDocument/2006/relationships" xmlns:p="http://schemas.openxmlformats.org/presentationml/2006/main">
+  <p:cSld>
+    <p:bg>
+      <p:bgPr>
+        <a:solidFill>
+          <a:schemeClr val="bg1"/>
+        </a:solidFill>
+        <a:effectLst/>
+      </p:bgPr>
+    </p:bg>
+    <p:spTree>
+      <p:nvGrpSpPr>
+        <p:cNvPr id="1" name=""/>
+        <p:cNvGrpSpPr/>
+        <p:nvPr/>
+      </p:nvGrpSpPr>
+      <p:grpSpPr>
+        <a:xfrm>
+          <a:off x="0" y="0"/>
+          <a:ext cx="0" cy="0"/>
+          <a:chOff x="0" y="0"/>
+          <a:chExt cx="0" cy="0"/>
+        </a:xfrm>
+      </p:grpSpPr>
+      <p:pic>
+        <p:nvPicPr>
+          <p:cNvPr id="4" name="Content Placeholder 3" descr="A map of different colors&#10;&#10;Description automatically generated">
+            <a:extLst>
+              <a:ext uri="{FF2B5EF4-FFF2-40B4-BE49-F238E27FC236}">
+                <a16:creationId xmlns:a16="http://schemas.microsoft.com/office/drawing/2014/main" id="{66E272A2-96D6-2814-788A-0C020DDD84D5}"/>
+              </a:ext>
+            </a:extLst>
+          </p:cNvPr>
+          <p:cNvPicPr>
+            <a:picLocks noGrp="1" noChangeAspect="1"/>
+          </p:cNvPicPr>
+          <p:nvPr>
+            <p:ph idx="1"/>
+          </p:nvPr>
+        </p:nvPicPr>
+        <p:blipFill>
+          <a:blip r:embed="rId2"/>
+          <a:stretch>
+            <a:fillRect/>
+          </a:stretch>
+        </p:blipFill>
+        <p:spPr>
+          <a:xfrm>
+            <a:off x="790223" y="643466"/>
+            <a:ext cx="10611554" cy="5571067"/>
+          </a:xfrm>
+          <a:prstGeom prst="rect">
+            <a:avLst/>
+          </a:prstGeom>
+        </p:spPr>
+      </p:pic>
+    </p:spTree>
+    <p:extLst>
+      <p:ext uri="{BB962C8B-B14F-4D97-AF65-F5344CB8AC3E}">
+        <p14:creationId xmlns:p14="http://schemas.microsoft.com/office/powerpoint/2010/main" val="4267944009"/>
       </p:ext>
     </p:extLst>
   </p:cSld>
